--- a/slides/gitops_first_steps.pptx
+++ b/slides/gitops_first_steps.pptx
@@ -39,6 +39,11 @@
     <p:sldId id="284" r:id="rId34"/>
     <p:sldId id="285" r:id="rId35"/>
     <p:sldId id="286" r:id="rId36"/>
+    <p:sldId id="287" r:id="rId37"/>
+    <p:sldId id="288" r:id="rId38"/>
+    <p:sldId id="289" r:id="rId39"/>
+    <p:sldId id="290" r:id="rId40"/>
+    <p:sldId id="291" r:id="rId41"/>
   </p:sldIdLst>
   <p:sldSz cx="10080625" cy="7559675"/>
   <p:notesSz cx="7559675" cy="10691812"/>
@@ -97,7 +102,7 @@
         <p:spPr>
           <a:xfrm>
             <a:off x="504000" y="301320"/>
-            <a:ext cx="9072000" cy="1261800"/>
+            <a:ext cx="9071640" cy="1261440"/>
           </a:xfrm>
           <a:prstGeom prst="rect">
             <a:avLst/>
@@ -128,7 +133,7 @@
         <p:spPr>
           <a:xfrm>
             <a:off x="504000" y="1768680"/>
-            <a:ext cx="9072000" cy="2090880"/>
+            <a:ext cx="9071640" cy="2090880"/>
           </a:xfrm>
           <a:prstGeom prst="rect">
             <a:avLst/>
@@ -158,7 +163,7 @@
         <p:spPr>
           <a:xfrm>
             <a:off x="504000" y="4058640"/>
-            <a:ext cx="9072000" cy="2090880"/>
+            <a:ext cx="9071640" cy="2090880"/>
           </a:xfrm>
           <a:prstGeom prst="rect">
             <a:avLst/>
@@ -210,7 +215,7 @@
         <p:spPr>
           <a:xfrm>
             <a:off x="504000" y="301320"/>
-            <a:ext cx="9072000" cy="1261800"/>
+            <a:ext cx="9071640" cy="1261440"/>
           </a:xfrm>
           <a:prstGeom prst="rect">
             <a:avLst/>
@@ -383,7 +388,7 @@
         <p:spPr>
           <a:xfrm>
             <a:off x="504000" y="301320"/>
-            <a:ext cx="9072000" cy="1261800"/>
+            <a:ext cx="9071640" cy="1261440"/>
           </a:xfrm>
           <a:prstGeom prst="rect">
             <a:avLst/>
@@ -414,7 +419,7 @@
         <p:spPr>
           <a:xfrm>
             <a:off x="504000" y="1768680"/>
-            <a:ext cx="2921040" cy="2090880"/>
+            <a:ext cx="2920680" cy="2090880"/>
           </a:xfrm>
           <a:prstGeom prst="rect">
             <a:avLst/>
@@ -443,8 +448,8 @@
         </p:nvSpPr>
         <p:spPr>
           <a:xfrm>
-            <a:off x="3571560" y="1768680"/>
-            <a:ext cx="2921040" cy="2090880"/>
+            <a:off x="3571200" y="1768680"/>
+            <a:ext cx="2920680" cy="2090880"/>
           </a:xfrm>
           <a:prstGeom prst="rect">
             <a:avLst/>
@@ -473,8 +478,8 @@
         </p:nvSpPr>
         <p:spPr>
           <a:xfrm>
-            <a:off x="6639120" y="1768680"/>
-            <a:ext cx="2921040" cy="2090880"/>
+            <a:off x="6638040" y="1768680"/>
+            <a:ext cx="2920680" cy="2090880"/>
           </a:xfrm>
           <a:prstGeom prst="rect">
             <a:avLst/>
@@ -504,7 +509,7 @@
         <p:spPr>
           <a:xfrm>
             <a:off x="504000" y="4058640"/>
-            <a:ext cx="2921040" cy="2090880"/>
+            <a:ext cx="2920680" cy="2090880"/>
           </a:xfrm>
           <a:prstGeom prst="rect">
             <a:avLst/>
@@ -533,8 +538,8 @@
         </p:nvSpPr>
         <p:spPr>
           <a:xfrm>
-            <a:off x="3571560" y="4058640"/>
-            <a:ext cx="2921040" cy="2090880"/>
+            <a:off x="3571200" y="4058640"/>
+            <a:ext cx="2920680" cy="2090880"/>
           </a:xfrm>
           <a:prstGeom prst="rect">
             <a:avLst/>
@@ -563,8 +568,8 @@
         </p:nvSpPr>
         <p:spPr>
           <a:xfrm>
-            <a:off x="6639120" y="4058640"/>
-            <a:ext cx="2921040" cy="2090880"/>
+            <a:off x="6638040" y="4058640"/>
+            <a:ext cx="2920680" cy="2090880"/>
           </a:xfrm>
           <a:prstGeom prst="rect">
             <a:avLst/>
@@ -638,7 +643,7 @@
         <p:spPr>
           <a:xfrm>
             <a:off x="504000" y="301320"/>
-            <a:ext cx="9072000" cy="1261800"/>
+            <a:ext cx="9071640" cy="1261440"/>
           </a:xfrm>
           <a:prstGeom prst="rect">
             <a:avLst/>
@@ -669,7 +674,7 @@
         <p:spPr>
           <a:xfrm>
             <a:off x="504000" y="1768680"/>
-            <a:ext cx="9072000" cy="4384080"/>
+            <a:ext cx="9071640" cy="4383720"/>
           </a:xfrm>
           <a:prstGeom prst="rect">
             <a:avLst/>
@@ -722,7 +727,7 @@
         <p:spPr>
           <a:xfrm>
             <a:off x="504000" y="301320"/>
-            <a:ext cx="9072000" cy="1261800"/>
+            <a:ext cx="9071640" cy="1261440"/>
           </a:xfrm>
           <a:prstGeom prst="rect">
             <a:avLst/>
@@ -753,7 +758,7 @@
         <p:spPr>
           <a:xfrm>
             <a:off x="504000" y="1768680"/>
-            <a:ext cx="9072000" cy="4384080"/>
+            <a:ext cx="9071640" cy="4383720"/>
           </a:xfrm>
           <a:prstGeom prst="rect">
             <a:avLst/>
@@ -805,7 +810,7 @@
         <p:spPr>
           <a:xfrm>
             <a:off x="504000" y="301320"/>
-            <a:ext cx="9072000" cy="1261800"/>
+            <a:ext cx="9071640" cy="1261440"/>
           </a:xfrm>
           <a:prstGeom prst="rect">
             <a:avLst/>
@@ -836,7 +841,7 @@
         <p:spPr>
           <a:xfrm>
             <a:off x="504000" y="1768680"/>
-            <a:ext cx="4426920" cy="4384080"/>
+            <a:ext cx="4426920" cy="4383720"/>
           </a:xfrm>
           <a:prstGeom prst="rect">
             <a:avLst/>
@@ -866,7 +871,7 @@
         <p:spPr>
           <a:xfrm>
             <a:off x="5152680" y="1768680"/>
-            <a:ext cx="4426920" cy="4384080"/>
+            <a:ext cx="4426920" cy="4383720"/>
           </a:xfrm>
           <a:prstGeom prst="rect">
             <a:avLst/>
@@ -918,7 +923,7 @@
         <p:spPr>
           <a:xfrm>
             <a:off x="504000" y="301320"/>
-            <a:ext cx="9072000" cy="1261800"/>
+            <a:ext cx="9071640" cy="1261440"/>
           </a:xfrm>
           <a:prstGeom prst="rect">
             <a:avLst/>
@@ -971,7 +976,7 @@
         <p:spPr>
           <a:xfrm>
             <a:off x="504000" y="301320"/>
-            <a:ext cx="9072000" cy="5850360"/>
+            <a:ext cx="9071640" cy="5848560"/>
           </a:xfrm>
           <a:prstGeom prst="rect">
             <a:avLst/>
@@ -1024,7 +1029,7 @@
         <p:spPr>
           <a:xfrm>
             <a:off x="504000" y="301320"/>
-            <a:ext cx="9072000" cy="1261800"/>
+            <a:ext cx="9071640" cy="1261440"/>
           </a:xfrm>
           <a:prstGeom prst="rect">
             <a:avLst/>
@@ -1085,7 +1090,7 @@
         <p:spPr>
           <a:xfrm>
             <a:off x="5152680" y="1768680"/>
-            <a:ext cx="4426920" cy="4384080"/>
+            <a:ext cx="4426920" cy="4383720"/>
           </a:xfrm>
           <a:prstGeom prst="rect">
             <a:avLst/>
@@ -1167,7 +1172,7 @@
         <p:spPr>
           <a:xfrm>
             <a:off x="504000" y="301320"/>
-            <a:ext cx="9072000" cy="1261800"/>
+            <a:ext cx="9071640" cy="1261440"/>
           </a:xfrm>
           <a:prstGeom prst="rect">
             <a:avLst/>
@@ -1198,7 +1203,7 @@
         <p:spPr>
           <a:xfrm>
             <a:off x="504000" y="1768680"/>
-            <a:ext cx="9072000" cy="4384080"/>
+            <a:ext cx="9071640" cy="4383720"/>
           </a:xfrm>
           <a:prstGeom prst="rect">
             <a:avLst/>
@@ -1251,7 +1256,7 @@
         <p:spPr>
           <a:xfrm>
             <a:off x="504000" y="301320"/>
-            <a:ext cx="9072000" cy="1261800"/>
+            <a:ext cx="9071640" cy="1261440"/>
           </a:xfrm>
           <a:prstGeom prst="rect">
             <a:avLst/>
@@ -1282,7 +1287,7 @@
         <p:spPr>
           <a:xfrm>
             <a:off x="504000" y="1768680"/>
-            <a:ext cx="4426920" cy="4384080"/>
+            <a:ext cx="4426920" cy="4383720"/>
           </a:xfrm>
           <a:prstGeom prst="rect">
             <a:avLst/>
@@ -1394,7 +1399,7 @@
         <p:spPr>
           <a:xfrm>
             <a:off x="504000" y="301320"/>
-            <a:ext cx="9072000" cy="1261800"/>
+            <a:ext cx="9071640" cy="1261440"/>
           </a:xfrm>
           <a:prstGeom prst="rect">
             <a:avLst/>
@@ -1485,7 +1490,7 @@
         <p:spPr>
           <a:xfrm>
             <a:off x="504000" y="4058640"/>
-            <a:ext cx="9072000" cy="2090880"/>
+            <a:ext cx="9071640" cy="2090880"/>
           </a:xfrm>
           <a:prstGeom prst="rect">
             <a:avLst/>
@@ -1537,7 +1542,7 @@
         <p:spPr>
           <a:xfrm>
             <a:off x="504000" y="301320"/>
-            <a:ext cx="9072000" cy="1261800"/>
+            <a:ext cx="9071640" cy="1261440"/>
           </a:xfrm>
           <a:prstGeom prst="rect">
             <a:avLst/>
@@ -1568,7 +1573,7 @@
         <p:spPr>
           <a:xfrm>
             <a:off x="504000" y="1768680"/>
-            <a:ext cx="9072000" cy="2090880"/>
+            <a:ext cx="9071640" cy="2090880"/>
           </a:xfrm>
           <a:prstGeom prst="rect">
             <a:avLst/>
@@ -1598,7 +1603,7 @@
         <p:spPr>
           <a:xfrm>
             <a:off x="504000" y="4058640"/>
-            <a:ext cx="9072000" cy="2090880"/>
+            <a:ext cx="9071640" cy="2090880"/>
           </a:xfrm>
           <a:prstGeom prst="rect">
             <a:avLst/>
@@ -1650,7 +1655,7 @@
         <p:spPr>
           <a:xfrm>
             <a:off x="504000" y="301320"/>
-            <a:ext cx="9072000" cy="1261800"/>
+            <a:ext cx="9071640" cy="1261440"/>
           </a:xfrm>
           <a:prstGeom prst="rect">
             <a:avLst/>
@@ -1823,7 +1828,7 @@
         <p:spPr>
           <a:xfrm>
             <a:off x="504000" y="301320"/>
-            <a:ext cx="9072000" cy="1261800"/>
+            <a:ext cx="9071640" cy="1261440"/>
           </a:xfrm>
           <a:prstGeom prst="rect">
             <a:avLst/>
@@ -1854,7 +1859,7 @@
         <p:spPr>
           <a:xfrm>
             <a:off x="504000" y="1768680"/>
-            <a:ext cx="2921040" cy="2090880"/>
+            <a:ext cx="2920680" cy="2090880"/>
           </a:xfrm>
           <a:prstGeom prst="rect">
             <a:avLst/>
@@ -1883,8 +1888,8 @@
         </p:nvSpPr>
         <p:spPr>
           <a:xfrm>
-            <a:off x="3571560" y="1768680"/>
-            <a:ext cx="2921040" cy="2090880"/>
+            <a:off x="3571200" y="1768680"/>
+            <a:ext cx="2920680" cy="2090880"/>
           </a:xfrm>
           <a:prstGeom prst="rect">
             <a:avLst/>
@@ -1913,8 +1918,8 @@
         </p:nvSpPr>
         <p:spPr>
           <a:xfrm>
-            <a:off x="6639120" y="1768680"/>
-            <a:ext cx="2921040" cy="2090880"/>
+            <a:off x="6638040" y="1768680"/>
+            <a:ext cx="2920680" cy="2090880"/>
           </a:xfrm>
           <a:prstGeom prst="rect">
             <a:avLst/>
@@ -1944,7 +1949,7 @@
         <p:spPr>
           <a:xfrm>
             <a:off x="504000" y="4058640"/>
-            <a:ext cx="2921040" cy="2090880"/>
+            <a:ext cx="2920680" cy="2090880"/>
           </a:xfrm>
           <a:prstGeom prst="rect">
             <a:avLst/>
@@ -1973,8 +1978,8 @@
         </p:nvSpPr>
         <p:spPr>
           <a:xfrm>
-            <a:off x="3571560" y="4058640"/>
-            <a:ext cx="2921040" cy="2090880"/>
+            <a:off x="3571200" y="4058640"/>
+            <a:ext cx="2920680" cy="2090880"/>
           </a:xfrm>
           <a:prstGeom prst="rect">
             <a:avLst/>
@@ -2003,8 +2008,8 @@
         </p:nvSpPr>
         <p:spPr>
           <a:xfrm>
-            <a:off x="6639120" y="4058640"/>
-            <a:ext cx="2921040" cy="2090880"/>
+            <a:off x="6638040" y="4058640"/>
+            <a:ext cx="2920680" cy="2090880"/>
           </a:xfrm>
           <a:prstGeom prst="rect">
             <a:avLst/>
@@ -2067,7 +2072,7 @@
       </p:grpSpPr>
       <p:sp>
         <p:nvSpPr>
-          <p:cNvPr id="84" name="PlaceHolder 1"/>
+          <p:cNvPr id="87" name="PlaceHolder 1"/>
           <p:cNvSpPr>
             <a:spLocks noGrp="1"/>
           </p:cNvSpPr>
@@ -2078,7 +2083,7 @@
         <p:spPr>
           <a:xfrm>
             <a:off x="504000" y="301320"/>
-            <a:ext cx="9072000" cy="1261800"/>
+            <a:ext cx="9071640" cy="1261440"/>
           </a:xfrm>
           <a:prstGeom prst="rect">
             <a:avLst/>
@@ -2098,7 +2103,7 @@
       </p:sp>
       <p:sp>
         <p:nvSpPr>
-          <p:cNvPr id="85" name="PlaceHolder 2"/>
+          <p:cNvPr id="88" name="PlaceHolder 2"/>
           <p:cNvSpPr>
             <a:spLocks noGrp="1"/>
           </p:cNvSpPr>
@@ -2109,7 +2114,7 @@
         <p:spPr>
           <a:xfrm>
             <a:off x="504000" y="1768680"/>
-            <a:ext cx="9072000" cy="4384080"/>
+            <a:ext cx="9071640" cy="4383720"/>
           </a:xfrm>
           <a:prstGeom prst="rect">
             <a:avLst/>
@@ -2151,7 +2156,7 @@
       </p:grpSpPr>
       <p:sp>
         <p:nvSpPr>
-          <p:cNvPr id="86" name="PlaceHolder 1"/>
+          <p:cNvPr id="89" name="PlaceHolder 1"/>
           <p:cNvSpPr>
             <a:spLocks noGrp="1"/>
           </p:cNvSpPr>
@@ -2162,7 +2167,7 @@
         <p:spPr>
           <a:xfrm>
             <a:off x="504000" y="301320"/>
-            <a:ext cx="9072000" cy="1261800"/>
+            <a:ext cx="9071640" cy="1261440"/>
           </a:xfrm>
           <a:prstGeom prst="rect">
             <a:avLst/>
@@ -2182,7 +2187,7 @@
       </p:sp>
       <p:sp>
         <p:nvSpPr>
-          <p:cNvPr id="87" name="PlaceHolder 2"/>
+          <p:cNvPr id="90" name="PlaceHolder 2"/>
           <p:cNvSpPr>
             <a:spLocks noGrp="1"/>
           </p:cNvSpPr>
@@ -2193,7 +2198,7 @@
         <p:spPr>
           <a:xfrm>
             <a:off x="504000" y="1768680"/>
-            <a:ext cx="9072000" cy="4384080"/>
+            <a:ext cx="9071640" cy="4383720"/>
           </a:xfrm>
           <a:prstGeom prst="rect">
             <a:avLst/>
@@ -2234,7 +2239,7 @@
       </p:grpSpPr>
       <p:sp>
         <p:nvSpPr>
-          <p:cNvPr id="88" name="PlaceHolder 1"/>
+          <p:cNvPr id="91" name="PlaceHolder 1"/>
           <p:cNvSpPr>
             <a:spLocks noGrp="1"/>
           </p:cNvSpPr>
@@ -2245,7 +2250,7 @@
         <p:spPr>
           <a:xfrm>
             <a:off x="504000" y="301320"/>
-            <a:ext cx="9072000" cy="1261800"/>
+            <a:ext cx="9071640" cy="1261440"/>
           </a:xfrm>
           <a:prstGeom prst="rect">
             <a:avLst/>
@@ -2265,7 +2270,7 @@
       </p:sp>
       <p:sp>
         <p:nvSpPr>
-          <p:cNvPr id="89" name="PlaceHolder 2"/>
+          <p:cNvPr id="92" name="PlaceHolder 2"/>
           <p:cNvSpPr>
             <a:spLocks noGrp="1"/>
           </p:cNvSpPr>
@@ -2276,7 +2281,7 @@
         <p:spPr>
           <a:xfrm>
             <a:off x="504000" y="1768680"/>
-            <a:ext cx="4426920" cy="4384080"/>
+            <a:ext cx="4426920" cy="4383720"/>
           </a:xfrm>
           <a:prstGeom prst="rect">
             <a:avLst/>
@@ -2295,7 +2300,7 @@
       </p:sp>
       <p:sp>
         <p:nvSpPr>
-          <p:cNvPr id="90" name="PlaceHolder 3"/>
+          <p:cNvPr id="93" name="PlaceHolder 3"/>
           <p:cNvSpPr>
             <a:spLocks noGrp="1"/>
           </p:cNvSpPr>
@@ -2306,7 +2311,7 @@
         <p:spPr>
           <a:xfrm>
             <a:off x="5152680" y="1768680"/>
-            <a:ext cx="4426920" cy="4384080"/>
+            <a:ext cx="4426920" cy="4383720"/>
           </a:xfrm>
           <a:prstGeom prst="rect">
             <a:avLst/>
@@ -2347,7 +2352,7 @@
       </p:grpSpPr>
       <p:sp>
         <p:nvSpPr>
-          <p:cNvPr id="91" name="PlaceHolder 1"/>
+          <p:cNvPr id="94" name="PlaceHolder 1"/>
           <p:cNvSpPr>
             <a:spLocks noGrp="1"/>
           </p:cNvSpPr>
@@ -2358,7 +2363,7 @@
         <p:spPr>
           <a:xfrm>
             <a:off x="504000" y="301320"/>
-            <a:ext cx="9072000" cy="1261800"/>
+            <a:ext cx="9071640" cy="1261440"/>
           </a:xfrm>
           <a:prstGeom prst="rect">
             <a:avLst/>
@@ -2411,7 +2416,7 @@
         <p:spPr>
           <a:xfrm>
             <a:off x="504000" y="301320"/>
-            <a:ext cx="9072000" cy="1261800"/>
+            <a:ext cx="9071640" cy="1261440"/>
           </a:xfrm>
           <a:prstGeom prst="rect">
             <a:avLst/>
@@ -2442,7 +2447,7 @@
         <p:spPr>
           <a:xfrm>
             <a:off x="504000" y="1768680"/>
-            <a:ext cx="9072000" cy="4384080"/>
+            <a:ext cx="9071640" cy="4383720"/>
           </a:xfrm>
           <a:prstGeom prst="rect">
             <a:avLst/>
@@ -2483,7 +2488,7 @@
       </p:grpSpPr>
       <p:sp>
         <p:nvSpPr>
-          <p:cNvPr id="92" name="PlaceHolder 1"/>
+          <p:cNvPr id="95" name="PlaceHolder 1"/>
           <p:cNvSpPr>
             <a:spLocks noGrp="1"/>
           </p:cNvSpPr>
@@ -2494,7 +2499,7 @@
         <p:spPr>
           <a:xfrm>
             <a:off x="504000" y="301320"/>
-            <a:ext cx="9072000" cy="5850360"/>
+            <a:ext cx="9071640" cy="5848560"/>
           </a:xfrm>
           <a:prstGeom prst="rect">
             <a:avLst/>
@@ -2536,7 +2541,7 @@
       </p:grpSpPr>
       <p:sp>
         <p:nvSpPr>
-          <p:cNvPr id="93" name="PlaceHolder 1"/>
+          <p:cNvPr id="96" name="PlaceHolder 1"/>
           <p:cNvSpPr>
             <a:spLocks noGrp="1"/>
           </p:cNvSpPr>
@@ -2547,7 +2552,7 @@
         <p:spPr>
           <a:xfrm>
             <a:off x="504000" y="301320"/>
-            <a:ext cx="9072000" cy="1261800"/>
+            <a:ext cx="9071640" cy="1261440"/>
           </a:xfrm>
           <a:prstGeom prst="rect">
             <a:avLst/>
@@ -2567,7 +2572,7 @@
       </p:sp>
       <p:sp>
         <p:nvSpPr>
-          <p:cNvPr id="94" name="PlaceHolder 2"/>
+          <p:cNvPr id="97" name="PlaceHolder 2"/>
           <p:cNvSpPr>
             <a:spLocks noGrp="1"/>
           </p:cNvSpPr>
@@ -2597,7 +2602,7 @@
       </p:sp>
       <p:sp>
         <p:nvSpPr>
-          <p:cNvPr id="95" name="PlaceHolder 3"/>
+          <p:cNvPr id="98" name="PlaceHolder 3"/>
           <p:cNvSpPr>
             <a:spLocks noGrp="1"/>
           </p:cNvSpPr>
@@ -2608,7 +2613,7 @@
         <p:spPr>
           <a:xfrm>
             <a:off x="5152680" y="1768680"/>
-            <a:ext cx="4426920" cy="4384080"/>
+            <a:ext cx="4426920" cy="4383720"/>
           </a:xfrm>
           <a:prstGeom prst="rect">
             <a:avLst/>
@@ -2627,7 +2632,7 @@
       </p:sp>
       <p:sp>
         <p:nvSpPr>
-          <p:cNvPr id="96" name="PlaceHolder 4"/>
+          <p:cNvPr id="99" name="PlaceHolder 4"/>
           <p:cNvSpPr>
             <a:spLocks noGrp="1"/>
           </p:cNvSpPr>
@@ -2679,7 +2684,7 @@
       </p:grpSpPr>
       <p:sp>
         <p:nvSpPr>
-          <p:cNvPr id="97" name="PlaceHolder 1"/>
+          <p:cNvPr id="100" name="PlaceHolder 1"/>
           <p:cNvSpPr>
             <a:spLocks noGrp="1"/>
           </p:cNvSpPr>
@@ -2690,7 +2695,7 @@
         <p:spPr>
           <a:xfrm>
             <a:off x="504000" y="301320"/>
-            <a:ext cx="9072000" cy="1261800"/>
+            <a:ext cx="9071640" cy="1261440"/>
           </a:xfrm>
           <a:prstGeom prst="rect">
             <a:avLst/>
@@ -2710,7 +2715,7 @@
       </p:sp>
       <p:sp>
         <p:nvSpPr>
-          <p:cNvPr id="98" name="PlaceHolder 2"/>
+          <p:cNvPr id="101" name="PlaceHolder 2"/>
           <p:cNvSpPr>
             <a:spLocks noGrp="1"/>
           </p:cNvSpPr>
@@ -2721,7 +2726,7 @@
         <p:spPr>
           <a:xfrm>
             <a:off x="504000" y="1768680"/>
-            <a:ext cx="4426920" cy="4384080"/>
+            <a:ext cx="4426920" cy="4383720"/>
           </a:xfrm>
           <a:prstGeom prst="rect">
             <a:avLst/>
@@ -2740,7 +2745,7 @@
       </p:sp>
       <p:sp>
         <p:nvSpPr>
-          <p:cNvPr id="99" name="PlaceHolder 3"/>
+          <p:cNvPr id="102" name="PlaceHolder 3"/>
           <p:cNvSpPr>
             <a:spLocks noGrp="1"/>
           </p:cNvSpPr>
@@ -2770,7 +2775,7 @@
       </p:sp>
       <p:sp>
         <p:nvSpPr>
-          <p:cNvPr id="100" name="PlaceHolder 4"/>
+          <p:cNvPr id="103" name="PlaceHolder 4"/>
           <p:cNvSpPr>
             <a:spLocks noGrp="1"/>
           </p:cNvSpPr>
@@ -2822,7 +2827,7 @@
       </p:grpSpPr>
       <p:sp>
         <p:nvSpPr>
-          <p:cNvPr id="101" name="PlaceHolder 1"/>
+          <p:cNvPr id="104" name="PlaceHolder 1"/>
           <p:cNvSpPr>
             <a:spLocks noGrp="1"/>
           </p:cNvSpPr>
@@ -2833,7 +2838,7 @@
         <p:spPr>
           <a:xfrm>
             <a:off x="504000" y="301320"/>
-            <a:ext cx="9072000" cy="1261800"/>
+            <a:ext cx="9071640" cy="1261440"/>
           </a:xfrm>
           <a:prstGeom prst="rect">
             <a:avLst/>
@@ -2853,7 +2858,7 @@
       </p:sp>
       <p:sp>
         <p:nvSpPr>
-          <p:cNvPr id="102" name="PlaceHolder 2"/>
+          <p:cNvPr id="105" name="PlaceHolder 2"/>
           <p:cNvSpPr>
             <a:spLocks noGrp="1"/>
           </p:cNvSpPr>
@@ -2883,7 +2888,7 @@
       </p:sp>
       <p:sp>
         <p:nvSpPr>
-          <p:cNvPr id="103" name="PlaceHolder 3"/>
+          <p:cNvPr id="106" name="PlaceHolder 3"/>
           <p:cNvSpPr>
             <a:spLocks noGrp="1"/>
           </p:cNvSpPr>
@@ -2913,7 +2918,7 @@
       </p:sp>
       <p:sp>
         <p:nvSpPr>
-          <p:cNvPr id="104" name="PlaceHolder 4"/>
+          <p:cNvPr id="107" name="PlaceHolder 4"/>
           <p:cNvSpPr>
             <a:spLocks noGrp="1"/>
           </p:cNvSpPr>
@@ -2924,7 +2929,7 @@
         <p:spPr>
           <a:xfrm>
             <a:off x="504000" y="4058640"/>
-            <a:ext cx="9072000" cy="2090880"/>
+            <a:ext cx="9071640" cy="2090880"/>
           </a:xfrm>
           <a:prstGeom prst="rect">
             <a:avLst/>
@@ -2965,7 +2970,7 @@
       </p:grpSpPr>
       <p:sp>
         <p:nvSpPr>
-          <p:cNvPr id="105" name="PlaceHolder 1"/>
+          <p:cNvPr id="108" name="PlaceHolder 1"/>
           <p:cNvSpPr>
             <a:spLocks noGrp="1"/>
           </p:cNvSpPr>
@@ -2976,7 +2981,7 @@
         <p:spPr>
           <a:xfrm>
             <a:off x="504000" y="301320"/>
-            <a:ext cx="9072000" cy="1261800"/>
+            <a:ext cx="9071640" cy="1261440"/>
           </a:xfrm>
           <a:prstGeom prst="rect">
             <a:avLst/>
@@ -2996,7 +3001,7 @@
       </p:sp>
       <p:sp>
         <p:nvSpPr>
-          <p:cNvPr id="106" name="PlaceHolder 2"/>
+          <p:cNvPr id="109" name="PlaceHolder 2"/>
           <p:cNvSpPr>
             <a:spLocks noGrp="1"/>
           </p:cNvSpPr>
@@ -3007,7 +3012,7 @@
         <p:spPr>
           <a:xfrm>
             <a:off x="504000" y="1768680"/>
-            <a:ext cx="9072000" cy="2090880"/>
+            <a:ext cx="9071640" cy="2090880"/>
           </a:xfrm>
           <a:prstGeom prst="rect">
             <a:avLst/>
@@ -3026,7 +3031,7 @@
       </p:sp>
       <p:sp>
         <p:nvSpPr>
-          <p:cNvPr id="107" name="PlaceHolder 3"/>
+          <p:cNvPr id="110" name="PlaceHolder 3"/>
           <p:cNvSpPr>
             <a:spLocks noGrp="1"/>
           </p:cNvSpPr>
@@ -3037,7 +3042,7 @@
         <p:spPr>
           <a:xfrm>
             <a:off x="504000" y="4058640"/>
-            <a:ext cx="9072000" cy="2090880"/>
+            <a:ext cx="9071640" cy="2090880"/>
           </a:xfrm>
           <a:prstGeom prst="rect">
             <a:avLst/>
@@ -3078,7 +3083,7 @@
       </p:grpSpPr>
       <p:sp>
         <p:nvSpPr>
-          <p:cNvPr id="108" name="PlaceHolder 1"/>
+          <p:cNvPr id="111" name="PlaceHolder 1"/>
           <p:cNvSpPr>
             <a:spLocks noGrp="1"/>
           </p:cNvSpPr>
@@ -3089,7 +3094,7 @@
         <p:spPr>
           <a:xfrm>
             <a:off x="504000" y="301320"/>
-            <a:ext cx="9072000" cy="1261800"/>
+            <a:ext cx="9071640" cy="1261440"/>
           </a:xfrm>
           <a:prstGeom prst="rect">
             <a:avLst/>
@@ -3109,7 +3114,7 @@
       </p:sp>
       <p:sp>
         <p:nvSpPr>
-          <p:cNvPr id="109" name="PlaceHolder 2"/>
+          <p:cNvPr id="112" name="PlaceHolder 2"/>
           <p:cNvSpPr>
             <a:spLocks noGrp="1"/>
           </p:cNvSpPr>
@@ -3139,7 +3144,7 @@
       </p:sp>
       <p:sp>
         <p:nvSpPr>
-          <p:cNvPr id="110" name="PlaceHolder 3"/>
+          <p:cNvPr id="113" name="PlaceHolder 3"/>
           <p:cNvSpPr>
             <a:spLocks noGrp="1"/>
           </p:cNvSpPr>
@@ -3169,7 +3174,7 @@
       </p:sp>
       <p:sp>
         <p:nvSpPr>
-          <p:cNvPr id="111" name="PlaceHolder 4"/>
+          <p:cNvPr id="114" name="PlaceHolder 4"/>
           <p:cNvSpPr>
             <a:spLocks noGrp="1"/>
           </p:cNvSpPr>
@@ -3199,7 +3204,7 @@
       </p:sp>
       <p:sp>
         <p:nvSpPr>
-          <p:cNvPr id="112" name="PlaceHolder 5"/>
+          <p:cNvPr id="115" name="PlaceHolder 5"/>
           <p:cNvSpPr>
             <a:spLocks noGrp="1"/>
           </p:cNvSpPr>
@@ -3251,7 +3256,7 @@
       </p:grpSpPr>
       <p:sp>
         <p:nvSpPr>
-          <p:cNvPr id="113" name="PlaceHolder 1"/>
+          <p:cNvPr id="116" name="PlaceHolder 1"/>
           <p:cNvSpPr>
             <a:spLocks noGrp="1"/>
           </p:cNvSpPr>
@@ -3262,7 +3267,7 @@
         <p:spPr>
           <a:xfrm>
             <a:off x="504000" y="301320"/>
-            <a:ext cx="9072000" cy="1261800"/>
+            <a:ext cx="9071640" cy="1261440"/>
           </a:xfrm>
           <a:prstGeom prst="rect">
             <a:avLst/>
@@ -3282,7 +3287,7 @@
       </p:sp>
       <p:sp>
         <p:nvSpPr>
-          <p:cNvPr id="114" name="PlaceHolder 2"/>
+          <p:cNvPr id="117" name="PlaceHolder 2"/>
           <p:cNvSpPr>
             <a:spLocks noGrp="1"/>
           </p:cNvSpPr>
@@ -3293,7 +3298,7 @@
         <p:spPr>
           <a:xfrm>
             <a:off x="504000" y="1768680"/>
-            <a:ext cx="2921040" cy="2090880"/>
+            <a:ext cx="2920680" cy="2090880"/>
           </a:xfrm>
           <a:prstGeom prst="rect">
             <a:avLst/>
@@ -3312,7 +3317,7 @@
       </p:sp>
       <p:sp>
         <p:nvSpPr>
-          <p:cNvPr id="115" name="PlaceHolder 3"/>
+          <p:cNvPr id="118" name="PlaceHolder 3"/>
           <p:cNvSpPr>
             <a:spLocks noGrp="1"/>
           </p:cNvSpPr>
@@ -3322,8 +3327,8 @@
         </p:nvSpPr>
         <p:spPr>
           <a:xfrm>
-            <a:off x="3571560" y="1768680"/>
-            <a:ext cx="2921040" cy="2090880"/>
+            <a:off x="3571200" y="1768680"/>
+            <a:ext cx="2920680" cy="2090880"/>
           </a:xfrm>
           <a:prstGeom prst="rect">
             <a:avLst/>
@@ -3342,7 +3347,7 @@
       </p:sp>
       <p:sp>
         <p:nvSpPr>
-          <p:cNvPr id="116" name="PlaceHolder 4"/>
+          <p:cNvPr id="119" name="PlaceHolder 4"/>
           <p:cNvSpPr>
             <a:spLocks noGrp="1"/>
           </p:cNvSpPr>
@@ -3352,8 +3357,8 @@
         </p:nvSpPr>
         <p:spPr>
           <a:xfrm>
-            <a:off x="6639120" y="1768680"/>
-            <a:ext cx="2921040" cy="2090880"/>
+            <a:off x="6638040" y="1768680"/>
+            <a:ext cx="2920680" cy="2090880"/>
           </a:xfrm>
           <a:prstGeom prst="rect">
             <a:avLst/>
@@ -3372,7 +3377,7 @@
       </p:sp>
       <p:sp>
         <p:nvSpPr>
-          <p:cNvPr id="117" name="PlaceHolder 5"/>
+          <p:cNvPr id="120" name="PlaceHolder 5"/>
           <p:cNvSpPr>
             <a:spLocks noGrp="1"/>
           </p:cNvSpPr>
@@ -3383,7 +3388,7 @@
         <p:spPr>
           <a:xfrm>
             <a:off x="504000" y="4058640"/>
-            <a:ext cx="2921040" cy="2090880"/>
+            <a:ext cx="2920680" cy="2090880"/>
           </a:xfrm>
           <a:prstGeom prst="rect">
             <a:avLst/>
@@ -3402,7 +3407,7 @@
       </p:sp>
       <p:sp>
         <p:nvSpPr>
-          <p:cNvPr id="118" name="PlaceHolder 6"/>
+          <p:cNvPr id="121" name="PlaceHolder 6"/>
           <p:cNvSpPr>
             <a:spLocks noGrp="1"/>
           </p:cNvSpPr>
@@ -3412,8 +3417,8 @@
         </p:nvSpPr>
         <p:spPr>
           <a:xfrm>
-            <a:off x="3571560" y="4058640"/>
-            <a:ext cx="2921040" cy="2090880"/>
+            <a:off x="3571200" y="4058640"/>
+            <a:ext cx="2920680" cy="2090880"/>
           </a:xfrm>
           <a:prstGeom prst="rect">
             <a:avLst/>
@@ -3432,7 +3437,7 @@
       </p:sp>
       <p:sp>
         <p:nvSpPr>
-          <p:cNvPr id="119" name="PlaceHolder 7"/>
+          <p:cNvPr id="122" name="PlaceHolder 7"/>
           <p:cNvSpPr>
             <a:spLocks noGrp="1"/>
           </p:cNvSpPr>
@@ -3442,8 +3447,8 @@
         </p:nvSpPr>
         <p:spPr>
           <a:xfrm>
-            <a:off x="6639120" y="4058640"/>
-            <a:ext cx="2921040" cy="2090880"/>
+            <a:off x="6638040" y="4058640"/>
+            <a:ext cx="2920680" cy="2090880"/>
           </a:xfrm>
           <a:prstGeom prst="rect">
             <a:avLst/>
@@ -3517,7 +3522,7 @@
         <p:spPr>
           <a:xfrm>
             <a:off x="504000" y="301320"/>
-            <a:ext cx="9072000" cy="1261800"/>
+            <a:ext cx="9071640" cy="1261440"/>
           </a:xfrm>
           <a:prstGeom prst="rect">
             <a:avLst/>
@@ -3548,7 +3553,7 @@
         <p:spPr>
           <a:xfrm>
             <a:off x="504000" y="1768680"/>
-            <a:ext cx="9072000" cy="4384080"/>
+            <a:ext cx="9071640" cy="4383720"/>
           </a:xfrm>
           <a:prstGeom prst="rect">
             <a:avLst/>
@@ -3601,7 +3606,7 @@
         <p:spPr>
           <a:xfrm>
             <a:off x="504000" y="301320"/>
-            <a:ext cx="9072000" cy="1261800"/>
+            <a:ext cx="9071640" cy="1261440"/>
           </a:xfrm>
           <a:prstGeom prst="rect">
             <a:avLst/>
@@ -3632,7 +3637,7 @@
         <p:spPr>
           <a:xfrm>
             <a:off x="504000" y="1768680"/>
-            <a:ext cx="9072000" cy="4384080"/>
+            <a:ext cx="9071640" cy="4383720"/>
           </a:xfrm>
           <a:prstGeom prst="rect">
             <a:avLst/>
@@ -3684,7 +3689,7 @@
         <p:spPr>
           <a:xfrm>
             <a:off x="504000" y="301320"/>
-            <a:ext cx="9072000" cy="1261800"/>
+            <a:ext cx="9071640" cy="1261440"/>
           </a:xfrm>
           <a:prstGeom prst="rect">
             <a:avLst/>
@@ -3715,7 +3720,7 @@
         <p:spPr>
           <a:xfrm>
             <a:off x="504000" y="1768680"/>
-            <a:ext cx="4426920" cy="4384080"/>
+            <a:ext cx="4426920" cy="4383720"/>
           </a:xfrm>
           <a:prstGeom prst="rect">
             <a:avLst/>
@@ -3745,7 +3750,7 @@
         <p:spPr>
           <a:xfrm>
             <a:off x="5152680" y="1768680"/>
-            <a:ext cx="4426920" cy="4384080"/>
+            <a:ext cx="4426920" cy="4383720"/>
           </a:xfrm>
           <a:prstGeom prst="rect">
             <a:avLst/>
@@ -3797,7 +3802,7 @@
         <p:spPr>
           <a:xfrm>
             <a:off x="504000" y="301320"/>
-            <a:ext cx="9072000" cy="1261800"/>
+            <a:ext cx="9071640" cy="1261440"/>
           </a:xfrm>
           <a:prstGeom prst="rect">
             <a:avLst/>
@@ -3828,7 +3833,7 @@
         <p:spPr>
           <a:xfrm>
             <a:off x="504000" y="1768680"/>
-            <a:ext cx="4426920" cy="4384080"/>
+            <a:ext cx="4426920" cy="4383720"/>
           </a:xfrm>
           <a:prstGeom prst="rect">
             <a:avLst/>
@@ -3858,7 +3863,7 @@
         <p:spPr>
           <a:xfrm>
             <a:off x="5152680" y="1768680"/>
-            <a:ext cx="4426920" cy="4384080"/>
+            <a:ext cx="4426920" cy="4383720"/>
           </a:xfrm>
           <a:prstGeom prst="rect">
             <a:avLst/>
@@ -3910,7 +3915,7 @@
         <p:spPr>
           <a:xfrm>
             <a:off x="504000" y="301320"/>
-            <a:ext cx="9072000" cy="1261800"/>
+            <a:ext cx="9071640" cy="1261440"/>
           </a:xfrm>
           <a:prstGeom prst="rect">
             <a:avLst/>
@@ -3963,7 +3968,7 @@
         <p:spPr>
           <a:xfrm>
             <a:off x="504000" y="301320"/>
-            <a:ext cx="9072000" cy="5850360"/>
+            <a:ext cx="9071640" cy="5848560"/>
           </a:xfrm>
           <a:prstGeom prst="rect">
             <a:avLst/>
@@ -4016,7 +4021,7 @@
         <p:spPr>
           <a:xfrm>
             <a:off x="504000" y="301320"/>
-            <a:ext cx="9072000" cy="1261800"/>
+            <a:ext cx="9071640" cy="1261440"/>
           </a:xfrm>
           <a:prstGeom prst="rect">
             <a:avLst/>
@@ -4077,7 +4082,7 @@
         <p:spPr>
           <a:xfrm>
             <a:off x="5152680" y="1768680"/>
-            <a:ext cx="4426920" cy="4384080"/>
+            <a:ext cx="4426920" cy="4383720"/>
           </a:xfrm>
           <a:prstGeom prst="rect">
             <a:avLst/>
@@ -4159,7 +4164,7 @@
         <p:spPr>
           <a:xfrm>
             <a:off x="504000" y="301320"/>
-            <a:ext cx="9072000" cy="1261800"/>
+            <a:ext cx="9071640" cy="1261440"/>
           </a:xfrm>
           <a:prstGeom prst="rect">
             <a:avLst/>
@@ -4190,7 +4195,7 @@
         <p:spPr>
           <a:xfrm>
             <a:off x="504000" y="1768680"/>
-            <a:ext cx="4426920" cy="4384080"/>
+            <a:ext cx="4426920" cy="4383720"/>
           </a:xfrm>
           <a:prstGeom prst="rect">
             <a:avLst/>
@@ -4302,7 +4307,7 @@
         <p:spPr>
           <a:xfrm>
             <a:off x="504000" y="301320"/>
-            <a:ext cx="9072000" cy="1261800"/>
+            <a:ext cx="9071640" cy="1261440"/>
           </a:xfrm>
           <a:prstGeom prst="rect">
             <a:avLst/>
@@ -4393,7 +4398,7 @@
         <p:spPr>
           <a:xfrm>
             <a:off x="504000" y="4058640"/>
-            <a:ext cx="9072000" cy="2090880"/>
+            <a:ext cx="9071640" cy="2090880"/>
           </a:xfrm>
           <a:prstGeom prst="rect">
             <a:avLst/>
@@ -4445,7 +4450,7 @@
         <p:spPr>
           <a:xfrm>
             <a:off x="504000" y="301320"/>
-            <a:ext cx="9072000" cy="1261800"/>
+            <a:ext cx="9071640" cy="1261440"/>
           </a:xfrm>
           <a:prstGeom prst="rect">
             <a:avLst/>
@@ -4476,7 +4481,7 @@
         <p:spPr>
           <a:xfrm>
             <a:off x="504000" y="1768680"/>
-            <a:ext cx="9072000" cy="2090880"/>
+            <a:ext cx="9071640" cy="2090880"/>
           </a:xfrm>
           <a:prstGeom prst="rect">
             <a:avLst/>
@@ -4506,7 +4511,7 @@
         <p:spPr>
           <a:xfrm>
             <a:off x="504000" y="4058640"/>
-            <a:ext cx="9072000" cy="2090880"/>
+            <a:ext cx="9071640" cy="2090880"/>
           </a:xfrm>
           <a:prstGeom prst="rect">
             <a:avLst/>
@@ -4558,7 +4563,7 @@
         <p:spPr>
           <a:xfrm>
             <a:off x="504000" y="301320"/>
-            <a:ext cx="9072000" cy="1261800"/>
+            <a:ext cx="9071640" cy="1261440"/>
           </a:xfrm>
           <a:prstGeom prst="rect">
             <a:avLst/>
@@ -4731,7 +4736,7 @@
         <p:spPr>
           <a:xfrm>
             <a:off x="504000" y="301320"/>
-            <a:ext cx="9072000" cy="1261800"/>
+            <a:ext cx="9071640" cy="1261440"/>
           </a:xfrm>
           <a:prstGeom prst="rect">
             <a:avLst/>
@@ -4762,7 +4767,7 @@
         <p:spPr>
           <a:xfrm>
             <a:off x="504000" y="1768680"/>
-            <a:ext cx="2921040" cy="2090880"/>
+            <a:ext cx="2920680" cy="2090880"/>
           </a:xfrm>
           <a:prstGeom prst="rect">
             <a:avLst/>
@@ -4791,8 +4796,8 @@
         </p:nvSpPr>
         <p:spPr>
           <a:xfrm>
-            <a:off x="3571560" y="1768680"/>
-            <a:ext cx="2921040" cy="2090880"/>
+            <a:off x="3571200" y="1768680"/>
+            <a:ext cx="2920680" cy="2090880"/>
           </a:xfrm>
           <a:prstGeom prst="rect">
             <a:avLst/>
@@ -4821,8 +4826,8 @@
         </p:nvSpPr>
         <p:spPr>
           <a:xfrm>
-            <a:off x="6639120" y="1768680"/>
-            <a:ext cx="2921040" cy="2090880"/>
+            <a:off x="6638040" y="1768680"/>
+            <a:ext cx="2920680" cy="2090880"/>
           </a:xfrm>
           <a:prstGeom prst="rect">
             <a:avLst/>
@@ -4852,7 +4857,7 @@
         <p:spPr>
           <a:xfrm>
             <a:off x="504000" y="4058640"/>
-            <a:ext cx="2921040" cy="2090880"/>
+            <a:ext cx="2920680" cy="2090880"/>
           </a:xfrm>
           <a:prstGeom prst="rect">
             <a:avLst/>
@@ -4881,8 +4886,8 @@
         </p:nvSpPr>
         <p:spPr>
           <a:xfrm>
-            <a:off x="3571560" y="4058640"/>
-            <a:ext cx="2921040" cy="2090880"/>
+            <a:off x="3571200" y="4058640"/>
+            <a:ext cx="2920680" cy="2090880"/>
           </a:xfrm>
           <a:prstGeom prst="rect">
             <a:avLst/>
@@ -4911,8 +4916,8 @@
         </p:nvSpPr>
         <p:spPr>
           <a:xfrm>
-            <a:off x="6639120" y="4058640"/>
-            <a:ext cx="2921040" cy="2090880"/>
+            <a:off x="6638040" y="4058640"/>
+            <a:ext cx="2920680" cy="2090880"/>
           </a:xfrm>
           <a:prstGeom prst="rect">
             <a:avLst/>
@@ -4964,7 +4969,7 @@
         <p:spPr>
           <a:xfrm>
             <a:off x="504000" y="301320"/>
-            <a:ext cx="9072000" cy="1261800"/>
+            <a:ext cx="9071640" cy="1261440"/>
           </a:xfrm>
           <a:prstGeom prst="rect">
             <a:avLst/>
@@ -5017,7 +5022,7 @@
         <p:spPr>
           <a:xfrm>
             <a:off x="504000" y="301320"/>
-            <a:ext cx="9072000" cy="5850360"/>
+            <a:ext cx="9071640" cy="5848560"/>
           </a:xfrm>
           <a:prstGeom prst="rect">
             <a:avLst/>
@@ -5070,7 +5075,7 @@
         <p:spPr>
           <a:xfrm>
             <a:off x="504000" y="301320"/>
-            <a:ext cx="9072000" cy="1261800"/>
+            <a:ext cx="9071640" cy="1261440"/>
           </a:xfrm>
           <a:prstGeom prst="rect">
             <a:avLst/>
@@ -5131,7 +5136,7 @@
         <p:spPr>
           <a:xfrm>
             <a:off x="5152680" y="1768680"/>
-            <a:ext cx="4426920" cy="4384080"/>
+            <a:ext cx="4426920" cy="4383720"/>
           </a:xfrm>
           <a:prstGeom prst="rect">
             <a:avLst/>
@@ -5213,7 +5218,7 @@
         <p:spPr>
           <a:xfrm>
             <a:off x="504000" y="301320"/>
-            <a:ext cx="9072000" cy="1261800"/>
+            <a:ext cx="9071640" cy="1261440"/>
           </a:xfrm>
           <a:prstGeom prst="rect">
             <a:avLst/>
@@ -5244,7 +5249,7 @@
         <p:spPr>
           <a:xfrm>
             <a:off x="504000" y="1768680"/>
-            <a:ext cx="4426920" cy="4384080"/>
+            <a:ext cx="4426920" cy="4383720"/>
           </a:xfrm>
           <a:prstGeom prst="rect">
             <a:avLst/>
@@ -5356,7 +5361,7 @@
         <p:spPr>
           <a:xfrm>
             <a:off x="504000" y="301320"/>
-            <a:ext cx="9072000" cy="1261800"/>
+            <a:ext cx="9071640" cy="1261440"/>
           </a:xfrm>
           <a:prstGeom prst="rect">
             <a:avLst/>
@@ -5447,7 +5452,7 @@
         <p:spPr>
           <a:xfrm>
             <a:off x="504000" y="4058640"/>
-            <a:ext cx="9072000" cy="2090880"/>
+            <a:ext cx="9071640" cy="2090880"/>
           </a:xfrm>
           <a:prstGeom prst="rect">
             <a:avLst/>
@@ -5502,7 +5507,7 @@
         <p:spPr>
           <a:xfrm>
             <a:off x="0" y="3150000"/>
-            <a:ext cx="9717840" cy="1257840"/>
+            <a:ext cx="9717480" cy="1257480"/>
           </a:xfrm>
           <a:prstGeom prst="rect">
             <a:avLst/>
@@ -5571,7 +5576,7 @@
         <p:spPr>
           <a:xfrm>
             <a:off x="504000" y="1768680"/>
-            <a:ext cx="9072000" cy="4384080"/>
+            <a:ext cx="9071640" cy="4383720"/>
           </a:xfrm>
           <a:prstGeom prst="rect">
             <a:avLst/>
@@ -5582,7 +5587,7 @@
             <a:normAutofit/>
           </a:bodyPr>
           <a:p>
-            <a:pPr marL="432000" indent="-324000">
+            <a:pPr marL="432000" indent="-324000" algn="ctr">
               <a:spcBef>
                 <a:spcPts val="1417"/>
               </a:spcBef>
@@ -5594,17 +5599,17 @@
               <a:buChar char=""/>
             </a:pPr>
             <a:r>
-              <a:rPr b="0" lang="en-GB" sz="3200" spc="-1" strike="noStrike">
+              <a:rPr b="0" lang="en-GB" sz="1800" spc="-1" strike="noStrike">
                 <a:latin typeface="Arial"/>
               </a:rPr>
               <a:t>Click to edit the outline text format</a:t>
             </a:r>
-            <a:endParaRPr b="0" lang="en-GB" sz="3200" spc="-1" strike="noStrike">
-              <a:latin typeface="Arial"/>
-            </a:endParaRPr>
-          </a:p>
-          <a:p>
-            <a:pPr lvl="1" marL="864000" indent="-324000">
+            <a:endParaRPr b="0" lang="en-GB" sz="1800" spc="-1" strike="noStrike">
+              <a:latin typeface="Arial"/>
+            </a:endParaRPr>
+          </a:p>
+          <a:p>
+            <a:pPr lvl="1" marL="864000" indent="-324000" algn="ctr">
               <a:spcBef>
                 <a:spcPts val="1134"/>
               </a:spcBef>
@@ -5616,17 +5621,17 @@
               <a:buChar char=""/>
             </a:pPr>
             <a:r>
-              <a:rPr b="0" lang="en-GB" sz="2800" spc="-1" strike="noStrike">
+              <a:rPr b="0" lang="en-GB" sz="1800" spc="-1" strike="noStrike">
                 <a:latin typeface="Arial"/>
               </a:rPr>
               <a:t>Second Outline Level</a:t>
             </a:r>
-            <a:endParaRPr b="0" lang="en-GB" sz="2800" spc="-1" strike="noStrike">
-              <a:latin typeface="Arial"/>
-            </a:endParaRPr>
-          </a:p>
-          <a:p>
-            <a:pPr lvl="2" marL="1296000" indent="-288000">
+            <a:endParaRPr b="0" lang="en-GB" sz="1800" spc="-1" strike="noStrike">
+              <a:latin typeface="Arial"/>
+            </a:endParaRPr>
+          </a:p>
+          <a:p>
+            <a:pPr lvl="2" marL="1296000" indent="-288000" algn="ctr">
               <a:spcBef>
                 <a:spcPts val="850"/>
               </a:spcBef>
@@ -5638,17 +5643,17 @@
               <a:buChar char=""/>
             </a:pPr>
             <a:r>
-              <a:rPr b="0" lang="en-GB" sz="2400" spc="-1" strike="noStrike">
+              <a:rPr b="0" lang="en-GB" sz="1800" spc="-1" strike="noStrike">
                 <a:latin typeface="Arial"/>
               </a:rPr>
               <a:t>Third Outline Level</a:t>
             </a:r>
-            <a:endParaRPr b="0" lang="en-GB" sz="2400" spc="-1" strike="noStrike">
-              <a:latin typeface="Arial"/>
-            </a:endParaRPr>
-          </a:p>
-          <a:p>
-            <a:pPr lvl="3" marL="1728000" indent="-216000">
+            <a:endParaRPr b="0" lang="en-GB" sz="1800" spc="-1" strike="noStrike">
+              <a:latin typeface="Arial"/>
+            </a:endParaRPr>
+          </a:p>
+          <a:p>
+            <a:pPr lvl="3" marL="1728000" indent="-216000" algn="ctr">
               <a:spcBef>
                 <a:spcPts val="567"/>
               </a:spcBef>
@@ -5660,17 +5665,17 @@
               <a:buChar char=""/>
             </a:pPr>
             <a:r>
-              <a:rPr b="0" lang="en-GB" sz="2000" spc="-1" strike="noStrike">
+              <a:rPr b="0" lang="en-GB" sz="1800" spc="-1" strike="noStrike">
                 <a:latin typeface="Arial"/>
               </a:rPr>
               <a:t>Fourth Outline Level</a:t>
             </a:r>
-            <a:endParaRPr b="0" lang="en-GB" sz="2000" spc="-1" strike="noStrike">
-              <a:latin typeface="Arial"/>
-            </a:endParaRPr>
-          </a:p>
-          <a:p>
-            <a:pPr lvl="4" marL="2160000" indent="-216000">
+            <a:endParaRPr b="0" lang="en-GB" sz="1800" spc="-1" strike="noStrike">
+              <a:latin typeface="Arial"/>
+            </a:endParaRPr>
+          </a:p>
+          <a:p>
+            <a:pPr lvl="4" marL="2160000" indent="-216000" algn="ctr">
               <a:spcBef>
                 <a:spcPts val="283"/>
               </a:spcBef>
@@ -5682,17 +5687,17 @@
               <a:buChar char=""/>
             </a:pPr>
             <a:r>
-              <a:rPr b="0" lang="en-GB" sz="2000" spc="-1" strike="noStrike">
+              <a:rPr b="0" lang="en-GB" sz="1800" spc="-1" strike="noStrike">
                 <a:latin typeface="Arial"/>
               </a:rPr>
               <a:t>Fifth Outline Level</a:t>
             </a:r>
-            <a:endParaRPr b="0" lang="en-GB" sz="2000" spc="-1" strike="noStrike">
-              <a:latin typeface="Arial"/>
-            </a:endParaRPr>
-          </a:p>
-          <a:p>
-            <a:pPr lvl="5" marL="2592000" indent="-216000">
+            <a:endParaRPr b="0" lang="en-GB" sz="1800" spc="-1" strike="noStrike">
+              <a:latin typeface="Arial"/>
+            </a:endParaRPr>
+          </a:p>
+          <a:p>
+            <a:pPr lvl="5" marL="2592000" indent="-216000" algn="ctr">
               <a:spcBef>
                 <a:spcPts val="283"/>
               </a:spcBef>
@@ -5704,17 +5709,17 @@
               <a:buChar char=""/>
             </a:pPr>
             <a:r>
-              <a:rPr b="0" lang="en-GB" sz="2000" spc="-1" strike="noStrike">
+              <a:rPr b="0" lang="en-GB" sz="1800" spc="-1" strike="noStrike">
                 <a:latin typeface="Arial"/>
               </a:rPr>
               <a:t>Sixth Outline Level</a:t>
             </a:r>
-            <a:endParaRPr b="0" lang="en-GB" sz="2000" spc="-1" strike="noStrike">
-              <a:latin typeface="Arial"/>
-            </a:endParaRPr>
-          </a:p>
-          <a:p>
-            <a:pPr lvl="6" marL="3024000" indent="-216000">
+            <a:endParaRPr b="0" lang="en-GB" sz="1800" spc="-1" strike="noStrike">
+              <a:latin typeface="Arial"/>
+            </a:endParaRPr>
+          </a:p>
+          <a:p>
+            <a:pPr lvl="6" marL="3024000" indent="-216000" algn="ctr">
               <a:spcBef>
                 <a:spcPts val="283"/>
               </a:spcBef>
@@ -5726,12 +5731,12 @@
               <a:buChar char=""/>
             </a:pPr>
             <a:r>
-              <a:rPr b="0" lang="en-GB" sz="2000" spc="-1" strike="noStrike">
+              <a:rPr b="0" lang="en-GB" sz="1800" spc="-1" strike="noStrike">
                 <a:latin typeface="Arial"/>
               </a:rPr>
               <a:t>Seventh Outline Level</a:t>
             </a:r>
-            <a:endParaRPr b="0" lang="en-GB" sz="2000" spc="-1" strike="noStrike">
+            <a:endParaRPr b="0" lang="en-GB" sz="1800" spc="-1" strike="noStrike">
               <a:latin typeface="Arial"/>
             </a:endParaRPr>
           </a:p>
@@ -5790,7 +5795,7 @@
         <p:spPr>
           <a:xfrm>
             <a:off x="0" y="180000"/>
-            <a:ext cx="9717840" cy="1257840"/>
+            <a:ext cx="9717480" cy="1257480"/>
           </a:xfrm>
           <a:prstGeom prst="rect">
             <a:avLst/>
@@ -5818,7 +5823,7 @@
         <p:spPr>
           <a:xfrm>
             <a:off x="7560000" y="6840000"/>
-            <a:ext cx="2517840" cy="537840"/>
+            <a:ext cx="2517480" cy="537480"/>
           </a:xfrm>
           <a:prstGeom prst="rect">
             <a:avLst/>
@@ -5846,7 +5851,7 @@
         <p:spPr>
           <a:xfrm>
             <a:off x="900000" y="6840000"/>
-            <a:ext cx="6477840" cy="537840"/>
+            <a:ext cx="6477480" cy="537480"/>
           </a:xfrm>
           <a:prstGeom prst="rect">
             <a:avLst/>
@@ -5874,7 +5879,7 @@
         <p:spPr>
           <a:xfrm>
             <a:off x="180000" y="6840000"/>
-            <a:ext cx="537840" cy="537840"/>
+            <a:ext cx="537480" cy="537480"/>
           </a:xfrm>
           <a:prstGeom prst="rect">
             <a:avLst/>
@@ -6159,8 +6164,8 @@
         </p:nvSpPr>
         <p:spPr>
           <a:xfrm>
-            <a:off x="0" y="3150000"/>
-            <a:ext cx="9717840" cy="1257840"/>
+            <a:off x="0" y="180000"/>
+            <a:ext cx="9717480" cy="1257480"/>
           </a:xfrm>
           <a:prstGeom prst="rect">
             <a:avLst/>
@@ -6168,7 +6173,7 @@
           <a:solidFill>
             <a:srgbClr val="e74c3c"/>
           </a:solidFill>
-          <a:ln>
+          <a:ln w="72000">
             <a:noFill/>
           </a:ln>
         </p:spPr>
@@ -6181,7 +6186,89 @@
       </p:sp>
       <p:sp>
         <p:nvSpPr>
-          <p:cNvPr id="82" name="PlaceHolder 2"/>
+          <p:cNvPr id="82" name="CustomShape 2"/>
+          <p:cNvSpPr/>
+          <p:nvPr/>
+        </p:nvSpPr>
+        <p:spPr>
+          <a:xfrm>
+            <a:off x="7560000" y="6840000"/>
+            <a:ext cx="2517480" cy="537480"/>
+          </a:xfrm>
+          <a:prstGeom prst="rect">
+            <a:avLst/>
+          </a:prstGeom>
+          <a:solidFill>
+            <a:srgbClr val="e74c3c"/>
+          </a:solidFill>
+          <a:ln w="72000">
+            <a:noFill/>
+          </a:ln>
+        </p:spPr>
+        <p:style>
+          <a:lnRef idx="0"/>
+          <a:fillRef idx="0"/>
+          <a:effectRef idx="0"/>
+          <a:fontRef idx="minor"/>
+        </p:style>
+      </p:sp>
+      <p:sp>
+        <p:nvSpPr>
+          <p:cNvPr id="83" name="CustomShape 3"/>
+          <p:cNvSpPr/>
+          <p:nvPr/>
+        </p:nvSpPr>
+        <p:spPr>
+          <a:xfrm>
+            <a:off x="900000" y="6840000"/>
+            <a:ext cx="6477480" cy="537480"/>
+          </a:xfrm>
+          <a:prstGeom prst="rect">
+            <a:avLst/>
+          </a:prstGeom>
+          <a:solidFill>
+            <a:srgbClr val="bdc3c7"/>
+          </a:solidFill>
+          <a:ln w="72000">
+            <a:noFill/>
+          </a:ln>
+        </p:spPr>
+        <p:style>
+          <a:lnRef idx="0"/>
+          <a:fillRef idx="0"/>
+          <a:effectRef idx="0"/>
+          <a:fontRef idx="minor"/>
+        </p:style>
+      </p:sp>
+      <p:sp>
+        <p:nvSpPr>
+          <p:cNvPr id="84" name="CustomShape 4"/>
+          <p:cNvSpPr/>
+          <p:nvPr/>
+        </p:nvSpPr>
+        <p:spPr>
+          <a:xfrm>
+            <a:off x="180000" y="6840000"/>
+            <a:ext cx="537480" cy="537480"/>
+          </a:xfrm>
+          <a:prstGeom prst="rect">
+            <a:avLst/>
+          </a:prstGeom>
+          <a:noFill/>
+          <a:ln w="72000">
+            <a:noFill/>
+          </a:ln>
+        </p:spPr>
+        <p:style>
+          <a:lnRef idx="0"/>
+          <a:fillRef idx="0"/>
+          <a:effectRef idx="0"/>
+          <a:fontRef idx="minor"/>
+        </p:style>
+      </p:sp>
+      <p:sp>
+        <p:nvSpPr>
+          <p:cNvPr id="85" name="PlaceHolder 5"/>
           <p:cNvSpPr>
             <a:spLocks noGrp="1"/>
           </p:cNvSpPr>
@@ -6218,7 +6305,7 @@
       </p:sp>
       <p:sp>
         <p:nvSpPr>
-          <p:cNvPr id="83" name="PlaceHolder 3"/>
+          <p:cNvPr id="86" name="PlaceHolder 6"/>
           <p:cNvSpPr>
             <a:spLocks noGrp="1"/>
           </p:cNvSpPr>
@@ -6441,14 +6528,14 @@
       </p:grpSpPr>
       <p:sp>
         <p:nvSpPr>
-          <p:cNvPr id="120" name="CustomShape 1"/>
+          <p:cNvPr id="123" name="CustomShape 1"/>
           <p:cNvSpPr/>
           <p:nvPr/>
         </p:nvSpPr>
         <p:spPr>
           <a:xfrm>
-            <a:off x="0" y="180000"/>
-            <a:ext cx="9717840" cy="1257840"/>
+            <a:off x="0" y="3150000"/>
+            <a:ext cx="9717480" cy="1257480"/>
           </a:xfrm>
           <a:prstGeom prst="rect">
             <a:avLst/>
@@ -6456,7 +6543,7 @@
           <a:solidFill>
             <a:srgbClr val="e74c3c"/>
           </a:solidFill>
-          <a:ln w="72000">
+          <a:ln>
             <a:noFill/>
           </a:ln>
         </p:spPr>
@@ -6469,89 +6556,7 @@
       </p:sp>
       <p:sp>
         <p:nvSpPr>
-          <p:cNvPr id="121" name="CustomShape 2"/>
-          <p:cNvSpPr/>
-          <p:nvPr/>
-        </p:nvSpPr>
-        <p:spPr>
-          <a:xfrm>
-            <a:off x="7560000" y="6840000"/>
-            <a:ext cx="2517840" cy="537840"/>
-          </a:xfrm>
-          <a:prstGeom prst="rect">
-            <a:avLst/>
-          </a:prstGeom>
-          <a:solidFill>
-            <a:srgbClr val="e74c3c"/>
-          </a:solidFill>
-          <a:ln w="72000">
-            <a:noFill/>
-          </a:ln>
-        </p:spPr>
-        <p:style>
-          <a:lnRef idx="0"/>
-          <a:fillRef idx="0"/>
-          <a:effectRef idx="0"/>
-          <a:fontRef idx="minor"/>
-        </p:style>
-      </p:sp>
-      <p:sp>
-        <p:nvSpPr>
-          <p:cNvPr id="122" name="CustomShape 3"/>
-          <p:cNvSpPr/>
-          <p:nvPr/>
-        </p:nvSpPr>
-        <p:spPr>
-          <a:xfrm>
-            <a:off x="900000" y="6840000"/>
-            <a:ext cx="6477840" cy="537840"/>
-          </a:xfrm>
-          <a:prstGeom prst="rect">
-            <a:avLst/>
-          </a:prstGeom>
-          <a:solidFill>
-            <a:srgbClr val="bdc3c7"/>
-          </a:solidFill>
-          <a:ln w="72000">
-            <a:noFill/>
-          </a:ln>
-        </p:spPr>
-        <p:style>
-          <a:lnRef idx="0"/>
-          <a:fillRef idx="0"/>
-          <a:effectRef idx="0"/>
-          <a:fontRef idx="minor"/>
-        </p:style>
-      </p:sp>
-      <p:sp>
-        <p:nvSpPr>
-          <p:cNvPr id="123" name="CustomShape 4"/>
-          <p:cNvSpPr/>
-          <p:nvPr/>
-        </p:nvSpPr>
-        <p:spPr>
-          <a:xfrm>
-            <a:off x="180000" y="6840000"/>
-            <a:ext cx="537840" cy="537840"/>
-          </a:xfrm>
-          <a:prstGeom prst="rect">
-            <a:avLst/>
-          </a:prstGeom>
-          <a:noFill/>
-          <a:ln w="72000">
-            <a:noFill/>
-          </a:ln>
-        </p:spPr>
-        <p:style>
-          <a:lnRef idx="0"/>
-          <a:fillRef idx="0"/>
-          <a:effectRef idx="0"/>
-          <a:fontRef idx="minor"/>
-        </p:style>
-      </p:sp>
-      <p:sp>
-        <p:nvSpPr>
-          <p:cNvPr id="124" name="PlaceHolder 5"/>
+          <p:cNvPr id="124" name="PlaceHolder 2"/>
           <p:cNvSpPr>
             <a:spLocks noGrp="1"/>
           </p:cNvSpPr>
@@ -6562,7 +6567,7 @@
         <p:spPr>
           <a:xfrm>
             <a:off x="504000" y="301320"/>
-            <a:ext cx="9072000" cy="1261800"/>
+            <a:ext cx="9071640" cy="1261440"/>
           </a:xfrm>
           <a:prstGeom prst="rect">
             <a:avLst/>
@@ -6575,20 +6580,20 @@
           <a:p>
             <a:pPr algn="ctr"/>
             <a:r>
-              <a:rPr b="0" lang="en-GB" sz="4400" spc="-1" strike="noStrike">
+              <a:rPr b="0" lang="en-GB" sz="1800" spc="-1" strike="noStrike">
                 <a:latin typeface="Arial"/>
               </a:rPr>
               <a:t>Click to edit the title text format</a:t>
             </a:r>
-            <a:endParaRPr b="0" lang="en-GB" sz="4400" spc="-1" strike="noStrike">
-              <a:latin typeface="Arial"/>
-            </a:endParaRPr>
-          </a:p>
-        </p:txBody>
-      </p:sp>
-      <p:sp>
-        <p:nvSpPr>
-          <p:cNvPr id="125" name="PlaceHolder 6"/>
+            <a:endParaRPr b="0" lang="en-GB" sz="1800" spc="-1" strike="noStrike">
+              <a:latin typeface="Arial"/>
+            </a:endParaRPr>
+          </a:p>
+        </p:txBody>
+      </p:sp>
+      <p:sp>
+        <p:nvSpPr>
+          <p:cNvPr id="125" name="PlaceHolder 3"/>
           <p:cNvSpPr>
             <a:spLocks noGrp="1"/>
           </p:cNvSpPr>
@@ -6599,7 +6604,7 @@
         <p:spPr>
           <a:xfrm>
             <a:off x="504000" y="1768680"/>
-            <a:ext cx="9072000" cy="4384080"/>
+            <a:ext cx="9071640" cy="4383720"/>
           </a:xfrm>
           <a:prstGeom prst="rect">
             <a:avLst/>
@@ -6610,7 +6615,7 @@
             <a:normAutofit/>
           </a:bodyPr>
           <a:p>
-            <a:pPr marL="432000" indent="-324000">
+            <a:pPr marL="432000" indent="-324000" algn="ctr">
               <a:spcBef>
                 <a:spcPts val="1417"/>
               </a:spcBef>
@@ -6622,17 +6627,17 @@
               <a:buChar char=""/>
             </a:pPr>
             <a:r>
-              <a:rPr b="0" lang="en-GB" sz="3200" spc="-1" strike="noStrike">
+              <a:rPr b="0" lang="en-GB" sz="1800" spc="-1" strike="noStrike">
                 <a:latin typeface="Arial"/>
               </a:rPr>
               <a:t>Click to edit the outline text format</a:t>
             </a:r>
-            <a:endParaRPr b="0" lang="en-GB" sz="3200" spc="-1" strike="noStrike">
-              <a:latin typeface="Arial"/>
-            </a:endParaRPr>
-          </a:p>
-          <a:p>
-            <a:pPr lvl="1" marL="864000" indent="-324000">
+            <a:endParaRPr b="0" lang="en-GB" sz="1800" spc="-1" strike="noStrike">
+              <a:latin typeface="Arial"/>
+            </a:endParaRPr>
+          </a:p>
+          <a:p>
+            <a:pPr lvl="1" marL="864000" indent="-324000" algn="ctr">
               <a:spcBef>
                 <a:spcPts val="1134"/>
               </a:spcBef>
@@ -6644,17 +6649,17 @@
               <a:buChar char=""/>
             </a:pPr>
             <a:r>
-              <a:rPr b="0" lang="en-GB" sz="2800" spc="-1" strike="noStrike">
+              <a:rPr b="0" lang="en-GB" sz="1800" spc="-1" strike="noStrike">
                 <a:latin typeface="Arial"/>
               </a:rPr>
               <a:t>Second Outline Level</a:t>
             </a:r>
-            <a:endParaRPr b="0" lang="en-GB" sz="2800" spc="-1" strike="noStrike">
-              <a:latin typeface="Arial"/>
-            </a:endParaRPr>
-          </a:p>
-          <a:p>
-            <a:pPr lvl="2" marL="1296000" indent="-288000">
+            <a:endParaRPr b="0" lang="en-GB" sz="1800" spc="-1" strike="noStrike">
+              <a:latin typeface="Arial"/>
+            </a:endParaRPr>
+          </a:p>
+          <a:p>
+            <a:pPr lvl="2" marL="1296000" indent="-288000" algn="ctr">
               <a:spcBef>
                 <a:spcPts val="850"/>
               </a:spcBef>
@@ -6666,17 +6671,17 @@
               <a:buChar char=""/>
             </a:pPr>
             <a:r>
-              <a:rPr b="0" lang="en-GB" sz="2400" spc="-1" strike="noStrike">
+              <a:rPr b="0" lang="en-GB" sz="1800" spc="-1" strike="noStrike">
                 <a:latin typeface="Arial"/>
               </a:rPr>
               <a:t>Third Outline Level</a:t>
             </a:r>
-            <a:endParaRPr b="0" lang="en-GB" sz="2400" spc="-1" strike="noStrike">
-              <a:latin typeface="Arial"/>
-            </a:endParaRPr>
-          </a:p>
-          <a:p>
-            <a:pPr lvl="3" marL="1728000" indent="-216000">
+            <a:endParaRPr b="0" lang="en-GB" sz="1800" spc="-1" strike="noStrike">
+              <a:latin typeface="Arial"/>
+            </a:endParaRPr>
+          </a:p>
+          <a:p>
+            <a:pPr lvl="3" marL="1728000" indent="-216000" algn="ctr">
               <a:spcBef>
                 <a:spcPts val="567"/>
               </a:spcBef>
@@ -6688,17 +6693,17 @@
               <a:buChar char=""/>
             </a:pPr>
             <a:r>
-              <a:rPr b="0" lang="en-GB" sz="2000" spc="-1" strike="noStrike">
+              <a:rPr b="0" lang="en-GB" sz="1800" spc="-1" strike="noStrike">
                 <a:latin typeface="Arial"/>
               </a:rPr>
               <a:t>Fourth Outline Level</a:t>
             </a:r>
-            <a:endParaRPr b="0" lang="en-GB" sz="2000" spc="-1" strike="noStrike">
-              <a:latin typeface="Arial"/>
-            </a:endParaRPr>
-          </a:p>
-          <a:p>
-            <a:pPr lvl="4" marL="2160000" indent="-216000">
+            <a:endParaRPr b="0" lang="en-GB" sz="1800" spc="-1" strike="noStrike">
+              <a:latin typeface="Arial"/>
+            </a:endParaRPr>
+          </a:p>
+          <a:p>
+            <a:pPr lvl="4" marL="2160000" indent="-216000" algn="ctr">
               <a:spcBef>
                 <a:spcPts val="283"/>
               </a:spcBef>
@@ -6710,17 +6715,17 @@
               <a:buChar char=""/>
             </a:pPr>
             <a:r>
-              <a:rPr b="0" lang="en-GB" sz="2000" spc="-1" strike="noStrike">
+              <a:rPr b="0" lang="en-GB" sz="1800" spc="-1" strike="noStrike">
                 <a:latin typeface="Arial"/>
               </a:rPr>
               <a:t>Fifth Outline Level</a:t>
             </a:r>
-            <a:endParaRPr b="0" lang="en-GB" sz="2000" spc="-1" strike="noStrike">
-              <a:latin typeface="Arial"/>
-            </a:endParaRPr>
-          </a:p>
-          <a:p>
-            <a:pPr lvl="5" marL="2592000" indent="-216000">
+            <a:endParaRPr b="0" lang="en-GB" sz="1800" spc="-1" strike="noStrike">
+              <a:latin typeface="Arial"/>
+            </a:endParaRPr>
+          </a:p>
+          <a:p>
+            <a:pPr lvl="5" marL="2592000" indent="-216000" algn="ctr">
               <a:spcBef>
                 <a:spcPts val="283"/>
               </a:spcBef>
@@ -6732,17 +6737,17 @@
               <a:buChar char=""/>
             </a:pPr>
             <a:r>
-              <a:rPr b="0" lang="en-GB" sz="2000" spc="-1" strike="noStrike">
+              <a:rPr b="0" lang="en-GB" sz="1800" spc="-1" strike="noStrike">
                 <a:latin typeface="Arial"/>
               </a:rPr>
               <a:t>Sixth Outline Level</a:t>
             </a:r>
-            <a:endParaRPr b="0" lang="en-GB" sz="2000" spc="-1" strike="noStrike">
-              <a:latin typeface="Arial"/>
-            </a:endParaRPr>
-          </a:p>
-          <a:p>
-            <a:pPr lvl="6" marL="3024000" indent="-216000">
+            <a:endParaRPr b="0" lang="en-GB" sz="1800" spc="-1" strike="noStrike">
+              <a:latin typeface="Arial"/>
+            </a:endParaRPr>
+          </a:p>
+          <a:p>
+            <a:pPr lvl="6" marL="3024000" indent="-216000" algn="ctr">
               <a:spcBef>
                 <a:spcPts val="283"/>
               </a:spcBef>
@@ -6754,12 +6759,12 @@
               <a:buChar char=""/>
             </a:pPr>
             <a:r>
-              <a:rPr b="0" lang="en-GB" sz="2000" spc="-1" strike="noStrike">
+              <a:rPr b="0" lang="en-GB" sz="1800" spc="-1" strike="noStrike">
                 <a:latin typeface="Arial"/>
               </a:rPr>
               <a:t>Seventh Outline Level</a:t>
             </a:r>
-            <a:endParaRPr b="0" lang="en-GB" sz="2000" spc="-1" strike="noStrike">
+            <a:endParaRPr b="0" lang="en-GB" sz="1800" spc="-1" strike="noStrike">
               <a:latin typeface="Arial"/>
             </a:endParaRPr>
           </a:p>
@@ -6811,7 +6816,7 @@
         <p:spPr>
           <a:xfrm>
             <a:off x="360000" y="3330000"/>
-            <a:ext cx="9357840" cy="897840"/>
+            <a:ext cx="9357480" cy="897480"/>
           </a:xfrm>
           <a:prstGeom prst="rect">
             <a:avLst/>
@@ -6862,7 +6867,7 @@
         <p:spPr>
           <a:xfrm>
             <a:off x="540000" y="4680000"/>
-            <a:ext cx="9177840" cy="2517840"/>
+            <a:ext cx="9177480" cy="2517480"/>
           </a:xfrm>
           <a:prstGeom prst="rect">
             <a:avLst/>
@@ -6969,7 +6974,7 @@
         <p:spPr>
           <a:xfrm>
             <a:off x="7132320" y="4663440"/>
-            <a:ext cx="2466720" cy="2466720"/>
+            <a:ext cx="2466360" cy="2466360"/>
           </a:xfrm>
           <a:prstGeom prst="rect">
             <a:avLst/>
@@ -7018,7 +7023,7 @@
         <p:spPr>
           <a:xfrm>
             <a:off x="360000" y="360000"/>
-            <a:ext cx="9357840" cy="897840"/>
+            <a:ext cx="9357480" cy="897480"/>
           </a:xfrm>
           <a:prstGeom prst="rect">
             <a:avLst/>
@@ -7079,7 +7084,7 @@
         <p:spPr>
           <a:xfrm>
             <a:off x="360000" y="1980000"/>
-            <a:ext cx="9177840" cy="4677840"/>
+            <a:ext cx="9177480" cy="4677480"/>
           </a:xfrm>
           <a:prstGeom prst="rect">
             <a:avLst/>
@@ -7110,7 +7115,7 @@
             </a:endParaRPr>
           </a:p>
           <a:p>
-            <a:pPr marL="216000" indent="-213840">
+            <a:pPr marL="216000" indent="-213480">
               <a:lnSpc>
                 <a:spcPct val="100000"/>
               </a:lnSpc>
@@ -7146,7 +7151,17 @@
             </a:endParaRPr>
           </a:p>
           <a:p>
-            <a:pPr marL="216000" indent="-213840">
+            <a:pPr>
+              <a:lnSpc>
+                <a:spcPct val="100000"/>
+              </a:lnSpc>
+            </a:pPr>
+            <a:endParaRPr b="0" lang="en-GB" sz="2600" spc="-1" strike="noStrike">
+              <a:latin typeface="Arial"/>
+            </a:endParaRPr>
+          </a:p>
+          <a:p>
+            <a:pPr marL="216000" indent="-213480">
               <a:lnSpc>
                 <a:spcPct val="100000"/>
               </a:lnSpc>
@@ -7157,22 +7172,6 @@
               <a:buFont typeface="Wingdings" charset="2"/>
               <a:buChar char=""/>
             </a:pPr>
-            <a:endParaRPr b="0" lang="en-GB" sz="2600" spc="-1" strike="noStrike">
-              <a:latin typeface="Arial"/>
-            </a:endParaRPr>
-          </a:p>
-          <a:p>
-            <a:pPr marL="216000" indent="-213840">
-              <a:lnSpc>
-                <a:spcPct val="100000"/>
-              </a:lnSpc>
-              <a:buClr>
-                <a:srgbClr val="000000"/>
-              </a:buClr>
-              <a:buSzPct val="45000"/>
-              <a:buFont typeface="Wingdings" charset="2"/>
-              <a:buChar char=""/>
-            </a:pPr>
             <a:r>
               <a:rPr b="1" lang="en-GB" sz="2600" spc="-1" strike="noStrike">
                 <a:solidFill>
@@ -7188,23 +7187,17 @@
             </a:endParaRPr>
           </a:p>
           <a:p>
-            <a:pPr marL="216000" indent="-213840">
-              <a:lnSpc>
-                <a:spcPct val="100000"/>
-              </a:lnSpc>
-              <a:buClr>
-                <a:srgbClr val="000000"/>
-              </a:buClr>
-              <a:buSzPct val="45000"/>
-              <a:buFont typeface="Wingdings" charset="2"/>
-              <a:buChar char=""/>
-            </a:pPr>
-            <a:endParaRPr b="0" lang="en-GB" sz="2600" spc="-1" strike="noStrike">
-              <a:latin typeface="Arial"/>
-            </a:endParaRPr>
-          </a:p>
-          <a:p>
-            <a:pPr marL="216000" indent="-213840">
+            <a:pPr>
+              <a:lnSpc>
+                <a:spcPct val="100000"/>
+              </a:lnSpc>
+            </a:pPr>
+            <a:endParaRPr b="0" lang="en-GB" sz="2600" spc="-1" strike="noStrike">
+              <a:latin typeface="Arial"/>
+            </a:endParaRPr>
+          </a:p>
+          <a:p>
+            <a:pPr marL="216000" indent="-213480">
               <a:lnSpc>
                 <a:spcPct val="100000"/>
               </a:lnSpc>
@@ -7270,7 +7263,7 @@
         <p:spPr>
           <a:xfrm>
             <a:off x="360000" y="360000"/>
-            <a:ext cx="9357840" cy="897840"/>
+            <a:ext cx="9357480" cy="897480"/>
           </a:xfrm>
           <a:prstGeom prst="rect">
             <a:avLst/>
@@ -7331,7 +7324,7 @@
         <p:spPr>
           <a:xfrm>
             <a:off x="360000" y="1980000"/>
-            <a:ext cx="9177840" cy="4677840"/>
+            <a:ext cx="9177480" cy="4677480"/>
           </a:xfrm>
           <a:prstGeom prst="rect">
             <a:avLst/>
@@ -7357,7 +7350,7 @@
         <p:spPr>
           <a:xfrm>
             <a:off x="360000" y="1980000"/>
-            <a:ext cx="9177840" cy="4677840"/>
+            <a:ext cx="9177480" cy="4677480"/>
           </a:xfrm>
           <a:prstGeom prst="rect">
             <a:avLst/>
@@ -7388,7 +7381,7 @@
             </a:endParaRPr>
           </a:p>
           <a:p>
-            <a:pPr marL="216000" indent="-213840">
+            <a:pPr marL="216000" indent="-213480">
               <a:lnSpc>
                 <a:spcPct val="100000"/>
               </a:lnSpc>
@@ -7424,23 +7417,17 @@
             </a:endParaRPr>
           </a:p>
           <a:p>
-            <a:pPr marL="216000" indent="-213840">
-              <a:lnSpc>
-                <a:spcPct val="100000"/>
-              </a:lnSpc>
-              <a:buClr>
-                <a:srgbClr val="000000"/>
-              </a:buClr>
-              <a:buSzPct val="45000"/>
-              <a:buFont typeface="Wingdings" charset="2"/>
-              <a:buChar char=""/>
-            </a:pPr>
-            <a:endParaRPr b="0" lang="en-GB" sz="2600" spc="-1" strike="noStrike">
-              <a:latin typeface="Arial"/>
-            </a:endParaRPr>
-          </a:p>
-          <a:p>
-            <a:pPr marL="216000" indent="-213840">
+            <a:pPr>
+              <a:lnSpc>
+                <a:spcPct val="100000"/>
+              </a:lnSpc>
+            </a:pPr>
+            <a:endParaRPr b="0" lang="en-GB" sz="2600" spc="-1" strike="noStrike">
+              <a:latin typeface="Arial"/>
+            </a:endParaRPr>
+          </a:p>
+          <a:p>
+            <a:pPr marL="216000" indent="-213480">
               <a:lnSpc>
                 <a:spcPct val="100000"/>
               </a:lnSpc>
@@ -7506,7 +7493,7 @@
         <p:spPr>
           <a:xfrm>
             <a:off x="360000" y="360000"/>
-            <a:ext cx="9357840" cy="897840"/>
+            <a:ext cx="9357480" cy="897480"/>
           </a:xfrm>
           <a:prstGeom prst="rect">
             <a:avLst/>
@@ -7557,7 +7544,7 @@
         <p:spPr>
           <a:xfrm>
             <a:off x="360000" y="1980000"/>
-            <a:ext cx="9177840" cy="4677840"/>
+            <a:ext cx="9177480" cy="4677480"/>
           </a:xfrm>
           <a:prstGeom prst="rect">
             <a:avLst/>
@@ -7588,7 +7575,7 @@
             </a:endParaRPr>
           </a:p>
           <a:p>
-            <a:pPr marL="216000" indent="-213840">
+            <a:pPr marL="216000" indent="-213480">
               <a:lnSpc>
                 <a:spcPct val="100000"/>
               </a:lnSpc>
@@ -7614,7 +7601,17 @@
             </a:endParaRPr>
           </a:p>
           <a:p>
-            <a:pPr marL="216000" indent="-213840">
+            <a:pPr>
+              <a:lnSpc>
+                <a:spcPct val="100000"/>
+              </a:lnSpc>
+            </a:pPr>
+            <a:endParaRPr b="0" lang="en-GB" sz="2600" spc="-1" strike="noStrike">
+              <a:latin typeface="Arial"/>
+            </a:endParaRPr>
+          </a:p>
+          <a:p>
+            <a:pPr marL="216000" indent="-213480">
               <a:lnSpc>
                 <a:spcPct val="100000"/>
               </a:lnSpc>
@@ -7625,12 +7622,32 @@
               <a:buFont typeface="Wingdings" charset="2"/>
               <a:buChar char=""/>
             </a:pPr>
-            <a:endParaRPr b="0" lang="en-GB" sz="2600" spc="-1" strike="noStrike">
-              <a:latin typeface="Arial"/>
-            </a:endParaRPr>
-          </a:p>
-          <a:p>
-            <a:pPr marL="216000" indent="-213840">
+            <a:r>
+              <a:rPr b="1" lang="en-GB" sz="2600" spc="-1" strike="noStrike">
+                <a:solidFill>
+                  <a:srgbClr val="1c1c1c"/>
+                </a:solidFill>
+                <a:latin typeface="Source Sans Pro Semibold"/>
+                <a:ea typeface="DejaVu Sans"/>
+              </a:rPr>
+              <a:t>Uncertain Actual State</a:t>
+            </a:r>
+            <a:endParaRPr b="0" lang="en-GB" sz="2600" spc="-1" strike="noStrike">
+              <a:latin typeface="Arial"/>
+            </a:endParaRPr>
+          </a:p>
+          <a:p>
+            <a:pPr>
+              <a:lnSpc>
+                <a:spcPct val="100000"/>
+              </a:lnSpc>
+            </a:pPr>
+            <a:endParaRPr b="0" lang="en-GB" sz="2600" spc="-1" strike="noStrike">
+              <a:latin typeface="Arial"/>
+            </a:endParaRPr>
+          </a:p>
+          <a:p>
+            <a:pPr marL="216000" indent="-213480">
               <a:lnSpc>
                 <a:spcPct val="100000"/>
               </a:lnSpc>
@@ -7649,48 +7666,6 @@
                 <a:latin typeface="Source Sans Pro Semibold"/>
                 <a:ea typeface="DejaVu Sans"/>
               </a:rPr>
-              <a:t>Uncertain Actual State</a:t>
-            </a:r>
-            <a:endParaRPr b="0" lang="en-GB" sz="2600" spc="-1" strike="noStrike">
-              <a:latin typeface="Arial"/>
-            </a:endParaRPr>
-          </a:p>
-          <a:p>
-            <a:pPr marL="216000" indent="-213840">
-              <a:lnSpc>
-                <a:spcPct val="100000"/>
-              </a:lnSpc>
-              <a:buClr>
-                <a:srgbClr val="000000"/>
-              </a:buClr>
-              <a:buSzPct val="45000"/>
-              <a:buFont typeface="Wingdings" charset="2"/>
-              <a:buChar char=""/>
-            </a:pPr>
-            <a:endParaRPr b="0" lang="en-GB" sz="2600" spc="-1" strike="noStrike">
-              <a:latin typeface="Arial"/>
-            </a:endParaRPr>
-          </a:p>
-          <a:p>
-            <a:pPr marL="216000" indent="-213840">
-              <a:lnSpc>
-                <a:spcPct val="100000"/>
-              </a:lnSpc>
-              <a:buClr>
-                <a:srgbClr val="000000"/>
-              </a:buClr>
-              <a:buSzPct val="45000"/>
-              <a:buFont typeface="Wingdings" charset="2"/>
-              <a:buChar char=""/>
-            </a:pPr>
-            <a:r>
-              <a:rPr b="1" lang="en-GB" sz="2600" spc="-1" strike="noStrike">
-                <a:solidFill>
-                  <a:srgbClr val="1c1c1c"/>
-                </a:solidFill>
-                <a:latin typeface="Source Sans Pro Semibold"/>
-                <a:ea typeface="DejaVu Sans"/>
-              </a:rPr>
               <a:t>Gap Between Desired and Actual State</a:t>
             </a:r>
             <a:endParaRPr b="0" lang="en-GB" sz="2600" spc="-1" strike="noStrike">
@@ -7698,23 +7673,17 @@
             </a:endParaRPr>
           </a:p>
           <a:p>
-            <a:pPr marL="216000" indent="-213840">
-              <a:lnSpc>
-                <a:spcPct val="100000"/>
-              </a:lnSpc>
-              <a:buClr>
-                <a:srgbClr val="000000"/>
-              </a:buClr>
-              <a:buSzPct val="45000"/>
-              <a:buFont typeface="Wingdings" charset="2"/>
-              <a:buChar char=""/>
-            </a:pPr>
-            <a:endParaRPr b="0" lang="en-GB" sz="2600" spc="-1" strike="noStrike">
-              <a:latin typeface="Arial"/>
-            </a:endParaRPr>
-          </a:p>
-          <a:p>
-            <a:pPr marL="216000" indent="-213840">
+            <a:pPr>
+              <a:lnSpc>
+                <a:spcPct val="100000"/>
+              </a:lnSpc>
+            </a:pPr>
+            <a:endParaRPr b="0" lang="en-GB" sz="2600" spc="-1" strike="noStrike">
+              <a:latin typeface="Arial"/>
+            </a:endParaRPr>
+          </a:p>
+          <a:p>
+            <a:pPr marL="216000" indent="-213480">
               <a:lnSpc>
                 <a:spcPct val="100000"/>
               </a:lnSpc>
@@ -7780,7 +7749,7 @@
         <p:spPr>
           <a:xfrm>
             <a:off x="360000" y="360000"/>
-            <a:ext cx="9357840" cy="897840"/>
+            <a:ext cx="9357480" cy="897480"/>
           </a:xfrm>
           <a:prstGeom prst="rect">
             <a:avLst/>
@@ -7861,7 +7830,7 @@
         <p:spPr>
           <a:xfrm>
             <a:off x="360000" y="360000"/>
-            <a:ext cx="9357840" cy="897840"/>
+            <a:ext cx="9357480" cy="897480"/>
           </a:xfrm>
           <a:prstGeom prst="rect">
             <a:avLst/>
@@ -7912,7 +7881,7 @@
         <p:spPr>
           <a:xfrm>
             <a:off x="360000" y="1980000"/>
-            <a:ext cx="9177840" cy="4677840"/>
+            <a:ext cx="9177480" cy="4677480"/>
           </a:xfrm>
           <a:prstGeom prst="rect">
             <a:avLst/>
@@ -7963,7 +7932,7 @@
         <p:spPr>
           <a:xfrm>
             <a:off x="360000" y="1980000"/>
-            <a:ext cx="9177840" cy="4677840"/>
+            <a:ext cx="9177480" cy="4677480"/>
           </a:xfrm>
           <a:prstGeom prst="rect">
             <a:avLst/>
@@ -7994,7 +7963,7 @@
             </a:endParaRPr>
           </a:p>
           <a:p>
-            <a:pPr marL="216000" indent="-213840">
+            <a:pPr marL="216000" indent="-213480">
               <a:lnSpc>
                 <a:spcPct val="100000"/>
               </a:lnSpc>
@@ -8020,7 +7989,7 @@
             </a:endParaRPr>
           </a:p>
           <a:p>
-            <a:pPr lvl="1" marL="432000" indent="-216000">
+            <a:pPr lvl="1" marL="432000" indent="-215640">
               <a:lnSpc>
                 <a:spcPct val="100000"/>
               </a:lnSpc>
@@ -8056,7 +8025,7 @@
             </a:endParaRPr>
           </a:p>
           <a:p>
-            <a:pPr lvl="1" marL="432000" indent="-216000">
+            <a:pPr lvl="1" marL="432000" indent="-215640">
               <a:lnSpc>
                 <a:spcPct val="100000"/>
               </a:lnSpc>
@@ -8132,7 +8101,7 @@
         <p:spPr>
           <a:xfrm>
             <a:off x="360000" y="360000"/>
-            <a:ext cx="9357840" cy="897840"/>
+            <a:ext cx="9357480" cy="897480"/>
           </a:xfrm>
           <a:prstGeom prst="rect">
             <a:avLst/>
@@ -8183,7 +8152,7 @@
         <p:spPr>
           <a:xfrm>
             <a:off x="360000" y="1980000"/>
-            <a:ext cx="9177840" cy="4677840"/>
+            <a:ext cx="9177480" cy="4677480"/>
           </a:xfrm>
           <a:prstGeom prst="rect">
             <a:avLst/>
@@ -8234,7 +8203,7 @@
         <p:spPr>
           <a:xfrm>
             <a:off x="360000" y="1980000"/>
-            <a:ext cx="9177840" cy="4677840"/>
+            <a:ext cx="9177480" cy="4677480"/>
           </a:xfrm>
           <a:prstGeom prst="rect">
             <a:avLst/>
@@ -8265,7 +8234,7 @@
             </a:endParaRPr>
           </a:p>
           <a:p>
-            <a:pPr marL="216000" indent="-213840">
+            <a:pPr marL="216000" indent="-213480">
               <a:lnSpc>
                 <a:spcPct val="100000"/>
               </a:lnSpc>
@@ -8291,7 +8260,17 @@
             </a:endParaRPr>
           </a:p>
           <a:p>
-            <a:pPr marL="216000" indent="-213840">
+            <a:pPr>
+              <a:lnSpc>
+                <a:spcPct val="100000"/>
+              </a:lnSpc>
+            </a:pPr>
+            <a:endParaRPr b="0" lang="en-GB" sz="2600" spc="-1" strike="noStrike">
+              <a:latin typeface="Arial"/>
+            </a:endParaRPr>
+          </a:p>
+          <a:p>
+            <a:pPr marL="216000" indent="-213480">
               <a:lnSpc>
                 <a:spcPct val="100000"/>
               </a:lnSpc>
@@ -8302,22 +8281,6 @@
               <a:buFont typeface="Wingdings" charset="2"/>
               <a:buChar char=""/>
             </a:pPr>
-            <a:endParaRPr b="0" lang="en-GB" sz="2600" spc="-1" strike="noStrike">
-              <a:latin typeface="Arial"/>
-            </a:endParaRPr>
-          </a:p>
-          <a:p>
-            <a:pPr marL="216000" indent="-213840">
-              <a:lnSpc>
-                <a:spcPct val="100000"/>
-              </a:lnSpc>
-              <a:buClr>
-                <a:srgbClr val="000000"/>
-              </a:buClr>
-              <a:buSzPct val="45000"/>
-              <a:buFont typeface="Wingdings" charset="2"/>
-              <a:buChar char=""/>
-            </a:pPr>
             <a:r>
               <a:rPr b="1" lang="en-GB" sz="2600" spc="-1" strike="noStrike">
                 <a:solidFill>
@@ -8333,23 +8296,17 @@
             </a:endParaRPr>
           </a:p>
           <a:p>
-            <a:pPr marL="216000" indent="-213840">
-              <a:lnSpc>
-                <a:spcPct val="100000"/>
-              </a:lnSpc>
-              <a:buClr>
-                <a:srgbClr val="000000"/>
-              </a:buClr>
-              <a:buSzPct val="45000"/>
-              <a:buFont typeface="Wingdings" charset="2"/>
-              <a:buChar char=""/>
-            </a:pPr>
-            <a:endParaRPr b="0" lang="en-GB" sz="2600" spc="-1" strike="noStrike">
-              <a:latin typeface="Arial"/>
-            </a:endParaRPr>
-          </a:p>
-          <a:p>
-            <a:pPr marL="216000" indent="-213840">
+            <a:pPr>
+              <a:lnSpc>
+                <a:spcPct val="100000"/>
+              </a:lnSpc>
+            </a:pPr>
+            <a:endParaRPr b="0" lang="en-GB" sz="2600" spc="-1" strike="noStrike">
+              <a:latin typeface="Arial"/>
+            </a:endParaRPr>
+          </a:p>
+          <a:p>
+            <a:pPr marL="216000" indent="-213480">
               <a:lnSpc>
                 <a:spcPct val="100000"/>
               </a:lnSpc>
@@ -8415,7 +8372,7 @@
         <p:spPr>
           <a:xfrm>
             <a:off x="360000" y="360000"/>
-            <a:ext cx="9357840" cy="897840"/>
+            <a:ext cx="9357480" cy="897480"/>
           </a:xfrm>
           <a:prstGeom prst="rect">
             <a:avLst/>
@@ -8466,7 +8423,7 @@
         <p:spPr>
           <a:xfrm>
             <a:off x="360000" y="1980000"/>
-            <a:ext cx="9177840" cy="4677840"/>
+            <a:ext cx="9177480" cy="4677480"/>
           </a:xfrm>
           <a:prstGeom prst="rect">
             <a:avLst/>
@@ -8497,7 +8454,7 @@
             </a:endParaRPr>
           </a:p>
           <a:p>
-            <a:pPr marL="216000" indent="-213840">
+            <a:pPr marL="216000" indent="-213480">
               <a:lnSpc>
                 <a:spcPct val="100000"/>
               </a:lnSpc>
@@ -8523,7 +8480,17 @@
             </a:endParaRPr>
           </a:p>
           <a:p>
-            <a:pPr lvl="1" marL="432000" indent="-216000">
+            <a:pPr>
+              <a:lnSpc>
+                <a:spcPct val="100000"/>
+              </a:lnSpc>
+            </a:pPr>
+            <a:endParaRPr b="0" lang="en-GB" sz="2600" spc="-1" strike="noStrike">
+              <a:latin typeface="Arial"/>
+            </a:endParaRPr>
+          </a:p>
+          <a:p>
+            <a:pPr lvl="1" marL="432000" indent="-215640">
               <a:lnSpc>
                 <a:spcPct val="100000"/>
               </a:lnSpc>
@@ -8534,12 +8501,32 @@
               <a:buFont typeface="Wingdings" charset="2"/>
               <a:buChar char=""/>
             </a:pPr>
-            <a:endParaRPr b="0" lang="en-GB" sz="2600" spc="-1" strike="noStrike">
-              <a:latin typeface="Arial"/>
-            </a:endParaRPr>
-          </a:p>
-          <a:p>
-            <a:pPr lvl="1" marL="432000" indent="-216000">
+            <a:r>
+              <a:rPr b="1" lang="en-GB" sz="2600" spc="-1" strike="noStrike">
+                <a:solidFill>
+                  <a:srgbClr val="1c1c1c"/>
+                </a:solidFill>
+                <a:latin typeface="Source Sans Pro Semibold"/>
+                <a:ea typeface="DejaVu Sans"/>
+              </a:rPr>
+              <a:t>Code that declares the desired configuration statically, rather than dynamically based on switching procedures</a:t>
+            </a:r>
+            <a:endParaRPr b="0" lang="en-GB" sz="2600" spc="-1" strike="noStrike">
+              <a:latin typeface="Arial"/>
+            </a:endParaRPr>
+          </a:p>
+          <a:p>
+            <a:pPr>
+              <a:lnSpc>
+                <a:spcPct val="100000"/>
+              </a:lnSpc>
+            </a:pPr>
+            <a:endParaRPr b="0" lang="en-GB" sz="2600" spc="-1" strike="noStrike">
+              <a:latin typeface="Arial"/>
+            </a:endParaRPr>
+          </a:p>
+          <a:p>
+            <a:pPr marL="216000" indent="-213480">
               <a:lnSpc>
                 <a:spcPct val="100000"/>
               </a:lnSpc>
@@ -8558,14 +8545,24 @@
                 <a:latin typeface="Source Sans Pro Semibold"/>
                 <a:ea typeface="DejaVu Sans"/>
               </a:rPr>
-              <a:t>Code that declares the desired configuration statically, rather than dynamically based on switching procedures</a:t>
-            </a:r>
-            <a:endParaRPr b="0" lang="en-GB" sz="2600" spc="-1" strike="noStrike">
-              <a:latin typeface="Arial"/>
-            </a:endParaRPr>
-          </a:p>
-          <a:p>
-            <a:pPr marL="216000" indent="-213840">
+              <a:t> </a:t>
+            </a:r>
+            <a:r>
+              <a:rPr b="1" lang="en-GB" sz="2600" spc="-1" strike="noStrike">
+                <a:solidFill>
+                  <a:srgbClr val="1c1c1c"/>
+                </a:solidFill>
+                <a:latin typeface="Source Sans Pro Semibold"/>
+                <a:ea typeface="DejaVu Sans"/>
+              </a:rPr>
+              <a:t>eg</a:t>
+            </a:r>
+            <a:endParaRPr b="0" lang="en-GB" sz="2600" spc="-1" strike="noStrike">
+              <a:latin typeface="Arial"/>
+            </a:endParaRPr>
+          </a:p>
+          <a:p>
+            <a:pPr lvl="1" marL="432000" indent="-215640">
               <a:lnSpc>
                 <a:spcPct val="100000"/>
               </a:lnSpc>
@@ -8576,12 +8573,22 @@
               <a:buFont typeface="Wingdings" charset="2"/>
               <a:buChar char=""/>
             </a:pPr>
-            <a:endParaRPr b="0" lang="en-GB" sz="2600" spc="-1" strike="noStrike">
-              <a:latin typeface="Arial"/>
-            </a:endParaRPr>
-          </a:p>
-          <a:p>
-            <a:pPr marL="216000" indent="-213840">
+            <a:r>
+              <a:rPr b="1" lang="en-GB" sz="2600" spc="-1" strike="noStrike">
+                <a:solidFill>
+                  <a:srgbClr val="1c1c1c"/>
+                </a:solidFill>
+                <a:latin typeface="Source Sans Pro Semibold"/>
+                <a:ea typeface="DejaVu Sans"/>
+              </a:rPr>
+              <a:t>Make</a:t>
+            </a:r>
+            <a:endParaRPr b="0" lang="en-GB" sz="2600" spc="-1" strike="noStrike">
+              <a:latin typeface="Arial"/>
+            </a:endParaRPr>
+          </a:p>
+          <a:p>
+            <a:pPr lvl="1" marL="432000" indent="-215640">
               <a:lnSpc>
                 <a:spcPct val="100000"/>
               </a:lnSpc>
@@ -8600,24 +8607,14 @@
                 <a:latin typeface="Source Sans Pro Semibold"/>
                 <a:ea typeface="DejaVu Sans"/>
               </a:rPr>
-              <a:t> </a:t>
-            </a:r>
-            <a:r>
-              <a:rPr b="1" lang="en-GB" sz="2600" spc="-1" strike="noStrike">
-                <a:solidFill>
-                  <a:srgbClr val="1c1c1c"/>
-                </a:solidFill>
-                <a:latin typeface="Source Sans Pro Semibold"/>
-                <a:ea typeface="DejaVu Sans"/>
-              </a:rPr>
-              <a:t>eg</a:t>
-            </a:r>
-            <a:endParaRPr b="0" lang="en-GB" sz="2600" spc="-1" strike="noStrike">
-              <a:latin typeface="Arial"/>
-            </a:endParaRPr>
-          </a:p>
-          <a:p>
-            <a:pPr lvl="1" marL="432000" indent="-216000">
+              <a:t>Puppet</a:t>
+            </a:r>
+            <a:endParaRPr b="0" lang="en-GB" sz="2600" spc="-1" strike="noStrike">
+              <a:latin typeface="Arial"/>
+            </a:endParaRPr>
+          </a:p>
+          <a:p>
+            <a:pPr lvl="1" marL="432000" indent="-215640">
               <a:lnSpc>
                 <a:spcPct val="100000"/>
               </a:lnSpc>
@@ -8636,58 +8633,6 @@
                 <a:latin typeface="Source Sans Pro Semibold"/>
                 <a:ea typeface="DejaVu Sans"/>
               </a:rPr>
-              <a:t>Make</a:t>
-            </a:r>
-            <a:endParaRPr b="0" lang="en-GB" sz="2600" spc="-1" strike="noStrike">
-              <a:latin typeface="Arial"/>
-            </a:endParaRPr>
-          </a:p>
-          <a:p>
-            <a:pPr lvl="1" marL="432000" indent="-216000">
-              <a:lnSpc>
-                <a:spcPct val="100000"/>
-              </a:lnSpc>
-              <a:buClr>
-                <a:srgbClr val="000000"/>
-              </a:buClr>
-              <a:buSzPct val="45000"/>
-              <a:buFont typeface="Wingdings" charset="2"/>
-              <a:buChar char=""/>
-            </a:pPr>
-            <a:r>
-              <a:rPr b="1" lang="en-GB" sz="2600" spc="-1" strike="noStrike">
-                <a:solidFill>
-                  <a:srgbClr val="1c1c1c"/>
-                </a:solidFill>
-                <a:latin typeface="Source Sans Pro Semibold"/>
-                <a:ea typeface="DejaVu Sans"/>
-              </a:rPr>
-              <a:t>Puppet</a:t>
-            </a:r>
-            <a:endParaRPr b="0" lang="en-GB" sz="2600" spc="-1" strike="noStrike">
-              <a:latin typeface="Arial"/>
-            </a:endParaRPr>
-          </a:p>
-          <a:p>
-            <a:pPr lvl="1" marL="432000" indent="-216000">
-              <a:lnSpc>
-                <a:spcPct val="100000"/>
-              </a:lnSpc>
-              <a:buClr>
-                <a:srgbClr val="000000"/>
-              </a:buClr>
-              <a:buSzPct val="45000"/>
-              <a:buFont typeface="Wingdings" charset="2"/>
-              <a:buChar char=""/>
-            </a:pPr>
-            <a:r>
-              <a:rPr b="1" lang="en-GB" sz="2600" spc="-1" strike="noStrike">
-                <a:solidFill>
-                  <a:srgbClr val="1c1c1c"/>
-                </a:solidFill>
-                <a:latin typeface="Source Sans Pro Semibold"/>
-                <a:ea typeface="DejaVu Sans"/>
-              </a:rPr>
               <a:t>YAML</a:t>
             </a:r>
             <a:endParaRPr b="0" lang="en-GB" sz="2600" spc="-1" strike="noStrike">
@@ -8695,7 +8640,7 @@
             </a:endParaRPr>
           </a:p>
           <a:p>
-            <a:pPr lvl="1" marL="432000" indent="-216000">
+            <a:pPr lvl="1" marL="432000" indent="-215640">
               <a:lnSpc>
                 <a:spcPct val="100000"/>
               </a:lnSpc>
@@ -8761,7 +8706,7 @@
         <p:spPr>
           <a:xfrm>
             <a:off x="360000" y="360000"/>
-            <a:ext cx="9357840" cy="897840"/>
+            <a:ext cx="9357480" cy="897480"/>
           </a:xfrm>
           <a:prstGeom prst="rect">
             <a:avLst/>
@@ -8812,7 +8757,7 @@
         <p:spPr>
           <a:xfrm>
             <a:off x="360000" y="1980000"/>
-            <a:ext cx="9177840" cy="4677840"/>
+            <a:ext cx="9177480" cy="4677480"/>
           </a:xfrm>
           <a:prstGeom prst="rect">
             <a:avLst/>
@@ -8843,7 +8788,7 @@
             </a:endParaRPr>
           </a:p>
           <a:p>
-            <a:pPr marL="216000" indent="-213840">
+            <a:pPr marL="216000" indent="-213480">
               <a:lnSpc>
                 <a:spcPct val="100000"/>
               </a:lnSpc>
@@ -8879,7 +8824,7 @@
         <p:spPr>
           <a:xfrm>
             <a:off x="360000" y="1982160"/>
-            <a:ext cx="9177840" cy="4677840"/>
+            <a:ext cx="9177480" cy="4677480"/>
           </a:xfrm>
           <a:prstGeom prst="rect">
             <a:avLst/>
@@ -8910,7 +8855,7 @@
             </a:endParaRPr>
           </a:p>
           <a:p>
-            <a:pPr marL="216000" indent="-213840">
+            <a:pPr marL="216000" indent="-213480">
               <a:lnSpc>
                 <a:spcPct val="100000"/>
               </a:lnSpc>
@@ -8936,7 +8881,17 @@
             </a:endParaRPr>
           </a:p>
           <a:p>
-            <a:pPr marL="216000" indent="-213840">
+            <a:pPr>
+              <a:lnSpc>
+                <a:spcPct val="100000"/>
+              </a:lnSpc>
+            </a:pPr>
+            <a:endParaRPr b="0" lang="en-GB" sz="2600" spc="-1" strike="noStrike">
+              <a:latin typeface="Arial"/>
+            </a:endParaRPr>
+          </a:p>
+          <a:p>
+            <a:pPr lvl="1" marL="432000" indent="-215640">
               <a:lnSpc>
                 <a:spcPct val="100000"/>
               </a:lnSpc>
@@ -8947,12 +8902,32 @@
               <a:buFont typeface="Wingdings" charset="2"/>
               <a:buChar char=""/>
             </a:pPr>
-            <a:endParaRPr b="0" lang="en-GB" sz="2600" spc="-1" strike="noStrike">
-              <a:latin typeface="Arial"/>
-            </a:endParaRPr>
-          </a:p>
-          <a:p>
-            <a:pPr lvl="1" marL="432000" indent="-216000">
+            <a:r>
+              <a:rPr b="1" lang="en-GB" sz="2600" spc="-1" strike="noStrike">
+                <a:solidFill>
+                  <a:srgbClr val="1c1c1c"/>
+                </a:solidFill>
+                <a:latin typeface="Source Sans Pro Semibold"/>
+                <a:ea typeface="DejaVu Sans"/>
+              </a:rPr>
+              <a:t>Easy and cheap branching of code</a:t>
+            </a:r>
+            <a:endParaRPr b="0" lang="en-GB" sz="2600" spc="-1" strike="noStrike">
+              <a:latin typeface="Arial"/>
+            </a:endParaRPr>
+          </a:p>
+          <a:p>
+            <a:pPr>
+              <a:lnSpc>
+                <a:spcPct val="100000"/>
+              </a:lnSpc>
+            </a:pPr>
+            <a:endParaRPr b="0" lang="en-GB" sz="2600" spc="-1" strike="noStrike">
+              <a:latin typeface="Arial"/>
+            </a:endParaRPr>
+          </a:p>
+          <a:p>
+            <a:pPr lvl="1" marL="432000" indent="-215640">
               <a:lnSpc>
                 <a:spcPct val="100000"/>
               </a:lnSpc>
@@ -8971,14 +8946,24 @@
                 <a:latin typeface="Source Sans Pro Semibold"/>
                 <a:ea typeface="DejaVu Sans"/>
               </a:rPr>
-              <a:t>Easy and cheap branching of code</a:t>
-            </a:r>
-            <a:endParaRPr b="0" lang="en-GB" sz="2600" spc="-1" strike="noStrike">
-              <a:latin typeface="Arial"/>
-            </a:endParaRPr>
-          </a:p>
-          <a:p>
-            <a:pPr lvl="1" marL="432000" indent="-216000">
+              <a:t>Change history integrity</a:t>
+            </a:r>
+            <a:endParaRPr b="0" lang="en-GB" sz="2600" spc="-1" strike="noStrike">
+              <a:latin typeface="Arial"/>
+            </a:endParaRPr>
+          </a:p>
+          <a:p>
+            <a:pPr>
+              <a:lnSpc>
+                <a:spcPct val="100000"/>
+              </a:lnSpc>
+            </a:pPr>
+            <a:endParaRPr b="0" lang="en-GB" sz="2600" spc="-1" strike="noStrike">
+              <a:latin typeface="Arial"/>
+            </a:endParaRPr>
+          </a:p>
+          <a:p>
+            <a:pPr lvl="1" marL="432000" indent="-215640">
               <a:lnSpc>
                 <a:spcPct val="100000"/>
               </a:lnSpc>
@@ -8989,22 +8974,6 @@
               <a:buFont typeface="Wingdings" charset="2"/>
               <a:buChar char=""/>
             </a:pPr>
-            <a:endParaRPr b="0" lang="en-GB" sz="2600" spc="-1" strike="noStrike">
-              <a:latin typeface="Arial"/>
-            </a:endParaRPr>
-          </a:p>
-          <a:p>
-            <a:pPr lvl="1" marL="432000" indent="-216000">
-              <a:lnSpc>
-                <a:spcPct val="100000"/>
-              </a:lnSpc>
-              <a:buClr>
-                <a:srgbClr val="000000"/>
-              </a:buClr>
-              <a:buSzPct val="45000"/>
-              <a:buFont typeface="Wingdings" charset="2"/>
-              <a:buChar char=""/>
-            </a:pPr>
             <a:r>
               <a:rPr b="1" lang="en-GB" sz="2600" spc="-1" strike="noStrike">
                 <a:solidFill>
@@ -9013,48 +8982,6 @@
                 <a:latin typeface="Source Sans Pro Semibold"/>
                 <a:ea typeface="DejaVu Sans"/>
               </a:rPr>
-              <a:t>Change history integrity</a:t>
-            </a:r>
-            <a:endParaRPr b="0" lang="en-GB" sz="2600" spc="-1" strike="noStrike">
-              <a:latin typeface="Arial"/>
-            </a:endParaRPr>
-          </a:p>
-          <a:p>
-            <a:pPr lvl="1" marL="432000" indent="-216000">
-              <a:lnSpc>
-                <a:spcPct val="100000"/>
-              </a:lnSpc>
-              <a:buClr>
-                <a:srgbClr val="000000"/>
-              </a:buClr>
-              <a:buSzPct val="45000"/>
-              <a:buFont typeface="Wingdings" charset="2"/>
-              <a:buChar char=""/>
-            </a:pPr>
-            <a:endParaRPr b="0" lang="en-GB" sz="2600" spc="-1" strike="noStrike">
-              <a:latin typeface="Arial"/>
-            </a:endParaRPr>
-          </a:p>
-          <a:p>
-            <a:pPr lvl="1" marL="432000" indent="-216000">
-              <a:lnSpc>
-                <a:spcPct val="100000"/>
-              </a:lnSpc>
-              <a:buClr>
-                <a:srgbClr val="000000"/>
-              </a:buClr>
-              <a:buSzPct val="45000"/>
-              <a:buFont typeface="Wingdings" charset="2"/>
-              <a:buChar char=""/>
-            </a:pPr>
-            <a:r>
-              <a:rPr b="1" lang="en-GB" sz="2600" spc="-1" strike="noStrike">
-                <a:solidFill>
-                  <a:srgbClr val="1c1c1c"/>
-                </a:solidFill>
-                <a:latin typeface="Source Sans Pro Semibold"/>
-                <a:ea typeface="DejaVu Sans"/>
-              </a:rPr>
               <a:t>Change sharing protocols</a:t>
             </a:r>
             <a:endParaRPr b="0" lang="en-GB" sz="2600" spc="-1" strike="noStrike">
@@ -9062,23 +8989,17 @@
             </a:endParaRPr>
           </a:p>
           <a:p>
-            <a:pPr lvl="1" marL="432000" indent="-216000">
-              <a:lnSpc>
-                <a:spcPct val="100000"/>
-              </a:lnSpc>
-              <a:buClr>
-                <a:srgbClr val="000000"/>
-              </a:buClr>
-              <a:buSzPct val="45000"/>
-              <a:buFont typeface="Wingdings" charset="2"/>
-              <a:buChar char=""/>
-            </a:pPr>
-            <a:endParaRPr b="0" lang="en-GB" sz="2600" spc="-1" strike="noStrike">
-              <a:latin typeface="Arial"/>
-            </a:endParaRPr>
-          </a:p>
-          <a:p>
-            <a:pPr lvl="1" marL="432000" indent="-216000">
+            <a:pPr>
+              <a:lnSpc>
+                <a:spcPct val="100000"/>
+              </a:lnSpc>
+            </a:pPr>
+            <a:endParaRPr b="0" lang="en-GB" sz="2600" spc="-1" strike="noStrike">
+              <a:latin typeface="Arial"/>
+            </a:endParaRPr>
+          </a:p>
+          <a:p>
+            <a:pPr lvl="1" marL="432000" indent="-215640">
               <a:lnSpc>
                 <a:spcPct val="100000"/>
               </a:lnSpc>
@@ -9144,7 +9065,7 @@
         <p:spPr>
           <a:xfrm>
             <a:off x="360000" y="360000"/>
-            <a:ext cx="9357840" cy="897840"/>
+            <a:ext cx="9357480" cy="897480"/>
           </a:xfrm>
           <a:prstGeom prst="rect">
             <a:avLst/>
@@ -9195,7 +9116,7 @@
         <p:spPr>
           <a:xfrm>
             <a:off x="360000" y="1980000"/>
-            <a:ext cx="9177840" cy="4677840"/>
+            <a:ext cx="9177480" cy="4677480"/>
           </a:xfrm>
           <a:prstGeom prst="rect">
             <a:avLst/>
@@ -9226,7 +9147,7 @@
             </a:endParaRPr>
           </a:p>
           <a:p>
-            <a:pPr marL="216000" indent="-213840">
+            <a:pPr marL="216000" indent="-213480">
               <a:lnSpc>
                 <a:spcPct val="100000"/>
               </a:lnSpc>
@@ -9262,7 +9183,7 @@
         <p:spPr>
           <a:xfrm>
             <a:off x="360000" y="1982160"/>
-            <a:ext cx="9177840" cy="4677840"/>
+            <a:ext cx="9177480" cy="4677480"/>
           </a:xfrm>
           <a:prstGeom prst="rect">
             <a:avLst/>
@@ -9293,7 +9214,7 @@
             </a:endParaRPr>
           </a:p>
           <a:p>
-            <a:pPr marL="216000" indent="-213840">
+            <a:pPr marL="216000" indent="-213480">
               <a:lnSpc>
                 <a:spcPct val="100000"/>
               </a:lnSpc>
@@ -9339,7 +9260,7 @@
             </a:endParaRPr>
           </a:p>
           <a:p>
-            <a:pPr lvl="1" marL="432000" indent="-216000">
+            <a:pPr lvl="1" marL="432000" indent="-215640">
               <a:lnSpc>
                 <a:spcPct val="100000"/>
               </a:lnSpc>
@@ -9365,7 +9286,7 @@
             </a:endParaRPr>
           </a:p>
           <a:p>
-            <a:pPr lvl="1" marL="432000" indent="-216000">
+            <a:pPr lvl="1" marL="432000" indent="-215640">
               <a:lnSpc>
                 <a:spcPct val="100000"/>
               </a:lnSpc>
@@ -9391,7 +9312,17 @@
             </a:endParaRPr>
           </a:p>
           <a:p>
-            <a:pPr marL="216000" indent="-213840">
+            <a:pPr>
+              <a:lnSpc>
+                <a:spcPct val="100000"/>
+              </a:lnSpc>
+            </a:pPr>
+            <a:endParaRPr b="0" lang="en-GB" sz="2600" spc="-1" strike="noStrike">
+              <a:latin typeface="Arial"/>
+            </a:endParaRPr>
+          </a:p>
+          <a:p>
+            <a:pPr marL="216000" indent="-213480">
               <a:lnSpc>
                 <a:spcPct val="100000"/>
               </a:lnSpc>
@@ -9402,12 +9333,32 @@
               <a:buFont typeface="Wingdings" charset="2"/>
               <a:buChar char=""/>
             </a:pPr>
-            <a:endParaRPr b="0" lang="en-GB" sz="2600" spc="-1" strike="noStrike">
-              <a:latin typeface="Arial"/>
-            </a:endParaRPr>
-          </a:p>
-          <a:p>
-            <a:pPr marL="216000" indent="-213840">
+            <a:r>
+              <a:rPr b="1" lang="en-GB" sz="2600" spc="-1" strike="noStrike">
+                <a:solidFill>
+                  <a:srgbClr val="1c1c1c"/>
+                </a:solidFill>
+                <a:latin typeface="Source Sans Pro Semibold"/>
+                <a:ea typeface="DejaVu Sans"/>
+              </a:rPr>
+              <a:t>GitHub, GitLab et al have evolving standards and enterprise integrations</a:t>
+            </a:r>
+            <a:endParaRPr b="0" lang="en-GB" sz="2600" spc="-1" strike="noStrike">
+              <a:latin typeface="Arial"/>
+            </a:endParaRPr>
+          </a:p>
+          <a:p>
+            <a:pPr>
+              <a:lnSpc>
+                <a:spcPct val="100000"/>
+              </a:lnSpc>
+            </a:pPr>
+            <a:endParaRPr b="0" lang="en-GB" sz="2600" spc="-1" strike="noStrike">
+              <a:latin typeface="Arial"/>
+            </a:endParaRPr>
+          </a:p>
+          <a:p>
+            <a:pPr marL="216000" indent="-213480">
               <a:lnSpc>
                 <a:spcPct val="100000"/>
               </a:lnSpc>
@@ -9426,14 +9377,14 @@
                 <a:latin typeface="Source Sans Pro Semibold"/>
                 <a:ea typeface="DejaVu Sans"/>
               </a:rPr>
-              <a:t>GitHub, GitLab et al have evolving standards and enterprise integrations</a:t>
-            </a:r>
-            <a:endParaRPr b="0" lang="en-GB" sz="2600" spc="-1" strike="noStrike">
-              <a:latin typeface="Arial"/>
-            </a:endParaRPr>
-          </a:p>
-          <a:p>
-            <a:pPr marL="216000" indent="-213840">
+              <a:t>Extremely widespread adoption</a:t>
+            </a:r>
+            <a:endParaRPr b="0" lang="en-GB" sz="2600" spc="-1" strike="noStrike">
+              <a:latin typeface="Arial"/>
+            </a:endParaRPr>
+          </a:p>
+          <a:p>
+            <a:pPr lvl="1" marL="432000" indent="-215640">
               <a:lnSpc>
                 <a:spcPct val="100000"/>
               </a:lnSpc>
@@ -9444,22 +9395,18 @@
               <a:buFont typeface="Wingdings" charset="2"/>
               <a:buChar char=""/>
             </a:pPr>
-            <a:endParaRPr b="0" lang="en-GB" sz="2600" spc="-1" strike="noStrike">
-              <a:latin typeface="Arial"/>
-            </a:endParaRPr>
-          </a:p>
-          <a:p>
-            <a:pPr marL="216000" indent="-213840">
-              <a:lnSpc>
-                <a:spcPct val="100000"/>
-              </a:lnSpc>
-              <a:buClr>
-                <a:srgbClr val="000000"/>
-              </a:buClr>
-              <a:buSzPct val="45000"/>
-              <a:buFont typeface="Wingdings" charset="2"/>
-              <a:buChar char=""/>
-            </a:pPr>
+            <a:r>
+              <a:rPr b="1" lang="en-GB" sz="2600" spc="-1" strike="noStrike" u="sng">
+                <a:solidFill>
+                  <a:srgbClr val="0000ff"/>
+                </a:solidFill>
+                <a:uFillTx/>
+                <a:latin typeface="Source Sans Pro Semibold"/>
+                <a:ea typeface="DejaVu Sans"/>
+                <a:hlinkClick r:id="rId1"/>
+              </a:rPr>
+              <a:t>Stack Overflow: 83% of devs on GitHub</a:t>
+            </a:r>
             <a:r>
               <a:rPr b="1" lang="en-GB" sz="2600" spc="-1" strike="noStrike">
                 <a:solidFill>
@@ -9468,43 +9415,6 @@
                 <a:latin typeface="Source Sans Pro Semibold"/>
                 <a:ea typeface="DejaVu Sans"/>
               </a:rPr>
-              <a:t>Extremely widespread adoption</a:t>
-            </a:r>
-            <a:endParaRPr b="0" lang="en-GB" sz="2600" spc="-1" strike="noStrike">
-              <a:latin typeface="Arial"/>
-            </a:endParaRPr>
-          </a:p>
-          <a:p>
-            <a:pPr lvl="1" marL="432000" indent="-216000">
-              <a:lnSpc>
-                <a:spcPct val="100000"/>
-              </a:lnSpc>
-              <a:buClr>
-                <a:srgbClr val="000000"/>
-              </a:buClr>
-              <a:buSzPct val="45000"/>
-              <a:buFont typeface="Wingdings" charset="2"/>
-              <a:buChar char=""/>
-            </a:pPr>
-            <a:r>
-              <a:rPr b="1" lang="en-GB" sz="2600" spc="-1" strike="noStrike">
-                <a:solidFill>
-                  <a:srgbClr val="1c1c1c"/>
-                </a:solidFill>
-                <a:latin typeface="Source Sans Pro Semibold"/>
-                <a:ea typeface="DejaVu Sans"/>
-                <a:hlinkClick r:id="rId1"/>
-              </a:rPr>
-              <a:t>Stack Overflow: 83% of devs on GitHub</a:t>
-            </a:r>
-            <a:r>
-              <a:rPr b="1" lang="en-GB" sz="2600" spc="-1" strike="noStrike">
-                <a:solidFill>
-                  <a:srgbClr val="1c1c1c"/>
-                </a:solidFill>
-                <a:latin typeface="Source Sans Pro Semibold"/>
-                <a:ea typeface="DejaVu Sans"/>
-              </a:rPr>
               <a:t> </a:t>
             </a:r>
             <a:endParaRPr b="0" lang="en-GB" sz="2600" spc="-1" strike="noStrike">
@@ -9512,16 +9422,10 @@
             </a:endParaRPr>
           </a:p>
           <a:p>
-            <a:pPr lvl="1" marL="432000" indent="-216000">
-              <a:lnSpc>
-                <a:spcPct val="100000"/>
-              </a:lnSpc>
-              <a:buClr>
-                <a:srgbClr val="000000"/>
-              </a:buClr>
-              <a:buSzPct val="45000"/>
-              <a:buFont typeface="Wingdings" charset="2"/>
-              <a:buChar char=""/>
+            <a:pPr>
+              <a:lnSpc>
+                <a:spcPct val="100000"/>
+              </a:lnSpc>
             </a:pPr>
             <a:endParaRPr b="0" lang="en-GB" sz="2600" spc="-1" strike="noStrike">
               <a:latin typeface="Arial"/>
@@ -9568,7 +9472,7 @@
         <p:spPr>
           <a:xfrm>
             <a:off x="360000" y="360000"/>
-            <a:ext cx="9357840" cy="897840"/>
+            <a:ext cx="9357480" cy="897480"/>
           </a:xfrm>
           <a:prstGeom prst="rect">
             <a:avLst/>
@@ -9619,7 +9523,7 @@
         <p:spPr>
           <a:xfrm>
             <a:off x="360000" y="1980000"/>
-            <a:ext cx="9177840" cy="4677840"/>
+            <a:ext cx="9177480" cy="4677480"/>
           </a:xfrm>
           <a:prstGeom prst="rect">
             <a:avLst/>
@@ -9670,7 +9574,7 @@
         <p:spPr>
           <a:xfrm>
             <a:off x="360000" y="1979280"/>
-            <a:ext cx="9177840" cy="4677840"/>
+            <a:ext cx="9177480" cy="4677480"/>
           </a:xfrm>
           <a:prstGeom prst="rect">
             <a:avLst/>
@@ -9711,7 +9615,97 @@
             </a:endParaRPr>
           </a:p>
           <a:p>
-            <a:pPr marL="216000" indent="-213840">
+            <a:pPr>
+              <a:lnSpc>
+                <a:spcPct val="100000"/>
+              </a:lnSpc>
+            </a:pPr>
+            <a:endParaRPr b="0" lang="en-GB" sz="1800" spc="-1" strike="noStrike">
+              <a:latin typeface="Arial"/>
+            </a:endParaRPr>
+          </a:p>
+          <a:p>
+            <a:pPr>
+              <a:lnSpc>
+                <a:spcPct val="100000"/>
+              </a:lnSpc>
+            </a:pPr>
+            <a:endParaRPr b="0" lang="en-GB" sz="1800" spc="-1" strike="noStrike">
+              <a:latin typeface="Arial"/>
+            </a:endParaRPr>
+          </a:p>
+          <a:p>
+            <a:pPr>
+              <a:lnSpc>
+                <a:spcPct val="100000"/>
+              </a:lnSpc>
+            </a:pPr>
+            <a:endParaRPr b="0" lang="en-GB" sz="1800" spc="-1" strike="noStrike">
+              <a:latin typeface="Arial"/>
+            </a:endParaRPr>
+          </a:p>
+          <a:p>
+            <a:pPr>
+              <a:lnSpc>
+                <a:spcPct val="100000"/>
+              </a:lnSpc>
+            </a:pPr>
+            <a:endParaRPr b="0" lang="en-GB" sz="1800" spc="-1" strike="noStrike">
+              <a:latin typeface="Arial"/>
+            </a:endParaRPr>
+          </a:p>
+          <a:p>
+            <a:pPr>
+              <a:lnSpc>
+                <a:spcPct val="100000"/>
+              </a:lnSpc>
+            </a:pPr>
+            <a:endParaRPr b="0" lang="en-GB" sz="1800" spc="-1" strike="noStrike">
+              <a:latin typeface="Arial"/>
+            </a:endParaRPr>
+          </a:p>
+          <a:p>
+            <a:pPr>
+              <a:lnSpc>
+                <a:spcPct val="100000"/>
+              </a:lnSpc>
+            </a:pPr>
+            <a:endParaRPr b="0" lang="en-GB" sz="1800" spc="-1" strike="noStrike">
+              <a:latin typeface="Arial"/>
+            </a:endParaRPr>
+          </a:p>
+          <a:p>
+            <a:pPr>
+              <a:lnSpc>
+                <a:spcPct val="100000"/>
+              </a:lnSpc>
+            </a:pPr>
+            <a:endParaRPr b="0" lang="en-GB" sz="1800" spc="-1" strike="noStrike">
+              <a:latin typeface="Arial"/>
+            </a:endParaRPr>
+          </a:p>
+          <a:p>
+            <a:pPr>
+              <a:lnSpc>
+                <a:spcPct val="100000"/>
+              </a:lnSpc>
+            </a:pPr>
+            <a:endParaRPr b="0" lang="en-GB" sz="1800" spc="-1" strike="noStrike">
+              <a:latin typeface="Arial"/>
+            </a:endParaRPr>
+          </a:p>
+          <a:p>
+            <a:pPr>
+              <a:lnSpc>
+                <a:spcPct val="100000"/>
+              </a:lnSpc>
+            </a:pPr>
+            <a:endParaRPr b="0" lang="en-GB" sz="1800" spc="-1" strike="noStrike">
+              <a:latin typeface="Arial"/>
+            </a:endParaRPr>
+          </a:p>
+          <a:p>
+            <a:pPr marL="216000" indent="-213480">
               <a:lnSpc>
                 <a:spcPct val="100000"/>
               </a:lnSpc>
@@ -9722,155 +9716,12 @@
               <a:buFont typeface="Wingdings" charset="2"/>
               <a:buChar char=""/>
             </a:pPr>
-            <a:endParaRPr b="0" lang="en-GB" sz="1800" spc="-1" strike="noStrike">
-              <a:latin typeface="Arial"/>
-            </a:endParaRPr>
-          </a:p>
-          <a:p>
-            <a:pPr marL="216000" indent="-213840">
-              <a:lnSpc>
-                <a:spcPct val="100000"/>
-              </a:lnSpc>
-              <a:buClr>
-                <a:srgbClr val="000000"/>
-              </a:buClr>
-              <a:buSzPct val="45000"/>
-              <a:buFont typeface="Wingdings" charset="2"/>
-              <a:buChar char=""/>
-            </a:pPr>
-            <a:endParaRPr b="0" lang="en-GB" sz="1800" spc="-1" strike="noStrike">
-              <a:latin typeface="Arial"/>
-            </a:endParaRPr>
-          </a:p>
-          <a:p>
-            <a:pPr marL="216000" indent="-213840">
-              <a:lnSpc>
-                <a:spcPct val="100000"/>
-              </a:lnSpc>
-              <a:buClr>
-                <a:srgbClr val="000000"/>
-              </a:buClr>
-              <a:buSzPct val="45000"/>
-              <a:buFont typeface="Wingdings" charset="2"/>
-              <a:buChar char=""/>
-            </a:pPr>
-            <a:endParaRPr b="0" lang="en-GB" sz="1800" spc="-1" strike="noStrike">
-              <a:latin typeface="Arial"/>
-            </a:endParaRPr>
-          </a:p>
-          <a:p>
-            <a:pPr marL="216000" indent="-213840">
-              <a:lnSpc>
-                <a:spcPct val="100000"/>
-              </a:lnSpc>
-              <a:buClr>
-                <a:srgbClr val="000000"/>
-              </a:buClr>
-              <a:buSzPct val="45000"/>
-              <a:buFont typeface="Wingdings" charset="2"/>
-              <a:buChar char=""/>
-            </a:pPr>
-            <a:endParaRPr b="0" lang="en-GB" sz="1800" spc="-1" strike="noStrike">
-              <a:latin typeface="Arial"/>
-            </a:endParaRPr>
-          </a:p>
-          <a:p>
-            <a:pPr marL="216000" indent="-213840">
-              <a:lnSpc>
-                <a:spcPct val="100000"/>
-              </a:lnSpc>
-              <a:buClr>
-                <a:srgbClr val="000000"/>
-              </a:buClr>
-              <a:buSzPct val="45000"/>
-              <a:buFont typeface="Wingdings" charset="2"/>
-              <a:buChar char=""/>
-            </a:pPr>
-            <a:endParaRPr b="0" lang="en-GB" sz="1800" spc="-1" strike="noStrike">
-              <a:latin typeface="Arial"/>
-            </a:endParaRPr>
-          </a:p>
-          <a:p>
-            <a:pPr marL="216000" indent="-213840">
-              <a:lnSpc>
-                <a:spcPct val="100000"/>
-              </a:lnSpc>
-              <a:buClr>
-                <a:srgbClr val="000000"/>
-              </a:buClr>
-              <a:buSzPct val="45000"/>
-              <a:buFont typeface="Wingdings" charset="2"/>
-              <a:buChar char=""/>
-            </a:pPr>
-            <a:endParaRPr b="0" lang="en-GB" sz="1800" spc="-1" strike="noStrike">
-              <a:latin typeface="Arial"/>
-            </a:endParaRPr>
-          </a:p>
-          <a:p>
-            <a:pPr marL="216000" indent="-213840">
-              <a:lnSpc>
-                <a:spcPct val="100000"/>
-              </a:lnSpc>
-              <a:buClr>
-                <a:srgbClr val="000000"/>
-              </a:buClr>
-              <a:buSzPct val="45000"/>
-              <a:buFont typeface="Wingdings" charset="2"/>
-              <a:buChar char=""/>
-            </a:pPr>
-            <a:endParaRPr b="0" lang="en-GB" sz="1800" spc="-1" strike="noStrike">
-              <a:latin typeface="Arial"/>
-            </a:endParaRPr>
-          </a:p>
-          <a:p>
-            <a:pPr marL="216000" indent="-213840">
-              <a:lnSpc>
-                <a:spcPct val="100000"/>
-              </a:lnSpc>
-              <a:buClr>
-                <a:srgbClr val="000000"/>
-              </a:buClr>
-              <a:buSzPct val="45000"/>
-              <a:buFont typeface="Wingdings" charset="2"/>
-              <a:buChar char=""/>
-            </a:pPr>
-            <a:endParaRPr b="0" lang="en-GB" sz="1800" spc="-1" strike="noStrike">
-              <a:latin typeface="Arial"/>
-            </a:endParaRPr>
-          </a:p>
-          <a:p>
-            <a:pPr marL="216000" indent="-213840">
-              <a:lnSpc>
-                <a:spcPct val="100000"/>
-              </a:lnSpc>
-              <a:buClr>
-                <a:srgbClr val="000000"/>
-              </a:buClr>
-              <a:buSzPct val="45000"/>
-              <a:buFont typeface="Wingdings" charset="2"/>
-              <a:buChar char=""/>
-            </a:pPr>
-            <a:endParaRPr b="0" lang="en-GB" sz="1800" spc="-1" strike="noStrike">
-              <a:latin typeface="Arial"/>
-            </a:endParaRPr>
-          </a:p>
-          <a:p>
-            <a:pPr marL="216000" indent="-213840">
-              <a:lnSpc>
-                <a:spcPct val="100000"/>
-              </a:lnSpc>
-              <a:buClr>
-                <a:srgbClr val="000000"/>
-              </a:buClr>
-              <a:buSzPct val="45000"/>
-              <a:buFont typeface="Wingdings" charset="2"/>
-              <a:buChar char=""/>
-            </a:pPr>
-            <a:r>
-              <a:rPr b="1" lang="en-GB" sz="2600" spc="-1" strike="noStrike">
-                <a:solidFill>
-                  <a:srgbClr val="1c1c1c"/>
-                </a:solidFill>
+            <a:r>
+              <a:rPr b="1" lang="en-GB" sz="2600" spc="-1" strike="noStrike" u="sng">
+                <a:solidFill>
+                  <a:srgbClr val="0000ff"/>
+                </a:solidFill>
+                <a:uFillTx/>
                 <a:latin typeface="Source Sans Pro Semibold"/>
                 <a:ea typeface="DejaVu Sans"/>
                 <a:hlinkClick r:id="rId1"/>
@@ -9956,7 +9807,7 @@
         <p:spPr>
           <a:xfrm>
             <a:off x="504000" y="1512000"/>
-            <a:ext cx="8837640" cy="4371120"/>
+            <a:ext cx="8837280" cy="4370760"/>
           </a:xfrm>
           <a:prstGeom prst="rect">
             <a:avLst/>
@@ -10005,7 +9856,7 @@
         <p:spPr>
           <a:xfrm>
             <a:off x="360000" y="360000"/>
-            <a:ext cx="9357840" cy="897840"/>
+            <a:ext cx="9357480" cy="897480"/>
           </a:xfrm>
           <a:prstGeom prst="rect">
             <a:avLst/>
@@ -10056,7 +9907,7 @@
         <p:spPr>
           <a:xfrm>
             <a:off x="360000" y="1980000"/>
-            <a:ext cx="9177840" cy="4677840"/>
+            <a:ext cx="9177480" cy="4677480"/>
           </a:xfrm>
           <a:prstGeom prst="rect">
             <a:avLst/>
@@ -10082,12 +9933,12 @@
                 <a:spcPct val="100000"/>
               </a:lnSpc>
             </a:pPr>
-            <a:endParaRPr b="1" lang="en-GB" sz="1800" spc="-1" strike="noStrike">
-              <a:latin typeface="Arial"/>
-            </a:endParaRPr>
-          </a:p>
-          <a:p>
-            <a:pPr marL="216000" indent="-213840">
+            <a:endParaRPr b="0" lang="en-GB" sz="1800" spc="-1" strike="noStrike">
+              <a:latin typeface="Arial"/>
+            </a:endParaRPr>
+          </a:p>
+          <a:p>
+            <a:pPr marL="216000" indent="-213480">
               <a:lnSpc>
                 <a:spcPct val="100000"/>
               </a:lnSpc>
@@ -10108,12 +9959,22 @@
               </a:rPr>
               <a:t>About Me</a:t>
             </a:r>
-            <a:endParaRPr b="1" lang="en-GB" sz="2600" spc="-1" strike="noStrike">
-              <a:latin typeface="Arial"/>
-            </a:endParaRPr>
-          </a:p>
-          <a:p>
-            <a:pPr marL="216000" indent="-213840">
+            <a:endParaRPr b="0" lang="en-GB" sz="2600" spc="-1" strike="noStrike">
+              <a:latin typeface="Arial"/>
+            </a:endParaRPr>
+          </a:p>
+          <a:p>
+            <a:pPr>
+              <a:lnSpc>
+                <a:spcPct val="100000"/>
+              </a:lnSpc>
+            </a:pPr>
+            <a:endParaRPr b="0" lang="en-GB" sz="2600" spc="-1" strike="noStrike">
+              <a:latin typeface="Arial"/>
+            </a:endParaRPr>
+          </a:p>
+          <a:p>
+            <a:pPr marL="216000" indent="-213480">
               <a:lnSpc>
                 <a:spcPct val="100000"/>
               </a:lnSpc>
@@ -10124,12 +9985,32 @@
               <a:buFont typeface="Wingdings" charset="2"/>
               <a:buChar char=""/>
             </a:pPr>
-            <a:endParaRPr b="1" lang="en-GB" sz="2600" spc="-1" strike="noStrike">
-              <a:latin typeface="Arial"/>
-            </a:endParaRPr>
-          </a:p>
-          <a:p>
-            <a:pPr marL="216000" indent="-213840">
+            <a:r>
+              <a:rPr b="1" lang="en-GB" sz="2600" spc="-1" strike="noStrike">
+                <a:solidFill>
+                  <a:srgbClr val="1c1c1c"/>
+                </a:solidFill>
+                <a:latin typeface="Source Sans Pro Semibold"/>
+                <a:ea typeface="DejaVu Sans"/>
+              </a:rPr>
+              <a:t>Course Overview</a:t>
+            </a:r>
+            <a:endParaRPr b="0" lang="en-GB" sz="2600" spc="-1" strike="noStrike">
+              <a:latin typeface="Arial"/>
+            </a:endParaRPr>
+          </a:p>
+          <a:p>
+            <a:pPr>
+              <a:lnSpc>
+                <a:spcPct val="100000"/>
+              </a:lnSpc>
+            </a:pPr>
+            <a:endParaRPr b="0" lang="en-GB" sz="2600" spc="-1" strike="noStrike">
+              <a:latin typeface="Arial"/>
+            </a:endParaRPr>
+          </a:p>
+          <a:p>
+            <a:pPr marL="216000" indent="-213480">
               <a:lnSpc>
                 <a:spcPct val="100000"/>
               </a:lnSpc>
@@ -10148,14 +10029,24 @@
                 <a:latin typeface="Source Sans Pro Semibold"/>
                 <a:ea typeface="DejaVu Sans"/>
               </a:rPr>
-              <a:t>Course Overview</a:t>
-            </a:r>
-            <a:endParaRPr b="1" lang="en-GB" sz="2600" spc="-1" strike="noStrike">
-              <a:latin typeface="Arial"/>
-            </a:endParaRPr>
-          </a:p>
-          <a:p>
-            <a:pPr marL="216000" indent="-213840">
+              <a:t>Discussion</a:t>
+            </a:r>
+            <a:endParaRPr b="0" lang="en-GB" sz="2600" spc="-1" strike="noStrike">
+              <a:latin typeface="Arial"/>
+            </a:endParaRPr>
+          </a:p>
+          <a:p>
+            <a:pPr>
+              <a:lnSpc>
+                <a:spcPct val="100000"/>
+              </a:lnSpc>
+            </a:pPr>
+            <a:endParaRPr b="0" lang="en-GB" sz="2600" spc="-1" strike="noStrike">
+              <a:latin typeface="Arial"/>
+            </a:endParaRPr>
+          </a:p>
+          <a:p>
+            <a:pPr marL="216000" indent="-213480">
               <a:lnSpc>
                 <a:spcPct val="100000"/>
               </a:lnSpc>
@@ -10166,22 +10057,6 @@
               <a:buFont typeface="Wingdings" charset="2"/>
               <a:buChar char=""/>
             </a:pPr>
-            <a:endParaRPr b="1" lang="en-GB" sz="2600" spc="-1" strike="noStrike">
-              <a:latin typeface="Arial"/>
-            </a:endParaRPr>
-          </a:p>
-          <a:p>
-            <a:pPr marL="216000" indent="-213840">
-              <a:lnSpc>
-                <a:spcPct val="100000"/>
-              </a:lnSpc>
-              <a:buClr>
-                <a:srgbClr val="000000"/>
-              </a:buClr>
-              <a:buSzPct val="45000"/>
-              <a:buFont typeface="Wingdings" charset="2"/>
-              <a:buChar char=""/>
-            </a:pPr>
             <a:r>
               <a:rPr b="1" lang="en-GB" sz="2600" spc="-1" strike="noStrike">
                 <a:solidFill>
@@ -10190,51 +10065,9 @@
                 <a:latin typeface="Source Sans Pro Semibold"/>
                 <a:ea typeface="DejaVu Sans"/>
               </a:rPr>
-              <a:t>Discussion</a:t>
-            </a:r>
-            <a:endParaRPr b="1" lang="en-GB" sz="2600" spc="-1" strike="noStrike">
-              <a:latin typeface="Arial"/>
-            </a:endParaRPr>
-          </a:p>
-          <a:p>
-            <a:pPr marL="216000" indent="-213840">
-              <a:lnSpc>
-                <a:spcPct val="100000"/>
-              </a:lnSpc>
-              <a:buClr>
-                <a:srgbClr val="000000"/>
-              </a:buClr>
-              <a:buSzPct val="45000"/>
-              <a:buFont typeface="Wingdings" charset="2"/>
-              <a:buChar char=""/>
-            </a:pPr>
-            <a:endParaRPr b="1" lang="en-GB" sz="2600" spc="-1" strike="noStrike">
-              <a:latin typeface="Arial"/>
-            </a:endParaRPr>
-          </a:p>
-          <a:p>
-            <a:pPr marL="216000" indent="-213840">
-              <a:lnSpc>
-                <a:spcPct val="100000"/>
-              </a:lnSpc>
-              <a:buClr>
-                <a:srgbClr val="000000"/>
-              </a:buClr>
-              <a:buSzPct val="45000"/>
-              <a:buFont typeface="Wingdings" charset="2"/>
-              <a:buChar char=""/>
-            </a:pPr>
-            <a:r>
-              <a:rPr b="1" lang="en-GB" sz="2600" spc="-1" strike="noStrike">
-                <a:solidFill>
-                  <a:srgbClr val="1c1c1c"/>
-                </a:solidFill>
-                <a:latin typeface="Source Sans Pro Semibold"/>
-                <a:ea typeface="DejaVu Sans"/>
-              </a:rPr>
               <a:t>What is GitOps in One Slide</a:t>
             </a:r>
-            <a:endParaRPr b="1" lang="en-GB" sz="2600" spc="-1" strike="noStrike">
+            <a:endParaRPr b="0" lang="en-GB" sz="2600" spc="-1" strike="noStrike">
               <a:latin typeface="Arial"/>
             </a:endParaRPr>
           </a:p>
@@ -10279,7 +10112,7 @@
         <p:spPr>
           <a:xfrm>
             <a:off x="360000" y="360000"/>
-            <a:ext cx="9357840" cy="897840"/>
+            <a:ext cx="9357480" cy="897480"/>
           </a:xfrm>
           <a:prstGeom prst="rect">
             <a:avLst/>
@@ -10330,7 +10163,7 @@
         <p:spPr>
           <a:xfrm>
             <a:off x="360000" y="1730160"/>
-            <a:ext cx="9177840" cy="4677840"/>
+            <a:ext cx="9177480" cy="4677480"/>
           </a:xfrm>
           <a:prstGeom prst="rect">
             <a:avLst/>
@@ -10441,7 +10274,7 @@
         <p:spPr>
           <a:xfrm>
             <a:off x="360000" y="1370160"/>
-            <a:ext cx="9177840" cy="4677840"/>
+            <a:ext cx="9177480" cy="4677480"/>
           </a:xfrm>
           <a:prstGeom prst="rect">
             <a:avLst/>
@@ -10472,7 +10305,17 @@
             </a:endParaRPr>
           </a:p>
           <a:p>
-            <a:pPr marL="216000" indent="-213840">
+            <a:pPr>
+              <a:lnSpc>
+                <a:spcPct val="100000"/>
+              </a:lnSpc>
+            </a:pPr>
+            <a:endParaRPr b="0" lang="en-GB" sz="1800" spc="-1" strike="noStrike">
+              <a:latin typeface="Arial"/>
+            </a:endParaRPr>
+          </a:p>
+          <a:p>
+            <a:pPr marL="216000" indent="-213480">
               <a:lnSpc>
                 <a:spcPct val="100000"/>
               </a:lnSpc>
@@ -10483,12 +10326,22 @@
               <a:buFont typeface="Wingdings" charset="2"/>
               <a:buChar char=""/>
             </a:pPr>
-            <a:endParaRPr b="0" lang="en-GB" sz="1800" spc="-1" strike="noStrike">
-              <a:latin typeface="Arial"/>
-            </a:endParaRPr>
-          </a:p>
-          <a:p>
-            <a:pPr marL="216000" indent="-213840">
+            <a:r>
+              <a:rPr b="1" lang="en-GB" sz="2600" spc="-1" strike="noStrike">
+                <a:solidFill>
+                  <a:srgbClr val="1c1c1c"/>
+                </a:solidFill>
+                <a:latin typeface="Source Sans Pro Semibold"/>
+                <a:ea typeface="DejaVu Sans"/>
+              </a:rPr>
+              <a:t>A control loop:</a:t>
+            </a:r>
+            <a:endParaRPr b="0" lang="en-GB" sz="2600" spc="-1" strike="noStrike">
+              <a:latin typeface="Arial"/>
+            </a:endParaRPr>
+          </a:p>
+          <a:p>
+            <a:pPr lvl="1" marL="432000" indent="-215640">
               <a:lnSpc>
                 <a:spcPct val="100000"/>
               </a:lnSpc>
@@ -10507,14 +10360,14 @@
                 <a:latin typeface="Source Sans Pro Semibold"/>
                 <a:ea typeface="DejaVu Sans"/>
               </a:rPr>
-              <a:t>A control loop:</a:t>
-            </a:r>
-            <a:endParaRPr b="0" lang="en-GB" sz="2600" spc="-1" strike="noStrike">
-              <a:latin typeface="Arial"/>
-            </a:endParaRPr>
-          </a:p>
-          <a:p>
-            <a:pPr lvl="1" marL="432000" indent="-216000">
+              <a:t>Checks whether system is in desired state</a:t>
+            </a:r>
+            <a:endParaRPr b="0" lang="en-GB" sz="2600" spc="-1" strike="noStrike">
+              <a:latin typeface="Arial"/>
+            </a:endParaRPr>
+          </a:p>
+          <a:p>
+            <a:pPr lvl="1" marL="432000" indent="-215640">
               <a:lnSpc>
                 <a:spcPct val="100000"/>
               </a:lnSpc>
@@ -10533,14 +10386,24 @@
                 <a:latin typeface="Source Sans Pro Semibold"/>
                 <a:ea typeface="DejaVu Sans"/>
               </a:rPr>
-              <a:t>Checks whether system is in desired state</a:t>
-            </a:r>
-            <a:endParaRPr b="0" lang="en-GB" sz="2600" spc="-1" strike="noStrike">
-              <a:latin typeface="Arial"/>
-            </a:endParaRPr>
-          </a:p>
-          <a:p>
-            <a:pPr lvl="1" marL="432000" indent="-216000">
+              <a:t>If it is not, effects changes to get into desired state</a:t>
+            </a:r>
+            <a:endParaRPr b="0" lang="en-GB" sz="2600" spc="-1" strike="noStrike">
+              <a:latin typeface="Arial"/>
+            </a:endParaRPr>
+          </a:p>
+          <a:p>
+            <a:pPr>
+              <a:lnSpc>
+                <a:spcPct val="100000"/>
+              </a:lnSpc>
+            </a:pPr>
+            <a:endParaRPr b="0" lang="en-GB" sz="2600" spc="-1" strike="noStrike">
+              <a:latin typeface="Arial"/>
+            </a:endParaRPr>
+          </a:p>
+          <a:p>
+            <a:pPr marL="216000" indent="-213480">
               <a:lnSpc>
                 <a:spcPct val="100000"/>
               </a:lnSpc>
@@ -10559,48 +10422,6 @@
                 <a:latin typeface="Source Sans Pro Semibold"/>
                 <a:ea typeface="DejaVu Sans"/>
               </a:rPr>
-              <a:t>If it is not, effects changes to get into desired state</a:t>
-            </a:r>
-            <a:endParaRPr b="0" lang="en-GB" sz="2600" spc="-1" strike="noStrike">
-              <a:latin typeface="Arial"/>
-            </a:endParaRPr>
-          </a:p>
-          <a:p>
-            <a:pPr lvl="1" marL="432000" indent="-216000">
-              <a:lnSpc>
-                <a:spcPct val="100000"/>
-              </a:lnSpc>
-              <a:buClr>
-                <a:srgbClr val="000000"/>
-              </a:buClr>
-              <a:buSzPct val="45000"/>
-              <a:buFont typeface="Wingdings" charset="2"/>
-              <a:buChar char=""/>
-            </a:pPr>
-            <a:endParaRPr b="0" lang="en-GB" sz="2600" spc="-1" strike="noStrike">
-              <a:latin typeface="Arial"/>
-            </a:endParaRPr>
-          </a:p>
-          <a:p>
-            <a:pPr marL="216000" indent="-213840">
-              <a:lnSpc>
-                <a:spcPct val="100000"/>
-              </a:lnSpc>
-              <a:buClr>
-                <a:srgbClr val="000000"/>
-              </a:buClr>
-              <a:buSzPct val="45000"/>
-              <a:buFont typeface="Wingdings" charset="2"/>
-              <a:buChar char=""/>
-            </a:pPr>
-            <a:r>
-              <a:rPr b="1" lang="en-GB" sz="2600" spc="-1" strike="noStrike">
-                <a:solidFill>
-                  <a:srgbClr val="1c1c1c"/>
-                </a:solidFill>
-                <a:latin typeface="Source Sans Pro Semibold"/>
-                <a:ea typeface="DejaVu Sans"/>
-              </a:rPr>
               <a:t>eg thermostat</a:t>
             </a:r>
             <a:endParaRPr b="0" lang="en-GB" sz="2600" spc="-1" strike="noStrike">
@@ -10608,23 +10429,17 @@
             </a:endParaRPr>
           </a:p>
           <a:p>
-            <a:pPr marL="216000" indent="-213840">
-              <a:lnSpc>
-                <a:spcPct val="100000"/>
-              </a:lnSpc>
-              <a:buClr>
-                <a:srgbClr val="000000"/>
-              </a:buClr>
-              <a:buSzPct val="45000"/>
-              <a:buFont typeface="Wingdings" charset="2"/>
-              <a:buChar char=""/>
-            </a:pPr>
-            <a:endParaRPr b="0" lang="en-GB" sz="2600" spc="-1" strike="noStrike">
-              <a:latin typeface="Arial"/>
-            </a:endParaRPr>
-          </a:p>
-          <a:p>
-            <a:pPr marL="216000" indent="-213840">
+            <a:pPr>
+              <a:lnSpc>
+                <a:spcPct val="100000"/>
+              </a:lnSpc>
+            </a:pPr>
+            <a:endParaRPr b="0" lang="en-GB" sz="2600" spc="-1" strike="noStrike">
+              <a:latin typeface="Arial"/>
+            </a:endParaRPr>
+          </a:p>
+          <a:p>
+            <a:pPr marL="216000" indent="-213480">
               <a:lnSpc>
                 <a:spcPct val="100000"/>
               </a:lnSpc>
@@ -10700,7 +10515,7 @@
         <p:spPr>
           <a:xfrm>
             <a:off x="360000" y="360000"/>
-            <a:ext cx="9357840" cy="897840"/>
+            <a:ext cx="9357480" cy="897480"/>
           </a:xfrm>
           <a:prstGeom prst="rect">
             <a:avLst/>
@@ -10751,7 +10566,7 @@
         <p:spPr>
           <a:xfrm>
             <a:off x="360000" y="1980000"/>
-            <a:ext cx="9177840" cy="4677840"/>
+            <a:ext cx="9177480" cy="4677480"/>
           </a:xfrm>
           <a:prstGeom prst="rect">
             <a:avLst/>
@@ -10802,7 +10617,7 @@
         <p:spPr>
           <a:xfrm>
             <a:off x="360000" y="1800000"/>
-            <a:ext cx="9177840" cy="4677840"/>
+            <a:ext cx="9177480" cy="4677480"/>
           </a:xfrm>
           <a:prstGeom prst="rect">
             <a:avLst/>
@@ -10853,7 +10668,7 @@
         <p:spPr>
           <a:xfrm>
             <a:off x="360000" y="1547280"/>
-            <a:ext cx="9177840" cy="4677840"/>
+            <a:ext cx="9177480" cy="4677480"/>
           </a:xfrm>
           <a:prstGeom prst="rect">
             <a:avLst/>
@@ -10884,7 +10699,17 @@
             </a:endParaRPr>
           </a:p>
           <a:p>
-            <a:pPr marL="216000" indent="-213840">
+            <a:pPr>
+              <a:lnSpc>
+                <a:spcPct val="100000"/>
+              </a:lnSpc>
+            </a:pPr>
+            <a:endParaRPr b="0" lang="en-GB" sz="1800" spc="-1" strike="noStrike">
+              <a:latin typeface="Arial"/>
+            </a:endParaRPr>
+          </a:p>
+          <a:p>
+            <a:pPr marL="216000" indent="-213480">
               <a:lnSpc>
                 <a:spcPct val="100000"/>
               </a:lnSpc>
@@ -10895,12 +10720,32 @@
               <a:buFont typeface="Wingdings" charset="2"/>
               <a:buChar char=""/>
             </a:pPr>
-            <a:endParaRPr b="0" lang="en-GB" sz="1800" spc="-1" strike="noStrike">
-              <a:latin typeface="Arial"/>
-            </a:endParaRPr>
-          </a:p>
-          <a:p>
-            <a:pPr marL="216000" indent="-213840">
+            <a:r>
+              <a:rPr b="1" lang="en-GB" sz="2600" spc="-1" strike="noStrike">
+                <a:solidFill>
+                  <a:srgbClr val="1c1c1c"/>
+                </a:solidFill>
+                <a:latin typeface="Source Sans Pro Semibold"/>
+                <a:ea typeface="DejaVu Sans"/>
+              </a:rPr>
+              <a:t>These concepts, together, improve:</a:t>
+            </a:r>
+            <a:endParaRPr b="0" lang="en-GB" sz="2600" spc="-1" strike="noStrike">
+              <a:latin typeface="Arial"/>
+            </a:endParaRPr>
+          </a:p>
+          <a:p>
+            <a:pPr>
+              <a:lnSpc>
+                <a:spcPct val="100000"/>
+              </a:lnSpc>
+            </a:pPr>
+            <a:endParaRPr b="0" lang="en-GB" sz="2600" spc="-1" strike="noStrike">
+              <a:latin typeface="Arial"/>
+            </a:endParaRPr>
+          </a:p>
+          <a:p>
+            <a:pPr lvl="1" marL="432000" indent="-215640">
               <a:lnSpc>
                 <a:spcPct val="100000"/>
               </a:lnSpc>
@@ -10919,14 +10764,14 @@
                 <a:latin typeface="Source Sans Pro Semibold"/>
                 <a:ea typeface="DejaVu Sans"/>
               </a:rPr>
-              <a:t>These concepts, together, improve:</a:t>
-            </a:r>
-            <a:endParaRPr b="0" lang="en-GB" sz="2600" spc="-1" strike="noStrike">
-              <a:latin typeface="Arial"/>
-            </a:endParaRPr>
-          </a:p>
-          <a:p>
-            <a:pPr marL="216000" indent="-213840">
+              <a:t>Reliability</a:t>
+            </a:r>
+            <a:endParaRPr b="0" lang="en-GB" sz="2600" spc="-1" strike="noStrike">
+              <a:latin typeface="Arial"/>
+            </a:endParaRPr>
+          </a:p>
+          <a:p>
+            <a:pPr lvl="2" marL="648000" indent="-215640">
               <a:lnSpc>
                 <a:spcPct val="100000"/>
               </a:lnSpc>
@@ -10937,12 +10782,22 @@
               <a:buFont typeface="Wingdings" charset="2"/>
               <a:buChar char=""/>
             </a:pPr>
-            <a:endParaRPr b="0" lang="en-GB" sz="2600" spc="-1" strike="noStrike">
-              <a:latin typeface="Arial"/>
-            </a:endParaRPr>
-          </a:p>
-          <a:p>
-            <a:pPr lvl="1" marL="432000" indent="-216000">
+            <a:r>
+              <a:rPr b="1" lang="en-GB" sz="2600" spc="-1" strike="noStrike">
+                <a:solidFill>
+                  <a:srgbClr val="1c1c1c"/>
+                </a:solidFill>
+                <a:latin typeface="Source Sans Pro Semibold"/>
+                <a:ea typeface="DejaVu Sans"/>
+              </a:rPr>
+              <a:t>Automated, zero-touch, self-correcting systems</a:t>
+            </a:r>
+            <a:endParaRPr b="0" lang="en-GB" sz="2600" spc="-1" strike="noStrike">
+              <a:latin typeface="Arial"/>
+            </a:endParaRPr>
+          </a:p>
+          <a:p>
+            <a:pPr lvl="2" marL="648000" indent="-215640">
               <a:lnSpc>
                 <a:spcPct val="100000"/>
               </a:lnSpc>
@@ -10961,14 +10816,14 @@
                 <a:latin typeface="Source Sans Pro Semibold"/>
                 <a:ea typeface="DejaVu Sans"/>
               </a:rPr>
-              <a:t>Reliability</a:t>
-            </a:r>
-            <a:endParaRPr b="0" lang="en-GB" sz="2600" spc="-1" strike="noStrike">
-              <a:latin typeface="Arial"/>
-            </a:endParaRPr>
-          </a:p>
-          <a:p>
-            <a:pPr lvl="2" marL="648000" indent="-216000">
+              <a:t>Fewer ad hoc, unmonitored system changes</a:t>
+            </a:r>
+            <a:endParaRPr b="0" lang="en-GB" sz="2600" spc="-1" strike="noStrike">
+              <a:latin typeface="Arial"/>
+            </a:endParaRPr>
+          </a:p>
+          <a:p>
+            <a:pPr lvl="2" marL="648000" indent="-215640">
               <a:lnSpc>
                 <a:spcPct val="100000"/>
               </a:lnSpc>
@@ -10987,24 +10842,24 @@
                 <a:latin typeface="Source Sans Pro Semibold"/>
                 <a:ea typeface="DejaVu Sans"/>
               </a:rPr>
-              <a:t>Automated, zero-touch, self-correcting </a:t>
-            </a:r>
-            <a:r>
-              <a:rPr b="1" lang="en-GB" sz="2600" spc="-1" strike="noStrike">
-                <a:solidFill>
-                  <a:srgbClr val="1c1c1c"/>
-                </a:solidFill>
-                <a:latin typeface="Source Sans Pro Semibold"/>
-                <a:ea typeface="DejaVu Sans"/>
-              </a:rPr>
-              <a:t>systems</a:t>
-            </a:r>
-            <a:endParaRPr b="0" lang="en-GB" sz="2600" spc="-1" strike="noStrike">
-              <a:latin typeface="Arial"/>
-            </a:endParaRPr>
-          </a:p>
-          <a:p>
-            <a:pPr lvl="2" marL="648000" indent="-216000">
+              <a:t>Reduced bespoke logic</a:t>
+            </a:r>
+            <a:endParaRPr b="0" lang="en-GB" sz="2600" spc="-1" strike="noStrike">
+              <a:latin typeface="Arial"/>
+            </a:endParaRPr>
+          </a:p>
+          <a:p>
+            <a:pPr>
+              <a:lnSpc>
+                <a:spcPct val="100000"/>
+              </a:lnSpc>
+            </a:pPr>
+            <a:endParaRPr b="0" lang="en-GB" sz="2600" spc="-1" strike="noStrike">
+              <a:latin typeface="Arial"/>
+            </a:endParaRPr>
+          </a:p>
+          <a:p>
+            <a:pPr lvl="1" marL="432000" indent="-215640">
               <a:lnSpc>
                 <a:spcPct val="100000"/>
               </a:lnSpc>
@@ -11023,74 +10878,6 @@
                 <a:latin typeface="Source Sans Pro Semibold"/>
                 <a:ea typeface="DejaVu Sans"/>
               </a:rPr>
-              <a:t>Fewer ad hoc, unmonitored system changes</a:t>
-            </a:r>
-            <a:endParaRPr b="0" lang="en-GB" sz="2600" spc="-1" strike="noStrike">
-              <a:latin typeface="Arial"/>
-            </a:endParaRPr>
-          </a:p>
-          <a:p>
-            <a:pPr lvl="2" marL="648000" indent="-216000">
-              <a:lnSpc>
-                <a:spcPct val="100000"/>
-              </a:lnSpc>
-              <a:buClr>
-                <a:srgbClr val="000000"/>
-              </a:buClr>
-              <a:buSzPct val="45000"/>
-              <a:buFont typeface="Wingdings" charset="2"/>
-              <a:buChar char=""/>
-            </a:pPr>
-            <a:r>
-              <a:rPr b="1" lang="en-GB" sz="2600" spc="-1" strike="noStrike">
-                <a:solidFill>
-                  <a:srgbClr val="1c1c1c"/>
-                </a:solidFill>
-                <a:latin typeface="Source Sans Pro Semibold"/>
-                <a:ea typeface="DejaVu Sans"/>
-              </a:rPr>
-              <a:t>Reduced bespoke logic</a:t>
-            </a:r>
-            <a:endParaRPr b="0" lang="en-GB" sz="2600" spc="-1" strike="noStrike">
-              <a:latin typeface="Arial"/>
-            </a:endParaRPr>
-          </a:p>
-          <a:p>
-            <a:pPr lvl="2" marL="648000" indent="-216000">
-              <a:lnSpc>
-                <a:spcPct val="100000"/>
-              </a:lnSpc>
-              <a:buClr>
-                <a:srgbClr val="000000"/>
-              </a:buClr>
-              <a:buSzPct val="45000"/>
-              <a:buFont typeface="Wingdings" charset="2"/>
-              <a:buChar char=""/>
-            </a:pPr>
-            <a:endParaRPr b="0" lang="en-GB" sz="2600" spc="-1" strike="noStrike">
-              <a:latin typeface="Arial"/>
-            </a:endParaRPr>
-          </a:p>
-          <a:p>
-            <a:pPr lvl="1" marL="432000" indent="-216000">
-              <a:lnSpc>
-                <a:spcPct val="100000"/>
-              </a:lnSpc>
-              <a:buClr>
-                <a:srgbClr val="000000"/>
-              </a:buClr>
-              <a:buSzPct val="45000"/>
-              <a:buFont typeface="Wingdings" charset="2"/>
-              <a:buChar char=""/>
-            </a:pPr>
-            <a:r>
-              <a:rPr b="1" lang="en-GB" sz="2600" spc="-1" strike="noStrike">
-                <a:solidFill>
-                  <a:srgbClr val="1c1c1c"/>
-                </a:solidFill>
-                <a:latin typeface="Source Sans Pro Semibold"/>
-                <a:ea typeface="DejaVu Sans"/>
-              </a:rPr>
               <a:t>Auditability and accountability</a:t>
             </a:r>
             <a:endParaRPr b="0" lang="en-GB" sz="2600" spc="-1" strike="noStrike">
@@ -11098,7 +10885,7 @@
             </a:endParaRPr>
           </a:p>
           <a:p>
-            <a:pPr lvl="2" marL="648000" indent="-216000">
+            <a:pPr lvl="2" marL="648000" indent="-215640">
               <a:lnSpc>
                 <a:spcPct val="100000"/>
               </a:lnSpc>
@@ -11164,7 +10951,7 @@
         <p:spPr>
           <a:xfrm>
             <a:off x="360000" y="360000"/>
-            <a:ext cx="9357840" cy="897840"/>
+            <a:ext cx="9357480" cy="897480"/>
           </a:xfrm>
           <a:prstGeom prst="rect">
             <a:avLst/>
@@ -11215,7 +11002,7 @@
         <p:spPr>
           <a:xfrm>
             <a:off x="360000" y="1980000"/>
-            <a:ext cx="9177840" cy="4677840"/>
+            <a:ext cx="9177480" cy="4677480"/>
           </a:xfrm>
           <a:prstGeom prst="rect">
             <a:avLst/>
@@ -11266,7 +11053,7 @@
         <p:spPr>
           <a:xfrm>
             <a:off x="360000" y="1800000"/>
-            <a:ext cx="9177840" cy="4677840"/>
+            <a:ext cx="9177480" cy="4677480"/>
           </a:xfrm>
           <a:prstGeom prst="rect">
             <a:avLst/>
@@ -11317,7 +11104,7 @@
         <p:spPr>
           <a:xfrm>
             <a:off x="360000" y="1196280"/>
-            <a:ext cx="9177840" cy="4677840"/>
+            <a:ext cx="9177480" cy="4677480"/>
           </a:xfrm>
           <a:prstGeom prst="rect">
             <a:avLst/>
@@ -11348,7 +11135,17 @@
             </a:endParaRPr>
           </a:p>
           <a:p>
-            <a:pPr marL="216000" indent="-213840">
+            <a:pPr>
+              <a:lnSpc>
+                <a:spcPct val="100000"/>
+              </a:lnSpc>
+            </a:pPr>
+            <a:endParaRPr b="0" lang="en-GB" sz="1800" spc="-1" strike="noStrike">
+              <a:latin typeface="Arial"/>
+            </a:endParaRPr>
+          </a:p>
+          <a:p>
+            <a:pPr marL="216000" indent="-213480">
               <a:lnSpc>
                 <a:spcPct val="100000"/>
               </a:lnSpc>
@@ -11359,12 +11156,32 @@
               <a:buFont typeface="Wingdings" charset="2"/>
               <a:buChar char=""/>
             </a:pPr>
-            <a:endParaRPr b="0" lang="en-GB" sz="1800" spc="-1" strike="noStrike">
-              <a:latin typeface="Arial"/>
-            </a:endParaRPr>
-          </a:p>
-          <a:p>
-            <a:pPr marL="216000" indent="-213840">
+            <a:r>
+              <a:rPr b="1" lang="en-GB" sz="2600" spc="-1" strike="noStrike">
+                <a:solidFill>
+                  <a:srgbClr val="1c1c1c"/>
+                </a:solidFill>
+                <a:latin typeface="Source Sans Pro Semibold"/>
+                <a:ea typeface="DejaVu Sans"/>
+              </a:rPr>
+              <a:t>Which deliver benefits:</a:t>
+            </a:r>
+            <a:endParaRPr b="0" lang="en-GB" sz="2600" spc="-1" strike="noStrike">
+              <a:latin typeface="Arial"/>
+            </a:endParaRPr>
+          </a:p>
+          <a:p>
+            <a:pPr>
+              <a:lnSpc>
+                <a:spcPct val="100000"/>
+              </a:lnSpc>
+            </a:pPr>
+            <a:endParaRPr b="0" lang="en-GB" sz="2600" spc="-1" strike="noStrike">
+              <a:latin typeface="Arial"/>
+            </a:endParaRPr>
+          </a:p>
+          <a:p>
+            <a:pPr lvl="1" marL="432000" indent="-215640">
               <a:lnSpc>
                 <a:spcPct val="100000"/>
               </a:lnSpc>
@@ -11383,14 +11200,14 @@
                 <a:latin typeface="Source Sans Pro Semibold"/>
                 <a:ea typeface="DejaVu Sans"/>
               </a:rPr>
-              <a:t>Which deliver benefits:</a:t>
-            </a:r>
-            <a:endParaRPr b="0" lang="en-GB" sz="2600" spc="-1" strike="noStrike">
-              <a:latin typeface="Arial"/>
-            </a:endParaRPr>
-          </a:p>
-          <a:p>
-            <a:pPr marL="216000" indent="-213840">
+              <a:t>Improved productivity and lower cost of system ownership</a:t>
+            </a:r>
+            <a:endParaRPr b="0" lang="en-GB" sz="2600" spc="-1" strike="noStrike">
+              <a:latin typeface="Arial"/>
+            </a:endParaRPr>
+          </a:p>
+          <a:p>
+            <a:pPr lvl="2" marL="648000" indent="-215640">
               <a:lnSpc>
                 <a:spcPct val="100000"/>
               </a:lnSpc>
@@ -11401,12 +11218,22 @@
               <a:buFont typeface="Wingdings" charset="2"/>
               <a:buChar char=""/>
             </a:pPr>
-            <a:endParaRPr b="0" lang="en-GB" sz="2600" spc="-1" strike="noStrike">
-              <a:latin typeface="Arial"/>
-            </a:endParaRPr>
-          </a:p>
-          <a:p>
-            <a:pPr lvl="1" marL="432000" indent="-216000">
+            <a:r>
+              <a:rPr b="1" lang="en-GB" sz="2600" spc="-1" strike="noStrike">
+                <a:solidFill>
+                  <a:srgbClr val="1c1c1c"/>
+                </a:solidFill>
+                <a:latin typeface="Source Sans Pro Semibold"/>
+                <a:ea typeface="DejaVu Sans"/>
+              </a:rPr>
+              <a:t>Less time spent debugging systems in unknown state</a:t>
+            </a:r>
+            <a:endParaRPr b="0" lang="en-GB" sz="2600" spc="-1" strike="noStrike">
+              <a:latin typeface="Arial"/>
+            </a:endParaRPr>
+          </a:p>
+          <a:p>
+            <a:pPr lvl="2" marL="648000" indent="-215640">
               <a:lnSpc>
                 <a:spcPct val="100000"/>
               </a:lnSpc>
@@ -11425,24 +11252,14 @@
                 <a:latin typeface="Source Sans Pro Semibold"/>
                 <a:ea typeface="DejaVu Sans"/>
               </a:rPr>
-              <a:t>Improved productivity and lower cost of </a:t>
-            </a:r>
-            <a:r>
-              <a:rPr b="1" lang="en-GB" sz="2600" spc="-1" strike="noStrike">
-                <a:solidFill>
-                  <a:srgbClr val="1c1c1c"/>
-                </a:solidFill>
-                <a:latin typeface="Source Sans Pro Semibold"/>
-                <a:ea typeface="DejaVu Sans"/>
-              </a:rPr>
-              <a:t>system ownership</a:t>
-            </a:r>
-            <a:endParaRPr b="0" lang="en-GB" sz="2600" spc="-1" strike="noStrike">
-              <a:latin typeface="Arial"/>
-            </a:endParaRPr>
-          </a:p>
-          <a:p>
-            <a:pPr lvl="2" marL="648000" indent="-216000">
+              <a:t>Less time maintaining systems with recurring problems</a:t>
+            </a:r>
+            <a:endParaRPr b="0" lang="en-GB" sz="2600" spc="-1" strike="noStrike">
+              <a:latin typeface="Arial"/>
+            </a:endParaRPr>
+          </a:p>
+          <a:p>
+            <a:pPr lvl="2" marL="648000" indent="-215640">
               <a:lnSpc>
                 <a:spcPct val="100000"/>
               </a:lnSpc>
@@ -11461,96 +11278,14 @@
                 <a:latin typeface="Source Sans Pro Semibold"/>
                 <a:ea typeface="DejaVu Sans"/>
               </a:rPr>
-              <a:t>Less time spent debugging systems in </a:t>
-            </a:r>
-            <a:r>
-              <a:rPr b="1" lang="en-GB" sz="2600" spc="-1" strike="noStrike">
-                <a:solidFill>
-                  <a:srgbClr val="1c1c1c"/>
-                </a:solidFill>
-                <a:latin typeface="Source Sans Pro Semibold"/>
-                <a:ea typeface="DejaVu Sans"/>
-              </a:rPr>
-              <a:t>unknown state</a:t>
-            </a:r>
-            <a:endParaRPr b="0" lang="en-GB" sz="2600" spc="-1" strike="noStrike">
-              <a:latin typeface="Arial"/>
-            </a:endParaRPr>
-          </a:p>
-          <a:p>
-            <a:pPr lvl="2" marL="648000" indent="-216000">
-              <a:lnSpc>
-                <a:spcPct val="100000"/>
-              </a:lnSpc>
-              <a:buClr>
-                <a:srgbClr val="000000"/>
-              </a:buClr>
-              <a:buSzPct val="45000"/>
-              <a:buFont typeface="Wingdings" charset="2"/>
-              <a:buChar char=""/>
-            </a:pPr>
-            <a:r>
-              <a:rPr b="1" lang="en-GB" sz="2600" spc="-1" strike="noStrike">
-                <a:solidFill>
-                  <a:srgbClr val="1c1c1c"/>
-                </a:solidFill>
-                <a:latin typeface="Source Sans Pro Semibold"/>
-                <a:ea typeface="DejaVu Sans"/>
-              </a:rPr>
-              <a:t>Less time maintaining systems with recurring </a:t>
-            </a:r>
-            <a:r>
-              <a:rPr b="1" lang="en-GB" sz="2600" spc="-1" strike="noStrike">
-                <a:solidFill>
-                  <a:srgbClr val="1c1c1c"/>
-                </a:solidFill>
-                <a:latin typeface="Source Sans Pro Semibold"/>
-                <a:ea typeface="DejaVu Sans"/>
-              </a:rPr>
-              <a:t>problems</a:t>
-            </a:r>
-            <a:endParaRPr b="0" lang="en-GB" sz="2600" spc="-1" strike="noStrike">
-              <a:latin typeface="Arial"/>
-            </a:endParaRPr>
-          </a:p>
-          <a:p>
-            <a:pPr lvl="2" marL="648000" indent="-216000">
-              <a:lnSpc>
-                <a:spcPct val="100000"/>
-              </a:lnSpc>
-              <a:buClr>
-                <a:srgbClr val="000000"/>
-              </a:buClr>
-              <a:buSzPct val="45000"/>
-              <a:buFont typeface="Wingdings" charset="2"/>
-              <a:buChar char=""/>
-            </a:pPr>
-            <a:r>
-              <a:rPr b="1" lang="en-GB" sz="2600" spc="-1" strike="noStrike">
-                <a:solidFill>
-                  <a:srgbClr val="1c1c1c"/>
-                </a:solidFill>
-                <a:latin typeface="Source Sans Pro Semibold"/>
-                <a:ea typeface="DejaVu Sans"/>
-              </a:rPr>
-              <a:t>Cheaper and simpler workflow/approval </a:t>
-            </a:r>
-            <a:r>
-              <a:rPr b="1" lang="en-GB" sz="2600" spc="-1" strike="noStrike">
-                <a:solidFill>
-                  <a:srgbClr val="1c1c1c"/>
-                </a:solidFill>
-                <a:latin typeface="Source Sans Pro Semibold"/>
-                <a:ea typeface="DejaVu Sans"/>
-              </a:rPr>
-              <a:t>systems</a:t>
-            </a:r>
-            <a:endParaRPr b="0" lang="en-GB" sz="2600" spc="-1" strike="noStrike">
-              <a:latin typeface="Arial"/>
-            </a:endParaRPr>
-          </a:p>
-          <a:p>
-            <a:pPr lvl="2" marL="648000" indent="-216000">
+              <a:t>Cheaper and simpler workflow/approval systems</a:t>
+            </a:r>
+            <a:endParaRPr b="0" lang="en-GB" sz="2600" spc="-1" strike="noStrike">
+              <a:latin typeface="Arial"/>
+            </a:endParaRPr>
+          </a:p>
+          <a:p>
+            <a:pPr lvl="2" marL="648000" indent="-215640">
               <a:lnSpc>
                 <a:spcPct val="100000"/>
               </a:lnSpc>
@@ -11616,7 +11351,7 @@
         <p:spPr>
           <a:xfrm>
             <a:off x="360000" y="360000"/>
-            <a:ext cx="9357840" cy="897840"/>
+            <a:ext cx="9357480" cy="897480"/>
           </a:xfrm>
           <a:prstGeom prst="rect">
             <a:avLst/>
@@ -11667,7 +11402,7 @@
         <p:spPr>
           <a:xfrm>
             <a:off x="360000" y="1800000"/>
-            <a:ext cx="9177840" cy="4677840"/>
+            <a:ext cx="9177480" cy="4677480"/>
           </a:xfrm>
           <a:prstGeom prst="rect">
             <a:avLst/>
@@ -11718,7 +11453,7 @@
         <p:spPr>
           <a:xfrm>
             <a:off x="360000" y="1196280"/>
-            <a:ext cx="9177840" cy="4677840"/>
+            <a:ext cx="9177480" cy="4677480"/>
           </a:xfrm>
           <a:prstGeom prst="rect">
             <a:avLst/>
@@ -11749,7 +11484,17 @@
             </a:endParaRPr>
           </a:p>
           <a:p>
-            <a:pPr marL="216000" indent="-213840">
+            <a:pPr>
+              <a:lnSpc>
+                <a:spcPct val="100000"/>
+              </a:lnSpc>
+            </a:pPr>
+            <a:endParaRPr b="0" lang="en-GB" sz="1800" spc="-1" strike="noStrike">
+              <a:latin typeface="Arial"/>
+            </a:endParaRPr>
+          </a:p>
+          <a:p>
+            <a:pPr marL="216000" indent="-213480">
               <a:lnSpc>
                 <a:spcPct val="100000"/>
               </a:lnSpc>
@@ -11760,12 +11505,32 @@
               <a:buFont typeface="Wingdings" charset="2"/>
               <a:buChar char=""/>
             </a:pPr>
-            <a:endParaRPr b="0" lang="en-GB" sz="1800" spc="-1" strike="noStrike">
-              <a:latin typeface="Arial"/>
-            </a:endParaRPr>
-          </a:p>
-          <a:p>
-            <a:pPr marL="216000" indent="-213840">
+            <a:r>
+              <a:rPr b="1" lang="en-GB" sz="2600" spc="-1" strike="noStrike">
+                <a:solidFill>
+                  <a:srgbClr val="1c1c1c"/>
+                </a:solidFill>
+                <a:latin typeface="Source Sans Pro Semibold"/>
+                <a:ea typeface="DejaVu Sans"/>
+              </a:rPr>
+              <a:t>Fast-growing space</a:t>
+            </a:r>
+            <a:endParaRPr b="0" lang="en-GB" sz="2600" spc="-1" strike="noStrike">
+              <a:latin typeface="Arial"/>
+            </a:endParaRPr>
+          </a:p>
+          <a:p>
+            <a:pPr>
+              <a:lnSpc>
+                <a:spcPct val="100000"/>
+              </a:lnSpc>
+            </a:pPr>
+            <a:endParaRPr b="0" lang="en-GB" sz="2600" spc="-1" strike="noStrike">
+              <a:latin typeface="Arial"/>
+            </a:endParaRPr>
+          </a:p>
+          <a:p>
+            <a:pPr lvl="1" marL="432000" indent="-215640">
               <a:lnSpc>
                 <a:spcPct val="100000"/>
               </a:lnSpc>
@@ -11784,14 +11549,24 @@
                 <a:latin typeface="Source Sans Pro Semibold"/>
                 <a:ea typeface="DejaVu Sans"/>
               </a:rPr>
-              <a:t>Fast-growing space</a:t>
-            </a:r>
-            <a:endParaRPr b="0" lang="en-GB" sz="2600" spc="-1" strike="noStrike">
-              <a:latin typeface="Arial"/>
-            </a:endParaRPr>
-          </a:p>
-          <a:p>
-            <a:pPr marL="216000" indent="-213840">
+              <a:t>Kubernetes (Deployment Platforms)</a:t>
+            </a:r>
+            <a:endParaRPr b="0" lang="en-GB" sz="2600" spc="-1" strike="noStrike">
+              <a:latin typeface="Arial"/>
+            </a:endParaRPr>
+          </a:p>
+          <a:p>
+            <a:pPr>
+              <a:lnSpc>
+                <a:spcPct val="100000"/>
+              </a:lnSpc>
+            </a:pPr>
+            <a:endParaRPr b="0" lang="en-GB" sz="2600" spc="-1" strike="noStrike">
+              <a:latin typeface="Arial"/>
+            </a:endParaRPr>
+          </a:p>
+          <a:p>
+            <a:pPr lvl="1" marL="432000" indent="-215640">
               <a:lnSpc>
                 <a:spcPct val="100000"/>
               </a:lnSpc>
@@ -11802,12 +11577,32 @@
               <a:buFont typeface="Wingdings" charset="2"/>
               <a:buChar char=""/>
             </a:pPr>
-            <a:endParaRPr b="0" lang="en-GB" sz="2600" spc="-1" strike="noStrike">
-              <a:latin typeface="Arial"/>
-            </a:endParaRPr>
-          </a:p>
-          <a:p>
-            <a:pPr lvl="1" marL="432000" indent="-216000">
+            <a:r>
+              <a:rPr b="1" lang="en-GB" sz="2600" spc="-1" strike="noStrike">
+                <a:solidFill>
+                  <a:srgbClr val="1c1c1c"/>
+                </a:solidFill>
+                <a:latin typeface="Source Sans Pro Semibold"/>
+                <a:ea typeface="DejaVu Sans"/>
+              </a:rPr>
+              <a:t>Terraform (Infrastructure Provisioning)</a:t>
+            </a:r>
+            <a:endParaRPr b="0" lang="en-GB" sz="2600" spc="-1" strike="noStrike">
+              <a:latin typeface="Arial"/>
+            </a:endParaRPr>
+          </a:p>
+          <a:p>
+            <a:pPr>
+              <a:lnSpc>
+                <a:spcPct val="100000"/>
+              </a:lnSpc>
+            </a:pPr>
+            <a:endParaRPr b="0" lang="en-GB" sz="2600" spc="-1" strike="noStrike">
+              <a:latin typeface="Arial"/>
+            </a:endParaRPr>
+          </a:p>
+          <a:p>
+            <a:pPr lvl="1" marL="432000" indent="-215640">
               <a:lnSpc>
                 <a:spcPct val="100000"/>
               </a:lnSpc>
@@ -11826,14 +11621,24 @@
                 <a:latin typeface="Source Sans Pro Semibold"/>
                 <a:ea typeface="DejaVu Sans"/>
               </a:rPr>
-              <a:t>Kubernetes (Deployment Platforms)</a:t>
-            </a:r>
-            <a:endParaRPr b="0" lang="en-GB" sz="2600" spc="-1" strike="noStrike">
-              <a:latin typeface="Arial"/>
-            </a:endParaRPr>
-          </a:p>
-          <a:p>
-            <a:pPr lvl="1" marL="432000" indent="-216000">
+              <a:t>ArgoCD/FluxCD (‘Pull’ tools)</a:t>
+            </a:r>
+            <a:endParaRPr b="0" lang="en-GB" sz="2600" spc="-1" strike="noStrike">
+              <a:latin typeface="Arial"/>
+            </a:endParaRPr>
+          </a:p>
+          <a:p>
+            <a:pPr>
+              <a:lnSpc>
+                <a:spcPct val="100000"/>
+              </a:lnSpc>
+            </a:pPr>
+            <a:endParaRPr b="0" lang="en-GB" sz="2600" spc="-1" strike="noStrike">
+              <a:latin typeface="Arial"/>
+            </a:endParaRPr>
+          </a:p>
+          <a:p>
+            <a:pPr lvl="1" marL="432000" indent="-215640">
               <a:lnSpc>
                 <a:spcPct val="100000"/>
               </a:lnSpc>
@@ -11844,22 +11649,6 @@
               <a:buFont typeface="Wingdings" charset="2"/>
               <a:buChar char=""/>
             </a:pPr>
-            <a:endParaRPr b="0" lang="en-GB" sz="2600" spc="-1" strike="noStrike">
-              <a:latin typeface="Arial"/>
-            </a:endParaRPr>
-          </a:p>
-          <a:p>
-            <a:pPr lvl="1" marL="432000" indent="-216000">
-              <a:lnSpc>
-                <a:spcPct val="100000"/>
-              </a:lnSpc>
-              <a:buClr>
-                <a:srgbClr val="000000"/>
-              </a:buClr>
-              <a:buSzPct val="45000"/>
-              <a:buFont typeface="Wingdings" charset="2"/>
-              <a:buChar char=""/>
-            </a:pPr>
             <a:r>
               <a:rPr b="1" lang="en-GB" sz="2600" spc="-1" strike="noStrike">
                 <a:solidFill>
@@ -11868,90 +11657,6 @@
                 <a:latin typeface="Source Sans Pro Semibold"/>
                 <a:ea typeface="DejaVu Sans"/>
               </a:rPr>
-              <a:t>Terraform (Infrastructure Provisioning)</a:t>
-            </a:r>
-            <a:endParaRPr b="0" lang="en-GB" sz="2600" spc="-1" strike="noStrike">
-              <a:latin typeface="Arial"/>
-            </a:endParaRPr>
-          </a:p>
-          <a:p>
-            <a:pPr lvl="1" marL="432000" indent="-216000">
-              <a:lnSpc>
-                <a:spcPct val="100000"/>
-              </a:lnSpc>
-              <a:buClr>
-                <a:srgbClr val="000000"/>
-              </a:buClr>
-              <a:buSzPct val="45000"/>
-              <a:buFont typeface="Wingdings" charset="2"/>
-              <a:buChar char=""/>
-            </a:pPr>
-            <a:endParaRPr b="0" lang="en-GB" sz="2600" spc="-1" strike="noStrike">
-              <a:latin typeface="Arial"/>
-            </a:endParaRPr>
-          </a:p>
-          <a:p>
-            <a:pPr lvl="1" marL="432000" indent="-216000">
-              <a:lnSpc>
-                <a:spcPct val="100000"/>
-              </a:lnSpc>
-              <a:buClr>
-                <a:srgbClr val="000000"/>
-              </a:buClr>
-              <a:buSzPct val="45000"/>
-              <a:buFont typeface="Wingdings" charset="2"/>
-              <a:buChar char=""/>
-            </a:pPr>
-            <a:r>
-              <a:rPr b="1" lang="en-GB" sz="2600" spc="-1" strike="noStrike">
-                <a:solidFill>
-                  <a:srgbClr val="1c1c1c"/>
-                </a:solidFill>
-                <a:latin typeface="Source Sans Pro Semibold"/>
-                <a:ea typeface="DejaVu Sans"/>
-              </a:rPr>
-              <a:t>ArgoCD/FluxCD (‘Pull’ tools)</a:t>
-            </a:r>
-            <a:endParaRPr b="0" lang="en-GB" sz="2600" spc="-1" strike="noStrike">
-              <a:latin typeface="Arial"/>
-            </a:endParaRPr>
-          </a:p>
-          <a:p>
-            <a:pPr lvl="1" marL="432000" indent="-216000">
-              <a:lnSpc>
-                <a:spcPct val="100000"/>
-              </a:lnSpc>
-              <a:buClr>
-                <a:srgbClr val="000000"/>
-              </a:buClr>
-              <a:buSzPct val="45000"/>
-              <a:buFont typeface="Wingdings" charset="2"/>
-              <a:buChar char=""/>
-            </a:pPr>
-            <a:endParaRPr b="0" lang="en-GB" sz="2600" spc="-1" strike="noStrike">
-              <a:latin typeface="Arial"/>
-            </a:endParaRPr>
-          </a:p>
-          <a:p>
-            <a:pPr lvl="1" marL="432000" indent="-216000">
-              <a:lnSpc>
-                <a:spcPct val="100000"/>
-              </a:lnSpc>
-              <a:buClr>
-                <a:srgbClr val="000000"/>
-              </a:buClr>
-              <a:buSzPct val="45000"/>
-              <a:buFont typeface="Wingdings" charset="2"/>
-              <a:buChar char=""/>
-            </a:pPr>
-            <a:r>
-              <a:rPr b="1" lang="en-GB" sz="2600" spc="-1" strike="noStrike">
-                <a:solidFill>
-                  <a:srgbClr val="1c1c1c"/>
-                </a:solidFill>
-                <a:latin typeface="Source Sans Pro Semibold"/>
-                <a:ea typeface="DejaVu Sans"/>
-              </a:rPr>
               <a:t>Kustomize / kubectl (‘Push’ tools)</a:t>
             </a:r>
             <a:endParaRPr b="0" lang="en-GB" sz="2600" spc="-1" strike="noStrike">
@@ -11959,23 +11664,17 @@
             </a:endParaRPr>
           </a:p>
           <a:p>
-            <a:pPr marL="216000" indent="-213840">
-              <a:lnSpc>
-                <a:spcPct val="100000"/>
-              </a:lnSpc>
-              <a:buClr>
-                <a:srgbClr val="000000"/>
-              </a:buClr>
-              <a:buSzPct val="45000"/>
-              <a:buFont typeface="Wingdings" charset="2"/>
-              <a:buChar char=""/>
-            </a:pPr>
-            <a:endParaRPr b="0" lang="en-GB" sz="2600" spc="-1" strike="noStrike">
-              <a:latin typeface="Arial"/>
-            </a:endParaRPr>
-          </a:p>
-          <a:p>
-            <a:pPr lvl="1" marL="432000" indent="-216000">
+            <a:pPr>
+              <a:lnSpc>
+                <a:spcPct val="100000"/>
+              </a:lnSpc>
+            </a:pPr>
+            <a:endParaRPr b="0" lang="en-GB" sz="2600" spc="-1" strike="noStrike">
+              <a:latin typeface="Arial"/>
+            </a:endParaRPr>
+          </a:p>
+          <a:p>
+            <a:pPr lvl="1" marL="432000" indent="-215640">
               <a:lnSpc>
                 <a:spcPct val="100000"/>
               </a:lnSpc>
@@ -12041,7 +11740,7 @@
         <p:spPr>
           <a:xfrm>
             <a:off x="360000" y="360000"/>
-            <a:ext cx="9357840" cy="897840"/>
+            <a:ext cx="9357480" cy="897480"/>
           </a:xfrm>
           <a:prstGeom prst="rect">
             <a:avLst/>
@@ -12092,7 +11791,7 @@
         <p:spPr>
           <a:xfrm>
             <a:off x="360000" y="1980000"/>
-            <a:ext cx="9177840" cy="4677840"/>
+            <a:ext cx="9177480" cy="4677480"/>
           </a:xfrm>
           <a:prstGeom prst="rect">
             <a:avLst/>
@@ -12143,7 +11842,7 @@
         <p:spPr>
           <a:xfrm>
             <a:off x="360000" y="1800000"/>
-            <a:ext cx="9177840" cy="4677840"/>
+            <a:ext cx="9177480" cy="4677480"/>
           </a:xfrm>
           <a:prstGeom prst="rect">
             <a:avLst/>
@@ -12194,7 +11893,7 @@
         <p:spPr>
           <a:xfrm>
             <a:off x="360000" y="1196280"/>
-            <a:ext cx="9177840" cy="4677840"/>
+            <a:ext cx="9177480" cy="4677480"/>
           </a:xfrm>
           <a:prstGeom prst="rect">
             <a:avLst/>
@@ -12225,7 +11924,17 @@
             </a:endParaRPr>
           </a:p>
           <a:p>
-            <a:pPr marL="216000" indent="-213840">
+            <a:pPr>
+              <a:lnSpc>
+                <a:spcPct val="100000"/>
+              </a:lnSpc>
+            </a:pPr>
+            <a:endParaRPr b="0" lang="en-GB" sz="1800" spc="-1" strike="noStrike">
+              <a:latin typeface="Arial"/>
+            </a:endParaRPr>
+          </a:p>
+          <a:p>
+            <a:pPr marL="216000" indent="-213480">
               <a:lnSpc>
                 <a:spcPct val="100000"/>
               </a:lnSpc>
@@ -12236,12 +11945,22 @@
               <a:buFont typeface="Wingdings" charset="2"/>
               <a:buChar char=""/>
             </a:pPr>
-            <a:endParaRPr b="0" lang="en-GB" sz="1800" spc="-1" strike="noStrike">
-              <a:latin typeface="Arial"/>
-            </a:endParaRPr>
-          </a:p>
-          <a:p>
-            <a:pPr marL="216000" indent="-213840">
+            <a:r>
+              <a:rPr b="1" lang="en-GB" sz="2600" spc="-1" strike="noStrike">
+                <a:solidFill>
+                  <a:srgbClr val="1c1c1c"/>
+                </a:solidFill>
+                <a:latin typeface="Source Sans Pro Semibold"/>
+                <a:ea typeface="DejaVu Sans"/>
+              </a:rPr>
+              <a:t>Runs Docker (or industry standard) containers</a:t>
+            </a:r>
+            <a:endParaRPr b="0" lang="en-GB" sz="2600" spc="-1" strike="noStrike">
+              <a:latin typeface="Arial"/>
+            </a:endParaRPr>
+          </a:p>
+          <a:p>
+            <a:pPr marL="216000" indent="-213480">
               <a:lnSpc>
                 <a:spcPct val="100000"/>
               </a:lnSpc>
@@ -12252,6 +11971,22 @@
               <a:buFont typeface="Wingdings" charset="2"/>
               <a:buChar char=""/>
             </a:pPr>
+            <a:endParaRPr b="0" lang="en-GB" sz="2600" spc="-1" strike="noStrike">
+              <a:latin typeface="Arial"/>
+            </a:endParaRPr>
+          </a:p>
+          <a:p>
+            <a:pPr marL="216000" indent="-213480">
+              <a:lnSpc>
+                <a:spcPct val="100000"/>
+              </a:lnSpc>
+              <a:buClr>
+                <a:srgbClr val="000000"/>
+              </a:buClr>
+              <a:buSzPct val="45000"/>
+              <a:buFont typeface="Wingdings" charset="2"/>
+              <a:buChar char=""/>
+            </a:pPr>
             <a:r>
               <a:rPr b="1" lang="en-GB" sz="2600" spc="-1" strike="noStrike">
                 <a:solidFill>
@@ -12260,14 +11995,37 @@
                 <a:latin typeface="Source Sans Pro Semibold"/>
                 <a:ea typeface="DejaVu Sans"/>
               </a:rPr>
-              <a:t>Runs Docker (or industry standard) containers</a:t>
-            </a:r>
-            <a:endParaRPr b="0" lang="en-GB" sz="2600" spc="-1" strike="noStrike">
-              <a:latin typeface="Arial"/>
-            </a:endParaRPr>
-          </a:p>
-        </p:txBody>
-      </p:sp>
+              <a:t>Deployment configurable by code (YAML/JSON)</a:t>
+            </a:r>
+            <a:endParaRPr b="0" lang="en-GB" sz="2600" spc="-1" strike="noStrike">
+              <a:latin typeface="Arial"/>
+            </a:endParaRPr>
+          </a:p>
+        </p:txBody>
+      </p:sp>
+      <p:pic>
+        <p:nvPicPr>
+          <p:cNvPr id="228" name="" descr=""/>
+          <p:cNvPicPr/>
+          <p:nvPr/>
+        </p:nvPicPr>
+        <p:blipFill>
+          <a:blip r:embed="rId1"/>
+          <a:stretch/>
+        </p:blipFill>
+        <p:spPr>
+          <a:xfrm>
+            <a:off x="2067840" y="3129840"/>
+            <a:ext cx="5348160" cy="3638160"/>
+          </a:xfrm>
+          <a:prstGeom prst="rect">
+            <a:avLst/>
+          </a:prstGeom>
+          <a:ln>
+            <a:noFill/>
+          </a:ln>
+        </p:spPr>
+      </p:pic>
     </p:spTree>
   </p:cSld>
   <mc:AlternateContent>
@@ -12300,14 +12058,14 @@
       </p:grpSpPr>
       <p:sp>
         <p:nvSpPr>
-          <p:cNvPr id="228" name="CustomShape 1"/>
+          <p:cNvPr id="229" name="CustomShape 1"/>
           <p:cNvSpPr/>
           <p:nvPr/>
         </p:nvSpPr>
         <p:spPr>
           <a:xfrm>
             <a:off x="360000" y="360000"/>
-            <a:ext cx="9357840" cy="897840"/>
+            <a:ext cx="9357480" cy="897480"/>
           </a:xfrm>
           <a:prstGeom prst="rect">
             <a:avLst/>
@@ -12351,14 +12109,14 @@
       </p:sp>
       <p:sp>
         <p:nvSpPr>
-          <p:cNvPr id="229" name="CustomShape 2"/>
+          <p:cNvPr id="230" name="CustomShape 2"/>
           <p:cNvSpPr/>
           <p:nvPr/>
         </p:nvSpPr>
         <p:spPr>
           <a:xfrm>
             <a:off x="360000" y="1980000"/>
-            <a:ext cx="9177840" cy="4677840"/>
+            <a:ext cx="9177480" cy="4677480"/>
           </a:xfrm>
           <a:prstGeom prst="rect">
             <a:avLst/>
@@ -12402,14 +12160,14 @@
       </p:sp>
       <p:sp>
         <p:nvSpPr>
-          <p:cNvPr id="230" name="CustomShape 3"/>
+          <p:cNvPr id="231" name="CustomShape 3"/>
           <p:cNvSpPr/>
           <p:nvPr/>
         </p:nvSpPr>
         <p:spPr>
           <a:xfrm>
             <a:off x="360000" y="1800000"/>
-            <a:ext cx="9177840" cy="4677840"/>
+            <a:ext cx="9177480" cy="4677480"/>
           </a:xfrm>
           <a:prstGeom prst="rect">
             <a:avLst/>
@@ -12453,14 +12211,14 @@
       </p:sp>
       <p:sp>
         <p:nvSpPr>
-          <p:cNvPr id="231" name="CustomShape 4"/>
+          <p:cNvPr id="232" name="CustomShape 4"/>
           <p:cNvSpPr/>
           <p:nvPr/>
         </p:nvSpPr>
         <p:spPr>
           <a:xfrm>
             <a:off x="360000" y="1196280"/>
-            <a:ext cx="9177840" cy="4677840"/>
+            <a:ext cx="9177480" cy="4677480"/>
           </a:xfrm>
           <a:prstGeom prst="rect">
             <a:avLst/>
@@ -12491,7 +12249,17 @@
             </a:endParaRPr>
           </a:p>
           <a:p>
-            <a:pPr marL="216000" indent="-213840">
+            <a:pPr>
+              <a:lnSpc>
+                <a:spcPct val="100000"/>
+              </a:lnSpc>
+            </a:pPr>
+            <a:endParaRPr b="0" lang="en-GB" sz="1800" spc="-1" strike="noStrike">
+              <a:latin typeface="Arial"/>
+            </a:endParaRPr>
+          </a:p>
+          <a:p>
+            <a:pPr marL="216000" indent="-213480">
               <a:lnSpc>
                 <a:spcPct val="100000"/>
               </a:lnSpc>
@@ -12502,12 +12270,22 @@
               <a:buFont typeface="Wingdings" charset="2"/>
               <a:buChar char=""/>
             </a:pPr>
-            <a:endParaRPr b="0" lang="en-GB" sz="1800" spc="-1" strike="noStrike">
-              <a:latin typeface="Arial"/>
-            </a:endParaRPr>
-          </a:p>
-          <a:p>
-            <a:pPr marL="216000" indent="-213840">
+            <a:r>
+              <a:rPr b="1" lang="en-GB" sz="2600" spc="-1" strike="noStrike">
+                <a:solidFill>
+                  <a:srgbClr val="1c1c1c"/>
+                </a:solidFill>
+                <a:latin typeface="Source Sans Pro Semibold"/>
+                <a:ea typeface="DejaVu Sans"/>
+              </a:rPr>
+              <a:t>Specifies and maintains infrastructure setup</a:t>
+            </a:r>
+            <a:endParaRPr b="0" lang="en-GB" sz="2600" spc="-1" strike="noStrike">
+              <a:latin typeface="Arial"/>
+            </a:endParaRPr>
+          </a:p>
+          <a:p>
+            <a:pPr marL="216000" indent="-213480">
               <a:lnSpc>
                 <a:spcPct val="100000"/>
               </a:lnSpc>
@@ -12518,6 +12296,22 @@
               <a:buFont typeface="Wingdings" charset="2"/>
               <a:buChar char=""/>
             </a:pPr>
+            <a:endParaRPr b="0" lang="en-GB" sz="2600" spc="-1" strike="noStrike">
+              <a:latin typeface="Arial"/>
+            </a:endParaRPr>
+          </a:p>
+          <a:p>
+            <a:pPr marL="216000" indent="-213480">
+              <a:lnSpc>
+                <a:spcPct val="100000"/>
+              </a:lnSpc>
+              <a:buClr>
+                <a:srgbClr val="000000"/>
+              </a:buClr>
+              <a:buSzPct val="45000"/>
+              <a:buFont typeface="Wingdings" charset="2"/>
+              <a:buChar char=""/>
+            </a:pPr>
             <a:r>
               <a:rPr b="1" lang="en-GB" sz="2600" spc="-1" strike="noStrike">
                 <a:solidFill>
@@ -12526,7 +12320,49 @@
                 <a:latin typeface="Source Sans Pro Semibold"/>
                 <a:ea typeface="DejaVu Sans"/>
               </a:rPr>
-              <a:t>Wh</a:t>
+              <a:t>Declarative language (HCL)</a:t>
+            </a:r>
+            <a:endParaRPr b="0" lang="en-GB" sz="2600" spc="-1" strike="noStrike">
+              <a:latin typeface="Arial"/>
+            </a:endParaRPr>
+          </a:p>
+          <a:p>
+            <a:pPr marL="216000" indent="-213480">
+              <a:lnSpc>
+                <a:spcPct val="100000"/>
+              </a:lnSpc>
+              <a:buClr>
+                <a:srgbClr val="000000"/>
+              </a:buClr>
+              <a:buSzPct val="45000"/>
+              <a:buFont typeface="Wingdings" charset="2"/>
+              <a:buChar char=""/>
+            </a:pPr>
+            <a:endParaRPr b="0" lang="en-GB" sz="2600" spc="-1" strike="noStrike">
+              <a:latin typeface="Arial"/>
+            </a:endParaRPr>
+          </a:p>
+          <a:p>
+            <a:pPr marL="216000" indent="-213480">
+              <a:lnSpc>
+                <a:spcPct val="100000"/>
+              </a:lnSpc>
+              <a:buClr>
+                <a:srgbClr val="000000"/>
+              </a:buClr>
+              <a:buSzPct val="45000"/>
+              <a:buFont typeface="Wingdings" charset="2"/>
+              <a:buChar char=""/>
+            </a:pPr>
+            <a:r>
+              <a:rPr b="1" lang="en-GB" sz="2600" spc="-1" strike="noStrike">
+                <a:solidFill>
+                  <a:srgbClr val="1c1c1c"/>
+                </a:solidFill>
+                <a:latin typeface="Source Sans Pro Semibold"/>
+                <a:ea typeface="DejaVu Sans"/>
+              </a:rPr>
+              <a:t>Source-code friendly</a:t>
             </a:r>
             <a:endParaRPr b="0" lang="en-GB" sz="2600" spc="-1" strike="noStrike">
               <a:latin typeface="Arial"/>
@@ -12566,14 +12402,14 @@
       </p:grpSpPr>
       <p:sp>
         <p:nvSpPr>
-          <p:cNvPr id="232" name="CustomShape 1"/>
+          <p:cNvPr id="233" name="CustomShape 1"/>
           <p:cNvSpPr/>
           <p:nvPr/>
         </p:nvSpPr>
         <p:spPr>
           <a:xfrm>
             <a:off x="360000" y="360000"/>
-            <a:ext cx="9357840" cy="897840"/>
+            <a:ext cx="9357480" cy="897480"/>
           </a:xfrm>
           <a:prstGeom prst="rect">
             <a:avLst/>
@@ -12617,14 +12453,14 @@
       </p:sp>
       <p:sp>
         <p:nvSpPr>
-          <p:cNvPr id="233" name="CustomShape 2"/>
+          <p:cNvPr id="234" name="CustomShape 2"/>
           <p:cNvSpPr/>
           <p:nvPr/>
         </p:nvSpPr>
         <p:spPr>
           <a:xfrm>
             <a:off x="360000" y="1980000"/>
-            <a:ext cx="9177840" cy="4677840"/>
+            <a:ext cx="9177480" cy="4677480"/>
           </a:xfrm>
           <a:prstGeom prst="rect">
             <a:avLst/>
@@ -12668,14 +12504,14 @@
       </p:sp>
       <p:sp>
         <p:nvSpPr>
-          <p:cNvPr id="234" name="CustomShape 3"/>
+          <p:cNvPr id="235" name="CustomShape 3"/>
           <p:cNvSpPr/>
           <p:nvPr/>
         </p:nvSpPr>
         <p:spPr>
           <a:xfrm>
             <a:off x="360000" y="1800000"/>
-            <a:ext cx="9177840" cy="4677840"/>
+            <a:ext cx="9177480" cy="4677480"/>
           </a:xfrm>
           <a:prstGeom prst="rect">
             <a:avLst/>
@@ -12719,14 +12555,14 @@
       </p:sp>
       <p:sp>
         <p:nvSpPr>
-          <p:cNvPr id="235" name="CustomShape 4"/>
+          <p:cNvPr id="236" name="CustomShape 4"/>
           <p:cNvSpPr/>
           <p:nvPr/>
         </p:nvSpPr>
         <p:spPr>
           <a:xfrm>
             <a:off x="360000" y="1196280"/>
-            <a:ext cx="9177840" cy="4677840"/>
+            <a:ext cx="9177480" cy="4677480"/>
           </a:xfrm>
           <a:prstGeom prst="rect">
             <a:avLst/>
@@ -12757,7 +12593,17 @@
             </a:endParaRPr>
           </a:p>
           <a:p>
-            <a:pPr marL="216000" indent="-213840">
+            <a:pPr>
+              <a:lnSpc>
+                <a:spcPct val="100000"/>
+              </a:lnSpc>
+            </a:pPr>
+            <a:endParaRPr b="0" lang="en-GB" sz="1800" spc="-1" strike="noStrike">
+              <a:latin typeface="Arial"/>
+            </a:endParaRPr>
+          </a:p>
+          <a:p>
+            <a:pPr marL="216000" indent="-213480">
               <a:lnSpc>
                 <a:spcPct val="100000"/>
               </a:lnSpc>
@@ -12768,12 +12614,22 @@
               <a:buFont typeface="Wingdings" charset="2"/>
               <a:buChar char=""/>
             </a:pPr>
-            <a:endParaRPr b="0" lang="en-GB" sz="1800" spc="-1" strike="noStrike">
-              <a:latin typeface="Arial"/>
-            </a:endParaRPr>
-          </a:p>
-          <a:p>
-            <a:pPr marL="216000" indent="-213840">
+            <a:r>
+              <a:rPr b="1" lang="en-GB" sz="2600" spc="-1" strike="noStrike">
+                <a:solidFill>
+                  <a:srgbClr val="1c1c1c"/>
+                </a:solidFill>
+                <a:latin typeface="Source Sans Pro Semibold"/>
+                <a:ea typeface="DejaVu Sans"/>
+              </a:rPr>
+              <a:t>Two similar ‘control loop’ solutions</a:t>
+            </a:r>
+            <a:endParaRPr b="0" lang="en-GB" sz="2600" spc="-1" strike="noStrike">
+              <a:latin typeface="Arial"/>
+            </a:endParaRPr>
+          </a:p>
+          <a:p>
+            <a:pPr marL="216000" indent="-213480">
               <a:lnSpc>
                 <a:spcPct val="100000"/>
               </a:lnSpc>
@@ -12784,6 +12640,22 @@
               <a:buFont typeface="Wingdings" charset="2"/>
               <a:buChar char=""/>
             </a:pPr>
+            <a:endParaRPr b="0" lang="en-GB" sz="2600" spc="-1" strike="noStrike">
+              <a:latin typeface="Arial"/>
+            </a:endParaRPr>
+          </a:p>
+          <a:p>
+            <a:pPr marL="216000" indent="-213480">
+              <a:lnSpc>
+                <a:spcPct val="100000"/>
+              </a:lnSpc>
+              <a:buClr>
+                <a:srgbClr val="000000"/>
+              </a:buClr>
+              <a:buSzPct val="45000"/>
+              <a:buFont typeface="Wingdings" charset="2"/>
+              <a:buChar char=""/>
+            </a:pPr>
             <a:r>
               <a:rPr b="1" lang="en-GB" sz="2600" spc="-1" strike="noStrike">
                 <a:solidFill>
@@ -12792,7 +12664,49 @@
                 <a:latin typeface="Source Sans Pro Semibold"/>
                 <a:ea typeface="DejaVu Sans"/>
               </a:rPr>
-              <a:t>Wh</a:t>
+              <a:t>Within Kubernetes clusters, these applications track git repositories and apply changes to cluster</a:t>
+            </a:r>
+            <a:endParaRPr b="0" lang="en-GB" sz="2600" spc="-1" strike="noStrike">
+              <a:latin typeface="Arial"/>
+            </a:endParaRPr>
+          </a:p>
+          <a:p>
+            <a:pPr marL="216000" indent="-213480">
+              <a:lnSpc>
+                <a:spcPct val="100000"/>
+              </a:lnSpc>
+              <a:buClr>
+                <a:srgbClr val="000000"/>
+              </a:buClr>
+              <a:buSzPct val="45000"/>
+              <a:buFont typeface="Wingdings" charset="2"/>
+              <a:buChar char=""/>
+            </a:pPr>
+            <a:endParaRPr b="0" lang="en-GB" sz="2600" spc="-1" strike="noStrike">
+              <a:latin typeface="Arial"/>
+            </a:endParaRPr>
+          </a:p>
+          <a:p>
+            <a:pPr marL="216000" indent="-213480">
+              <a:lnSpc>
+                <a:spcPct val="100000"/>
+              </a:lnSpc>
+              <a:buClr>
+                <a:srgbClr val="000000"/>
+              </a:buClr>
+              <a:buSzPct val="45000"/>
+              <a:buFont typeface="Wingdings" charset="2"/>
+              <a:buChar char=""/>
+            </a:pPr>
+            <a:r>
+              <a:rPr b="1" lang="en-GB" sz="2600" spc="-1" strike="noStrike">
+                <a:solidFill>
+                  <a:srgbClr val="1c1c1c"/>
+                </a:solidFill>
+                <a:latin typeface="Source Sans Pro Semibold"/>
+                <a:ea typeface="DejaVu Sans"/>
+              </a:rPr>
+              <a:t>Projects’ efforts are consolidating to https://github.com/argoproj/gitops-engine</a:t>
             </a:r>
             <a:endParaRPr b="0" lang="en-GB" sz="2600" spc="-1" strike="noStrike">
               <a:latin typeface="Arial"/>
@@ -12832,14 +12746,14 @@
       </p:grpSpPr>
       <p:sp>
         <p:nvSpPr>
-          <p:cNvPr id="236" name="CustomShape 1"/>
+          <p:cNvPr id="237" name="CustomShape 1"/>
           <p:cNvSpPr/>
           <p:nvPr/>
         </p:nvSpPr>
         <p:spPr>
           <a:xfrm>
             <a:off x="360000" y="360000"/>
-            <a:ext cx="9357840" cy="897840"/>
+            <a:ext cx="9357480" cy="897480"/>
           </a:xfrm>
           <a:prstGeom prst="rect">
             <a:avLst/>
@@ -12883,14 +12797,14 @@
       </p:sp>
       <p:sp>
         <p:nvSpPr>
-          <p:cNvPr id="237" name="CustomShape 2"/>
+          <p:cNvPr id="238" name="CustomShape 2"/>
           <p:cNvSpPr/>
           <p:nvPr/>
         </p:nvSpPr>
         <p:spPr>
           <a:xfrm>
             <a:off x="360000" y="1980000"/>
-            <a:ext cx="9177840" cy="4677840"/>
+            <a:ext cx="9177480" cy="4677480"/>
           </a:xfrm>
           <a:prstGeom prst="rect">
             <a:avLst/>
@@ -12934,14 +12848,14 @@
       </p:sp>
       <p:sp>
         <p:nvSpPr>
-          <p:cNvPr id="238" name="CustomShape 3"/>
+          <p:cNvPr id="239" name="CustomShape 3"/>
           <p:cNvSpPr/>
           <p:nvPr/>
         </p:nvSpPr>
         <p:spPr>
           <a:xfrm>
             <a:off x="360000" y="1800000"/>
-            <a:ext cx="9177840" cy="4677840"/>
+            <a:ext cx="9177480" cy="4677480"/>
           </a:xfrm>
           <a:prstGeom prst="rect">
             <a:avLst/>
@@ -12985,14 +12899,14 @@
       </p:sp>
       <p:sp>
         <p:nvSpPr>
-          <p:cNvPr id="239" name="CustomShape 4"/>
+          <p:cNvPr id="240" name="CustomShape 4"/>
           <p:cNvSpPr/>
           <p:nvPr/>
         </p:nvSpPr>
         <p:spPr>
           <a:xfrm>
             <a:off x="360000" y="1196280"/>
-            <a:ext cx="9177840" cy="4677840"/>
+            <a:ext cx="9177480" cy="4677480"/>
           </a:xfrm>
           <a:prstGeom prst="rect">
             <a:avLst/>
@@ -13023,7 +12937,17 @@
             </a:endParaRPr>
           </a:p>
           <a:p>
-            <a:pPr marL="216000" indent="-213840">
+            <a:pPr>
+              <a:lnSpc>
+                <a:spcPct val="100000"/>
+              </a:lnSpc>
+            </a:pPr>
+            <a:endParaRPr b="0" lang="en-GB" sz="1800" spc="-1" strike="noStrike">
+              <a:latin typeface="Arial"/>
+            </a:endParaRPr>
+          </a:p>
+          <a:p>
+            <a:pPr marL="216000" indent="-213480">
               <a:lnSpc>
                 <a:spcPct val="100000"/>
               </a:lnSpc>
@@ -13034,12 +12958,22 @@
               <a:buFont typeface="Wingdings" charset="2"/>
               <a:buChar char=""/>
             </a:pPr>
-            <a:endParaRPr b="0" lang="en-GB" sz="1800" spc="-1" strike="noStrike">
-              <a:latin typeface="Arial"/>
-            </a:endParaRPr>
-          </a:p>
-          <a:p>
-            <a:pPr marL="216000" indent="-213840">
+            <a:r>
+              <a:rPr b="1" lang="en-GB" sz="2600" spc="-1" strike="noStrike">
+                <a:solidFill>
+                  <a:srgbClr val="1c1c1c"/>
+                </a:solidFill>
+                <a:latin typeface="Source Sans Pro Semibold"/>
+                <a:ea typeface="DejaVu Sans"/>
+              </a:rPr>
+              <a:t>Monolithic ‘all-in-one’ GitOps solution</a:t>
+            </a:r>
+            <a:endParaRPr b="0" lang="en-GB" sz="2600" spc="-1" strike="noStrike">
+              <a:latin typeface="Arial"/>
+            </a:endParaRPr>
+          </a:p>
+          <a:p>
+            <a:pPr marL="216000" indent="-213480">
               <a:lnSpc>
                 <a:spcPct val="100000"/>
               </a:lnSpc>
@@ -13050,6 +12984,22 @@
               <a:buFont typeface="Wingdings" charset="2"/>
               <a:buChar char=""/>
             </a:pPr>
+            <a:endParaRPr b="0" lang="en-GB" sz="2600" spc="-1" strike="noStrike">
+              <a:latin typeface="Arial"/>
+            </a:endParaRPr>
+          </a:p>
+          <a:p>
+            <a:pPr marL="216000" indent="-213480">
+              <a:lnSpc>
+                <a:spcPct val="100000"/>
+              </a:lnSpc>
+              <a:buClr>
+                <a:srgbClr val="000000"/>
+              </a:buClr>
+              <a:buSzPct val="45000"/>
+              <a:buFont typeface="Wingdings" charset="2"/>
+              <a:buChar char=""/>
+            </a:pPr>
             <a:r>
               <a:rPr b="1" lang="en-GB" sz="2600" spc="-1" strike="noStrike">
                 <a:solidFill>
@@ -13058,7 +13008,7 @@
                 <a:latin typeface="Source Sans Pro Semibold"/>
                 <a:ea typeface="DejaVu Sans"/>
               </a:rPr>
-              <a:t>Wh</a:t>
+              <a:t>Nothing (much) to do with Jenkins CI</a:t>
             </a:r>
             <a:endParaRPr b="0" lang="en-GB" sz="2600" spc="-1" strike="noStrike">
               <a:latin typeface="Arial"/>
@@ -13098,14 +13048,14 @@
       </p:grpSpPr>
       <p:sp>
         <p:nvSpPr>
-          <p:cNvPr id="240" name="CustomShape 1"/>
+          <p:cNvPr id="241" name="CustomShape 1"/>
           <p:cNvSpPr/>
           <p:nvPr/>
         </p:nvSpPr>
         <p:spPr>
           <a:xfrm>
             <a:off x="360000" y="360000"/>
-            <a:ext cx="9357840" cy="897840"/>
+            <a:ext cx="9357480" cy="897480"/>
           </a:xfrm>
           <a:prstGeom prst="rect">
             <a:avLst/>
@@ -13179,14 +13129,14 @@
       </p:grpSpPr>
       <p:sp>
         <p:nvSpPr>
-          <p:cNvPr id="241" name="CustomShape 1"/>
+          <p:cNvPr id="242" name="CustomShape 1"/>
           <p:cNvSpPr/>
           <p:nvPr/>
         </p:nvSpPr>
         <p:spPr>
           <a:xfrm>
             <a:off x="360000" y="360000"/>
-            <a:ext cx="9357840" cy="897840"/>
+            <a:ext cx="9357480" cy="897480"/>
           </a:xfrm>
           <a:prstGeom prst="rect">
             <a:avLst/>
@@ -13230,14 +13180,14 @@
       </p:sp>
       <p:sp>
         <p:nvSpPr>
-          <p:cNvPr id="242" name="CustomShape 2"/>
+          <p:cNvPr id="243" name="CustomShape 2"/>
           <p:cNvSpPr/>
           <p:nvPr/>
         </p:nvSpPr>
         <p:spPr>
           <a:xfrm>
             <a:off x="360000" y="1196280"/>
-            <a:ext cx="9177840" cy="4677840"/>
+            <a:ext cx="9177480" cy="4677480"/>
           </a:xfrm>
           <a:prstGeom prst="rect">
             <a:avLst/>
@@ -13268,7 +13218,17 @@
             </a:endParaRPr>
           </a:p>
           <a:p>
-            <a:pPr marL="216000" indent="-213840">
+            <a:pPr>
+              <a:lnSpc>
+                <a:spcPct val="100000"/>
+              </a:lnSpc>
+            </a:pPr>
+            <a:endParaRPr b="0" lang="en-GB" sz="1800" spc="-1" strike="noStrike">
+              <a:latin typeface="Arial"/>
+            </a:endParaRPr>
+          </a:p>
+          <a:p>
+            <a:pPr marL="216000" indent="-213480">
               <a:lnSpc>
                 <a:spcPct val="100000"/>
               </a:lnSpc>
@@ -13279,12 +13239,34 @@
               <a:buFont typeface="Wingdings" charset="2"/>
               <a:buChar char=""/>
             </a:pPr>
-            <a:endParaRPr b="0" lang="en-GB" sz="1800" spc="-1" strike="noStrike">
-              <a:latin typeface="Arial"/>
-            </a:endParaRPr>
-          </a:p>
-          <a:p>
-            <a:pPr marL="216000" indent="-213840">
+            <a:r>
+              <a:rPr b="1" lang="en-GB" sz="2600" spc="-1" strike="noStrike" u="sng">
+                <a:solidFill>
+                  <a:srgbClr val="0000ff"/>
+                </a:solidFill>
+                <a:uFillTx/>
+                <a:latin typeface="Source Sans Pro Semibold"/>
+                <a:ea typeface="DejaVu Sans"/>
+                <a:hlinkClick r:id="rId1"/>
+              </a:rPr>
+              <a:t>https://github.com/ianmiell/gitops-example</a:t>
+            </a:r>
+            <a:endParaRPr b="0" lang="en-GB" sz="2600" spc="-1" strike="noStrike">
+              <a:latin typeface="Arial"/>
+            </a:endParaRPr>
+          </a:p>
+          <a:p>
+            <a:pPr>
+              <a:lnSpc>
+                <a:spcPct val="100000"/>
+              </a:lnSpc>
+            </a:pPr>
+            <a:endParaRPr b="0" lang="en-GB" sz="2600" spc="-1" strike="noStrike">
+              <a:latin typeface="Arial"/>
+            </a:endParaRPr>
+          </a:p>
+          <a:p>
+            <a:pPr marL="216000" indent="-213480">
               <a:lnSpc>
                 <a:spcPct val="100000"/>
               </a:lnSpc>
@@ -13302,16 +13284,15 @@
                 </a:solidFill>
                 <a:latin typeface="Source Sans Pro Semibold"/>
                 <a:ea typeface="DejaVu Sans"/>
-                <a:hlinkClick r:id="rId1"/>
-              </a:rPr>
-              <a:t>https://github.com/ianmiell/gitops-example</a:t>
-            </a:r>
-            <a:endParaRPr b="0" lang="en-GB" sz="2600" spc="-1" strike="noStrike">
-              <a:latin typeface="Arial"/>
-            </a:endParaRPr>
-          </a:p>
-          <a:p>
-            <a:pPr marL="216000" indent="-213840">
+              </a:rPr>
+              <a:t>Uses:</a:t>
+            </a:r>
+            <a:endParaRPr b="0" lang="en-GB" sz="2600" spc="-1" strike="noStrike">
+              <a:latin typeface="Arial"/>
+            </a:endParaRPr>
+          </a:p>
+          <a:p>
+            <a:pPr lvl="1" marL="432000" indent="-215640">
               <a:lnSpc>
                 <a:spcPct val="100000"/>
               </a:lnSpc>
@@ -13322,12 +13303,22 @@
               <a:buFont typeface="Wingdings" charset="2"/>
               <a:buChar char=""/>
             </a:pPr>
-            <a:endParaRPr b="0" lang="en-GB" sz="2600" spc="-1" strike="noStrike">
-              <a:latin typeface="Arial"/>
-            </a:endParaRPr>
-          </a:p>
-          <a:p>
-            <a:pPr marL="216000" indent="-213840">
+            <a:r>
+              <a:rPr b="1" lang="en-GB" sz="2600" spc="-1" strike="noStrike">
+                <a:solidFill>
+                  <a:srgbClr val="1c1c1c"/>
+                </a:solidFill>
+                <a:latin typeface="Source Sans Pro Semibold"/>
+                <a:ea typeface="DejaVu Sans"/>
+              </a:rPr>
+              <a:t>GitHub</a:t>
+            </a:r>
+            <a:endParaRPr b="0" lang="en-GB" sz="2600" spc="-1" strike="noStrike">
+              <a:latin typeface="Arial"/>
+            </a:endParaRPr>
+          </a:p>
+          <a:p>
+            <a:pPr lvl="1" marL="432000" indent="-215640">
               <a:lnSpc>
                 <a:spcPct val="100000"/>
               </a:lnSpc>
@@ -13346,14 +13337,14 @@
                 <a:latin typeface="Source Sans Pro Semibold"/>
                 <a:ea typeface="DejaVu Sans"/>
               </a:rPr>
-              <a:t>Uses:</a:t>
-            </a:r>
-            <a:endParaRPr b="0" lang="en-GB" sz="2600" spc="-1" strike="noStrike">
-              <a:latin typeface="Arial"/>
-            </a:endParaRPr>
-          </a:p>
-          <a:p>
-            <a:pPr lvl="1" marL="432000" indent="-216000">
+              <a:t>GitHub Actions</a:t>
+            </a:r>
+            <a:endParaRPr b="0" lang="en-GB" sz="2600" spc="-1" strike="noStrike">
+              <a:latin typeface="Arial"/>
+            </a:endParaRPr>
+          </a:p>
+          <a:p>
+            <a:pPr lvl="1" marL="432000" indent="-215640">
               <a:lnSpc>
                 <a:spcPct val="100000"/>
               </a:lnSpc>
@@ -13372,14 +13363,14 @@
                 <a:latin typeface="Source Sans Pro Semibold"/>
                 <a:ea typeface="DejaVu Sans"/>
               </a:rPr>
-              <a:t>GitHub</a:t>
-            </a:r>
-            <a:endParaRPr b="0" lang="en-GB" sz="2600" spc="-1" strike="noStrike">
-              <a:latin typeface="Arial"/>
-            </a:endParaRPr>
-          </a:p>
-          <a:p>
-            <a:pPr lvl="1" marL="432000" indent="-216000">
+              <a:t>Terraform (optional)</a:t>
+            </a:r>
+            <a:endParaRPr b="0" lang="en-GB" sz="2600" spc="-1" strike="noStrike">
+              <a:latin typeface="Arial"/>
+            </a:endParaRPr>
+          </a:p>
+          <a:p>
+            <a:pPr lvl="1" marL="432000" indent="-215640">
               <a:lnSpc>
                 <a:spcPct val="100000"/>
               </a:lnSpc>
@@ -13398,14 +13389,14 @@
                 <a:latin typeface="Source Sans Pro Semibold"/>
                 <a:ea typeface="DejaVu Sans"/>
               </a:rPr>
-              <a:t>GitHub Actions</a:t>
-            </a:r>
-            <a:endParaRPr b="0" lang="en-GB" sz="2600" spc="-1" strike="noStrike">
-              <a:latin typeface="Arial"/>
-            </a:endParaRPr>
-          </a:p>
-          <a:p>
-            <a:pPr lvl="1" marL="432000" indent="-216000">
+              <a:t>Kubernetes</a:t>
+            </a:r>
+            <a:endParaRPr b="0" lang="en-GB" sz="2600" spc="-1" strike="noStrike">
+              <a:latin typeface="Arial"/>
+            </a:endParaRPr>
+          </a:p>
+          <a:p>
+            <a:pPr lvl="1" marL="432000" indent="-215640">
               <a:lnSpc>
                 <a:spcPct val="100000"/>
               </a:lnSpc>
@@ -13424,14 +13415,14 @@
                 <a:latin typeface="Source Sans Pro Semibold"/>
                 <a:ea typeface="DejaVu Sans"/>
               </a:rPr>
-              <a:t>Terraform (optional)</a:t>
-            </a:r>
-            <a:endParaRPr b="0" lang="en-GB" sz="2600" spc="-1" strike="noStrike">
-              <a:latin typeface="Arial"/>
-            </a:endParaRPr>
-          </a:p>
-          <a:p>
-            <a:pPr lvl="1" marL="432000" indent="-216000">
+              <a:t>Shell</a:t>
+            </a:r>
+            <a:endParaRPr b="0" lang="en-GB" sz="2600" spc="-1" strike="noStrike">
+              <a:latin typeface="Arial"/>
+            </a:endParaRPr>
+          </a:p>
+          <a:p>
+            <a:pPr lvl="1" marL="432000" indent="-215640">
               <a:lnSpc>
                 <a:spcPct val="100000"/>
               </a:lnSpc>
@@ -13450,58 +13441,6 @@
                 <a:latin typeface="Source Sans Pro Semibold"/>
                 <a:ea typeface="DejaVu Sans"/>
               </a:rPr>
-              <a:t>Kubernetes</a:t>
-            </a:r>
-            <a:endParaRPr b="0" lang="en-GB" sz="2600" spc="-1" strike="noStrike">
-              <a:latin typeface="Arial"/>
-            </a:endParaRPr>
-          </a:p>
-          <a:p>
-            <a:pPr lvl="1" marL="432000" indent="-216000">
-              <a:lnSpc>
-                <a:spcPct val="100000"/>
-              </a:lnSpc>
-              <a:buClr>
-                <a:srgbClr val="000000"/>
-              </a:buClr>
-              <a:buSzPct val="45000"/>
-              <a:buFont typeface="Wingdings" charset="2"/>
-              <a:buChar char=""/>
-            </a:pPr>
-            <a:r>
-              <a:rPr b="1" lang="en-GB" sz="2600" spc="-1" strike="noStrike">
-                <a:solidFill>
-                  <a:srgbClr val="1c1c1c"/>
-                </a:solidFill>
-                <a:latin typeface="Source Sans Pro Semibold"/>
-                <a:ea typeface="DejaVu Sans"/>
-              </a:rPr>
-              <a:t>Shell</a:t>
-            </a:r>
-            <a:endParaRPr b="0" lang="en-GB" sz="2600" spc="-1" strike="noStrike">
-              <a:latin typeface="Arial"/>
-            </a:endParaRPr>
-          </a:p>
-          <a:p>
-            <a:pPr lvl="1" marL="432000" indent="-216000">
-              <a:lnSpc>
-                <a:spcPct val="100000"/>
-              </a:lnSpc>
-              <a:buClr>
-                <a:srgbClr val="000000"/>
-              </a:buClr>
-              <a:buSzPct val="45000"/>
-              <a:buFont typeface="Wingdings" charset="2"/>
-              <a:buChar char=""/>
-            </a:pPr>
-            <a:r>
-              <a:rPr b="1" lang="en-GB" sz="2600" spc="-1" strike="noStrike">
-                <a:solidFill>
-                  <a:srgbClr val="1c1c1c"/>
-                </a:solidFill>
-                <a:latin typeface="Source Sans Pro Semibold"/>
-                <a:ea typeface="DejaVu Sans"/>
-              </a:rPr>
               <a:t>Flux</a:t>
             </a:r>
             <a:endParaRPr b="0" lang="en-GB" sz="2600" spc="-1" strike="noStrike">
@@ -13509,7 +13448,7 @@
             </a:endParaRPr>
           </a:p>
           <a:p>
-            <a:pPr lvl="1" marL="432000" indent="-216000">
+            <a:pPr lvl="1" marL="432000" indent="-215640">
               <a:lnSpc>
                 <a:spcPct val="100000"/>
               </a:lnSpc>
@@ -13575,7 +13514,7 @@
         <p:spPr>
           <a:xfrm>
             <a:off x="360000" y="360000"/>
-            <a:ext cx="9357840" cy="897840"/>
+            <a:ext cx="9357480" cy="897480"/>
           </a:xfrm>
           <a:prstGeom prst="rect">
             <a:avLst/>
@@ -13626,7 +13565,7 @@
         <p:spPr>
           <a:xfrm>
             <a:off x="360000" y="1980000"/>
-            <a:ext cx="9177840" cy="4677840"/>
+            <a:ext cx="9177480" cy="4677480"/>
           </a:xfrm>
           <a:prstGeom prst="rect">
             <a:avLst/>
@@ -13657,7 +13596,7 @@
             </a:endParaRPr>
           </a:p>
           <a:p>
-            <a:pPr marL="216000" indent="-213840">
+            <a:pPr marL="216000" indent="-213480">
               <a:lnSpc>
                 <a:spcPct val="100000"/>
               </a:lnSpc>
@@ -13693,7 +13632,7 @@
         <p:spPr>
           <a:xfrm>
             <a:off x="360000" y="1980000"/>
-            <a:ext cx="9177840" cy="4677840"/>
+            <a:ext cx="9177480" cy="4677480"/>
           </a:xfrm>
           <a:prstGeom prst="rect">
             <a:avLst/>
@@ -13724,7 +13663,7 @@
             </a:endParaRPr>
           </a:p>
           <a:p>
-            <a:pPr marL="216000" indent="-213840">
+            <a:pPr marL="216000" indent="-213480">
               <a:lnSpc>
                 <a:spcPct val="100000"/>
               </a:lnSpc>
@@ -13750,7 +13689,17 @@
             </a:endParaRPr>
           </a:p>
           <a:p>
-            <a:pPr marL="216000" indent="-213840">
+            <a:pPr>
+              <a:lnSpc>
+                <a:spcPct val="100000"/>
+              </a:lnSpc>
+            </a:pPr>
+            <a:endParaRPr b="0" lang="en-GB" sz="2600" spc="-1" strike="noStrike">
+              <a:latin typeface="Arial"/>
+            </a:endParaRPr>
+          </a:p>
+          <a:p>
+            <a:pPr marL="216000" indent="-213480">
               <a:lnSpc>
                 <a:spcPct val="100000"/>
               </a:lnSpc>
@@ -13761,12 +13710,32 @@
               <a:buFont typeface="Wingdings" charset="2"/>
               <a:buChar char=""/>
             </a:pPr>
-            <a:endParaRPr b="0" lang="en-GB" sz="2600" spc="-1" strike="noStrike">
-              <a:latin typeface="Arial"/>
-            </a:endParaRPr>
-          </a:p>
-          <a:p>
-            <a:pPr marL="216000" indent="-213840">
+            <a:r>
+              <a:rPr b="1" lang="en-GB" sz="2600" spc="-1" strike="noStrike">
+                <a:solidFill>
+                  <a:srgbClr val="1c1c1c"/>
+                </a:solidFill>
+                <a:latin typeface="Source Sans Pro Semibold"/>
+                <a:ea typeface="DejaVu Sans"/>
+              </a:rPr>
+              <a:t>Consulting, working with smaller companies to make GitOps happen</a:t>
+            </a:r>
+            <a:endParaRPr b="0" lang="en-GB" sz="2600" spc="-1" strike="noStrike">
+              <a:latin typeface="Arial"/>
+            </a:endParaRPr>
+          </a:p>
+          <a:p>
+            <a:pPr>
+              <a:lnSpc>
+                <a:spcPct val="100000"/>
+              </a:lnSpc>
+            </a:pPr>
+            <a:endParaRPr b="0" lang="en-GB" sz="2600" spc="-1" strike="noStrike">
+              <a:latin typeface="Arial"/>
+            </a:endParaRPr>
+          </a:p>
+          <a:p>
+            <a:pPr marL="216000" indent="-213480">
               <a:lnSpc>
                 <a:spcPct val="100000"/>
               </a:lnSpc>
@@ -13785,48 +13754,6 @@
                 <a:latin typeface="Source Sans Pro Semibold"/>
                 <a:ea typeface="DejaVu Sans"/>
               </a:rPr>
-              <a:t>Consulting, working with smaller companies to make GitOps happen</a:t>
-            </a:r>
-            <a:endParaRPr b="0" lang="en-GB" sz="2600" spc="-1" strike="noStrike">
-              <a:latin typeface="Arial"/>
-            </a:endParaRPr>
-          </a:p>
-          <a:p>
-            <a:pPr marL="216000" indent="-213840">
-              <a:lnSpc>
-                <a:spcPct val="100000"/>
-              </a:lnSpc>
-              <a:buClr>
-                <a:srgbClr val="000000"/>
-              </a:buClr>
-              <a:buSzPct val="45000"/>
-              <a:buFont typeface="Wingdings" charset="2"/>
-              <a:buChar char=""/>
-            </a:pPr>
-            <a:endParaRPr b="0" lang="en-GB" sz="2600" spc="-1" strike="noStrike">
-              <a:latin typeface="Arial"/>
-            </a:endParaRPr>
-          </a:p>
-          <a:p>
-            <a:pPr marL="216000" indent="-213840">
-              <a:lnSpc>
-                <a:spcPct val="100000"/>
-              </a:lnSpc>
-              <a:buClr>
-                <a:srgbClr val="000000"/>
-              </a:buClr>
-              <a:buSzPct val="45000"/>
-              <a:buFont typeface="Wingdings" charset="2"/>
-              <a:buChar char=""/>
-            </a:pPr>
-            <a:r>
-              <a:rPr b="1" lang="en-GB" sz="2600" spc="-1" strike="noStrike">
-                <a:solidFill>
-                  <a:srgbClr val="1c1c1c"/>
-                </a:solidFill>
-                <a:latin typeface="Source Sans Pro Semibold"/>
-                <a:ea typeface="DejaVu Sans"/>
-              </a:rPr>
               <a:t>Blog on GitOps and related subjects at zwishchenzugs.com</a:t>
             </a:r>
             <a:endParaRPr b="0" lang="en-GB" sz="2600" spc="-1" strike="noStrike">
@@ -13834,23 +13761,17 @@
             </a:endParaRPr>
           </a:p>
           <a:p>
-            <a:pPr marL="216000" indent="-213840">
-              <a:lnSpc>
-                <a:spcPct val="100000"/>
-              </a:lnSpc>
-              <a:buClr>
-                <a:srgbClr val="000000"/>
-              </a:buClr>
-              <a:buSzPct val="45000"/>
-              <a:buFont typeface="Wingdings" charset="2"/>
-              <a:buChar char=""/>
-            </a:pPr>
-            <a:endParaRPr b="0" lang="en-GB" sz="2600" spc="-1" strike="noStrike">
-              <a:latin typeface="Arial"/>
-            </a:endParaRPr>
-          </a:p>
-          <a:p>
-            <a:pPr marL="216000" indent="-213840">
+            <a:pPr>
+              <a:lnSpc>
+                <a:spcPct val="100000"/>
+              </a:lnSpc>
+            </a:pPr>
+            <a:endParaRPr b="0" lang="en-GB" sz="2600" spc="-1" strike="noStrike">
+              <a:latin typeface="Arial"/>
+            </a:endParaRPr>
+          </a:p>
+          <a:p>
+            <a:pPr marL="216000" indent="-213480">
               <a:lnSpc>
                 <a:spcPct val="100000"/>
               </a:lnSpc>
@@ -13909,14 +13830,14 @@
       </p:grpSpPr>
       <p:sp>
         <p:nvSpPr>
-          <p:cNvPr id="243" name="CustomShape 1"/>
+          <p:cNvPr id="244" name="CustomShape 1"/>
           <p:cNvSpPr/>
           <p:nvPr/>
         </p:nvSpPr>
         <p:spPr>
           <a:xfrm>
             <a:off x="360000" y="360000"/>
-            <a:ext cx="9357840" cy="897840"/>
+            <a:ext cx="9357480" cy="897480"/>
           </a:xfrm>
           <a:prstGeom prst="rect">
             <a:avLst/>
@@ -13960,7 +13881,7 @@
       </p:sp>
       <p:pic>
         <p:nvPicPr>
-          <p:cNvPr id="244" name="" descr=""/>
+          <p:cNvPr id="245" name="" descr=""/>
           <p:cNvPicPr/>
           <p:nvPr/>
         </p:nvPicPr>
@@ -13971,7 +13892,7 @@
         <p:spPr>
           <a:xfrm>
             <a:off x="2088000" y="1512000"/>
-            <a:ext cx="5645160" cy="5371560"/>
+            <a:ext cx="5644800" cy="5371200"/>
           </a:xfrm>
           <a:prstGeom prst="rect">
             <a:avLst/>
@@ -14013,14 +13934,14 @@
       </p:grpSpPr>
       <p:sp>
         <p:nvSpPr>
-          <p:cNvPr id="245" name="CustomShape 1"/>
+          <p:cNvPr id="246" name="CustomShape 1"/>
           <p:cNvSpPr/>
           <p:nvPr/>
         </p:nvSpPr>
         <p:spPr>
           <a:xfrm>
             <a:off x="360000" y="360000"/>
-            <a:ext cx="9357840" cy="897840"/>
+            <a:ext cx="9357480" cy="897480"/>
           </a:xfrm>
           <a:prstGeom prst="rect">
             <a:avLst/>
@@ -14062,6 +13983,1709 @@
           </a:p>
         </p:txBody>
       </p:sp>
+    </p:spTree>
+  </p:cSld>
+  <mc:AlternateContent>
+    <mc:Choice Requires="p14">
+      <p:transition spd="slow" p14:dur="2000"/>
+    </mc:Choice>
+    <mc:Fallback>
+      <p:transition spd="slow"/>
+    </mc:Fallback>
+  </mc:AlternateContent>
+</p:sld>
+</file>
+
+<file path=ppt/slides/slide32.xml><?xml version="1.0" encoding="utf-8"?>
+<p:sld xmlns:a="http://schemas.openxmlformats.org/drawingml/2006/main" xmlns:p="http://schemas.openxmlformats.org/presentationml/2006/main" xmlns:r="http://schemas.openxmlformats.org/officeDocument/2006/relationships" xmlns:p14="http://schemas.microsoft.com/office/powerpoint/2010/main" xmlns:p15="http://schemas.microsoft.com/office/powerpoint/2012/main" xmlns:mc="http://schemas.openxmlformats.org/markup-compatibility/2006">
+  <p:cSld>
+    <p:spTree>
+      <p:nvGrpSpPr>
+        <p:cNvPr id="1" name=""/>
+        <p:cNvGrpSpPr/>
+        <p:nvPr/>
+      </p:nvGrpSpPr>
+      <p:grpSpPr>
+        <a:xfrm>
+          <a:off x="0" y="0"/>
+          <a:ext cx="0" cy="0"/>
+          <a:chOff x="0" y="0"/>
+          <a:chExt cx="0" cy="0"/>
+        </a:xfrm>
+      </p:grpSpPr>
+      <p:sp>
+        <p:nvSpPr>
+          <p:cNvPr id="247" name="CustomShape 1"/>
+          <p:cNvSpPr/>
+          <p:nvPr/>
+        </p:nvSpPr>
+        <p:spPr>
+          <a:xfrm>
+            <a:off x="360000" y="360000"/>
+            <a:ext cx="9357480" cy="897480"/>
+          </a:xfrm>
+          <a:prstGeom prst="rect">
+            <a:avLst/>
+          </a:prstGeom>
+          <a:noFill/>
+          <a:ln>
+            <a:noFill/>
+          </a:ln>
+        </p:spPr>
+        <p:style>
+          <a:lnRef idx="0"/>
+          <a:fillRef idx="0"/>
+          <a:effectRef idx="0"/>
+          <a:fontRef idx="minor"/>
+        </p:style>
+        <p:txBody>
+          <a:bodyPr lIns="0" rIns="0" tIns="0" bIns="0" anchor="b">
+            <a:noAutofit/>
+          </a:bodyPr>
+          <a:p>
+            <a:pPr>
+              <a:lnSpc>
+                <a:spcPct val="100000"/>
+              </a:lnSpc>
+            </a:pPr>
+            <a:r>
+              <a:rPr b="1" lang="en-GB" sz="3200" spc="-1" strike="noStrike">
+                <a:solidFill>
+                  <a:srgbClr val="ffffff"/>
+                </a:solidFill>
+                <a:latin typeface="Source Sans Pro Black"/>
+                <a:ea typeface="DejaVu Sans"/>
+              </a:rPr>
+              <a:t>Challenges - Technical</a:t>
+            </a:r>
+            <a:endParaRPr b="0" lang="en-GB" sz="3200" spc="-1" strike="noStrike">
+              <a:latin typeface="Arial"/>
+            </a:endParaRPr>
+          </a:p>
+        </p:txBody>
+      </p:sp>
+      <p:sp>
+        <p:nvSpPr>
+          <p:cNvPr id="248" name="CustomShape 2"/>
+          <p:cNvSpPr/>
+          <p:nvPr/>
+        </p:nvSpPr>
+        <p:spPr>
+          <a:xfrm>
+            <a:off x="360000" y="1980000"/>
+            <a:ext cx="9177480" cy="4677480"/>
+          </a:xfrm>
+          <a:prstGeom prst="rect">
+            <a:avLst/>
+          </a:prstGeom>
+          <a:noFill/>
+          <a:ln>
+            <a:noFill/>
+          </a:ln>
+        </p:spPr>
+        <p:style>
+          <a:lnRef idx="0"/>
+          <a:fillRef idx="0"/>
+          <a:effectRef idx="0"/>
+          <a:fontRef idx="minor"/>
+        </p:style>
+        <p:txBody>
+          <a:bodyPr lIns="0" rIns="0" tIns="0" bIns="0">
+            <a:noAutofit/>
+          </a:bodyPr>
+          <a:p>
+            <a:pPr>
+              <a:lnSpc>
+                <a:spcPct val="100000"/>
+              </a:lnSpc>
+            </a:pPr>
+            <a:r>
+              <a:rPr b="1" lang="en-GB" sz="2600" spc="-1" strike="noStrike">
+                <a:solidFill>
+                  <a:srgbClr val="1c1c1c"/>
+                </a:solidFill>
+                <a:latin typeface="Source Sans Pro Semibold"/>
+                <a:ea typeface="DejaVu Sans"/>
+              </a:rPr>
+              <a:t> </a:t>
+            </a:r>
+            <a:endParaRPr b="0" lang="en-GB" sz="2600" spc="-1" strike="noStrike">
+              <a:latin typeface="Arial"/>
+            </a:endParaRPr>
+          </a:p>
+        </p:txBody>
+      </p:sp>
+      <p:sp>
+        <p:nvSpPr>
+          <p:cNvPr id="249" name="CustomShape 3"/>
+          <p:cNvSpPr/>
+          <p:nvPr/>
+        </p:nvSpPr>
+        <p:spPr>
+          <a:xfrm>
+            <a:off x="360000" y="1800000"/>
+            <a:ext cx="9177480" cy="4677480"/>
+          </a:xfrm>
+          <a:prstGeom prst="rect">
+            <a:avLst/>
+          </a:prstGeom>
+          <a:noFill/>
+          <a:ln>
+            <a:noFill/>
+          </a:ln>
+        </p:spPr>
+        <p:style>
+          <a:lnRef idx="0"/>
+          <a:fillRef idx="0"/>
+          <a:effectRef idx="0"/>
+          <a:fontRef idx="minor"/>
+        </p:style>
+        <p:txBody>
+          <a:bodyPr lIns="0" rIns="0" tIns="0" bIns="0">
+            <a:noAutofit/>
+          </a:bodyPr>
+          <a:p>
+            <a:pPr>
+              <a:lnSpc>
+                <a:spcPct val="100000"/>
+              </a:lnSpc>
+            </a:pPr>
+            <a:r>
+              <a:rPr b="1" lang="en-GB" sz="2600" spc="-1" strike="noStrike">
+                <a:solidFill>
+                  <a:srgbClr val="1c1c1c"/>
+                </a:solidFill>
+                <a:latin typeface="Source Sans Pro Semibold"/>
+                <a:ea typeface="DejaVu Sans"/>
+              </a:rPr>
+              <a:t> </a:t>
+            </a:r>
+            <a:endParaRPr b="0" lang="en-GB" sz="2600" spc="-1" strike="noStrike">
+              <a:latin typeface="Arial"/>
+            </a:endParaRPr>
+          </a:p>
+        </p:txBody>
+      </p:sp>
+      <p:sp>
+        <p:nvSpPr>
+          <p:cNvPr id="250" name="CustomShape 4"/>
+          <p:cNvSpPr/>
+          <p:nvPr/>
+        </p:nvSpPr>
+        <p:spPr>
+          <a:xfrm>
+            <a:off x="360000" y="1196280"/>
+            <a:ext cx="9177480" cy="4677480"/>
+          </a:xfrm>
+          <a:prstGeom prst="rect">
+            <a:avLst/>
+          </a:prstGeom>
+          <a:noFill/>
+          <a:ln>
+            <a:noFill/>
+          </a:ln>
+        </p:spPr>
+        <p:style>
+          <a:lnRef idx="0"/>
+          <a:fillRef idx="0"/>
+          <a:effectRef idx="0"/>
+          <a:fontRef idx="minor"/>
+        </p:style>
+        <p:txBody>
+          <a:bodyPr lIns="0" rIns="0" tIns="0" bIns="0">
+            <a:noAutofit/>
+          </a:bodyPr>
+          <a:p>
+            <a:pPr>
+              <a:lnSpc>
+                <a:spcPct val="100000"/>
+              </a:lnSpc>
+            </a:pPr>
+            <a:endParaRPr b="0" lang="en-GB" sz="1800" spc="-1" strike="noStrike">
+              <a:latin typeface="Arial"/>
+            </a:endParaRPr>
+          </a:p>
+          <a:p>
+            <a:pPr>
+              <a:lnSpc>
+                <a:spcPct val="100000"/>
+              </a:lnSpc>
+            </a:pPr>
+            <a:endParaRPr b="0" lang="en-GB" sz="1800" spc="-1" strike="noStrike">
+              <a:latin typeface="Arial"/>
+            </a:endParaRPr>
+          </a:p>
+          <a:p>
+            <a:pPr marL="216000" indent="-213480">
+              <a:lnSpc>
+                <a:spcPct val="100000"/>
+              </a:lnSpc>
+              <a:buClr>
+                <a:srgbClr val="000000"/>
+              </a:buClr>
+              <a:buSzPct val="45000"/>
+              <a:buFont typeface="Wingdings" charset="2"/>
+              <a:buChar char=""/>
+            </a:pPr>
+            <a:r>
+              <a:rPr b="1" lang="en-GB" sz="2600" spc="-1" strike="noStrike">
+                <a:solidFill>
+                  <a:srgbClr val="1c1c1c"/>
+                </a:solidFill>
+                <a:latin typeface="Source Sans Pro Semibold"/>
+                <a:ea typeface="DejaVu Sans"/>
+              </a:rPr>
+              <a:t>Many new technologies to learn/master</a:t>
+            </a:r>
+            <a:endParaRPr b="0" lang="en-GB" sz="2600" spc="-1" strike="noStrike">
+              <a:latin typeface="Arial"/>
+            </a:endParaRPr>
+          </a:p>
+          <a:p>
+            <a:pPr marL="216000" indent="-213480">
+              <a:lnSpc>
+                <a:spcPct val="100000"/>
+              </a:lnSpc>
+              <a:buClr>
+                <a:srgbClr val="000000"/>
+              </a:buClr>
+              <a:buSzPct val="45000"/>
+              <a:buFont typeface="Wingdings" charset="2"/>
+              <a:buChar char=""/>
+            </a:pPr>
+            <a:endParaRPr b="0" lang="en-GB" sz="2600" spc="-1" strike="noStrike">
+              <a:latin typeface="Arial"/>
+            </a:endParaRPr>
+          </a:p>
+          <a:p>
+            <a:pPr marL="216000" indent="-213480">
+              <a:lnSpc>
+                <a:spcPct val="100000"/>
+              </a:lnSpc>
+              <a:buClr>
+                <a:srgbClr val="000000"/>
+              </a:buClr>
+              <a:buSzPct val="45000"/>
+              <a:buFont typeface="Wingdings" charset="2"/>
+              <a:buChar char=""/>
+            </a:pPr>
+            <a:r>
+              <a:rPr b="1" lang="en-GB" sz="2600" spc="-1" strike="noStrike">
+                <a:solidFill>
+                  <a:srgbClr val="1c1c1c"/>
+                </a:solidFill>
+                <a:latin typeface="Source Sans Pro Semibold"/>
+                <a:ea typeface="DejaVu Sans"/>
+              </a:rPr>
+              <a:t>Git, Terraform, Kubernetes (none of these are trivial)</a:t>
+            </a:r>
+            <a:endParaRPr b="0" lang="en-GB" sz="2600" spc="-1" strike="noStrike">
+              <a:latin typeface="Arial"/>
+            </a:endParaRPr>
+          </a:p>
+          <a:p>
+            <a:pPr marL="216000" indent="-213480">
+              <a:lnSpc>
+                <a:spcPct val="100000"/>
+              </a:lnSpc>
+              <a:buClr>
+                <a:srgbClr val="000000"/>
+              </a:buClr>
+              <a:buSzPct val="45000"/>
+              <a:buFont typeface="Wingdings" charset="2"/>
+              <a:buChar char=""/>
+            </a:pPr>
+            <a:endParaRPr b="0" lang="en-GB" sz="2600" spc="-1" strike="noStrike">
+              <a:latin typeface="Arial"/>
+            </a:endParaRPr>
+          </a:p>
+          <a:p>
+            <a:pPr marL="216000" indent="-213480">
+              <a:lnSpc>
+                <a:spcPct val="100000"/>
+              </a:lnSpc>
+              <a:buClr>
+                <a:srgbClr val="000000"/>
+              </a:buClr>
+              <a:buSzPct val="45000"/>
+              <a:buFont typeface="Wingdings" charset="2"/>
+              <a:buChar char=""/>
+            </a:pPr>
+            <a:r>
+              <a:rPr b="1" lang="en-GB" sz="2600" spc="-1" strike="noStrike">
+                <a:solidFill>
+                  <a:srgbClr val="1c1c1c"/>
+                </a:solidFill>
+                <a:latin typeface="Source Sans Pro Semibold"/>
+                <a:ea typeface="DejaVu Sans"/>
+              </a:rPr>
+              <a:t>Many small decisions need to be made when building up your GitOps capability </a:t>
+            </a:r>
+            <a:endParaRPr b="0" lang="en-GB" sz="2600" spc="-1" strike="noStrike">
+              <a:latin typeface="Arial"/>
+            </a:endParaRPr>
+          </a:p>
+        </p:txBody>
+      </p:sp>
+    </p:spTree>
+  </p:cSld>
+  <mc:AlternateContent>
+    <mc:Choice Requires="p14">
+      <p:transition spd="slow" p14:dur="2000"/>
+    </mc:Choice>
+    <mc:Fallback>
+      <p:transition spd="slow"/>
+    </mc:Fallback>
+  </mc:AlternateContent>
+</p:sld>
+</file>
+
+<file path=ppt/slides/slide33.xml><?xml version="1.0" encoding="utf-8"?>
+<p:sld xmlns:a="http://schemas.openxmlformats.org/drawingml/2006/main" xmlns:p="http://schemas.openxmlformats.org/presentationml/2006/main" xmlns:r="http://schemas.openxmlformats.org/officeDocument/2006/relationships" xmlns:p14="http://schemas.microsoft.com/office/powerpoint/2010/main" xmlns:p15="http://schemas.microsoft.com/office/powerpoint/2012/main" xmlns:mc="http://schemas.openxmlformats.org/markup-compatibility/2006">
+  <p:cSld>
+    <p:spTree>
+      <p:nvGrpSpPr>
+        <p:cNvPr id="1" name=""/>
+        <p:cNvGrpSpPr/>
+        <p:nvPr/>
+      </p:nvGrpSpPr>
+      <p:grpSpPr>
+        <a:xfrm>
+          <a:off x="0" y="0"/>
+          <a:ext cx="0" cy="0"/>
+          <a:chOff x="0" y="0"/>
+          <a:chExt cx="0" cy="0"/>
+        </a:xfrm>
+      </p:grpSpPr>
+      <p:sp>
+        <p:nvSpPr>
+          <p:cNvPr id="251" name="CustomShape 1"/>
+          <p:cNvSpPr/>
+          <p:nvPr/>
+        </p:nvSpPr>
+        <p:spPr>
+          <a:xfrm>
+            <a:off x="360000" y="360000"/>
+            <a:ext cx="9357480" cy="897480"/>
+          </a:xfrm>
+          <a:prstGeom prst="rect">
+            <a:avLst/>
+          </a:prstGeom>
+          <a:noFill/>
+          <a:ln>
+            <a:noFill/>
+          </a:ln>
+        </p:spPr>
+        <p:style>
+          <a:lnRef idx="0"/>
+          <a:fillRef idx="0"/>
+          <a:effectRef idx="0"/>
+          <a:fontRef idx="minor"/>
+        </p:style>
+        <p:txBody>
+          <a:bodyPr lIns="0" rIns="0" tIns="0" bIns="0" anchor="b">
+            <a:noAutofit/>
+          </a:bodyPr>
+          <a:p>
+            <a:pPr>
+              <a:lnSpc>
+                <a:spcPct val="100000"/>
+              </a:lnSpc>
+            </a:pPr>
+            <a:r>
+              <a:rPr b="1" lang="en-GB" sz="3200" spc="-1" strike="noStrike">
+                <a:solidFill>
+                  <a:srgbClr val="ffffff"/>
+                </a:solidFill>
+                <a:latin typeface="Source Sans Pro Black"/>
+                <a:ea typeface="DejaVu Sans"/>
+              </a:rPr>
+              <a:t>Challenges - Cultural</a:t>
+            </a:r>
+            <a:endParaRPr b="0" lang="en-GB" sz="3200" spc="-1" strike="noStrike">
+              <a:latin typeface="Arial"/>
+            </a:endParaRPr>
+          </a:p>
+        </p:txBody>
+      </p:sp>
+      <p:sp>
+        <p:nvSpPr>
+          <p:cNvPr id="252" name="CustomShape 2"/>
+          <p:cNvSpPr/>
+          <p:nvPr/>
+        </p:nvSpPr>
+        <p:spPr>
+          <a:xfrm>
+            <a:off x="360000" y="1980000"/>
+            <a:ext cx="9177480" cy="4677480"/>
+          </a:xfrm>
+          <a:prstGeom prst="rect">
+            <a:avLst/>
+          </a:prstGeom>
+          <a:noFill/>
+          <a:ln>
+            <a:noFill/>
+          </a:ln>
+        </p:spPr>
+        <p:style>
+          <a:lnRef idx="0"/>
+          <a:fillRef idx="0"/>
+          <a:effectRef idx="0"/>
+          <a:fontRef idx="minor"/>
+        </p:style>
+        <p:txBody>
+          <a:bodyPr lIns="0" rIns="0" tIns="0" bIns="0">
+            <a:noAutofit/>
+          </a:bodyPr>
+          <a:p>
+            <a:pPr>
+              <a:lnSpc>
+                <a:spcPct val="100000"/>
+              </a:lnSpc>
+            </a:pPr>
+            <a:r>
+              <a:rPr b="1" lang="en-GB" sz="2600" spc="-1" strike="noStrike">
+                <a:solidFill>
+                  <a:srgbClr val="1c1c1c"/>
+                </a:solidFill>
+                <a:latin typeface="Source Sans Pro Semibold"/>
+                <a:ea typeface="DejaVu Sans"/>
+              </a:rPr>
+              <a:t> </a:t>
+            </a:r>
+            <a:endParaRPr b="0" lang="en-GB" sz="2600" spc="-1" strike="noStrike">
+              <a:latin typeface="Arial"/>
+            </a:endParaRPr>
+          </a:p>
+        </p:txBody>
+      </p:sp>
+      <p:sp>
+        <p:nvSpPr>
+          <p:cNvPr id="253" name="CustomShape 3"/>
+          <p:cNvSpPr/>
+          <p:nvPr/>
+        </p:nvSpPr>
+        <p:spPr>
+          <a:xfrm>
+            <a:off x="360000" y="1800000"/>
+            <a:ext cx="9177480" cy="4677480"/>
+          </a:xfrm>
+          <a:prstGeom prst="rect">
+            <a:avLst/>
+          </a:prstGeom>
+          <a:noFill/>
+          <a:ln>
+            <a:noFill/>
+          </a:ln>
+        </p:spPr>
+        <p:style>
+          <a:lnRef idx="0"/>
+          <a:fillRef idx="0"/>
+          <a:effectRef idx="0"/>
+          <a:fontRef idx="minor"/>
+        </p:style>
+        <p:txBody>
+          <a:bodyPr lIns="0" rIns="0" tIns="0" bIns="0">
+            <a:noAutofit/>
+          </a:bodyPr>
+          <a:p>
+            <a:pPr>
+              <a:lnSpc>
+                <a:spcPct val="100000"/>
+              </a:lnSpc>
+            </a:pPr>
+            <a:r>
+              <a:rPr b="1" lang="en-GB" sz="2600" spc="-1" strike="noStrike">
+                <a:solidFill>
+                  <a:srgbClr val="1c1c1c"/>
+                </a:solidFill>
+                <a:latin typeface="Source Sans Pro Semibold"/>
+                <a:ea typeface="DejaVu Sans"/>
+              </a:rPr>
+              <a:t> </a:t>
+            </a:r>
+            <a:endParaRPr b="0" lang="en-GB" sz="2600" spc="-1" strike="noStrike">
+              <a:latin typeface="Arial"/>
+            </a:endParaRPr>
+          </a:p>
+        </p:txBody>
+      </p:sp>
+      <p:sp>
+        <p:nvSpPr>
+          <p:cNvPr id="254" name="CustomShape 4"/>
+          <p:cNvSpPr/>
+          <p:nvPr/>
+        </p:nvSpPr>
+        <p:spPr>
+          <a:xfrm>
+            <a:off x="360000" y="1008000"/>
+            <a:ext cx="9177480" cy="4677480"/>
+          </a:xfrm>
+          <a:prstGeom prst="rect">
+            <a:avLst/>
+          </a:prstGeom>
+          <a:noFill/>
+          <a:ln>
+            <a:noFill/>
+          </a:ln>
+        </p:spPr>
+        <p:style>
+          <a:lnRef idx="0"/>
+          <a:fillRef idx="0"/>
+          <a:effectRef idx="0"/>
+          <a:fontRef idx="minor"/>
+        </p:style>
+        <p:txBody>
+          <a:bodyPr lIns="0" rIns="0" tIns="0" bIns="0">
+            <a:noAutofit/>
+          </a:bodyPr>
+          <a:p>
+            <a:pPr>
+              <a:lnSpc>
+                <a:spcPct val="100000"/>
+              </a:lnSpc>
+            </a:pPr>
+            <a:endParaRPr b="0" lang="en-GB" sz="1800" spc="-1" strike="noStrike">
+              <a:latin typeface="Arial"/>
+            </a:endParaRPr>
+          </a:p>
+          <a:p>
+            <a:pPr>
+              <a:lnSpc>
+                <a:spcPct val="100000"/>
+              </a:lnSpc>
+            </a:pPr>
+            <a:endParaRPr b="0" lang="en-GB" sz="1800" spc="-1" strike="noStrike">
+              <a:latin typeface="Arial"/>
+            </a:endParaRPr>
+          </a:p>
+          <a:p>
+            <a:pPr marL="216000" indent="-213480">
+              <a:lnSpc>
+                <a:spcPct val="100000"/>
+              </a:lnSpc>
+              <a:buClr>
+                <a:srgbClr val="000000"/>
+              </a:buClr>
+              <a:buSzPct val="45000"/>
+              <a:buFont typeface="Wingdings" charset="2"/>
+              <a:buChar char=""/>
+            </a:pPr>
+            <a:r>
+              <a:rPr b="1" lang="en-GB" sz="2600" spc="-1" strike="noStrike">
+                <a:solidFill>
+                  <a:srgbClr val="1c1c1c"/>
+                </a:solidFill>
+                <a:latin typeface="Source Sans Pro Semibold"/>
+                <a:ea typeface="DejaVu Sans"/>
+              </a:rPr>
+              <a:t>Need to change delivery mindset</a:t>
+            </a:r>
+            <a:endParaRPr b="0" lang="en-GB" sz="2600" spc="-1" strike="noStrike">
+              <a:latin typeface="Arial"/>
+            </a:endParaRPr>
+          </a:p>
+          <a:p>
+            <a:pPr marL="216000" indent="-213480">
+              <a:lnSpc>
+                <a:spcPct val="100000"/>
+              </a:lnSpc>
+              <a:buClr>
+                <a:srgbClr val="000000"/>
+              </a:buClr>
+              <a:buSzPct val="45000"/>
+              <a:buFont typeface="Wingdings" charset="2"/>
+              <a:buChar char=""/>
+            </a:pPr>
+            <a:endParaRPr b="0" lang="en-GB" sz="2600" spc="-1" strike="noStrike">
+              <a:latin typeface="Arial"/>
+            </a:endParaRPr>
+          </a:p>
+          <a:p>
+            <a:pPr marL="216000" indent="-213480">
+              <a:lnSpc>
+                <a:spcPct val="100000"/>
+              </a:lnSpc>
+              <a:buClr>
+                <a:srgbClr val="000000"/>
+              </a:buClr>
+              <a:buSzPct val="45000"/>
+              <a:buFont typeface="Wingdings" charset="2"/>
+              <a:buChar char=""/>
+            </a:pPr>
+            <a:r>
+              <a:rPr b="1" lang="en-GB" sz="2600" spc="-1" strike="noStrike">
+                <a:solidFill>
+                  <a:srgbClr val="1c1c1c"/>
+                </a:solidFill>
+                <a:latin typeface="Source Sans Pro Semibold"/>
+                <a:ea typeface="DejaVu Sans"/>
+              </a:rPr>
+              <a:t>‘</a:t>
+            </a:r>
+            <a:r>
+              <a:rPr b="1" lang="en-GB" sz="2600" spc="-1" strike="noStrike">
+                <a:solidFill>
+                  <a:srgbClr val="1c1c1c"/>
+                </a:solidFill>
+                <a:latin typeface="Source Sans Pro Semibold"/>
+                <a:ea typeface="DejaVu Sans"/>
+              </a:rPr>
+              <a:t>Hero’ culture of ‘logging in and fixing’ needs to be challenged </a:t>
+            </a:r>
+            <a:endParaRPr b="0" lang="en-GB" sz="2600" spc="-1" strike="noStrike">
+              <a:latin typeface="Arial"/>
+            </a:endParaRPr>
+          </a:p>
+          <a:p>
+            <a:pPr marL="216000" indent="-213480">
+              <a:lnSpc>
+                <a:spcPct val="100000"/>
+              </a:lnSpc>
+              <a:buClr>
+                <a:srgbClr val="000000"/>
+              </a:buClr>
+              <a:buSzPct val="45000"/>
+              <a:buFont typeface="Wingdings" charset="2"/>
+              <a:buChar char=""/>
+            </a:pPr>
+            <a:endParaRPr b="0" lang="en-GB" sz="2600" spc="-1" strike="noStrike">
+              <a:latin typeface="Arial"/>
+            </a:endParaRPr>
+          </a:p>
+          <a:p>
+            <a:pPr marL="216000" indent="-213480">
+              <a:lnSpc>
+                <a:spcPct val="100000"/>
+              </a:lnSpc>
+              <a:buClr>
+                <a:srgbClr val="000000"/>
+              </a:buClr>
+              <a:buSzPct val="45000"/>
+              <a:buFont typeface="Wingdings" charset="2"/>
+              <a:buChar char=""/>
+            </a:pPr>
+            <a:r>
+              <a:rPr b="1" lang="en-GB" sz="2600" spc="-1" strike="noStrike">
+                <a:solidFill>
+                  <a:srgbClr val="1c1c1c"/>
+                </a:solidFill>
+                <a:latin typeface="Source Sans Pro Semibold"/>
+                <a:ea typeface="DejaVu Sans"/>
+              </a:rPr>
+              <a:t>The deployment process/code is king and discipline needs to be maintained</a:t>
+            </a:r>
+            <a:endParaRPr b="0" lang="en-GB" sz="2600" spc="-1" strike="noStrike">
+              <a:latin typeface="Arial"/>
+            </a:endParaRPr>
+          </a:p>
+          <a:p>
+            <a:pPr marL="216000" indent="-213480">
+              <a:lnSpc>
+                <a:spcPct val="100000"/>
+              </a:lnSpc>
+              <a:buClr>
+                <a:srgbClr val="000000"/>
+              </a:buClr>
+              <a:buSzPct val="45000"/>
+              <a:buFont typeface="Wingdings" charset="2"/>
+              <a:buChar char=""/>
+            </a:pPr>
+            <a:endParaRPr b="0" lang="en-GB" sz="2600" spc="-1" strike="noStrike">
+              <a:latin typeface="Arial"/>
+            </a:endParaRPr>
+          </a:p>
+          <a:p>
+            <a:pPr marL="216000" indent="-213480">
+              <a:lnSpc>
+                <a:spcPct val="100000"/>
+              </a:lnSpc>
+              <a:buClr>
+                <a:srgbClr val="000000"/>
+              </a:buClr>
+              <a:buSzPct val="45000"/>
+              <a:buFont typeface="Wingdings" charset="2"/>
+              <a:buChar char=""/>
+            </a:pPr>
+            <a:r>
+              <a:rPr b="1" lang="en-GB" sz="2600" spc="-1" strike="noStrike">
+                <a:solidFill>
+                  <a:srgbClr val="1c1c1c"/>
+                </a:solidFill>
+                <a:latin typeface="Source Sans Pro Semibold"/>
+                <a:ea typeface="DejaVu Sans"/>
+              </a:rPr>
+              <a:t>Onboarding new teams to this way of working can generate a lot of friction if they are not prepared</a:t>
+            </a:r>
+            <a:endParaRPr b="0" lang="en-GB" sz="2600" spc="-1" strike="noStrike">
+              <a:latin typeface="Arial"/>
+            </a:endParaRPr>
+          </a:p>
+          <a:p>
+            <a:pPr marL="216000" indent="-213480">
+              <a:lnSpc>
+                <a:spcPct val="100000"/>
+              </a:lnSpc>
+              <a:buClr>
+                <a:srgbClr val="000000"/>
+              </a:buClr>
+              <a:buSzPct val="45000"/>
+              <a:buFont typeface="Wingdings" charset="2"/>
+              <a:buChar char=""/>
+            </a:pPr>
+            <a:endParaRPr b="0" lang="en-GB" sz="2600" spc="-1" strike="noStrike">
+              <a:latin typeface="Arial"/>
+            </a:endParaRPr>
+          </a:p>
+        </p:txBody>
+      </p:sp>
+    </p:spTree>
+  </p:cSld>
+  <mc:AlternateContent>
+    <mc:Choice Requires="p14">
+      <p:transition spd="slow" p14:dur="2000"/>
+    </mc:Choice>
+    <mc:Fallback>
+      <p:transition spd="slow"/>
+    </mc:Fallback>
+  </mc:AlternateContent>
+</p:sld>
+</file>
+
+<file path=ppt/slides/slide34.xml><?xml version="1.0" encoding="utf-8"?>
+<p:sld xmlns:a="http://schemas.openxmlformats.org/drawingml/2006/main" xmlns:p="http://schemas.openxmlformats.org/presentationml/2006/main" xmlns:r="http://schemas.openxmlformats.org/officeDocument/2006/relationships" xmlns:p14="http://schemas.microsoft.com/office/powerpoint/2010/main" xmlns:p15="http://schemas.microsoft.com/office/powerpoint/2012/main" xmlns:mc="http://schemas.openxmlformats.org/markup-compatibility/2006">
+  <p:cSld>
+    <p:spTree>
+      <p:nvGrpSpPr>
+        <p:cNvPr id="1" name=""/>
+        <p:cNvGrpSpPr/>
+        <p:nvPr/>
+      </p:nvGrpSpPr>
+      <p:grpSpPr>
+        <a:xfrm>
+          <a:off x="0" y="0"/>
+          <a:ext cx="0" cy="0"/>
+          <a:chOff x="0" y="0"/>
+          <a:chExt cx="0" cy="0"/>
+        </a:xfrm>
+      </p:grpSpPr>
+      <p:sp>
+        <p:nvSpPr>
+          <p:cNvPr id="255" name="CustomShape 1"/>
+          <p:cNvSpPr/>
+          <p:nvPr/>
+        </p:nvSpPr>
+        <p:spPr>
+          <a:xfrm>
+            <a:off x="360000" y="360000"/>
+            <a:ext cx="9357480" cy="897480"/>
+          </a:xfrm>
+          <a:prstGeom prst="rect">
+            <a:avLst/>
+          </a:prstGeom>
+          <a:noFill/>
+          <a:ln>
+            <a:noFill/>
+          </a:ln>
+        </p:spPr>
+        <p:style>
+          <a:lnRef idx="0"/>
+          <a:fillRef idx="0"/>
+          <a:effectRef idx="0"/>
+          <a:fontRef idx="minor"/>
+        </p:style>
+        <p:txBody>
+          <a:bodyPr lIns="0" rIns="0" tIns="0" bIns="0" anchor="b">
+            <a:noAutofit/>
+          </a:bodyPr>
+          <a:p>
+            <a:pPr>
+              <a:lnSpc>
+                <a:spcPct val="100000"/>
+              </a:lnSpc>
+            </a:pPr>
+            <a:r>
+              <a:rPr b="1" lang="en-GB" sz="3200" spc="-1" strike="noStrike">
+                <a:solidFill>
+                  <a:srgbClr val="ffffff"/>
+                </a:solidFill>
+                <a:latin typeface="Source Sans Pro Black"/>
+                <a:ea typeface="DejaVu Sans"/>
+              </a:rPr>
+              <a:t>Challenges - Business</a:t>
+            </a:r>
+            <a:endParaRPr b="0" lang="en-GB" sz="3200" spc="-1" strike="noStrike">
+              <a:latin typeface="Arial"/>
+            </a:endParaRPr>
+          </a:p>
+        </p:txBody>
+      </p:sp>
+      <p:sp>
+        <p:nvSpPr>
+          <p:cNvPr id="256" name="CustomShape 2"/>
+          <p:cNvSpPr/>
+          <p:nvPr/>
+        </p:nvSpPr>
+        <p:spPr>
+          <a:xfrm>
+            <a:off x="360000" y="1980000"/>
+            <a:ext cx="9177480" cy="4677480"/>
+          </a:xfrm>
+          <a:prstGeom prst="rect">
+            <a:avLst/>
+          </a:prstGeom>
+          <a:noFill/>
+          <a:ln>
+            <a:noFill/>
+          </a:ln>
+        </p:spPr>
+        <p:style>
+          <a:lnRef idx="0"/>
+          <a:fillRef idx="0"/>
+          <a:effectRef idx="0"/>
+          <a:fontRef idx="minor"/>
+        </p:style>
+        <p:txBody>
+          <a:bodyPr lIns="0" rIns="0" tIns="0" bIns="0">
+            <a:noAutofit/>
+          </a:bodyPr>
+          <a:p>
+            <a:pPr>
+              <a:lnSpc>
+                <a:spcPct val="100000"/>
+              </a:lnSpc>
+            </a:pPr>
+            <a:r>
+              <a:rPr b="1" lang="en-GB" sz="2600" spc="-1" strike="noStrike">
+                <a:solidFill>
+                  <a:srgbClr val="1c1c1c"/>
+                </a:solidFill>
+                <a:latin typeface="Source Sans Pro Semibold"/>
+                <a:ea typeface="DejaVu Sans"/>
+              </a:rPr>
+              <a:t> </a:t>
+            </a:r>
+            <a:endParaRPr b="0" lang="en-GB" sz="2600" spc="-1" strike="noStrike">
+              <a:latin typeface="Arial"/>
+            </a:endParaRPr>
+          </a:p>
+        </p:txBody>
+      </p:sp>
+      <p:sp>
+        <p:nvSpPr>
+          <p:cNvPr id="257" name="CustomShape 3"/>
+          <p:cNvSpPr/>
+          <p:nvPr/>
+        </p:nvSpPr>
+        <p:spPr>
+          <a:xfrm>
+            <a:off x="360000" y="1800000"/>
+            <a:ext cx="9177480" cy="4677480"/>
+          </a:xfrm>
+          <a:prstGeom prst="rect">
+            <a:avLst/>
+          </a:prstGeom>
+          <a:noFill/>
+          <a:ln>
+            <a:noFill/>
+          </a:ln>
+        </p:spPr>
+        <p:style>
+          <a:lnRef idx="0"/>
+          <a:fillRef idx="0"/>
+          <a:effectRef idx="0"/>
+          <a:fontRef idx="minor"/>
+        </p:style>
+        <p:txBody>
+          <a:bodyPr lIns="0" rIns="0" tIns="0" bIns="0">
+            <a:noAutofit/>
+          </a:bodyPr>
+          <a:p>
+            <a:pPr>
+              <a:lnSpc>
+                <a:spcPct val="100000"/>
+              </a:lnSpc>
+            </a:pPr>
+            <a:r>
+              <a:rPr b="1" lang="en-GB" sz="2600" spc="-1" strike="noStrike">
+                <a:solidFill>
+                  <a:srgbClr val="1c1c1c"/>
+                </a:solidFill>
+                <a:latin typeface="Source Sans Pro Semibold"/>
+                <a:ea typeface="DejaVu Sans"/>
+              </a:rPr>
+              <a:t> </a:t>
+            </a:r>
+            <a:endParaRPr b="0" lang="en-GB" sz="2600" spc="-1" strike="noStrike">
+              <a:latin typeface="Arial"/>
+            </a:endParaRPr>
+          </a:p>
+        </p:txBody>
+      </p:sp>
+      <p:sp>
+        <p:nvSpPr>
+          <p:cNvPr id="258" name="CustomShape 4"/>
+          <p:cNvSpPr/>
+          <p:nvPr/>
+        </p:nvSpPr>
+        <p:spPr>
+          <a:xfrm>
+            <a:off x="360000" y="1196280"/>
+            <a:ext cx="9177480" cy="4677480"/>
+          </a:xfrm>
+          <a:prstGeom prst="rect">
+            <a:avLst/>
+          </a:prstGeom>
+          <a:noFill/>
+          <a:ln>
+            <a:noFill/>
+          </a:ln>
+        </p:spPr>
+        <p:style>
+          <a:lnRef idx="0"/>
+          <a:fillRef idx="0"/>
+          <a:effectRef idx="0"/>
+          <a:fontRef idx="minor"/>
+        </p:style>
+        <p:txBody>
+          <a:bodyPr lIns="0" rIns="0" tIns="0" bIns="0">
+            <a:noAutofit/>
+          </a:bodyPr>
+          <a:p>
+            <a:pPr>
+              <a:lnSpc>
+                <a:spcPct val="100000"/>
+              </a:lnSpc>
+            </a:pPr>
+            <a:endParaRPr b="0" lang="en-GB" sz="1800" spc="-1" strike="noStrike">
+              <a:latin typeface="Arial"/>
+            </a:endParaRPr>
+          </a:p>
+          <a:p>
+            <a:pPr>
+              <a:lnSpc>
+                <a:spcPct val="100000"/>
+              </a:lnSpc>
+            </a:pPr>
+            <a:endParaRPr b="0" lang="en-GB" sz="1800" spc="-1" strike="noStrike">
+              <a:latin typeface="Arial"/>
+            </a:endParaRPr>
+          </a:p>
+          <a:p>
+            <a:pPr marL="216000" indent="-213480">
+              <a:lnSpc>
+                <a:spcPct val="100000"/>
+              </a:lnSpc>
+              <a:buClr>
+                <a:srgbClr val="000000"/>
+              </a:buClr>
+              <a:buSzPct val="45000"/>
+              <a:buFont typeface="Wingdings" charset="2"/>
+              <a:buChar char=""/>
+            </a:pPr>
+            <a:r>
+              <a:rPr b="1" lang="en-GB" sz="2600" spc="-1" strike="noStrike">
+                <a:solidFill>
+                  <a:srgbClr val="1c1c1c"/>
+                </a:solidFill>
+                <a:latin typeface="Source Sans Pro Semibold"/>
+                <a:ea typeface="DejaVu Sans"/>
+              </a:rPr>
+              <a:t>GitOps work is very front-loaded</a:t>
+            </a:r>
+            <a:endParaRPr b="0" lang="en-GB" sz="2600" spc="-1" strike="noStrike">
+              <a:latin typeface="Arial"/>
+            </a:endParaRPr>
+          </a:p>
+          <a:p>
+            <a:pPr marL="216000" indent="-213480">
+              <a:lnSpc>
+                <a:spcPct val="100000"/>
+              </a:lnSpc>
+              <a:buClr>
+                <a:srgbClr val="000000"/>
+              </a:buClr>
+              <a:buSzPct val="45000"/>
+              <a:buFont typeface="Wingdings" charset="2"/>
+              <a:buChar char=""/>
+            </a:pPr>
+            <a:endParaRPr b="0" lang="en-GB" sz="2600" spc="-1" strike="noStrike">
+              <a:latin typeface="Arial"/>
+            </a:endParaRPr>
+          </a:p>
+          <a:p>
+            <a:pPr marL="216000" indent="-213480">
+              <a:lnSpc>
+                <a:spcPct val="100000"/>
+              </a:lnSpc>
+              <a:buClr>
+                <a:srgbClr val="000000"/>
+              </a:buClr>
+              <a:buSzPct val="45000"/>
+              <a:buFont typeface="Wingdings" charset="2"/>
+              <a:buChar char=""/>
+            </a:pPr>
+            <a:r>
+              <a:rPr b="1" lang="en-GB" sz="2600" spc="-1" strike="noStrike">
+                <a:solidFill>
+                  <a:srgbClr val="1c1c1c"/>
+                </a:solidFill>
+                <a:latin typeface="Source Sans Pro Semibold"/>
+                <a:ea typeface="DejaVu Sans"/>
+              </a:rPr>
+              <a:t>Can take a long time to ‘bed in’ good practices within an organization before seeing a return on investment</a:t>
+            </a:r>
+            <a:endParaRPr b="0" lang="en-GB" sz="2600" spc="-1" strike="noStrike">
+              <a:latin typeface="Arial"/>
+            </a:endParaRPr>
+          </a:p>
+          <a:p>
+            <a:pPr marL="216000" indent="-213480">
+              <a:lnSpc>
+                <a:spcPct val="100000"/>
+              </a:lnSpc>
+              <a:buClr>
+                <a:srgbClr val="000000"/>
+              </a:buClr>
+              <a:buSzPct val="45000"/>
+              <a:buFont typeface="Wingdings" charset="2"/>
+              <a:buChar char=""/>
+            </a:pPr>
+            <a:endParaRPr b="0" lang="en-GB" sz="2600" spc="-1" strike="noStrike">
+              <a:latin typeface="Arial"/>
+            </a:endParaRPr>
+          </a:p>
+          <a:p>
+            <a:pPr marL="216000" indent="-213480">
+              <a:lnSpc>
+                <a:spcPct val="100000"/>
+              </a:lnSpc>
+              <a:buClr>
+                <a:srgbClr val="000000"/>
+              </a:buClr>
+              <a:buSzPct val="45000"/>
+              <a:buFont typeface="Wingdings" charset="2"/>
+              <a:buChar char=""/>
+            </a:pPr>
+            <a:r>
+              <a:rPr b="1" lang="en-GB" sz="2600" spc="-1" strike="noStrike">
+                <a:solidFill>
+                  <a:srgbClr val="1c1c1c"/>
+                </a:solidFill>
+                <a:latin typeface="Source Sans Pro Semibold"/>
+                <a:ea typeface="DejaVu Sans"/>
+              </a:rPr>
+              <a:t>Benefits are not immediately obvious to non-technical people</a:t>
+            </a:r>
+            <a:endParaRPr b="0" lang="en-GB" sz="2600" spc="-1" strike="noStrike">
+              <a:latin typeface="Arial"/>
+            </a:endParaRPr>
+          </a:p>
+          <a:p>
+            <a:pPr marL="216000" indent="-213480">
+              <a:lnSpc>
+                <a:spcPct val="100000"/>
+              </a:lnSpc>
+              <a:buClr>
+                <a:srgbClr val="000000"/>
+              </a:buClr>
+              <a:buSzPct val="45000"/>
+              <a:buFont typeface="Wingdings" charset="2"/>
+              <a:buChar char=""/>
+            </a:pPr>
+            <a:endParaRPr b="0" lang="en-GB" sz="2600" spc="-1" strike="noStrike">
+              <a:latin typeface="Arial"/>
+            </a:endParaRPr>
+          </a:p>
+          <a:p>
+            <a:pPr marL="216000" indent="-213480">
+              <a:lnSpc>
+                <a:spcPct val="100000"/>
+              </a:lnSpc>
+              <a:buClr>
+                <a:srgbClr val="000000"/>
+              </a:buClr>
+              <a:buSzPct val="45000"/>
+              <a:buFont typeface="Wingdings" charset="2"/>
+              <a:buChar char=""/>
+            </a:pPr>
+            <a:r>
+              <a:rPr b="1" lang="en-GB" sz="2600" spc="-1" strike="noStrike">
+                <a:solidFill>
+                  <a:srgbClr val="1c1c1c"/>
+                </a:solidFill>
+                <a:latin typeface="Source Sans Pro Semibold"/>
+                <a:ea typeface="DejaVu Sans"/>
+              </a:rPr>
+              <a:t>Emergent area: there is no ‘safe, proven choice’ for a GitOps approach</a:t>
+            </a:r>
+            <a:endParaRPr b="0" lang="en-GB" sz="2600" spc="-1" strike="noStrike">
+              <a:latin typeface="Arial"/>
+            </a:endParaRPr>
+          </a:p>
+        </p:txBody>
+      </p:sp>
+    </p:spTree>
+  </p:cSld>
+  <mc:AlternateContent>
+    <mc:Choice Requires="p14">
+      <p:transition spd="slow" p14:dur="2000"/>
+    </mc:Choice>
+    <mc:Fallback>
+      <p:transition spd="slow"/>
+    </mc:Fallback>
+  </mc:AlternateContent>
+</p:sld>
+</file>
+
+<file path=ppt/slides/slide35.xml><?xml version="1.0" encoding="utf-8"?>
+<p:sld xmlns:a="http://schemas.openxmlformats.org/drawingml/2006/main" xmlns:p="http://schemas.openxmlformats.org/presentationml/2006/main" xmlns:r="http://schemas.openxmlformats.org/officeDocument/2006/relationships" xmlns:p14="http://schemas.microsoft.com/office/powerpoint/2010/main" xmlns:p15="http://schemas.microsoft.com/office/powerpoint/2012/main" xmlns:mc="http://schemas.openxmlformats.org/markup-compatibility/2006">
+  <p:cSld>
+    <p:spTree>
+      <p:nvGrpSpPr>
+        <p:cNvPr id="1" name=""/>
+        <p:cNvGrpSpPr/>
+        <p:nvPr/>
+      </p:nvGrpSpPr>
+      <p:grpSpPr>
+        <a:xfrm>
+          <a:off x="0" y="0"/>
+          <a:ext cx="0" cy="0"/>
+          <a:chOff x="0" y="0"/>
+          <a:chExt cx="0" cy="0"/>
+        </a:xfrm>
+      </p:grpSpPr>
+      <p:sp>
+        <p:nvSpPr>
+          <p:cNvPr id="259" name="CustomShape 1"/>
+          <p:cNvSpPr/>
+          <p:nvPr/>
+        </p:nvSpPr>
+        <p:spPr>
+          <a:xfrm>
+            <a:off x="360000" y="360000"/>
+            <a:ext cx="9357480" cy="897480"/>
+          </a:xfrm>
+          <a:prstGeom prst="rect">
+            <a:avLst/>
+          </a:prstGeom>
+          <a:noFill/>
+          <a:ln>
+            <a:noFill/>
+          </a:ln>
+        </p:spPr>
+        <p:style>
+          <a:lnRef idx="0"/>
+          <a:fillRef idx="0"/>
+          <a:effectRef idx="0"/>
+          <a:fontRef idx="minor"/>
+        </p:style>
+        <p:txBody>
+          <a:bodyPr lIns="0" rIns="0" tIns="0" bIns="0" anchor="b">
+            <a:noAutofit/>
+          </a:bodyPr>
+          <a:p>
+            <a:pPr>
+              <a:lnSpc>
+                <a:spcPct val="100000"/>
+              </a:lnSpc>
+            </a:pPr>
+            <a:r>
+              <a:rPr b="1" lang="en-GB" sz="3200" spc="-1" strike="noStrike">
+                <a:solidFill>
+                  <a:srgbClr val="ffffff"/>
+                </a:solidFill>
+                <a:latin typeface="Source Sans Pro Black"/>
+                <a:ea typeface="DejaVu Sans"/>
+              </a:rPr>
+              <a:t>Challenges - Solutions</a:t>
+            </a:r>
+            <a:endParaRPr b="0" lang="en-GB" sz="3200" spc="-1" strike="noStrike">
+              <a:latin typeface="Arial"/>
+            </a:endParaRPr>
+          </a:p>
+        </p:txBody>
+      </p:sp>
+      <p:sp>
+        <p:nvSpPr>
+          <p:cNvPr id="260" name="CustomShape 2"/>
+          <p:cNvSpPr/>
+          <p:nvPr/>
+        </p:nvSpPr>
+        <p:spPr>
+          <a:xfrm>
+            <a:off x="360000" y="1980000"/>
+            <a:ext cx="9177480" cy="4677480"/>
+          </a:xfrm>
+          <a:prstGeom prst="rect">
+            <a:avLst/>
+          </a:prstGeom>
+          <a:noFill/>
+          <a:ln>
+            <a:noFill/>
+          </a:ln>
+        </p:spPr>
+        <p:style>
+          <a:lnRef idx="0"/>
+          <a:fillRef idx="0"/>
+          <a:effectRef idx="0"/>
+          <a:fontRef idx="minor"/>
+        </p:style>
+        <p:txBody>
+          <a:bodyPr lIns="0" rIns="0" tIns="0" bIns="0">
+            <a:noAutofit/>
+          </a:bodyPr>
+          <a:p>
+            <a:pPr>
+              <a:lnSpc>
+                <a:spcPct val="100000"/>
+              </a:lnSpc>
+            </a:pPr>
+            <a:r>
+              <a:rPr b="1" lang="en-GB" sz="2600" spc="-1" strike="noStrike">
+                <a:solidFill>
+                  <a:srgbClr val="1c1c1c"/>
+                </a:solidFill>
+                <a:latin typeface="Source Sans Pro Semibold"/>
+                <a:ea typeface="DejaVu Sans"/>
+              </a:rPr>
+              <a:t> </a:t>
+            </a:r>
+            <a:endParaRPr b="0" lang="en-GB" sz="2600" spc="-1" strike="noStrike">
+              <a:latin typeface="Arial"/>
+            </a:endParaRPr>
+          </a:p>
+        </p:txBody>
+      </p:sp>
+      <p:sp>
+        <p:nvSpPr>
+          <p:cNvPr id="261" name="CustomShape 3"/>
+          <p:cNvSpPr/>
+          <p:nvPr/>
+        </p:nvSpPr>
+        <p:spPr>
+          <a:xfrm>
+            <a:off x="360000" y="1800000"/>
+            <a:ext cx="9177480" cy="4677480"/>
+          </a:xfrm>
+          <a:prstGeom prst="rect">
+            <a:avLst/>
+          </a:prstGeom>
+          <a:noFill/>
+          <a:ln>
+            <a:noFill/>
+          </a:ln>
+        </p:spPr>
+        <p:style>
+          <a:lnRef idx="0"/>
+          <a:fillRef idx="0"/>
+          <a:effectRef idx="0"/>
+          <a:fontRef idx="minor"/>
+        </p:style>
+        <p:txBody>
+          <a:bodyPr lIns="0" rIns="0" tIns="0" bIns="0">
+            <a:noAutofit/>
+          </a:bodyPr>
+          <a:p>
+            <a:pPr>
+              <a:lnSpc>
+                <a:spcPct val="100000"/>
+              </a:lnSpc>
+            </a:pPr>
+            <a:r>
+              <a:rPr b="1" lang="en-GB" sz="2600" spc="-1" strike="noStrike">
+                <a:solidFill>
+                  <a:srgbClr val="1c1c1c"/>
+                </a:solidFill>
+                <a:latin typeface="Source Sans Pro Semibold"/>
+                <a:ea typeface="DejaVu Sans"/>
+              </a:rPr>
+              <a:t> </a:t>
+            </a:r>
+            <a:endParaRPr b="0" lang="en-GB" sz="2600" spc="-1" strike="noStrike">
+              <a:latin typeface="Arial"/>
+            </a:endParaRPr>
+          </a:p>
+        </p:txBody>
+      </p:sp>
+      <p:sp>
+        <p:nvSpPr>
+          <p:cNvPr id="262" name="CustomShape 4"/>
+          <p:cNvSpPr/>
+          <p:nvPr/>
+        </p:nvSpPr>
+        <p:spPr>
+          <a:xfrm>
+            <a:off x="360000" y="1196280"/>
+            <a:ext cx="9177480" cy="4677480"/>
+          </a:xfrm>
+          <a:prstGeom prst="rect">
+            <a:avLst/>
+          </a:prstGeom>
+          <a:noFill/>
+          <a:ln>
+            <a:noFill/>
+          </a:ln>
+        </p:spPr>
+        <p:style>
+          <a:lnRef idx="0"/>
+          <a:fillRef idx="0"/>
+          <a:effectRef idx="0"/>
+          <a:fontRef idx="minor"/>
+        </p:style>
+        <p:txBody>
+          <a:bodyPr lIns="0" rIns="0" tIns="0" bIns="0">
+            <a:noAutofit/>
+          </a:bodyPr>
+          <a:p>
+            <a:pPr>
+              <a:lnSpc>
+                <a:spcPct val="100000"/>
+              </a:lnSpc>
+            </a:pPr>
+            <a:endParaRPr b="0" lang="en-GB" sz="1800" spc="-1" strike="noStrike">
+              <a:latin typeface="Arial"/>
+            </a:endParaRPr>
+          </a:p>
+          <a:p>
+            <a:pPr>
+              <a:lnSpc>
+                <a:spcPct val="100000"/>
+              </a:lnSpc>
+            </a:pPr>
+            <a:endParaRPr b="0" lang="en-GB" sz="1800" spc="-1" strike="noStrike">
+              <a:latin typeface="Arial"/>
+            </a:endParaRPr>
+          </a:p>
+          <a:p>
+            <a:pPr marL="216000" indent="-213480">
+              <a:lnSpc>
+                <a:spcPct val="100000"/>
+              </a:lnSpc>
+              <a:buClr>
+                <a:srgbClr val="000000"/>
+              </a:buClr>
+              <a:buSzPct val="45000"/>
+              <a:buFont typeface="Wingdings" charset="2"/>
+              <a:buChar char=""/>
+            </a:pPr>
+            <a:r>
+              <a:rPr b="1" lang="en-GB" sz="2600" spc="-1" strike="noStrike">
+                <a:solidFill>
+                  <a:srgbClr val="1c1c1c"/>
+                </a:solidFill>
+                <a:latin typeface="Source Sans Pro Semibold"/>
+                <a:ea typeface="DejaVu Sans"/>
+              </a:rPr>
+              <a:t>Technical: Invest in spreading expertise and gaining experience across teams. Ensure documentation and pairing etc used to pass on knowledge.</a:t>
+            </a:r>
+            <a:endParaRPr b="0" lang="en-GB" sz="2600" spc="-1" strike="noStrike">
+              <a:latin typeface="Arial"/>
+            </a:endParaRPr>
+          </a:p>
+          <a:p>
+            <a:pPr marL="216000" indent="-213480">
+              <a:lnSpc>
+                <a:spcPct val="100000"/>
+              </a:lnSpc>
+              <a:buClr>
+                <a:srgbClr val="000000"/>
+              </a:buClr>
+              <a:buSzPct val="45000"/>
+              <a:buFont typeface="Wingdings" charset="2"/>
+              <a:buChar char=""/>
+            </a:pPr>
+            <a:endParaRPr b="0" lang="en-GB" sz="2600" spc="-1" strike="noStrike">
+              <a:latin typeface="Arial"/>
+            </a:endParaRPr>
+          </a:p>
+          <a:p>
+            <a:pPr marL="216000" indent="-213480">
+              <a:lnSpc>
+                <a:spcPct val="100000"/>
+              </a:lnSpc>
+              <a:buClr>
+                <a:srgbClr val="000000"/>
+              </a:buClr>
+              <a:buSzPct val="45000"/>
+              <a:buFont typeface="Wingdings" charset="2"/>
+              <a:buChar char=""/>
+            </a:pPr>
+            <a:r>
+              <a:rPr b="1" lang="en-GB" sz="2600" spc="-1" strike="noStrike">
+                <a:solidFill>
+                  <a:srgbClr val="1c1c1c"/>
+                </a:solidFill>
+                <a:latin typeface="Source Sans Pro Semibold"/>
+                <a:ea typeface="DejaVu Sans"/>
+              </a:rPr>
+              <a:t>Cultural: </a:t>
+            </a:r>
+            <a:r>
+              <a:rPr b="1" lang="en-GB" sz="2600" spc="-1" strike="noStrike">
+                <a:solidFill>
+                  <a:srgbClr val="1c1c1c"/>
+                </a:solidFill>
+                <a:latin typeface="Source Sans Pro Semibold"/>
+                <a:ea typeface="DejaVu Sans"/>
+              </a:rPr>
+              <a:t>Invest early in outreach, bring staff with you. Point out opportunities for growth and development.</a:t>
+            </a:r>
+            <a:endParaRPr b="0" lang="en-GB" sz="2600" spc="-1" strike="noStrike">
+              <a:latin typeface="Arial"/>
+            </a:endParaRPr>
+          </a:p>
+          <a:p>
+            <a:pPr marL="216000" indent="-213480">
+              <a:lnSpc>
+                <a:spcPct val="100000"/>
+              </a:lnSpc>
+              <a:buClr>
+                <a:srgbClr val="000000"/>
+              </a:buClr>
+              <a:buSzPct val="45000"/>
+              <a:buFont typeface="Wingdings" charset="2"/>
+              <a:buChar char=""/>
+            </a:pPr>
+            <a:endParaRPr b="0" lang="en-GB" sz="2600" spc="-1" strike="noStrike">
+              <a:latin typeface="Arial"/>
+            </a:endParaRPr>
+          </a:p>
+          <a:p>
+            <a:pPr marL="216000" indent="-213480">
+              <a:lnSpc>
+                <a:spcPct val="100000"/>
+              </a:lnSpc>
+              <a:buClr>
+                <a:srgbClr val="000000"/>
+              </a:buClr>
+              <a:buSzPct val="45000"/>
+              <a:buFont typeface="Wingdings" charset="2"/>
+              <a:buChar char=""/>
+            </a:pPr>
+            <a:r>
+              <a:rPr b="1" lang="en-GB" sz="2600" spc="-1" strike="noStrike">
+                <a:solidFill>
+                  <a:srgbClr val="1c1c1c"/>
+                </a:solidFill>
+                <a:latin typeface="Source Sans Pro Semibold"/>
+                <a:ea typeface="DejaVu Sans"/>
+              </a:rPr>
+              <a:t>Business: Be realistic, don’t over-promise, and measure costs and compare old/new costs to demonstrate business value.</a:t>
+            </a:r>
+            <a:endParaRPr b="0" lang="en-GB" sz="2600" spc="-1" strike="noStrike">
+              <a:latin typeface="Arial"/>
+            </a:endParaRPr>
+          </a:p>
+        </p:txBody>
+      </p:sp>
+    </p:spTree>
+  </p:cSld>
+  <mc:AlternateContent>
+    <mc:Choice Requires="p14">
+      <p:transition spd="slow" p14:dur="2000"/>
+    </mc:Choice>
+    <mc:Fallback>
+      <p:transition spd="slow"/>
+    </mc:Fallback>
+  </mc:AlternateContent>
+</p:sld>
+</file>
+
+<file path=ppt/slides/slide36.xml><?xml version="1.0" encoding="utf-8"?>
+<p:sld xmlns:a="http://schemas.openxmlformats.org/drawingml/2006/main" xmlns:p="http://schemas.openxmlformats.org/presentationml/2006/main" xmlns:r="http://schemas.openxmlformats.org/officeDocument/2006/relationships" xmlns:p14="http://schemas.microsoft.com/office/powerpoint/2010/main" xmlns:p15="http://schemas.microsoft.com/office/powerpoint/2012/main" xmlns:mc="http://schemas.openxmlformats.org/markup-compatibility/2006">
+  <p:cSld>
+    <p:spTree>
+      <p:nvGrpSpPr>
+        <p:cNvPr id="1" name=""/>
+        <p:cNvGrpSpPr/>
+        <p:nvPr/>
+      </p:nvGrpSpPr>
+      <p:grpSpPr>
+        <a:xfrm>
+          <a:off x="0" y="0"/>
+          <a:ext cx="0" cy="0"/>
+          <a:chOff x="0" y="0"/>
+          <a:chExt cx="0" cy="0"/>
+        </a:xfrm>
+      </p:grpSpPr>
+      <p:sp>
+        <p:nvSpPr>
+          <p:cNvPr id="263" name="CustomShape 1"/>
+          <p:cNvSpPr/>
+          <p:nvPr/>
+        </p:nvSpPr>
+        <p:spPr>
+          <a:xfrm>
+            <a:off x="360000" y="3330000"/>
+            <a:ext cx="9357480" cy="897480"/>
+          </a:xfrm>
+          <a:prstGeom prst="rect">
+            <a:avLst/>
+          </a:prstGeom>
+          <a:noFill/>
+          <a:ln>
+            <a:noFill/>
+          </a:ln>
+        </p:spPr>
+        <p:style>
+          <a:lnRef idx="0"/>
+          <a:fillRef idx="0"/>
+          <a:effectRef idx="0"/>
+          <a:fontRef idx="minor"/>
+        </p:style>
+        <p:txBody>
+          <a:bodyPr lIns="0" rIns="0" tIns="0" bIns="0" anchor="b">
+            <a:noAutofit/>
+          </a:bodyPr>
+          <a:p>
+            <a:pPr>
+              <a:lnSpc>
+                <a:spcPct val="100000"/>
+              </a:lnSpc>
+            </a:pPr>
+            <a:r>
+              <a:rPr b="1" lang="en-GB" sz="3200" spc="-1" strike="noStrike">
+                <a:solidFill>
+                  <a:srgbClr val="ffffff"/>
+                </a:solidFill>
+                <a:latin typeface="Source Sans Pro Black"/>
+                <a:ea typeface="DejaVu Sans"/>
+              </a:rPr>
+              <a:t>Thank you!</a:t>
+            </a:r>
+            <a:endParaRPr b="0" lang="en-GB" sz="3200" spc="-1" strike="noStrike">
+              <a:latin typeface="Arial"/>
+            </a:endParaRPr>
+          </a:p>
+        </p:txBody>
+      </p:sp>
+      <p:sp>
+        <p:nvSpPr>
+          <p:cNvPr id="264" name="CustomShape 2"/>
+          <p:cNvSpPr/>
+          <p:nvPr/>
+        </p:nvSpPr>
+        <p:spPr>
+          <a:xfrm>
+            <a:off x="540000" y="4680000"/>
+            <a:ext cx="9177480" cy="2517480"/>
+          </a:xfrm>
+          <a:prstGeom prst="rect">
+            <a:avLst/>
+          </a:prstGeom>
+          <a:noFill/>
+          <a:ln>
+            <a:noFill/>
+          </a:ln>
+        </p:spPr>
+        <p:style>
+          <a:lnRef idx="0"/>
+          <a:fillRef idx="0"/>
+          <a:effectRef idx="0"/>
+          <a:fontRef idx="minor"/>
+        </p:style>
+        <p:txBody>
+          <a:bodyPr lIns="0" rIns="0" tIns="0" bIns="0">
+            <a:noAutofit/>
+          </a:bodyPr>
+          <a:p>
+            <a:pPr>
+              <a:lnSpc>
+                <a:spcPct val="100000"/>
+              </a:lnSpc>
+            </a:pPr>
+            <a:r>
+              <a:rPr b="0" lang="en-GB" sz="2200" spc="-1" strike="noStrike">
+                <a:solidFill>
+                  <a:srgbClr val="1c1c1c"/>
+                </a:solidFill>
+                <a:latin typeface="Source Sans Pro Light"/>
+                <a:ea typeface="DejaVu Sans"/>
+              </a:rPr>
+              <a:t>Ian Miell</a:t>
+            </a:r>
+            <a:endParaRPr b="0" lang="en-GB" sz="2200" spc="-1" strike="noStrike">
+              <a:latin typeface="Arial"/>
+            </a:endParaRPr>
+          </a:p>
+          <a:p>
+            <a:pPr>
+              <a:lnSpc>
+                <a:spcPct val="100000"/>
+              </a:lnSpc>
+            </a:pPr>
+            <a:r>
+              <a:rPr b="0" lang="en-GB" sz="2200" spc="-1" strike="noStrike">
+                <a:solidFill>
+                  <a:srgbClr val="1c1c1c"/>
+                </a:solidFill>
+                <a:latin typeface="Source Sans Pro Light"/>
+                <a:ea typeface="DejaVu Sans"/>
+              </a:rPr>
+              <a:t>Twitter: @ianmiell</a:t>
+            </a:r>
+            <a:endParaRPr b="0" lang="en-GB" sz="2200" spc="-1" strike="noStrike">
+              <a:latin typeface="Arial"/>
+            </a:endParaRPr>
+          </a:p>
+          <a:p>
+            <a:pPr>
+              <a:lnSpc>
+                <a:spcPct val="100000"/>
+              </a:lnSpc>
+            </a:pPr>
+            <a:r>
+              <a:rPr b="0" lang="en-GB" sz="2200" spc="-1" strike="noStrike" u="sng">
+                <a:solidFill>
+                  <a:srgbClr val="0000ff"/>
+                </a:solidFill>
+                <a:uFillTx/>
+                <a:latin typeface="Source Sans Pro Light"/>
+                <a:ea typeface="DejaVu Sans"/>
+                <a:hlinkClick r:id="rId1"/>
+              </a:rPr>
+              <a:t>Ian.miell@gmail.com</a:t>
+            </a:r>
+            <a:endParaRPr b="0" lang="en-GB" sz="2200" spc="-1" strike="noStrike">
+              <a:latin typeface="Arial"/>
+            </a:endParaRPr>
+          </a:p>
+          <a:p>
+            <a:pPr>
+              <a:lnSpc>
+                <a:spcPct val="100000"/>
+              </a:lnSpc>
+            </a:pPr>
+            <a:endParaRPr b="0" lang="en-GB" sz="2200" spc="-1" strike="noStrike">
+              <a:latin typeface="Arial"/>
+            </a:endParaRPr>
+          </a:p>
+        </p:txBody>
+      </p:sp>
+      <p:pic>
+        <p:nvPicPr>
+          <p:cNvPr id="265" name="Picture 88_1" descr=""/>
+          <p:cNvPicPr/>
+          <p:nvPr/>
+        </p:nvPicPr>
+        <p:blipFill>
+          <a:blip r:embed="rId2"/>
+          <a:stretch/>
+        </p:blipFill>
+        <p:spPr>
+          <a:xfrm>
+            <a:off x="7132320" y="4663440"/>
+            <a:ext cx="2466360" cy="2466360"/>
+          </a:xfrm>
+          <a:prstGeom prst="rect">
+            <a:avLst/>
+          </a:prstGeom>
+          <a:ln>
+            <a:noFill/>
+          </a:ln>
+        </p:spPr>
+      </p:pic>
     </p:spTree>
   </p:cSld>
   <mc:AlternateContent>
@@ -14101,7 +15725,7 @@
         <p:spPr>
           <a:xfrm>
             <a:off x="360000" y="360000"/>
-            <a:ext cx="9357840" cy="897840"/>
+            <a:ext cx="9357480" cy="897480"/>
           </a:xfrm>
           <a:prstGeom prst="rect">
             <a:avLst/>
@@ -14152,7 +15776,7 @@
         <p:spPr>
           <a:xfrm>
             <a:off x="360000" y="1980000"/>
-            <a:ext cx="9177840" cy="4677840"/>
+            <a:ext cx="9177480" cy="4677480"/>
           </a:xfrm>
           <a:prstGeom prst="rect">
             <a:avLst/>
@@ -14183,7 +15807,7 @@
             </a:endParaRPr>
           </a:p>
           <a:p>
-            <a:pPr marL="216000" indent="-213840">
+            <a:pPr marL="216000" indent="-213480">
               <a:lnSpc>
                 <a:spcPct val="100000"/>
               </a:lnSpc>
@@ -14209,7 +15833,7 @@
             </a:endParaRPr>
           </a:p>
           <a:p>
-            <a:pPr marL="216000" indent="-213840">
+            <a:pPr marL="216000" indent="-213480">
               <a:lnSpc>
                 <a:spcPct val="100000"/>
               </a:lnSpc>
@@ -14235,7 +15859,7 @@
             </a:endParaRPr>
           </a:p>
           <a:p>
-            <a:pPr marL="216000" indent="-213840">
+            <a:pPr marL="216000" indent="-213480">
               <a:lnSpc>
                 <a:spcPct val="100000"/>
               </a:lnSpc>
@@ -14261,7 +15885,7 @@
             </a:endParaRPr>
           </a:p>
           <a:p>
-            <a:pPr marL="216000" indent="-213840">
+            <a:pPr marL="216000" indent="-213480">
               <a:lnSpc>
                 <a:spcPct val="100000"/>
               </a:lnSpc>
@@ -14287,7 +15911,7 @@
             </a:endParaRPr>
           </a:p>
           <a:p>
-            <a:pPr marL="216000" indent="-213840">
+            <a:pPr marL="216000" indent="-213480">
               <a:lnSpc>
                 <a:spcPct val="100000"/>
               </a:lnSpc>
@@ -14313,7 +15937,7 @@
             </a:endParaRPr>
           </a:p>
           <a:p>
-            <a:pPr marL="216000" indent="-213840">
+            <a:pPr marL="216000" indent="-213480">
               <a:lnSpc>
                 <a:spcPct val="100000"/>
               </a:lnSpc>
@@ -14339,7 +15963,7 @@
             </a:endParaRPr>
           </a:p>
           <a:p>
-            <a:pPr marL="216000" indent="-213840">
+            <a:pPr marL="216000" indent="-213480">
               <a:lnSpc>
                 <a:spcPct val="100000"/>
               </a:lnSpc>
@@ -14405,7 +16029,7 @@
         <p:spPr>
           <a:xfrm>
             <a:off x="360000" y="360000"/>
-            <a:ext cx="9357840" cy="897840"/>
+            <a:ext cx="9357480" cy="897480"/>
           </a:xfrm>
           <a:prstGeom prst="rect">
             <a:avLst/>
@@ -14456,7 +16080,7 @@
         <p:spPr>
           <a:xfrm>
             <a:off x="360000" y="1980000"/>
-            <a:ext cx="9177840" cy="4677840"/>
+            <a:ext cx="9177480" cy="4677480"/>
           </a:xfrm>
           <a:prstGeom prst="rect">
             <a:avLst/>
@@ -14487,7 +16111,7 @@
             </a:endParaRPr>
           </a:p>
           <a:p>
-            <a:pPr marL="216000" indent="-213840">
+            <a:pPr marL="216000" indent="-213480">
               <a:lnSpc>
                 <a:spcPct val="100000"/>
               </a:lnSpc>
@@ -14523,7 +16147,7 @@
         <p:spPr>
           <a:xfrm>
             <a:off x="360000" y="1980000"/>
-            <a:ext cx="9177840" cy="4677840"/>
+            <a:ext cx="9177480" cy="4677480"/>
           </a:xfrm>
           <a:prstGeom prst="rect">
             <a:avLst/>
@@ -14549,12 +16173,12 @@
                 <a:spcPct val="100000"/>
               </a:lnSpc>
             </a:pPr>
-            <a:endParaRPr b="1" lang="en-GB" sz="1800" spc="-1" strike="noStrike">
-              <a:latin typeface="Arial"/>
-            </a:endParaRPr>
-          </a:p>
-          <a:p>
-            <a:pPr marL="216000" indent="-213840">
+            <a:endParaRPr b="0" lang="en-GB" sz="1800" spc="-1" strike="noStrike">
+              <a:latin typeface="Arial"/>
+            </a:endParaRPr>
+          </a:p>
+          <a:p>
+            <a:pPr marL="216000" indent="-213480">
               <a:lnSpc>
                 <a:spcPct val="100000"/>
               </a:lnSpc>
@@ -14575,12 +16199,22 @@
               </a:rPr>
               <a:t>How do you deploy software now?</a:t>
             </a:r>
-            <a:endParaRPr b="1" lang="en-GB" sz="2600" spc="-1" strike="noStrike">
-              <a:latin typeface="Arial"/>
-            </a:endParaRPr>
-          </a:p>
-          <a:p>
-            <a:pPr marL="216000" indent="-213840">
+            <a:endParaRPr b="0" lang="en-GB" sz="2600" spc="-1" strike="noStrike">
+              <a:latin typeface="Arial"/>
+            </a:endParaRPr>
+          </a:p>
+          <a:p>
+            <a:pPr>
+              <a:lnSpc>
+                <a:spcPct val="100000"/>
+              </a:lnSpc>
+            </a:pPr>
+            <a:endParaRPr b="0" lang="en-GB" sz="2600" spc="-1" strike="noStrike">
+              <a:latin typeface="Arial"/>
+            </a:endParaRPr>
+          </a:p>
+          <a:p>
+            <a:pPr marL="216000" indent="-213480">
               <a:lnSpc>
                 <a:spcPct val="100000"/>
               </a:lnSpc>
@@ -14591,12 +16225,32 @@
               <a:buFont typeface="Wingdings" charset="2"/>
               <a:buChar char=""/>
             </a:pPr>
-            <a:endParaRPr b="1" lang="en-GB" sz="2600" spc="-1" strike="noStrike">
-              <a:latin typeface="Arial"/>
-            </a:endParaRPr>
-          </a:p>
-          <a:p>
-            <a:pPr marL="216000" indent="-213840">
+            <a:r>
+              <a:rPr b="1" lang="en-GB" sz="2600" spc="-1" strike="noStrike">
+                <a:solidFill>
+                  <a:srgbClr val="1c1c1c"/>
+                </a:solidFill>
+                <a:latin typeface="Source Sans Pro Semibold"/>
+                <a:ea typeface="DejaVu Sans"/>
+              </a:rPr>
+              <a:t>What are the challenges/bottlenecks?</a:t>
+            </a:r>
+            <a:endParaRPr b="0" lang="en-GB" sz="2600" spc="-1" strike="noStrike">
+              <a:latin typeface="Arial"/>
+            </a:endParaRPr>
+          </a:p>
+          <a:p>
+            <a:pPr>
+              <a:lnSpc>
+                <a:spcPct val="100000"/>
+              </a:lnSpc>
+            </a:pPr>
+            <a:endParaRPr b="0" lang="en-GB" sz="2600" spc="-1" strike="noStrike">
+              <a:latin typeface="Arial"/>
+            </a:endParaRPr>
+          </a:p>
+          <a:p>
+            <a:pPr marL="216000" indent="-213480">
               <a:lnSpc>
                 <a:spcPct val="100000"/>
               </a:lnSpc>
@@ -14615,14 +16269,24 @@
                 <a:latin typeface="Source Sans Pro Semibold"/>
                 <a:ea typeface="DejaVu Sans"/>
               </a:rPr>
-              <a:t>What are the challenges/bottlenecks?</a:t>
-            </a:r>
-            <a:endParaRPr b="1" lang="en-GB" sz="2600" spc="-1" strike="noStrike">
-              <a:latin typeface="Arial"/>
-            </a:endParaRPr>
-          </a:p>
-          <a:p>
-            <a:pPr marL="216000" indent="-213840">
+              <a:t>What tools do you use, and what are their characteristics?</a:t>
+            </a:r>
+            <a:endParaRPr b="0" lang="en-GB" sz="2600" spc="-1" strike="noStrike">
+              <a:latin typeface="Arial"/>
+            </a:endParaRPr>
+          </a:p>
+          <a:p>
+            <a:pPr>
+              <a:lnSpc>
+                <a:spcPct val="100000"/>
+              </a:lnSpc>
+            </a:pPr>
+            <a:endParaRPr b="0" lang="en-GB" sz="2600" spc="-1" strike="noStrike">
+              <a:latin typeface="Arial"/>
+            </a:endParaRPr>
+          </a:p>
+          <a:p>
+            <a:pPr marL="216000" indent="-213480">
               <a:lnSpc>
                 <a:spcPct val="100000"/>
               </a:lnSpc>
@@ -14633,22 +16297,6 @@
               <a:buFont typeface="Wingdings" charset="2"/>
               <a:buChar char=""/>
             </a:pPr>
-            <a:endParaRPr b="1" lang="en-GB" sz="2600" spc="-1" strike="noStrike">
-              <a:latin typeface="Arial"/>
-            </a:endParaRPr>
-          </a:p>
-          <a:p>
-            <a:pPr marL="216000" indent="-213840">
-              <a:lnSpc>
-                <a:spcPct val="100000"/>
-              </a:lnSpc>
-              <a:buClr>
-                <a:srgbClr val="000000"/>
-              </a:buClr>
-              <a:buSzPct val="45000"/>
-              <a:buFont typeface="Wingdings" charset="2"/>
-              <a:buChar char=""/>
-            </a:pPr>
             <a:r>
               <a:rPr b="1" lang="en-GB" sz="2600" spc="-1" strike="noStrike">
                 <a:solidFill>
@@ -14657,51 +16305,9 @@
                 <a:latin typeface="Source Sans Pro Semibold"/>
                 <a:ea typeface="DejaVu Sans"/>
               </a:rPr>
-              <a:t>What tools do you use, and what are their characteristics?</a:t>
-            </a:r>
-            <a:endParaRPr b="1" lang="en-GB" sz="2600" spc="-1" strike="noStrike">
-              <a:latin typeface="Arial"/>
-            </a:endParaRPr>
-          </a:p>
-          <a:p>
-            <a:pPr marL="216000" indent="-213840">
-              <a:lnSpc>
-                <a:spcPct val="100000"/>
-              </a:lnSpc>
-              <a:buClr>
-                <a:srgbClr val="000000"/>
-              </a:buClr>
-              <a:buSzPct val="45000"/>
-              <a:buFont typeface="Wingdings" charset="2"/>
-              <a:buChar char=""/>
-            </a:pPr>
-            <a:endParaRPr b="1" lang="en-GB" sz="2600" spc="-1" strike="noStrike">
-              <a:latin typeface="Arial"/>
-            </a:endParaRPr>
-          </a:p>
-          <a:p>
-            <a:pPr marL="216000" indent="-213840">
-              <a:lnSpc>
-                <a:spcPct val="100000"/>
-              </a:lnSpc>
-              <a:buClr>
-                <a:srgbClr val="000000"/>
-              </a:buClr>
-              <a:buSzPct val="45000"/>
-              <a:buFont typeface="Wingdings" charset="2"/>
-              <a:buChar char=""/>
-            </a:pPr>
-            <a:r>
-              <a:rPr b="1" lang="en-GB" sz="2600" spc="-1" strike="noStrike">
-                <a:solidFill>
-                  <a:srgbClr val="1c1c1c"/>
-                </a:solidFill>
-                <a:latin typeface="Source Sans Pro Semibold"/>
-                <a:ea typeface="DejaVu Sans"/>
-              </a:rPr>
               <a:t>What do you understand by GitOps?</a:t>
             </a:r>
-            <a:endParaRPr b="1" lang="en-GB" sz="2600" spc="-1" strike="noStrike">
+            <a:endParaRPr b="0" lang="en-GB" sz="2600" spc="-1" strike="noStrike">
               <a:latin typeface="Arial"/>
             </a:endParaRPr>
           </a:p>
@@ -14746,7 +16352,7 @@
         <p:spPr>
           <a:xfrm>
             <a:off x="360000" y="360000"/>
-            <a:ext cx="9357840" cy="897840"/>
+            <a:ext cx="9357480" cy="897480"/>
           </a:xfrm>
           <a:prstGeom prst="rect">
             <a:avLst/>
@@ -14797,7 +16403,7 @@
         <p:spPr>
           <a:xfrm>
             <a:off x="360000" y="1980000"/>
-            <a:ext cx="9177840" cy="4677840"/>
+            <a:ext cx="9177480" cy="4677480"/>
           </a:xfrm>
           <a:prstGeom prst="rect">
             <a:avLst/>
@@ -14828,7 +16434,7 @@
             </a:endParaRPr>
           </a:p>
           <a:p>
-            <a:pPr marL="216000" indent="-213840">
+            <a:pPr marL="216000" indent="-213480">
               <a:lnSpc>
                 <a:spcPct val="100000"/>
               </a:lnSpc>
@@ -14864,7 +16470,7 @@
         <p:spPr>
           <a:xfrm>
             <a:off x="360000" y="1980000"/>
-            <a:ext cx="9177840" cy="4677840"/>
+            <a:ext cx="9177480" cy="4677480"/>
           </a:xfrm>
           <a:prstGeom prst="rect">
             <a:avLst/>
@@ -14895,7 +16501,7 @@
             </a:endParaRPr>
           </a:p>
           <a:p>
-            <a:pPr marL="216000" indent="-213840">
+            <a:pPr marL="216000" indent="-213480">
               <a:lnSpc>
                 <a:spcPct val="100000"/>
               </a:lnSpc>
@@ -14921,7 +16527,7 @@
             </a:endParaRPr>
           </a:p>
           <a:p>
-            <a:pPr lvl="1" marL="432000" indent="-216000">
+            <a:pPr lvl="1" marL="432000" indent="-215640">
               <a:lnSpc>
                 <a:spcPct val="100000"/>
               </a:lnSpc>
@@ -14947,7 +16553,7 @@
             </a:endParaRPr>
           </a:p>
           <a:p>
-            <a:pPr lvl="1" marL="432000" indent="-216000">
+            <a:pPr lvl="1" marL="432000" indent="-215640">
               <a:lnSpc>
                 <a:spcPct val="100000"/>
               </a:lnSpc>
@@ -14973,7 +16579,7 @@
             </a:endParaRPr>
           </a:p>
           <a:p>
-            <a:pPr lvl="1" marL="432000" indent="-216000">
+            <a:pPr lvl="1" marL="432000" indent="-215640">
               <a:lnSpc>
                 <a:spcPct val="100000"/>
               </a:lnSpc>
@@ -14999,23 +16605,17 @@
             </a:endParaRPr>
           </a:p>
           <a:p>
-            <a:pPr marL="216000" indent="-213840">
-              <a:lnSpc>
-                <a:spcPct val="100000"/>
-              </a:lnSpc>
-              <a:buClr>
-                <a:srgbClr val="000000"/>
-              </a:buClr>
-              <a:buSzPct val="45000"/>
-              <a:buFont typeface="Wingdings" charset="2"/>
-              <a:buChar char=""/>
-            </a:pPr>
-            <a:endParaRPr b="0" lang="en-GB" sz="2600" spc="-1" strike="noStrike">
-              <a:latin typeface="Arial"/>
-            </a:endParaRPr>
-          </a:p>
-          <a:p>
-            <a:pPr marL="216000" indent="-213840">
+            <a:pPr>
+              <a:lnSpc>
+                <a:spcPct val="100000"/>
+              </a:lnSpc>
+            </a:pPr>
+            <a:endParaRPr b="0" lang="en-GB" sz="2600" spc="-1" strike="noStrike">
+              <a:latin typeface="Arial"/>
+            </a:endParaRPr>
+          </a:p>
+          <a:p>
+            <a:pPr marL="216000" indent="-213480">
               <a:lnSpc>
                 <a:spcPct val="100000"/>
               </a:lnSpc>
@@ -15091,7 +16691,7 @@
         <p:spPr>
           <a:xfrm>
             <a:off x="360000" y="360000"/>
-            <a:ext cx="9357840" cy="897840"/>
+            <a:ext cx="9357480" cy="897480"/>
           </a:xfrm>
           <a:prstGeom prst="rect">
             <a:avLst/>
@@ -15146,7 +16746,7 @@
         <p:spPr>
           <a:xfrm>
             <a:off x="1566360" y="2049120"/>
-            <a:ext cx="7143480" cy="4142880"/>
+            <a:ext cx="7143120" cy="4142520"/>
           </a:xfrm>
           <a:prstGeom prst="rect">
             <a:avLst/>
@@ -15195,7 +16795,7 @@
         <p:spPr>
           <a:xfrm>
             <a:off x="360000" y="360000"/>
-            <a:ext cx="9357840" cy="897840"/>
+            <a:ext cx="9357480" cy="897480"/>
           </a:xfrm>
           <a:prstGeom prst="rect">
             <a:avLst/>
@@ -15246,7 +16846,7 @@
         <p:spPr>
           <a:xfrm>
             <a:off x="360000" y="1980000"/>
-            <a:ext cx="9177840" cy="4677840"/>
+            <a:ext cx="9177480" cy="4677480"/>
           </a:xfrm>
           <a:prstGeom prst="rect">
             <a:avLst/>
@@ -15277,7 +16877,7 @@
             </a:endParaRPr>
           </a:p>
           <a:p>
-            <a:pPr marL="216000" indent="-213840">
+            <a:pPr marL="216000" indent="-213480">
               <a:lnSpc>
                 <a:spcPct val="100000"/>
               </a:lnSpc>
@@ -15303,7 +16903,7 @@
             </a:endParaRPr>
           </a:p>
           <a:p>
-            <a:pPr lvl="1" marL="432000" indent="-216000">
+            <a:pPr lvl="1" marL="432000" indent="-215640">
               <a:lnSpc>
                 <a:spcPct val="100000"/>
               </a:lnSpc>
@@ -15329,7 +16929,7 @@
             </a:endParaRPr>
           </a:p>
           <a:p>
-            <a:pPr lvl="1" marL="432000" indent="-216000">
+            <a:pPr lvl="1" marL="432000" indent="-215640">
               <a:lnSpc>
                 <a:spcPct val="100000"/>
               </a:lnSpc>
@@ -15355,7 +16955,7 @@
             </a:endParaRPr>
           </a:p>
           <a:p>
-            <a:pPr lvl="1" marL="432000" indent="-216000">
+            <a:pPr lvl="1" marL="432000" indent="-215640">
               <a:lnSpc>
                 <a:spcPct val="100000"/>
               </a:lnSpc>
@@ -15381,7 +16981,7 @@
             </a:endParaRPr>
           </a:p>
           <a:p>
-            <a:pPr lvl="1" marL="432000" indent="-216000">
+            <a:pPr lvl="1" marL="432000" indent="-215640">
               <a:lnSpc>
                 <a:spcPct val="100000"/>
               </a:lnSpc>
@@ -15417,7 +17017,17 @@
             </a:endParaRPr>
           </a:p>
           <a:p>
-            <a:pPr marL="216000" indent="-213840">
+            <a:pPr>
+              <a:lnSpc>
+                <a:spcPct val="100000"/>
+              </a:lnSpc>
+            </a:pPr>
+            <a:endParaRPr b="0" lang="en-GB" sz="2600" spc="-1" strike="noStrike">
+              <a:latin typeface="Arial"/>
+            </a:endParaRPr>
+          </a:p>
+          <a:p>
+            <a:pPr marL="216000" indent="-213480">
               <a:lnSpc>
                 <a:spcPct val="100000"/>
               </a:lnSpc>
@@ -15428,22 +17038,6 @@
               <a:buFont typeface="Wingdings" charset="2"/>
               <a:buChar char=""/>
             </a:pPr>
-            <a:endParaRPr b="0" lang="en-GB" sz="2600" spc="-1" strike="noStrike">
-              <a:latin typeface="Arial"/>
-            </a:endParaRPr>
-          </a:p>
-          <a:p>
-            <a:pPr marL="216000" indent="-213840">
-              <a:lnSpc>
-                <a:spcPct val="100000"/>
-              </a:lnSpc>
-              <a:buClr>
-                <a:srgbClr val="000000"/>
-              </a:buClr>
-              <a:buSzPct val="45000"/>
-              <a:buFont typeface="Wingdings" charset="2"/>
-              <a:buChar char=""/>
-            </a:pPr>
             <a:r>
               <a:rPr b="1" lang="en-GB" sz="2600" spc="-1" strike="noStrike">
                 <a:solidFill>
@@ -15459,23 +17053,17 @@
             </a:endParaRPr>
           </a:p>
           <a:p>
-            <a:pPr marL="216000" indent="-213840">
-              <a:lnSpc>
-                <a:spcPct val="100000"/>
-              </a:lnSpc>
-              <a:buClr>
-                <a:srgbClr val="000000"/>
-              </a:buClr>
-              <a:buSzPct val="45000"/>
-              <a:buFont typeface="Wingdings" charset="2"/>
-              <a:buChar char=""/>
-            </a:pPr>
-            <a:endParaRPr b="0" lang="en-GB" sz="2600" spc="-1" strike="noStrike">
-              <a:latin typeface="Arial"/>
-            </a:endParaRPr>
-          </a:p>
-          <a:p>
-            <a:pPr marL="216000" indent="-213840">
+            <a:pPr>
+              <a:lnSpc>
+                <a:spcPct val="100000"/>
+              </a:lnSpc>
+            </a:pPr>
+            <a:endParaRPr b="0" lang="en-GB" sz="2600" spc="-1" strike="noStrike">
+              <a:latin typeface="Arial"/>
+            </a:endParaRPr>
+          </a:p>
+          <a:p>
+            <a:pPr marL="216000" indent="-213480">
               <a:lnSpc>
                 <a:spcPct val="100000"/>
               </a:lnSpc>
@@ -15541,7 +17129,7 @@
         <p:spPr>
           <a:xfrm>
             <a:off x="360000" y="360000"/>
-            <a:ext cx="9357840" cy="897840"/>
+            <a:ext cx="9357480" cy="897480"/>
           </a:xfrm>
           <a:prstGeom prst="rect">
             <a:avLst/>
@@ -15602,7 +17190,7 @@
         <p:spPr>
           <a:xfrm>
             <a:off x="360000" y="1980000"/>
-            <a:ext cx="9177840" cy="4677840"/>
+            <a:ext cx="9177480" cy="4677480"/>
           </a:xfrm>
           <a:prstGeom prst="rect">
             <a:avLst/>
@@ -15633,7 +17221,7 @@
             </a:endParaRPr>
           </a:p>
           <a:p>
-            <a:pPr marL="216000" indent="-213840">
+            <a:pPr marL="216000" indent="-213480">
               <a:lnSpc>
                 <a:spcPct val="100000"/>
               </a:lnSpc>
@@ -15669,7 +17257,17 @@
             </a:endParaRPr>
           </a:p>
           <a:p>
-            <a:pPr marL="216000" indent="-213840">
+            <a:pPr>
+              <a:lnSpc>
+                <a:spcPct val="100000"/>
+              </a:lnSpc>
+            </a:pPr>
+            <a:endParaRPr b="0" lang="en-GB" sz="2600" spc="-1" strike="noStrike">
+              <a:latin typeface="Arial"/>
+            </a:endParaRPr>
+          </a:p>
+          <a:p>
+            <a:pPr marL="216000" indent="-213480">
               <a:lnSpc>
                 <a:spcPct val="100000"/>
               </a:lnSpc>
@@ -15680,22 +17278,6 @@
               <a:buFont typeface="Wingdings" charset="2"/>
               <a:buChar char=""/>
             </a:pPr>
-            <a:endParaRPr b="0" lang="en-GB" sz="2600" spc="-1" strike="noStrike">
-              <a:latin typeface="Arial"/>
-            </a:endParaRPr>
-          </a:p>
-          <a:p>
-            <a:pPr marL="216000" indent="-213840">
-              <a:lnSpc>
-                <a:spcPct val="100000"/>
-              </a:lnSpc>
-              <a:buClr>
-                <a:srgbClr val="000000"/>
-              </a:buClr>
-              <a:buSzPct val="45000"/>
-              <a:buFont typeface="Wingdings" charset="2"/>
-              <a:buChar char=""/>
-            </a:pPr>
             <a:r>
               <a:rPr b="1" lang="en-GB" sz="2600" spc="-1" strike="noStrike">
                 <a:solidFill>
@@ -15711,23 +17293,17 @@
             </a:endParaRPr>
           </a:p>
           <a:p>
-            <a:pPr marL="216000" indent="-213840">
-              <a:lnSpc>
-                <a:spcPct val="100000"/>
-              </a:lnSpc>
-              <a:buClr>
-                <a:srgbClr val="000000"/>
-              </a:buClr>
-              <a:buSzPct val="45000"/>
-              <a:buFont typeface="Wingdings" charset="2"/>
-              <a:buChar char=""/>
-            </a:pPr>
-            <a:endParaRPr b="0" lang="en-GB" sz="2600" spc="-1" strike="noStrike">
-              <a:latin typeface="Arial"/>
-            </a:endParaRPr>
-          </a:p>
-          <a:p>
-            <a:pPr marL="216000" indent="-213840">
+            <a:pPr>
+              <a:lnSpc>
+                <a:spcPct val="100000"/>
+              </a:lnSpc>
+            </a:pPr>
+            <a:endParaRPr b="0" lang="en-GB" sz="2600" spc="-1" strike="noStrike">
+              <a:latin typeface="Arial"/>
+            </a:endParaRPr>
+          </a:p>
+          <a:p>
+            <a:pPr marL="216000" indent="-213480">
               <a:lnSpc>
                 <a:spcPct val="100000"/>
               </a:lnSpc>

--- a/slides/gitops_first_steps.pptx
+++ b/slides/gitops_first_steps.pptx
@@ -102,7 +102,7 @@
         <p:spPr>
           <a:xfrm>
             <a:off x="504000" y="301320"/>
-            <a:ext cx="9071640" cy="1261440"/>
+            <a:ext cx="9072000" cy="1261800"/>
           </a:xfrm>
           <a:prstGeom prst="rect">
             <a:avLst/>
@@ -133,7 +133,7 @@
         <p:spPr>
           <a:xfrm>
             <a:off x="504000" y="1768680"/>
-            <a:ext cx="9071640" cy="2090880"/>
+            <a:ext cx="9072000" cy="2090880"/>
           </a:xfrm>
           <a:prstGeom prst="rect">
             <a:avLst/>
@@ -163,7 +163,7 @@
         <p:spPr>
           <a:xfrm>
             <a:off x="504000" y="4058640"/>
-            <a:ext cx="9071640" cy="2090880"/>
+            <a:ext cx="9072000" cy="2090880"/>
           </a:xfrm>
           <a:prstGeom prst="rect">
             <a:avLst/>
@@ -215,7 +215,7 @@
         <p:spPr>
           <a:xfrm>
             <a:off x="504000" y="301320"/>
-            <a:ext cx="9071640" cy="1261440"/>
+            <a:ext cx="9072000" cy="1261800"/>
           </a:xfrm>
           <a:prstGeom prst="rect">
             <a:avLst/>
@@ -388,7 +388,7 @@
         <p:spPr>
           <a:xfrm>
             <a:off x="504000" y="301320"/>
-            <a:ext cx="9071640" cy="1261440"/>
+            <a:ext cx="9072000" cy="1261800"/>
           </a:xfrm>
           <a:prstGeom prst="rect">
             <a:avLst/>
@@ -419,7 +419,7 @@
         <p:spPr>
           <a:xfrm>
             <a:off x="504000" y="1768680"/>
-            <a:ext cx="2920680" cy="2090880"/>
+            <a:ext cx="2921040" cy="2090880"/>
           </a:xfrm>
           <a:prstGeom prst="rect">
             <a:avLst/>
@@ -448,8 +448,8 @@
         </p:nvSpPr>
         <p:spPr>
           <a:xfrm>
-            <a:off x="3571200" y="1768680"/>
-            <a:ext cx="2920680" cy="2090880"/>
+            <a:off x="3571560" y="1768680"/>
+            <a:ext cx="2921040" cy="2090880"/>
           </a:xfrm>
           <a:prstGeom prst="rect">
             <a:avLst/>
@@ -478,8 +478,8 @@
         </p:nvSpPr>
         <p:spPr>
           <a:xfrm>
-            <a:off x="6638040" y="1768680"/>
-            <a:ext cx="2920680" cy="2090880"/>
+            <a:off x="6639120" y="1768680"/>
+            <a:ext cx="2921040" cy="2090880"/>
           </a:xfrm>
           <a:prstGeom prst="rect">
             <a:avLst/>
@@ -509,7 +509,7 @@
         <p:spPr>
           <a:xfrm>
             <a:off x="504000" y="4058640"/>
-            <a:ext cx="2920680" cy="2090880"/>
+            <a:ext cx="2921040" cy="2090880"/>
           </a:xfrm>
           <a:prstGeom prst="rect">
             <a:avLst/>
@@ -538,8 +538,8 @@
         </p:nvSpPr>
         <p:spPr>
           <a:xfrm>
-            <a:off x="3571200" y="4058640"/>
-            <a:ext cx="2920680" cy="2090880"/>
+            <a:off x="3571560" y="4058640"/>
+            <a:ext cx="2921040" cy="2090880"/>
           </a:xfrm>
           <a:prstGeom prst="rect">
             <a:avLst/>
@@ -568,8 +568,8 @@
         </p:nvSpPr>
         <p:spPr>
           <a:xfrm>
-            <a:off x="6638040" y="4058640"/>
-            <a:ext cx="2920680" cy="2090880"/>
+            <a:off x="6639120" y="4058640"/>
+            <a:ext cx="2921040" cy="2090880"/>
           </a:xfrm>
           <a:prstGeom prst="rect">
             <a:avLst/>
@@ -643,7 +643,7 @@
         <p:spPr>
           <a:xfrm>
             <a:off x="504000" y="301320"/>
-            <a:ext cx="9071640" cy="1261440"/>
+            <a:ext cx="9072000" cy="1261800"/>
           </a:xfrm>
           <a:prstGeom prst="rect">
             <a:avLst/>
@@ -674,7 +674,7 @@
         <p:spPr>
           <a:xfrm>
             <a:off x="504000" y="1768680"/>
-            <a:ext cx="9071640" cy="4383720"/>
+            <a:ext cx="9072000" cy="4384080"/>
           </a:xfrm>
           <a:prstGeom prst="rect">
             <a:avLst/>
@@ -727,7 +727,7 @@
         <p:spPr>
           <a:xfrm>
             <a:off x="504000" y="301320"/>
-            <a:ext cx="9071640" cy="1261440"/>
+            <a:ext cx="9072000" cy="1261800"/>
           </a:xfrm>
           <a:prstGeom prst="rect">
             <a:avLst/>
@@ -758,7 +758,7 @@
         <p:spPr>
           <a:xfrm>
             <a:off x="504000" y="1768680"/>
-            <a:ext cx="9071640" cy="4383720"/>
+            <a:ext cx="9072000" cy="4384080"/>
           </a:xfrm>
           <a:prstGeom prst="rect">
             <a:avLst/>
@@ -810,7 +810,7 @@
         <p:spPr>
           <a:xfrm>
             <a:off x="504000" y="301320"/>
-            <a:ext cx="9071640" cy="1261440"/>
+            <a:ext cx="9072000" cy="1261800"/>
           </a:xfrm>
           <a:prstGeom prst="rect">
             <a:avLst/>
@@ -841,7 +841,7 @@
         <p:spPr>
           <a:xfrm>
             <a:off x="504000" y="1768680"/>
-            <a:ext cx="4426920" cy="4383720"/>
+            <a:ext cx="4426920" cy="4384080"/>
           </a:xfrm>
           <a:prstGeom prst="rect">
             <a:avLst/>
@@ -871,7 +871,7 @@
         <p:spPr>
           <a:xfrm>
             <a:off x="5152680" y="1768680"/>
-            <a:ext cx="4426920" cy="4383720"/>
+            <a:ext cx="4426920" cy="4384080"/>
           </a:xfrm>
           <a:prstGeom prst="rect">
             <a:avLst/>
@@ -923,7 +923,7 @@
         <p:spPr>
           <a:xfrm>
             <a:off x="504000" y="301320"/>
-            <a:ext cx="9071640" cy="1261440"/>
+            <a:ext cx="9072000" cy="1261800"/>
           </a:xfrm>
           <a:prstGeom prst="rect">
             <a:avLst/>
@@ -976,7 +976,7 @@
         <p:spPr>
           <a:xfrm>
             <a:off x="504000" y="301320"/>
-            <a:ext cx="9071640" cy="5848560"/>
+            <a:ext cx="9072000" cy="5850360"/>
           </a:xfrm>
           <a:prstGeom prst="rect">
             <a:avLst/>
@@ -1029,7 +1029,7 @@
         <p:spPr>
           <a:xfrm>
             <a:off x="504000" y="301320"/>
-            <a:ext cx="9071640" cy="1261440"/>
+            <a:ext cx="9072000" cy="1261800"/>
           </a:xfrm>
           <a:prstGeom prst="rect">
             <a:avLst/>
@@ -1090,7 +1090,7 @@
         <p:spPr>
           <a:xfrm>
             <a:off x="5152680" y="1768680"/>
-            <a:ext cx="4426920" cy="4383720"/>
+            <a:ext cx="4426920" cy="4384080"/>
           </a:xfrm>
           <a:prstGeom prst="rect">
             <a:avLst/>
@@ -1172,7 +1172,7 @@
         <p:spPr>
           <a:xfrm>
             <a:off x="504000" y="301320"/>
-            <a:ext cx="9071640" cy="1261440"/>
+            <a:ext cx="9072000" cy="1261800"/>
           </a:xfrm>
           <a:prstGeom prst="rect">
             <a:avLst/>
@@ -1203,7 +1203,7 @@
         <p:spPr>
           <a:xfrm>
             <a:off x="504000" y="1768680"/>
-            <a:ext cx="9071640" cy="4383720"/>
+            <a:ext cx="9072000" cy="4384080"/>
           </a:xfrm>
           <a:prstGeom prst="rect">
             <a:avLst/>
@@ -1256,7 +1256,7 @@
         <p:spPr>
           <a:xfrm>
             <a:off x="504000" y="301320"/>
-            <a:ext cx="9071640" cy="1261440"/>
+            <a:ext cx="9072000" cy="1261800"/>
           </a:xfrm>
           <a:prstGeom prst="rect">
             <a:avLst/>
@@ -1287,7 +1287,7 @@
         <p:spPr>
           <a:xfrm>
             <a:off x="504000" y="1768680"/>
-            <a:ext cx="4426920" cy="4383720"/>
+            <a:ext cx="4426920" cy="4384080"/>
           </a:xfrm>
           <a:prstGeom prst="rect">
             <a:avLst/>
@@ -1399,7 +1399,7 @@
         <p:spPr>
           <a:xfrm>
             <a:off x="504000" y="301320"/>
-            <a:ext cx="9071640" cy="1261440"/>
+            <a:ext cx="9072000" cy="1261800"/>
           </a:xfrm>
           <a:prstGeom prst="rect">
             <a:avLst/>
@@ -1490,7 +1490,7 @@
         <p:spPr>
           <a:xfrm>
             <a:off x="504000" y="4058640"/>
-            <a:ext cx="9071640" cy="2090880"/>
+            <a:ext cx="9072000" cy="2090880"/>
           </a:xfrm>
           <a:prstGeom prst="rect">
             <a:avLst/>
@@ -1542,7 +1542,7 @@
         <p:spPr>
           <a:xfrm>
             <a:off x="504000" y="301320"/>
-            <a:ext cx="9071640" cy="1261440"/>
+            <a:ext cx="9072000" cy="1261800"/>
           </a:xfrm>
           <a:prstGeom prst="rect">
             <a:avLst/>
@@ -1573,7 +1573,7 @@
         <p:spPr>
           <a:xfrm>
             <a:off x="504000" y="1768680"/>
-            <a:ext cx="9071640" cy="2090880"/>
+            <a:ext cx="9072000" cy="2090880"/>
           </a:xfrm>
           <a:prstGeom prst="rect">
             <a:avLst/>
@@ -1603,7 +1603,7 @@
         <p:spPr>
           <a:xfrm>
             <a:off x="504000" y="4058640"/>
-            <a:ext cx="9071640" cy="2090880"/>
+            <a:ext cx="9072000" cy="2090880"/>
           </a:xfrm>
           <a:prstGeom prst="rect">
             <a:avLst/>
@@ -1655,7 +1655,7 @@
         <p:spPr>
           <a:xfrm>
             <a:off x="504000" y="301320"/>
-            <a:ext cx="9071640" cy="1261440"/>
+            <a:ext cx="9072000" cy="1261800"/>
           </a:xfrm>
           <a:prstGeom prst="rect">
             <a:avLst/>
@@ -1828,7 +1828,7 @@
         <p:spPr>
           <a:xfrm>
             <a:off x="504000" y="301320"/>
-            <a:ext cx="9071640" cy="1261440"/>
+            <a:ext cx="9072000" cy="1261800"/>
           </a:xfrm>
           <a:prstGeom prst="rect">
             <a:avLst/>
@@ -1859,7 +1859,7 @@
         <p:spPr>
           <a:xfrm>
             <a:off x="504000" y="1768680"/>
-            <a:ext cx="2920680" cy="2090880"/>
+            <a:ext cx="2921040" cy="2090880"/>
           </a:xfrm>
           <a:prstGeom prst="rect">
             <a:avLst/>
@@ -1888,8 +1888,8 @@
         </p:nvSpPr>
         <p:spPr>
           <a:xfrm>
-            <a:off x="3571200" y="1768680"/>
-            <a:ext cx="2920680" cy="2090880"/>
+            <a:off x="3571560" y="1768680"/>
+            <a:ext cx="2921040" cy="2090880"/>
           </a:xfrm>
           <a:prstGeom prst="rect">
             <a:avLst/>
@@ -1918,8 +1918,8 @@
         </p:nvSpPr>
         <p:spPr>
           <a:xfrm>
-            <a:off x="6638040" y="1768680"/>
-            <a:ext cx="2920680" cy="2090880"/>
+            <a:off x="6639120" y="1768680"/>
+            <a:ext cx="2921040" cy="2090880"/>
           </a:xfrm>
           <a:prstGeom prst="rect">
             <a:avLst/>
@@ -1949,7 +1949,7 @@
         <p:spPr>
           <a:xfrm>
             <a:off x="504000" y="4058640"/>
-            <a:ext cx="2920680" cy="2090880"/>
+            <a:ext cx="2921040" cy="2090880"/>
           </a:xfrm>
           <a:prstGeom prst="rect">
             <a:avLst/>
@@ -1978,8 +1978,8 @@
         </p:nvSpPr>
         <p:spPr>
           <a:xfrm>
-            <a:off x="3571200" y="4058640"/>
-            <a:ext cx="2920680" cy="2090880"/>
+            <a:off x="3571560" y="4058640"/>
+            <a:ext cx="2921040" cy="2090880"/>
           </a:xfrm>
           <a:prstGeom prst="rect">
             <a:avLst/>
@@ -2008,8 +2008,8 @@
         </p:nvSpPr>
         <p:spPr>
           <a:xfrm>
-            <a:off x="6638040" y="4058640"/>
-            <a:ext cx="2920680" cy="2090880"/>
+            <a:off x="6639120" y="4058640"/>
+            <a:ext cx="2921040" cy="2090880"/>
           </a:xfrm>
           <a:prstGeom prst="rect">
             <a:avLst/>
@@ -2083,7 +2083,7 @@
         <p:spPr>
           <a:xfrm>
             <a:off x="504000" y="301320"/>
-            <a:ext cx="9071640" cy="1261440"/>
+            <a:ext cx="9072000" cy="1261800"/>
           </a:xfrm>
           <a:prstGeom prst="rect">
             <a:avLst/>
@@ -2114,7 +2114,7 @@
         <p:spPr>
           <a:xfrm>
             <a:off x="504000" y="1768680"/>
-            <a:ext cx="9071640" cy="4383720"/>
+            <a:ext cx="9072000" cy="4384080"/>
           </a:xfrm>
           <a:prstGeom prst="rect">
             <a:avLst/>
@@ -2167,7 +2167,7 @@
         <p:spPr>
           <a:xfrm>
             <a:off x="504000" y="301320"/>
-            <a:ext cx="9071640" cy="1261440"/>
+            <a:ext cx="9072000" cy="1261800"/>
           </a:xfrm>
           <a:prstGeom prst="rect">
             <a:avLst/>
@@ -2198,7 +2198,7 @@
         <p:spPr>
           <a:xfrm>
             <a:off x="504000" y="1768680"/>
-            <a:ext cx="9071640" cy="4383720"/>
+            <a:ext cx="9072000" cy="4384080"/>
           </a:xfrm>
           <a:prstGeom prst="rect">
             <a:avLst/>
@@ -2250,7 +2250,7 @@
         <p:spPr>
           <a:xfrm>
             <a:off x="504000" y="301320"/>
-            <a:ext cx="9071640" cy="1261440"/>
+            <a:ext cx="9072000" cy="1261800"/>
           </a:xfrm>
           <a:prstGeom prst="rect">
             <a:avLst/>
@@ -2281,7 +2281,7 @@
         <p:spPr>
           <a:xfrm>
             <a:off x="504000" y="1768680"/>
-            <a:ext cx="4426920" cy="4383720"/>
+            <a:ext cx="4426920" cy="4384080"/>
           </a:xfrm>
           <a:prstGeom prst="rect">
             <a:avLst/>
@@ -2311,7 +2311,7 @@
         <p:spPr>
           <a:xfrm>
             <a:off x="5152680" y="1768680"/>
-            <a:ext cx="4426920" cy="4383720"/>
+            <a:ext cx="4426920" cy="4384080"/>
           </a:xfrm>
           <a:prstGeom prst="rect">
             <a:avLst/>
@@ -2363,7 +2363,7 @@
         <p:spPr>
           <a:xfrm>
             <a:off x="504000" y="301320"/>
-            <a:ext cx="9071640" cy="1261440"/>
+            <a:ext cx="9072000" cy="1261800"/>
           </a:xfrm>
           <a:prstGeom prst="rect">
             <a:avLst/>
@@ -2416,7 +2416,7 @@
         <p:spPr>
           <a:xfrm>
             <a:off x="504000" y="301320"/>
-            <a:ext cx="9071640" cy="1261440"/>
+            <a:ext cx="9072000" cy="1261800"/>
           </a:xfrm>
           <a:prstGeom prst="rect">
             <a:avLst/>
@@ -2447,7 +2447,7 @@
         <p:spPr>
           <a:xfrm>
             <a:off x="504000" y="1768680"/>
-            <a:ext cx="9071640" cy="4383720"/>
+            <a:ext cx="9072000" cy="4384080"/>
           </a:xfrm>
           <a:prstGeom prst="rect">
             <a:avLst/>
@@ -2499,7 +2499,7 @@
         <p:spPr>
           <a:xfrm>
             <a:off x="504000" y="301320"/>
-            <a:ext cx="9071640" cy="5848560"/>
+            <a:ext cx="9072000" cy="5850360"/>
           </a:xfrm>
           <a:prstGeom prst="rect">
             <a:avLst/>
@@ -2552,7 +2552,7 @@
         <p:spPr>
           <a:xfrm>
             <a:off x="504000" y="301320"/>
-            <a:ext cx="9071640" cy="1261440"/>
+            <a:ext cx="9072000" cy="1261800"/>
           </a:xfrm>
           <a:prstGeom prst="rect">
             <a:avLst/>
@@ -2613,7 +2613,7 @@
         <p:spPr>
           <a:xfrm>
             <a:off x="5152680" y="1768680"/>
-            <a:ext cx="4426920" cy="4383720"/>
+            <a:ext cx="4426920" cy="4384080"/>
           </a:xfrm>
           <a:prstGeom prst="rect">
             <a:avLst/>
@@ -2695,7 +2695,7 @@
         <p:spPr>
           <a:xfrm>
             <a:off x="504000" y="301320"/>
-            <a:ext cx="9071640" cy="1261440"/>
+            <a:ext cx="9072000" cy="1261800"/>
           </a:xfrm>
           <a:prstGeom prst="rect">
             <a:avLst/>
@@ -2726,7 +2726,7 @@
         <p:spPr>
           <a:xfrm>
             <a:off x="504000" y="1768680"/>
-            <a:ext cx="4426920" cy="4383720"/>
+            <a:ext cx="4426920" cy="4384080"/>
           </a:xfrm>
           <a:prstGeom prst="rect">
             <a:avLst/>
@@ -2838,7 +2838,7 @@
         <p:spPr>
           <a:xfrm>
             <a:off x="504000" y="301320"/>
-            <a:ext cx="9071640" cy="1261440"/>
+            <a:ext cx="9072000" cy="1261800"/>
           </a:xfrm>
           <a:prstGeom prst="rect">
             <a:avLst/>
@@ -2929,7 +2929,7 @@
         <p:spPr>
           <a:xfrm>
             <a:off x="504000" y="4058640"/>
-            <a:ext cx="9071640" cy="2090880"/>
+            <a:ext cx="9072000" cy="2090880"/>
           </a:xfrm>
           <a:prstGeom prst="rect">
             <a:avLst/>
@@ -2981,7 +2981,7 @@
         <p:spPr>
           <a:xfrm>
             <a:off x="504000" y="301320"/>
-            <a:ext cx="9071640" cy="1261440"/>
+            <a:ext cx="9072000" cy="1261800"/>
           </a:xfrm>
           <a:prstGeom prst="rect">
             <a:avLst/>
@@ -3012,7 +3012,7 @@
         <p:spPr>
           <a:xfrm>
             <a:off x="504000" y="1768680"/>
-            <a:ext cx="9071640" cy="2090880"/>
+            <a:ext cx="9072000" cy="2090880"/>
           </a:xfrm>
           <a:prstGeom prst="rect">
             <a:avLst/>
@@ -3042,7 +3042,7 @@
         <p:spPr>
           <a:xfrm>
             <a:off x="504000" y="4058640"/>
-            <a:ext cx="9071640" cy="2090880"/>
+            <a:ext cx="9072000" cy="2090880"/>
           </a:xfrm>
           <a:prstGeom prst="rect">
             <a:avLst/>
@@ -3094,7 +3094,7 @@
         <p:spPr>
           <a:xfrm>
             <a:off x="504000" y="301320"/>
-            <a:ext cx="9071640" cy="1261440"/>
+            <a:ext cx="9072000" cy="1261800"/>
           </a:xfrm>
           <a:prstGeom prst="rect">
             <a:avLst/>
@@ -3267,7 +3267,7 @@
         <p:spPr>
           <a:xfrm>
             <a:off x="504000" y="301320"/>
-            <a:ext cx="9071640" cy="1261440"/>
+            <a:ext cx="9072000" cy="1261800"/>
           </a:xfrm>
           <a:prstGeom prst="rect">
             <a:avLst/>
@@ -3298,7 +3298,7 @@
         <p:spPr>
           <a:xfrm>
             <a:off x="504000" y="1768680"/>
-            <a:ext cx="2920680" cy="2090880"/>
+            <a:ext cx="2921040" cy="2090880"/>
           </a:xfrm>
           <a:prstGeom prst="rect">
             <a:avLst/>
@@ -3327,8 +3327,8 @@
         </p:nvSpPr>
         <p:spPr>
           <a:xfrm>
-            <a:off x="3571200" y="1768680"/>
-            <a:ext cx="2920680" cy="2090880"/>
+            <a:off x="3571560" y="1768680"/>
+            <a:ext cx="2921040" cy="2090880"/>
           </a:xfrm>
           <a:prstGeom prst="rect">
             <a:avLst/>
@@ -3357,8 +3357,8 @@
         </p:nvSpPr>
         <p:spPr>
           <a:xfrm>
-            <a:off x="6638040" y="1768680"/>
-            <a:ext cx="2920680" cy="2090880"/>
+            <a:off x="6639120" y="1768680"/>
+            <a:ext cx="2921040" cy="2090880"/>
           </a:xfrm>
           <a:prstGeom prst="rect">
             <a:avLst/>
@@ -3388,7 +3388,7 @@
         <p:spPr>
           <a:xfrm>
             <a:off x="504000" y="4058640"/>
-            <a:ext cx="2920680" cy="2090880"/>
+            <a:ext cx="2921040" cy="2090880"/>
           </a:xfrm>
           <a:prstGeom prst="rect">
             <a:avLst/>
@@ -3417,8 +3417,8 @@
         </p:nvSpPr>
         <p:spPr>
           <a:xfrm>
-            <a:off x="3571200" y="4058640"/>
-            <a:ext cx="2920680" cy="2090880"/>
+            <a:off x="3571560" y="4058640"/>
+            <a:ext cx="2921040" cy="2090880"/>
           </a:xfrm>
           <a:prstGeom prst="rect">
             <a:avLst/>
@@ -3447,8 +3447,8 @@
         </p:nvSpPr>
         <p:spPr>
           <a:xfrm>
-            <a:off x="6638040" y="4058640"/>
-            <a:ext cx="2920680" cy="2090880"/>
+            <a:off x="6639120" y="4058640"/>
+            <a:ext cx="2921040" cy="2090880"/>
           </a:xfrm>
           <a:prstGeom prst="rect">
             <a:avLst/>
@@ -3522,7 +3522,7 @@
         <p:spPr>
           <a:xfrm>
             <a:off x="504000" y="301320"/>
-            <a:ext cx="9071640" cy="1261440"/>
+            <a:ext cx="9072000" cy="1261800"/>
           </a:xfrm>
           <a:prstGeom prst="rect">
             <a:avLst/>
@@ -3553,7 +3553,7 @@
         <p:spPr>
           <a:xfrm>
             <a:off x="504000" y="1768680"/>
-            <a:ext cx="9071640" cy="4383720"/>
+            <a:ext cx="9072000" cy="4384080"/>
           </a:xfrm>
           <a:prstGeom prst="rect">
             <a:avLst/>
@@ -3606,7 +3606,7 @@
         <p:spPr>
           <a:xfrm>
             <a:off x="504000" y="301320"/>
-            <a:ext cx="9071640" cy="1261440"/>
+            <a:ext cx="9072000" cy="1261800"/>
           </a:xfrm>
           <a:prstGeom prst="rect">
             <a:avLst/>
@@ -3637,7 +3637,7 @@
         <p:spPr>
           <a:xfrm>
             <a:off x="504000" y="1768680"/>
-            <a:ext cx="9071640" cy="4383720"/>
+            <a:ext cx="9072000" cy="4384080"/>
           </a:xfrm>
           <a:prstGeom prst="rect">
             <a:avLst/>
@@ -3689,7 +3689,7 @@
         <p:spPr>
           <a:xfrm>
             <a:off x="504000" y="301320"/>
-            <a:ext cx="9071640" cy="1261440"/>
+            <a:ext cx="9072000" cy="1261800"/>
           </a:xfrm>
           <a:prstGeom prst="rect">
             <a:avLst/>
@@ -3720,7 +3720,7 @@
         <p:spPr>
           <a:xfrm>
             <a:off x="504000" y="1768680"/>
-            <a:ext cx="4426920" cy="4383720"/>
+            <a:ext cx="4426920" cy="4384080"/>
           </a:xfrm>
           <a:prstGeom prst="rect">
             <a:avLst/>
@@ -3750,7 +3750,7 @@
         <p:spPr>
           <a:xfrm>
             <a:off x="5152680" y="1768680"/>
-            <a:ext cx="4426920" cy="4383720"/>
+            <a:ext cx="4426920" cy="4384080"/>
           </a:xfrm>
           <a:prstGeom prst="rect">
             <a:avLst/>
@@ -3802,7 +3802,7 @@
         <p:spPr>
           <a:xfrm>
             <a:off x="504000" y="301320"/>
-            <a:ext cx="9071640" cy="1261440"/>
+            <a:ext cx="9072000" cy="1261800"/>
           </a:xfrm>
           <a:prstGeom prst="rect">
             <a:avLst/>
@@ -3833,7 +3833,7 @@
         <p:spPr>
           <a:xfrm>
             <a:off x="504000" y="1768680"/>
-            <a:ext cx="4426920" cy="4383720"/>
+            <a:ext cx="4426920" cy="4384080"/>
           </a:xfrm>
           <a:prstGeom prst="rect">
             <a:avLst/>
@@ -3863,7 +3863,7 @@
         <p:spPr>
           <a:xfrm>
             <a:off x="5152680" y="1768680"/>
-            <a:ext cx="4426920" cy="4383720"/>
+            <a:ext cx="4426920" cy="4384080"/>
           </a:xfrm>
           <a:prstGeom prst="rect">
             <a:avLst/>
@@ -3915,7 +3915,7 @@
         <p:spPr>
           <a:xfrm>
             <a:off x="504000" y="301320"/>
-            <a:ext cx="9071640" cy="1261440"/>
+            <a:ext cx="9072000" cy="1261800"/>
           </a:xfrm>
           <a:prstGeom prst="rect">
             <a:avLst/>
@@ -3968,7 +3968,7 @@
         <p:spPr>
           <a:xfrm>
             <a:off x="504000" y="301320"/>
-            <a:ext cx="9071640" cy="5848560"/>
+            <a:ext cx="9072000" cy="5850360"/>
           </a:xfrm>
           <a:prstGeom prst="rect">
             <a:avLst/>
@@ -4021,7 +4021,7 @@
         <p:spPr>
           <a:xfrm>
             <a:off x="504000" y="301320"/>
-            <a:ext cx="9071640" cy="1261440"/>
+            <a:ext cx="9072000" cy="1261800"/>
           </a:xfrm>
           <a:prstGeom prst="rect">
             <a:avLst/>
@@ -4082,7 +4082,7 @@
         <p:spPr>
           <a:xfrm>
             <a:off x="5152680" y="1768680"/>
-            <a:ext cx="4426920" cy="4383720"/>
+            <a:ext cx="4426920" cy="4384080"/>
           </a:xfrm>
           <a:prstGeom prst="rect">
             <a:avLst/>
@@ -4164,7 +4164,7 @@
         <p:spPr>
           <a:xfrm>
             <a:off x="504000" y="301320"/>
-            <a:ext cx="9071640" cy="1261440"/>
+            <a:ext cx="9072000" cy="1261800"/>
           </a:xfrm>
           <a:prstGeom prst="rect">
             <a:avLst/>
@@ -4195,7 +4195,7 @@
         <p:spPr>
           <a:xfrm>
             <a:off x="504000" y="1768680"/>
-            <a:ext cx="4426920" cy="4383720"/>
+            <a:ext cx="4426920" cy="4384080"/>
           </a:xfrm>
           <a:prstGeom prst="rect">
             <a:avLst/>
@@ -4307,7 +4307,7 @@
         <p:spPr>
           <a:xfrm>
             <a:off x="504000" y="301320"/>
-            <a:ext cx="9071640" cy="1261440"/>
+            <a:ext cx="9072000" cy="1261800"/>
           </a:xfrm>
           <a:prstGeom prst="rect">
             <a:avLst/>
@@ -4398,7 +4398,7 @@
         <p:spPr>
           <a:xfrm>
             <a:off x="504000" y="4058640"/>
-            <a:ext cx="9071640" cy="2090880"/>
+            <a:ext cx="9072000" cy="2090880"/>
           </a:xfrm>
           <a:prstGeom prst="rect">
             <a:avLst/>
@@ -4450,7 +4450,7 @@
         <p:spPr>
           <a:xfrm>
             <a:off x="504000" y="301320"/>
-            <a:ext cx="9071640" cy="1261440"/>
+            <a:ext cx="9072000" cy="1261800"/>
           </a:xfrm>
           <a:prstGeom prst="rect">
             <a:avLst/>
@@ -4481,7 +4481,7 @@
         <p:spPr>
           <a:xfrm>
             <a:off x="504000" y="1768680"/>
-            <a:ext cx="9071640" cy="2090880"/>
+            <a:ext cx="9072000" cy="2090880"/>
           </a:xfrm>
           <a:prstGeom prst="rect">
             <a:avLst/>
@@ -4511,7 +4511,7 @@
         <p:spPr>
           <a:xfrm>
             <a:off x="504000" y="4058640"/>
-            <a:ext cx="9071640" cy="2090880"/>
+            <a:ext cx="9072000" cy="2090880"/>
           </a:xfrm>
           <a:prstGeom prst="rect">
             <a:avLst/>
@@ -4563,7 +4563,7 @@
         <p:spPr>
           <a:xfrm>
             <a:off x="504000" y="301320"/>
-            <a:ext cx="9071640" cy="1261440"/>
+            <a:ext cx="9072000" cy="1261800"/>
           </a:xfrm>
           <a:prstGeom prst="rect">
             <a:avLst/>
@@ -4736,7 +4736,7 @@
         <p:spPr>
           <a:xfrm>
             <a:off x="504000" y="301320"/>
-            <a:ext cx="9071640" cy="1261440"/>
+            <a:ext cx="9072000" cy="1261800"/>
           </a:xfrm>
           <a:prstGeom prst="rect">
             <a:avLst/>
@@ -4767,7 +4767,7 @@
         <p:spPr>
           <a:xfrm>
             <a:off x="504000" y="1768680"/>
-            <a:ext cx="2920680" cy="2090880"/>
+            <a:ext cx="2921040" cy="2090880"/>
           </a:xfrm>
           <a:prstGeom prst="rect">
             <a:avLst/>
@@ -4796,8 +4796,8 @@
         </p:nvSpPr>
         <p:spPr>
           <a:xfrm>
-            <a:off x="3571200" y="1768680"/>
-            <a:ext cx="2920680" cy="2090880"/>
+            <a:off x="3571560" y="1768680"/>
+            <a:ext cx="2921040" cy="2090880"/>
           </a:xfrm>
           <a:prstGeom prst="rect">
             <a:avLst/>
@@ -4826,8 +4826,8 @@
         </p:nvSpPr>
         <p:spPr>
           <a:xfrm>
-            <a:off x="6638040" y="1768680"/>
-            <a:ext cx="2920680" cy="2090880"/>
+            <a:off x="6639120" y="1768680"/>
+            <a:ext cx="2921040" cy="2090880"/>
           </a:xfrm>
           <a:prstGeom prst="rect">
             <a:avLst/>
@@ -4857,7 +4857,7 @@
         <p:spPr>
           <a:xfrm>
             <a:off x="504000" y="4058640"/>
-            <a:ext cx="2920680" cy="2090880"/>
+            <a:ext cx="2921040" cy="2090880"/>
           </a:xfrm>
           <a:prstGeom prst="rect">
             <a:avLst/>
@@ -4886,8 +4886,8 @@
         </p:nvSpPr>
         <p:spPr>
           <a:xfrm>
-            <a:off x="3571200" y="4058640"/>
-            <a:ext cx="2920680" cy="2090880"/>
+            <a:off x="3571560" y="4058640"/>
+            <a:ext cx="2921040" cy="2090880"/>
           </a:xfrm>
           <a:prstGeom prst="rect">
             <a:avLst/>
@@ -4916,8 +4916,8 @@
         </p:nvSpPr>
         <p:spPr>
           <a:xfrm>
-            <a:off x="6638040" y="4058640"/>
-            <a:ext cx="2920680" cy="2090880"/>
+            <a:off x="6639120" y="4058640"/>
+            <a:ext cx="2921040" cy="2090880"/>
           </a:xfrm>
           <a:prstGeom prst="rect">
             <a:avLst/>
@@ -4969,7 +4969,7 @@
         <p:spPr>
           <a:xfrm>
             <a:off x="504000" y="301320"/>
-            <a:ext cx="9071640" cy="1261440"/>
+            <a:ext cx="9072000" cy="1261800"/>
           </a:xfrm>
           <a:prstGeom prst="rect">
             <a:avLst/>
@@ -5022,7 +5022,7 @@
         <p:spPr>
           <a:xfrm>
             <a:off x="504000" y="301320"/>
-            <a:ext cx="9071640" cy="5848560"/>
+            <a:ext cx="9072000" cy="5850360"/>
           </a:xfrm>
           <a:prstGeom prst="rect">
             <a:avLst/>
@@ -5075,7 +5075,7 @@
         <p:spPr>
           <a:xfrm>
             <a:off x="504000" y="301320"/>
-            <a:ext cx="9071640" cy="1261440"/>
+            <a:ext cx="9072000" cy="1261800"/>
           </a:xfrm>
           <a:prstGeom prst="rect">
             <a:avLst/>
@@ -5136,7 +5136,7 @@
         <p:spPr>
           <a:xfrm>
             <a:off x="5152680" y="1768680"/>
-            <a:ext cx="4426920" cy="4383720"/>
+            <a:ext cx="4426920" cy="4384080"/>
           </a:xfrm>
           <a:prstGeom prst="rect">
             <a:avLst/>
@@ -5218,7 +5218,7 @@
         <p:spPr>
           <a:xfrm>
             <a:off x="504000" y="301320"/>
-            <a:ext cx="9071640" cy="1261440"/>
+            <a:ext cx="9072000" cy="1261800"/>
           </a:xfrm>
           <a:prstGeom prst="rect">
             <a:avLst/>
@@ -5249,7 +5249,7 @@
         <p:spPr>
           <a:xfrm>
             <a:off x="504000" y="1768680"/>
-            <a:ext cx="4426920" cy="4383720"/>
+            <a:ext cx="4426920" cy="4384080"/>
           </a:xfrm>
           <a:prstGeom prst="rect">
             <a:avLst/>
@@ -5361,7 +5361,7 @@
         <p:spPr>
           <a:xfrm>
             <a:off x="504000" y="301320"/>
-            <a:ext cx="9071640" cy="1261440"/>
+            <a:ext cx="9072000" cy="1261800"/>
           </a:xfrm>
           <a:prstGeom prst="rect">
             <a:avLst/>
@@ -5452,7 +5452,7 @@
         <p:spPr>
           <a:xfrm>
             <a:off x="504000" y="4058640"/>
-            <a:ext cx="9071640" cy="2090880"/>
+            <a:ext cx="9072000" cy="2090880"/>
           </a:xfrm>
           <a:prstGeom prst="rect">
             <a:avLst/>
@@ -5507,7 +5507,7 @@
         <p:spPr>
           <a:xfrm>
             <a:off x="0" y="3150000"/>
-            <a:ext cx="9717480" cy="1257480"/>
+            <a:ext cx="9717120" cy="1257120"/>
           </a:xfrm>
           <a:prstGeom prst="rect">
             <a:avLst/>
@@ -5539,7 +5539,7 @@
         <p:spPr>
           <a:xfrm>
             <a:off x="504000" y="301320"/>
-            <a:ext cx="9071640" cy="1261440"/>
+            <a:ext cx="9072000" cy="1261800"/>
           </a:xfrm>
           <a:prstGeom prst="rect">
             <a:avLst/>
@@ -5552,12 +5552,12 @@
           <a:p>
             <a:pPr algn="ctr"/>
             <a:r>
-              <a:rPr b="0" lang="en-GB" sz="1800" spc="-1" strike="noStrike">
+              <a:rPr b="0" lang="en-GB" sz="4400" spc="-1" strike="noStrike">
                 <a:latin typeface="Arial"/>
               </a:rPr>
               <a:t>Click to edit the title text format</a:t>
             </a:r>
-            <a:endParaRPr b="0" lang="en-GB" sz="1800" spc="-1" strike="noStrike">
+            <a:endParaRPr b="0" lang="en-GB" sz="4400" spc="-1" strike="noStrike">
               <a:latin typeface="Arial"/>
             </a:endParaRPr>
           </a:p>
@@ -5576,7 +5576,7 @@
         <p:spPr>
           <a:xfrm>
             <a:off x="504000" y="1768680"/>
-            <a:ext cx="9071640" cy="4383720"/>
+            <a:ext cx="9072000" cy="4384080"/>
           </a:xfrm>
           <a:prstGeom prst="rect">
             <a:avLst/>
@@ -5587,7 +5587,7 @@
             <a:normAutofit/>
           </a:bodyPr>
           <a:p>
-            <a:pPr marL="432000" indent="-324000" algn="ctr">
+            <a:pPr marL="432000" indent="-324000">
               <a:spcBef>
                 <a:spcPts val="1417"/>
               </a:spcBef>
@@ -5599,17 +5599,17 @@
               <a:buChar char=""/>
             </a:pPr>
             <a:r>
-              <a:rPr b="0" lang="en-GB" sz="1800" spc="-1" strike="noStrike">
+              <a:rPr b="0" lang="en-GB" sz="3200" spc="-1" strike="noStrike">
                 <a:latin typeface="Arial"/>
               </a:rPr>
               <a:t>Click to edit the outline text format</a:t>
             </a:r>
-            <a:endParaRPr b="0" lang="en-GB" sz="1800" spc="-1" strike="noStrike">
-              <a:latin typeface="Arial"/>
-            </a:endParaRPr>
-          </a:p>
-          <a:p>
-            <a:pPr lvl="1" marL="864000" indent="-324000" algn="ctr">
+            <a:endParaRPr b="0" lang="en-GB" sz="3200" spc="-1" strike="noStrike">
+              <a:latin typeface="Arial"/>
+            </a:endParaRPr>
+          </a:p>
+          <a:p>
+            <a:pPr lvl="1" marL="864000" indent="-324000">
               <a:spcBef>
                 <a:spcPts val="1134"/>
               </a:spcBef>
@@ -5621,17 +5621,17 @@
               <a:buChar char=""/>
             </a:pPr>
             <a:r>
-              <a:rPr b="0" lang="en-GB" sz="1800" spc="-1" strike="noStrike">
+              <a:rPr b="0" lang="en-GB" sz="2800" spc="-1" strike="noStrike">
                 <a:latin typeface="Arial"/>
               </a:rPr>
               <a:t>Second Outline Level</a:t>
             </a:r>
-            <a:endParaRPr b="0" lang="en-GB" sz="1800" spc="-1" strike="noStrike">
-              <a:latin typeface="Arial"/>
-            </a:endParaRPr>
-          </a:p>
-          <a:p>
-            <a:pPr lvl="2" marL="1296000" indent="-288000" algn="ctr">
+            <a:endParaRPr b="0" lang="en-GB" sz="2800" spc="-1" strike="noStrike">
+              <a:latin typeface="Arial"/>
+            </a:endParaRPr>
+          </a:p>
+          <a:p>
+            <a:pPr lvl="2" marL="1296000" indent="-288000">
               <a:spcBef>
                 <a:spcPts val="850"/>
               </a:spcBef>
@@ -5643,17 +5643,17 @@
               <a:buChar char=""/>
             </a:pPr>
             <a:r>
-              <a:rPr b="0" lang="en-GB" sz="1800" spc="-1" strike="noStrike">
+              <a:rPr b="0" lang="en-GB" sz="2400" spc="-1" strike="noStrike">
                 <a:latin typeface="Arial"/>
               </a:rPr>
               <a:t>Third Outline Level</a:t>
             </a:r>
-            <a:endParaRPr b="0" lang="en-GB" sz="1800" spc="-1" strike="noStrike">
-              <a:latin typeface="Arial"/>
-            </a:endParaRPr>
-          </a:p>
-          <a:p>
-            <a:pPr lvl="3" marL="1728000" indent="-216000" algn="ctr">
+            <a:endParaRPr b="0" lang="en-GB" sz="2400" spc="-1" strike="noStrike">
+              <a:latin typeface="Arial"/>
+            </a:endParaRPr>
+          </a:p>
+          <a:p>
+            <a:pPr lvl="3" marL="1728000" indent="-216000">
               <a:spcBef>
                 <a:spcPts val="567"/>
               </a:spcBef>
@@ -5665,17 +5665,17 @@
               <a:buChar char=""/>
             </a:pPr>
             <a:r>
-              <a:rPr b="0" lang="en-GB" sz="1800" spc="-1" strike="noStrike">
+              <a:rPr b="0" lang="en-GB" sz="2000" spc="-1" strike="noStrike">
                 <a:latin typeface="Arial"/>
               </a:rPr>
               <a:t>Fourth Outline Level</a:t>
             </a:r>
-            <a:endParaRPr b="0" lang="en-GB" sz="1800" spc="-1" strike="noStrike">
-              <a:latin typeface="Arial"/>
-            </a:endParaRPr>
-          </a:p>
-          <a:p>
-            <a:pPr lvl="4" marL="2160000" indent="-216000" algn="ctr">
+            <a:endParaRPr b="0" lang="en-GB" sz="2000" spc="-1" strike="noStrike">
+              <a:latin typeface="Arial"/>
+            </a:endParaRPr>
+          </a:p>
+          <a:p>
+            <a:pPr lvl="4" marL="2160000" indent="-216000">
               <a:spcBef>
                 <a:spcPts val="283"/>
               </a:spcBef>
@@ -5687,17 +5687,17 @@
               <a:buChar char=""/>
             </a:pPr>
             <a:r>
-              <a:rPr b="0" lang="en-GB" sz="1800" spc="-1" strike="noStrike">
+              <a:rPr b="0" lang="en-GB" sz="2000" spc="-1" strike="noStrike">
                 <a:latin typeface="Arial"/>
               </a:rPr>
               <a:t>Fifth Outline Level</a:t>
             </a:r>
-            <a:endParaRPr b="0" lang="en-GB" sz="1800" spc="-1" strike="noStrike">
-              <a:latin typeface="Arial"/>
-            </a:endParaRPr>
-          </a:p>
-          <a:p>
-            <a:pPr lvl="5" marL="2592000" indent="-216000" algn="ctr">
+            <a:endParaRPr b="0" lang="en-GB" sz="2000" spc="-1" strike="noStrike">
+              <a:latin typeface="Arial"/>
+            </a:endParaRPr>
+          </a:p>
+          <a:p>
+            <a:pPr lvl="5" marL="2592000" indent="-216000">
               <a:spcBef>
                 <a:spcPts val="283"/>
               </a:spcBef>
@@ -5709,17 +5709,17 @@
               <a:buChar char=""/>
             </a:pPr>
             <a:r>
-              <a:rPr b="0" lang="en-GB" sz="1800" spc="-1" strike="noStrike">
+              <a:rPr b="0" lang="en-GB" sz="2000" spc="-1" strike="noStrike">
                 <a:latin typeface="Arial"/>
               </a:rPr>
               <a:t>Sixth Outline Level</a:t>
             </a:r>
-            <a:endParaRPr b="0" lang="en-GB" sz="1800" spc="-1" strike="noStrike">
-              <a:latin typeface="Arial"/>
-            </a:endParaRPr>
-          </a:p>
-          <a:p>
-            <a:pPr lvl="6" marL="3024000" indent="-216000" algn="ctr">
+            <a:endParaRPr b="0" lang="en-GB" sz="2000" spc="-1" strike="noStrike">
+              <a:latin typeface="Arial"/>
+            </a:endParaRPr>
+          </a:p>
+          <a:p>
+            <a:pPr lvl="6" marL="3024000" indent="-216000">
               <a:spcBef>
                 <a:spcPts val="283"/>
               </a:spcBef>
@@ -5731,12 +5731,12 @@
               <a:buChar char=""/>
             </a:pPr>
             <a:r>
-              <a:rPr b="0" lang="en-GB" sz="1800" spc="-1" strike="noStrike">
+              <a:rPr b="0" lang="en-GB" sz="2000" spc="-1" strike="noStrike">
                 <a:latin typeface="Arial"/>
               </a:rPr>
               <a:t>Seventh Outline Level</a:t>
             </a:r>
-            <a:endParaRPr b="0" lang="en-GB" sz="1800" spc="-1" strike="noStrike">
+            <a:endParaRPr b="0" lang="en-GB" sz="2000" spc="-1" strike="noStrike">
               <a:latin typeface="Arial"/>
             </a:endParaRPr>
           </a:p>
@@ -5795,7 +5795,7 @@
         <p:spPr>
           <a:xfrm>
             <a:off x="0" y="180000"/>
-            <a:ext cx="9717480" cy="1257480"/>
+            <a:ext cx="9717120" cy="1257120"/>
           </a:xfrm>
           <a:prstGeom prst="rect">
             <a:avLst/>
@@ -5823,7 +5823,7 @@
         <p:spPr>
           <a:xfrm>
             <a:off x="7560000" y="6840000"/>
-            <a:ext cx="2517480" cy="537480"/>
+            <a:ext cx="2517120" cy="537120"/>
           </a:xfrm>
           <a:prstGeom prst="rect">
             <a:avLst/>
@@ -5851,7 +5851,7 @@
         <p:spPr>
           <a:xfrm>
             <a:off x="900000" y="6840000"/>
-            <a:ext cx="6477480" cy="537480"/>
+            <a:ext cx="6477120" cy="537120"/>
           </a:xfrm>
           <a:prstGeom prst="rect">
             <a:avLst/>
@@ -5879,7 +5879,7 @@
         <p:spPr>
           <a:xfrm>
             <a:off x="180000" y="6840000"/>
-            <a:ext cx="537480" cy="537480"/>
+            <a:ext cx="537120" cy="537120"/>
           </a:xfrm>
           <a:prstGeom prst="rect">
             <a:avLst/>
@@ -6165,7 +6165,7 @@
         <p:spPr>
           <a:xfrm>
             <a:off x="0" y="180000"/>
-            <a:ext cx="9717480" cy="1257480"/>
+            <a:ext cx="9717120" cy="1257120"/>
           </a:xfrm>
           <a:prstGeom prst="rect">
             <a:avLst/>
@@ -6193,7 +6193,7 @@
         <p:spPr>
           <a:xfrm>
             <a:off x="7560000" y="6840000"/>
-            <a:ext cx="2517480" cy="537480"/>
+            <a:ext cx="2517120" cy="537120"/>
           </a:xfrm>
           <a:prstGeom prst="rect">
             <a:avLst/>
@@ -6221,7 +6221,7 @@
         <p:spPr>
           <a:xfrm>
             <a:off x="900000" y="6840000"/>
-            <a:ext cx="6477480" cy="537480"/>
+            <a:ext cx="6477120" cy="537120"/>
           </a:xfrm>
           <a:prstGeom prst="rect">
             <a:avLst/>
@@ -6249,7 +6249,7 @@
         <p:spPr>
           <a:xfrm>
             <a:off x="180000" y="6840000"/>
-            <a:ext cx="537480" cy="537480"/>
+            <a:ext cx="537120" cy="537120"/>
           </a:xfrm>
           <a:prstGeom prst="rect">
             <a:avLst/>
@@ -6535,7 +6535,7 @@
         <p:spPr>
           <a:xfrm>
             <a:off x="0" y="3150000"/>
-            <a:ext cx="9717480" cy="1257480"/>
+            <a:ext cx="9717120" cy="1257120"/>
           </a:xfrm>
           <a:prstGeom prst="rect">
             <a:avLst/>
@@ -6567,7 +6567,7 @@
         <p:spPr>
           <a:xfrm>
             <a:off x="504000" y="301320"/>
-            <a:ext cx="9071640" cy="1261440"/>
+            <a:ext cx="9072000" cy="1261800"/>
           </a:xfrm>
           <a:prstGeom prst="rect">
             <a:avLst/>
@@ -6580,12 +6580,12 @@
           <a:p>
             <a:pPr algn="ctr"/>
             <a:r>
-              <a:rPr b="0" lang="en-GB" sz="1800" spc="-1" strike="noStrike">
+              <a:rPr b="0" lang="en-GB" sz="4400" spc="-1" strike="noStrike">
                 <a:latin typeface="Arial"/>
               </a:rPr>
               <a:t>Click to edit the title text format</a:t>
             </a:r>
-            <a:endParaRPr b="0" lang="en-GB" sz="1800" spc="-1" strike="noStrike">
+            <a:endParaRPr b="0" lang="en-GB" sz="4400" spc="-1" strike="noStrike">
               <a:latin typeface="Arial"/>
             </a:endParaRPr>
           </a:p>
@@ -6604,7 +6604,7 @@
         <p:spPr>
           <a:xfrm>
             <a:off x="504000" y="1768680"/>
-            <a:ext cx="9071640" cy="4383720"/>
+            <a:ext cx="9072000" cy="4384080"/>
           </a:xfrm>
           <a:prstGeom prst="rect">
             <a:avLst/>
@@ -6615,7 +6615,7 @@
             <a:normAutofit/>
           </a:bodyPr>
           <a:p>
-            <a:pPr marL="432000" indent="-324000" algn="ctr">
+            <a:pPr marL="432000" indent="-324000">
               <a:spcBef>
                 <a:spcPts val="1417"/>
               </a:spcBef>
@@ -6627,17 +6627,17 @@
               <a:buChar char=""/>
             </a:pPr>
             <a:r>
-              <a:rPr b="0" lang="en-GB" sz="1800" spc="-1" strike="noStrike">
+              <a:rPr b="0" lang="en-GB" sz="3200" spc="-1" strike="noStrike">
                 <a:latin typeface="Arial"/>
               </a:rPr>
               <a:t>Click to edit the outline text format</a:t>
             </a:r>
-            <a:endParaRPr b="0" lang="en-GB" sz="1800" spc="-1" strike="noStrike">
-              <a:latin typeface="Arial"/>
-            </a:endParaRPr>
-          </a:p>
-          <a:p>
-            <a:pPr lvl="1" marL="864000" indent="-324000" algn="ctr">
+            <a:endParaRPr b="0" lang="en-GB" sz="3200" spc="-1" strike="noStrike">
+              <a:latin typeface="Arial"/>
+            </a:endParaRPr>
+          </a:p>
+          <a:p>
+            <a:pPr lvl="1" marL="864000" indent="-324000">
               <a:spcBef>
                 <a:spcPts val="1134"/>
               </a:spcBef>
@@ -6649,17 +6649,17 @@
               <a:buChar char=""/>
             </a:pPr>
             <a:r>
-              <a:rPr b="0" lang="en-GB" sz="1800" spc="-1" strike="noStrike">
+              <a:rPr b="0" lang="en-GB" sz="2800" spc="-1" strike="noStrike">
                 <a:latin typeface="Arial"/>
               </a:rPr>
               <a:t>Second Outline Level</a:t>
             </a:r>
-            <a:endParaRPr b="0" lang="en-GB" sz="1800" spc="-1" strike="noStrike">
-              <a:latin typeface="Arial"/>
-            </a:endParaRPr>
-          </a:p>
-          <a:p>
-            <a:pPr lvl="2" marL="1296000" indent="-288000" algn="ctr">
+            <a:endParaRPr b="0" lang="en-GB" sz="2800" spc="-1" strike="noStrike">
+              <a:latin typeface="Arial"/>
+            </a:endParaRPr>
+          </a:p>
+          <a:p>
+            <a:pPr lvl="2" marL="1296000" indent="-288000">
               <a:spcBef>
                 <a:spcPts val="850"/>
               </a:spcBef>
@@ -6671,17 +6671,17 @@
               <a:buChar char=""/>
             </a:pPr>
             <a:r>
-              <a:rPr b="0" lang="en-GB" sz="1800" spc="-1" strike="noStrike">
+              <a:rPr b="0" lang="en-GB" sz="2400" spc="-1" strike="noStrike">
                 <a:latin typeface="Arial"/>
               </a:rPr>
               <a:t>Third Outline Level</a:t>
             </a:r>
-            <a:endParaRPr b="0" lang="en-GB" sz="1800" spc="-1" strike="noStrike">
-              <a:latin typeface="Arial"/>
-            </a:endParaRPr>
-          </a:p>
-          <a:p>
-            <a:pPr lvl="3" marL="1728000" indent="-216000" algn="ctr">
+            <a:endParaRPr b="0" lang="en-GB" sz="2400" spc="-1" strike="noStrike">
+              <a:latin typeface="Arial"/>
+            </a:endParaRPr>
+          </a:p>
+          <a:p>
+            <a:pPr lvl="3" marL="1728000" indent="-216000">
               <a:spcBef>
                 <a:spcPts val="567"/>
               </a:spcBef>
@@ -6693,17 +6693,17 @@
               <a:buChar char=""/>
             </a:pPr>
             <a:r>
-              <a:rPr b="0" lang="en-GB" sz="1800" spc="-1" strike="noStrike">
+              <a:rPr b="0" lang="en-GB" sz="2000" spc="-1" strike="noStrike">
                 <a:latin typeface="Arial"/>
               </a:rPr>
               <a:t>Fourth Outline Level</a:t>
             </a:r>
-            <a:endParaRPr b="0" lang="en-GB" sz="1800" spc="-1" strike="noStrike">
-              <a:latin typeface="Arial"/>
-            </a:endParaRPr>
-          </a:p>
-          <a:p>
-            <a:pPr lvl="4" marL="2160000" indent="-216000" algn="ctr">
+            <a:endParaRPr b="0" lang="en-GB" sz="2000" spc="-1" strike="noStrike">
+              <a:latin typeface="Arial"/>
+            </a:endParaRPr>
+          </a:p>
+          <a:p>
+            <a:pPr lvl="4" marL="2160000" indent="-216000">
               <a:spcBef>
                 <a:spcPts val="283"/>
               </a:spcBef>
@@ -6715,17 +6715,17 @@
               <a:buChar char=""/>
             </a:pPr>
             <a:r>
-              <a:rPr b="0" lang="en-GB" sz="1800" spc="-1" strike="noStrike">
+              <a:rPr b="0" lang="en-GB" sz="2000" spc="-1" strike="noStrike">
                 <a:latin typeface="Arial"/>
               </a:rPr>
               <a:t>Fifth Outline Level</a:t>
             </a:r>
-            <a:endParaRPr b="0" lang="en-GB" sz="1800" spc="-1" strike="noStrike">
-              <a:latin typeface="Arial"/>
-            </a:endParaRPr>
-          </a:p>
-          <a:p>
-            <a:pPr lvl="5" marL="2592000" indent="-216000" algn="ctr">
+            <a:endParaRPr b="0" lang="en-GB" sz="2000" spc="-1" strike="noStrike">
+              <a:latin typeface="Arial"/>
+            </a:endParaRPr>
+          </a:p>
+          <a:p>
+            <a:pPr lvl="5" marL="2592000" indent="-216000">
               <a:spcBef>
                 <a:spcPts val="283"/>
               </a:spcBef>
@@ -6737,17 +6737,17 @@
               <a:buChar char=""/>
             </a:pPr>
             <a:r>
-              <a:rPr b="0" lang="en-GB" sz="1800" spc="-1" strike="noStrike">
+              <a:rPr b="0" lang="en-GB" sz="2000" spc="-1" strike="noStrike">
                 <a:latin typeface="Arial"/>
               </a:rPr>
               <a:t>Sixth Outline Level</a:t>
             </a:r>
-            <a:endParaRPr b="0" lang="en-GB" sz="1800" spc="-1" strike="noStrike">
-              <a:latin typeface="Arial"/>
-            </a:endParaRPr>
-          </a:p>
-          <a:p>
-            <a:pPr lvl="6" marL="3024000" indent="-216000" algn="ctr">
+            <a:endParaRPr b="0" lang="en-GB" sz="2000" spc="-1" strike="noStrike">
+              <a:latin typeface="Arial"/>
+            </a:endParaRPr>
+          </a:p>
+          <a:p>
+            <a:pPr lvl="6" marL="3024000" indent="-216000">
               <a:spcBef>
                 <a:spcPts val="283"/>
               </a:spcBef>
@@ -6759,12 +6759,12 @@
               <a:buChar char=""/>
             </a:pPr>
             <a:r>
-              <a:rPr b="0" lang="en-GB" sz="1800" spc="-1" strike="noStrike">
+              <a:rPr b="0" lang="en-GB" sz="2000" spc="-1" strike="noStrike">
                 <a:latin typeface="Arial"/>
               </a:rPr>
               <a:t>Seventh Outline Level</a:t>
             </a:r>
-            <a:endParaRPr b="0" lang="en-GB" sz="1800" spc="-1" strike="noStrike">
+            <a:endParaRPr b="0" lang="en-GB" sz="2000" spc="-1" strike="noStrike">
               <a:latin typeface="Arial"/>
             </a:endParaRPr>
           </a:p>
@@ -6816,7 +6816,7 @@
         <p:spPr>
           <a:xfrm>
             <a:off x="360000" y="3330000"/>
-            <a:ext cx="9357480" cy="897480"/>
+            <a:ext cx="9357120" cy="897120"/>
           </a:xfrm>
           <a:prstGeom prst="rect">
             <a:avLst/>
@@ -6867,7 +6867,7 @@
         <p:spPr>
           <a:xfrm>
             <a:off x="540000" y="4680000"/>
-            <a:ext cx="9177480" cy="2517480"/>
+            <a:ext cx="9177120" cy="2517120"/>
           </a:xfrm>
           <a:prstGeom prst="rect">
             <a:avLst/>
@@ -6974,7 +6974,7 @@
         <p:spPr>
           <a:xfrm>
             <a:off x="7132320" y="4663440"/>
-            <a:ext cx="2466360" cy="2466360"/>
+            <a:ext cx="2466000" cy="2466000"/>
           </a:xfrm>
           <a:prstGeom prst="rect">
             <a:avLst/>
@@ -7023,7 +7023,7 @@
         <p:spPr>
           <a:xfrm>
             <a:off x="360000" y="360000"/>
-            <a:ext cx="9357480" cy="897480"/>
+            <a:ext cx="9357120" cy="897120"/>
           </a:xfrm>
           <a:prstGeom prst="rect">
             <a:avLst/>
@@ -7084,7 +7084,7 @@
         <p:spPr>
           <a:xfrm>
             <a:off x="360000" y="1980000"/>
-            <a:ext cx="9177480" cy="4677480"/>
+            <a:ext cx="9177120" cy="4677120"/>
           </a:xfrm>
           <a:prstGeom prst="rect">
             <a:avLst/>
@@ -7115,7 +7115,7 @@
             </a:endParaRPr>
           </a:p>
           <a:p>
-            <a:pPr marL="216000" indent="-213480">
+            <a:pPr marL="216000" indent="-213120">
               <a:lnSpc>
                 <a:spcPct val="100000"/>
               </a:lnSpc>
@@ -7161,7 +7161,7 @@
             </a:endParaRPr>
           </a:p>
           <a:p>
-            <a:pPr marL="216000" indent="-213480">
+            <a:pPr marL="216000" indent="-213120">
               <a:lnSpc>
                 <a:spcPct val="100000"/>
               </a:lnSpc>
@@ -7197,7 +7197,7 @@
             </a:endParaRPr>
           </a:p>
           <a:p>
-            <a:pPr marL="216000" indent="-213480">
+            <a:pPr marL="216000" indent="-213120">
               <a:lnSpc>
                 <a:spcPct val="100000"/>
               </a:lnSpc>
@@ -7263,7 +7263,7 @@
         <p:spPr>
           <a:xfrm>
             <a:off x="360000" y="360000"/>
-            <a:ext cx="9357480" cy="897480"/>
+            <a:ext cx="9357120" cy="897120"/>
           </a:xfrm>
           <a:prstGeom prst="rect">
             <a:avLst/>
@@ -7324,7 +7324,7 @@
         <p:spPr>
           <a:xfrm>
             <a:off x="360000" y="1980000"/>
-            <a:ext cx="9177480" cy="4677480"/>
+            <a:ext cx="9177120" cy="4677120"/>
           </a:xfrm>
           <a:prstGeom prst="rect">
             <a:avLst/>
@@ -7350,7 +7350,7 @@
         <p:spPr>
           <a:xfrm>
             <a:off x="360000" y="1980000"/>
-            <a:ext cx="9177480" cy="4677480"/>
+            <a:ext cx="9177120" cy="4677120"/>
           </a:xfrm>
           <a:prstGeom prst="rect">
             <a:avLst/>
@@ -7381,7 +7381,7 @@
             </a:endParaRPr>
           </a:p>
           <a:p>
-            <a:pPr marL="216000" indent="-213480">
+            <a:pPr marL="216000" indent="-213120">
               <a:lnSpc>
                 <a:spcPct val="100000"/>
               </a:lnSpc>
@@ -7427,7 +7427,7 @@
             </a:endParaRPr>
           </a:p>
           <a:p>
-            <a:pPr marL="216000" indent="-213480">
+            <a:pPr marL="216000" indent="-213120">
               <a:lnSpc>
                 <a:spcPct val="100000"/>
               </a:lnSpc>
@@ -7493,7 +7493,7 @@
         <p:spPr>
           <a:xfrm>
             <a:off x="360000" y="360000"/>
-            <a:ext cx="9357480" cy="897480"/>
+            <a:ext cx="9357120" cy="897120"/>
           </a:xfrm>
           <a:prstGeom prst="rect">
             <a:avLst/>
@@ -7544,7 +7544,7 @@
         <p:spPr>
           <a:xfrm>
             <a:off x="360000" y="1980000"/>
-            <a:ext cx="9177480" cy="4677480"/>
+            <a:ext cx="9177120" cy="4677120"/>
           </a:xfrm>
           <a:prstGeom prst="rect">
             <a:avLst/>
@@ -7575,7 +7575,7 @@
             </a:endParaRPr>
           </a:p>
           <a:p>
-            <a:pPr marL="216000" indent="-213480">
+            <a:pPr marL="216000" indent="-213120">
               <a:lnSpc>
                 <a:spcPct val="100000"/>
               </a:lnSpc>
@@ -7611,7 +7611,7 @@
             </a:endParaRPr>
           </a:p>
           <a:p>
-            <a:pPr marL="216000" indent="-213480">
+            <a:pPr marL="216000" indent="-213120">
               <a:lnSpc>
                 <a:spcPct val="100000"/>
               </a:lnSpc>
@@ -7647,7 +7647,7 @@
             </a:endParaRPr>
           </a:p>
           <a:p>
-            <a:pPr marL="216000" indent="-213480">
+            <a:pPr marL="216000" indent="-213120">
               <a:lnSpc>
                 <a:spcPct val="100000"/>
               </a:lnSpc>
@@ -7683,7 +7683,7 @@
             </a:endParaRPr>
           </a:p>
           <a:p>
-            <a:pPr marL="216000" indent="-213480">
+            <a:pPr marL="216000" indent="-213120">
               <a:lnSpc>
                 <a:spcPct val="100000"/>
               </a:lnSpc>
@@ -7748,8 +7748,8 @@
         </p:nvSpPr>
         <p:spPr>
           <a:xfrm>
-            <a:off x="360000" y="360000"/>
-            <a:ext cx="9357480" cy="897480"/>
+            <a:off x="362880" y="-72000"/>
+            <a:ext cx="9357120" cy="897120"/>
           </a:xfrm>
           <a:prstGeom prst="rect">
             <a:avLst/>
@@ -7791,6 +7791,29 @@
           </a:p>
         </p:txBody>
       </p:sp>
+      <p:pic>
+        <p:nvPicPr>
+          <p:cNvPr id="192" name="" descr=""/>
+          <p:cNvPicPr/>
+          <p:nvPr/>
+        </p:nvPicPr>
+        <p:blipFill>
+          <a:blip r:embed="rId1"/>
+          <a:stretch/>
+        </p:blipFill>
+        <p:spPr>
+          <a:xfrm>
+            <a:off x="2304000" y="848880"/>
+            <a:ext cx="5760000" cy="6996960"/>
+          </a:xfrm>
+          <a:prstGeom prst="rect">
+            <a:avLst/>
+          </a:prstGeom>
+          <a:ln>
+            <a:noFill/>
+          </a:ln>
+        </p:spPr>
+      </p:pic>
     </p:spTree>
   </p:cSld>
   <mc:AlternateContent>
@@ -7823,14 +7846,14 @@
       </p:grpSpPr>
       <p:sp>
         <p:nvSpPr>
-          <p:cNvPr id="192" name="CustomShape 1"/>
+          <p:cNvPr id="193" name="CustomShape 1"/>
           <p:cNvSpPr/>
           <p:nvPr/>
         </p:nvSpPr>
         <p:spPr>
           <a:xfrm>
             <a:off x="360000" y="360000"/>
-            <a:ext cx="9357480" cy="897480"/>
+            <a:ext cx="9357120" cy="897120"/>
           </a:xfrm>
           <a:prstGeom prst="rect">
             <a:avLst/>
@@ -7874,14 +7897,14 @@
       </p:sp>
       <p:sp>
         <p:nvSpPr>
-          <p:cNvPr id="193" name="CustomShape 2"/>
+          <p:cNvPr id="194" name="CustomShape 2"/>
           <p:cNvSpPr/>
           <p:nvPr/>
         </p:nvSpPr>
         <p:spPr>
           <a:xfrm>
             <a:off x="360000" y="1980000"/>
-            <a:ext cx="9177480" cy="4677480"/>
+            <a:ext cx="9177120" cy="4677120"/>
           </a:xfrm>
           <a:prstGeom prst="rect">
             <a:avLst/>
@@ -7925,14 +7948,14 @@
       </p:sp>
       <p:sp>
         <p:nvSpPr>
-          <p:cNvPr id="194" name="CustomShape 3"/>
+          <p:cNvPr id="195" name="CustomShape 3"/>
           <p:cNvSpPr/>
           <p:nvPr/>
         </p:nvSpPr>
         <p:spPr>
           <a:xfrm>
             <a:off x="360000" y="1980000"/>
-            <a:ext cx="9177480" cy="4677480"/>
+            <a:ext cx="9177120" cy="4677120"/>
           </a:xfrm>
           <a:prstGeom prst="rect">
             <a:avLst/>
@@ -7963,7 +7986,7 @@
             </a:endParaRPr>
           </a:p>
           <a:p>
-            <a:pPr marL="216000" indent="-213480">
+            <a:pPr marL="216000" indent="-213120">
               <a:lnSpc>
                 <a:spcPct val="100000"/>
               </a:lnSpc>
@@ -7989,7 +8012,7 @@
             </a:endParaRPr>
           </a:p>
           <a:p>
-            <a:pPr lvl="1" marL="432000" indent="-215640">
+            <a:pPr lvl="1" marL="432000" indent="-215280">
               <a:lnSpc>
                 <a:spcPct val="100000"/>
               </a:lnSpc>
@@ -8025,7 +8048,7 @@
             </a:endParaRPr>
           </a:p>
           <a:p>
-            <a:pPr lvl="1" marL="432000" indent="-215640">
+            <a:pPr lvl="1" marL="432000" indent="-215280">
               <a:lnSpc>
                 <a:spcPct val="100000"/>
               </a:lnSpc>
@@ -8094,14 +8117,14 @@
       </p:grpSpPr>
       <p:sp>
         <p:nvSpPr>
-          <p:cNvPr id="195" name="CustomShape 1"/>
+          <p:cNvPr id="196" name="CustomShape 1"/>
           <p:cNvSpPr/>
           <p:nvPr/>
         </p:nvSpPr>
         <p:spPr>
           <a:xfrm>
             <a:off x="360000" y="360000"/>
-            <a:ext cx="9357480" cy="897480"/>
+            <a:ext cx="9357120" cy="897120"/>
           </a:xfrm>
           <a:prstGeom prst="rect">
             <a:avLst/>
@@ -8145,14 +8168,14 @@
       </p:sp>
       <p:sp>
         <p:nvSpPr>
-          <p:cNvPr id="196" name="CustomShape 2"/>
+          <p:cNvPr id="197" name="CustomShape 2"/>
           <p:cNvSpPr/>
           <p:nvPr/>
         </p:nvSpPr>
         <p:spPr>
           <a:xfrm>
             <a:off x="360000" y="1980000"/>
-            <a:ext cx="9177480" cy="4677480"/>
+            <a:ext cx="9177120" cy="4677120"/>
           </a:xfrm>
           <a:prstGeom prst="rect">
             <a:avLst/>
@@ -8196,14 +8219,14 @@
       </p:sp>
       <p:sp>
         <p:nvSpPr>
-          <p:cNvPr id="197" name="CustomShape 3"/>
+          <p:cNvPr id="198" name="CustomShape 3"/>
           <p:cNvSpPr/>
           <p:nvPr/>
         </p:nvSpPr>
         <p:spPr>
           <a:xfrm>
             <a:off x="360000" y="1980000"/>
-            <a:ext cx="9177480" cy="4677480"/>
+            <a:ext cx="9177120" cy="4677120"/>
           </a:xfrm>
           <a:prstGeom prst="rect">
             <a:avLst/>
@@ -8234,7 +8257,7 @@
             </a:endParaRPr>
           </a:p>
           <a:p>
-            <a:pPr marL="216000" indent="-213480">
+            <a:pPr marL="216000" indent="-213120">
               <a:lnSpc>
                 <a:spcPct val="100000"/>
               </a:lnSpc>
@@ -8270,7 +8293,7 @@
             </a:endParaRPr>
           </a:p>
           <a:p>
-            <a:pPr marL="216000" indent="-213480">
+            <a:pPr marL="216000" indent="-213120">
               <a:lnSpc>
                 <a:spcPct val="100000"/>
               </a:lnSpc>
@@ -8306,7 +8329,7 @@
             </a:endParaRPr>
           </a:p>
           <a:p>
-            <a:pPr marL="216000" indent="-213480">
+            <a:pPr marL="216000" indent="-213120">
               <a:lnSpc>
                 <a:spcPct val="100000"/>
               </a:lnSpc>
@@ -8365,14 +8388,14 @@
       </p:grpSpPr>
       <p:sp>
         <p:nvSpPr>
-          <p:cNvPr id="198" name="CustomShape 1"/>
+          <p:cNvPr id="199" name="CustomShape 1"/>
           <p:cNvSpPr/>
           <p:nvPr/>
         </p:nvSpPr>
         <p:spPr>
           <a:xfrm>
             <a:off x="360000" y="360000"/>
-            <a:ext cx="9357480" cy="897480"/>
+            <a:ext cx="9357120" cy="897120"/>
           </a:xfrm>
           <a:prstGeom prst="rect">
             <a:avLst/>
@@ -8416,14 +8439,14 @@
       </p:sp>
       <p:sp>
         <p:nvSpPr>
-          <p:cNvPr id="199" name="CustomShape 2"/>
+          <p:cNvPr id="200" name="CustomShape 2"/>
           <p:cNvSpPr/>
           <p:nvPr/>
         </p:nvSpPr>
         <p:spPr>
           <a:xfrm>
             <a:off x="360000" y="1980000"/>
-            <a:ext cx="9177480" cy="4677480"/>
+            <a:ext cx="9177120" cy="4677120"/>
           </a:xfrm>
           <a:prstGeom prst="rect">
             <a:avLst/>
@@ -8454,7 +8477,7 @@
             </a:endParaRPr>
           </a:p>
           <a:p>
-            <a:pPr marL="216000" indent="-213480">
+            <a:pPr marL="216000" indent="-213120">
               <a:lnSpc>
                 <a:spcPct val="100000"/>
               </a:lnSpc>
@@ -8490,7 +8513,7 @@
             </a:endParaRPr>
           </a:p>
           <a:p>
-            <a:pPr lvl="1" marL="432000" indent="-215640">
+            <a:pPr lvl="1" marL="432000" indent="-215280">
               <a:lnSpc>
                 <a:spcPct val="100000"/>
               </a:lnSpc>
@@ -8526,7 +8549,7 @@
             </a:endParaRPr>
           </a:p>
           <a:p>
-            <a:pPr marL="216000" indent="-213480">
+            <a:pPr marL="216000" indent="-213120">
               <a:lnSpc>
                 <a:spcPct val="100000"/>
               </a:lnSpc>
@@ -8562,7 +8585,7 @@
             </a:endParaRPr>
           </a:p>
           <a:p>
-            <a:pPr lvl="1" marL="432000" indent="-215640">
+            <a:pPr lvl="1" marL="432000" indent="-215280">
               <a:lnSpc>
                 <a:spcPct val="100000"/>
               </a:lnSpc>
@@ -8588,7 +8611,7 @@
             </a:endParaRPr>
           </a:p>
           <a:p>
-            <a:pPr lvl="1" marL="432000" indent="-215640">
+            <a:pPr lvl="1" marL="432000" indent="-215280">
               <a:lnSpc>
                 <a:spcPct val="100000"/>
               </a:lnSpc>
@@ -8614,7 +8637,7 @@
             </a:endParaRPr>
           </a:p>
           <a:p>
-            <a:pPr lvl="1" marL="432000" indent="-215640">
+            <a:pPr lvl="1" marL="432000" indent="-215280">
               <a:lnSpc>
                 <a:spcPct val="100000"/>
               </a:lnSpc>
@@ -8640,7 +8663,7 @@
             </a:endParaRPr>
           </a:p>
           <a:p>
-            <a:pPr lvl="1" marL="432000" indent="-215640">
+            <a:pPr lvl="1" marL="432000" indent="-215280">
               <a:lnSpc>
                 <a:spcPct val="100000"/>
               </a:lnSpc>
@@ -8699,14 +8722,14 @@
       </p:grpSpPr>
       <p:sp>
         <p:nvSpPr>
-          <p:cNvPr id="200" name="CustomShape 1"/>
+          <p:cNvPr id="201" name="CustomShape 1"/>
           <p:cNvSpPr/>
           <p:nvPr/>
         </p:nvSpPr>
         <p:spPr>
           <a:xfrm>
             <a:off x="360000" y="360000"/>
-            <a:ext cx="9357480" cy="897480"/>
+            <a:ext cx="9357120" cy="897120"/>
           </a:xfrm>
           <a:prstGeom prst="rect">
             <a:avLst/>
@@ -8750,14 +8773,14 @@
       </p:sp>
       <p:sp>
         <p:nvSpPr>
-          <p:cNvPr id="201" name="CustomShape 2"/>
+          <p:cNvPr id="202" name="CustomShape 2"/>
           <p:cNvSpPr/>
           <p:nvPr/>
         </p:nvSpPr>
         <p:spPr>
           <a:xfrm>
             <a:off x="360000" y="1980000"/>
-            <a:ext cx="9177480" cy="4677480"/>
+            <a:ext cx="9177120" cy="4677120"/>
           </a:xfrm>
           <a:prstGeom prst="rect">
             <a:avLst/>
@@ -8788,7 +8811,7 @@
             </a:endParaRPr>
           </a:p>
           <a:p>
-            <a:pPr marL="216000" indent="-213480">
+            <a:pPr marL="216000" indent="-213120">
               <a:lnSpc>
                 <a:spcPct val="100000"/>
               </a:lnSpc>
@@ -8817,14 +8840,14 @@
       </p:sp>
       <p:sp>
         <p:nvSpPr>
-          <p:cNvPr id="202" name="CustomShape 3"/>
+          <p:cNvPr id="203" name="CustomShape 3"/>
           <p:cNvSpPr/>
           <p:nvPr/>
         </p:nvSpPr>
         <p:spPr>
           <a:xfrm>
             <a:off x="360000" y="1982160"/>
-            <a:ext cx="9177480" cy="4677480"/>
+            <a:ext cx="9177120" cy="4677120"/>
           </a:xfrm>
           <a:prstGeom prst="rect">
             <a:avLst/>
@@ -8855,7 +8878,7 @@
             </a:endParaRPr>
           </a:p>
           <a:p>
-            <a:pPr marL="216000" indent="-213480">
+            <a:pPr marL="216000" indent="-213120">
               <a:lnSpc>
                 <a:spcPct val="100000"/>
               </a:lnSpc>
@@ -8891,7 +8914,7 @@
             </a:endParaRPr>
           </a:p>
           <a:p>
-            <a:pPr lvl="1" marL="432000" indent="-215640">
+            <a:pPr lvl="1" marL="432000" indent="-215280">
               <a:lnSpc>
                 <a:spcPct val="100000"/>
               </a:lnSpc>
@@ -8927,7 +8950,7 @@
             </a:endParaRPr>
           </a:p>
           <a:p>
-            <a:pPr lvl="1" marL="432000" indent="-215640">
+            <a:pPr lvl="1" marL="432000" indent="-215280">
               <a:lnSpc>
                 <a:spcPct val="100000"/>
               </a:lnSpc>
@@ -8963,7 +8986,7 @@
             </a:endParaRPr>
           </a:p>
           <a:p>
-            <a:pPr lvl="1" marL="432000" indent="-215640">
+            <a:pPr lvl="1" marL="432000" indent="-215280">
               <a:lnSpc>
                 <a:spcPct val="100000"/>
               </a:lnSpc>
@@ -8999,7 +9022,7 @@
             </a:endParaRPr>
           </a:p>
           <a:p>
-            <a:pPr lvl="1" marL="432000" indent="-215640">
+            <a:pPr lvl="1" marL="432000" indent="-215280">
               <a:lnSpc>
                 <a:spcPct val="100000"/>
               </a:lnSpc>
@@ -9058,14 +9081,14 @@
       </p:grpSpPr>
       <p:sp>
         <p:nvSpPr>
-          <p:cNvPr id="203" name="CustomShape 1"/>
+          <p:cNvPr id="204" name="CustomShape 1"/>
           <p:cNvSpPr/>
           <p:nvPr/>
         </p:nvSpPr>
         <p:spPr>
           <a:xfrm>
             <a:off x="360000" y="360000"/>
-            <a:ext cx="9357480" cy="897480"/>
+            <a:ext cx="9357120" cy="897120"/>
           </a:xfrm>
           <a:prstGeom prst="rect">
             <a:avLst/>
@@ -9109,14 +9132,14 @@
       </p:sp>
       <p:sp>
         <p:nvSpPr>
-          <p:cNvPr id="204" name="CustomShape 2"/>
+          <p:cNvPr id="205" name="CustomShape 2"/>
           <p:cNvSpPr/>
           <p:nvPr/>
         </p:nvSpPr>
         <p:spPr>
           <a:xfrm>
             <a:off x="360000" y="1980000"/>
-            <a:ext cx="9177480" cy="4677480"/>
+            <a:ext cx="9177120" cy="4677120"/>
           </a:xfrm>
           <a:prstGeom prst="rect">
             <a:avLst/>
@@ -9147,7 +9170,7 @@
             </a:endParaRPr>
           </a:p>
           <a:p>
-            <a:pPr marL="216000" indent="-213480">
+            <a:pPr marL="216000" indent="-213120">
               <a:lnSpc>
                 <a:spcPct val="100000"/>
               </a:lnSpc>
@@ -9176,14 +9199,14 @@
       </p:sp>
       <p:sp>
         <p:nvSpPr>
-          <p:cNvPr id="205" name="CustomShape 3"/>
+          <p:cNvPr id="206" name="CustomShape 3"/>
           <p:cNvSpPr/>
           <p:nvPr/>
         </p:nvSpPr>
         <p:spPr>
           <a:xfrm>
             <a:off x="360000" y="1982160"/>
-            <a:ext cx="9177480" cy="4677480"/>
+            <a:ext cx="9177120" cy="4677120"/>
           </a:xfrm>
           <a:prstGeom prst="rect">
             <a:avLst/>
@@ -9214,7 +9237,7 @@
             </a:endParaRPr>
           </a:p>
           <a:p>
-            <a:pPr marL="216000" indent="-213480">
+            <a:pPr marL="216000" indent="-213120">
               <a:lnSpc>
                 <a:spcPct val="100000"/>
               </a:lnSpc>
@@ -9260,7 +9283,7 @@
             </a:endParaRPr>
           </a:p>
           <a:p>
-            <a:pPr lvl="1" marL="432000" indent="-215640">
+            <a:pPr lvl="1" marL="432000" indent="-215280">
               <a:lnSpc>
                 <a:spcPct val="100000"/>
               </a:lnSpc>
@@ -9286,7 +9309,7 @@
             </a:endParaRPr>
           </a:p>
           <a:p>
-            <a:pPr lvl="1" marL="432000" indent="-215640">
+            <a:pPr lvl="1" marL="432000" indent="-215280">
               <a:lnSpc>
                 <a:spcPct val="100000"/>
               </a:lnSpc>
@@ -9322,7 +9345,7 @@
             </a:endParaRPr>
           </a:p>
           <a:p>
-            <a:pPr marL="216000" indent="-213480">
+            <a:pPr marL="216000" indent="-213120">
               <a:lnSpc>
                 <a:spcPct val="100000"/>
               </a:lnSpc>
@@ -9358,7 +9381,7 @@
             </a:endParaRPr>
           </a:p>
           <a:p>
-            <a:pPr marL="216000" indent="-213480">
+            <a:pPr marL="216000" indent="-213120">
               <a:lnSpc>
                 <a:spcPct val="100000"/>
               </a:lnSpc>
@@ -9384,7 +9407,7 @@
             </a:endParaRPr>
           </a:p>
           <a:p>
-            <a:pPr lvl="1" marL="432000" indent="-215640">
+            <a:pPr lvl="1" marL="432000" indent="-215280">
               <a:lnSpc>
                 <a:spcPct val="100000"/>
               </a:lnSpc>
@@ -9465,14 +9488,14 @@
       </p:grpSpPr>
       <p:sp>
         <p:nvSpPr>
-          <p:cNvPr id="206" name="CustomShape 1"/>
+          <p:cNvPr id="207" name="CustomShape 1"/>
           <p:cNvSpPr/>
           <p:nvPr/>
         </p:nvSpPr>
         <p:spPr>
           <a:xfrm>
             <a:off x="360000" y="360000"/>
-            <a:ext cx="9357480" cy="897480"/>
+            <a:ext cx="9357120" cy="897120"/>
           </a:xfrm>
           <a:prstGeom prst="rect">
             <a:avLst/>
@@ -9516,14 +9539,14 @@
       </p:sp>
       <p:sp>
         <p:nvSpPr>
-          <p:cNvPr id="207" name="CustomShape 2"/>
+          <p:cNvPr id="208" name="CustomShape 2"/>
           <p:cNvSpPr/>
           <p:nvPr/>
         </p:nvSpPr>
         <p:spPr>
           <a:xfrm>
             <a:off x="360000" y="1980000"/>
-            <a:ext cx="9177480" cy="4677480"/>
+            <a:ext cx="9177120" cy="4677120"/>
           </a:xfrm>
           <a:prstGeom prst="rect">
             <a:avLst/>
@@ -9567,14 +9590,14 @@
       </p:sp>
       <p:sp>
         <p:nvSpPr>
-          <p:cNvPr id="208" name="CustomShape 3"/>
+          <p:cNvPr id="209" name="CustomShape 3"/>
           <p:cNvSpPr/>
           <p:nvPr/>
         </p:nvSpPr>
         <p:spPr>
           <a:xfrm>
             <a:off x="360000" y="1979280"/>
-            <a:ext cx="9177480" cy="4677480"/>
+            <a:ext cx="9177120" cy="4677120"/>
           </a:xfrm>
           <a:prstGeom prst="rect">
             <a:avLst/>
@@ -9705,7 +9728,7 @@
             </a:endParaRPr>
           </a:p>
           <a:p>
-            <a:pPr marL="216000" indent="-213480">
+            <a:pPr marL="216000" indent="-213120">
               <a:lnSpc>
                 <a:spcPct val="100000"/>
               </a:lnSpc>
@@ -9796,7 +9819,7 @@
       </p:sp>
       <p:pic>
         <p:nvPicPr>
-          <p:cNvPr id="209" name="" descr=""/>
+          <p:cNvPr id="210" name="" descr=""/>
           <p:cNvPicPr/>
           <p:nvPr/>
         </p:nvPicPr>
@@ -9807,7 +9830,7 @@
         <p:spPr>
           <a:xfrm>
             <a:off x="504000" y="1512000"/>
-            <a:ext cx="8837280" cy="4370760"/>
+            <a:ext cx="8836920" cy="4370400"/>
           </a:xfrm>
           <a:prstGeom prst="rect">
             <a:avLst/>
@@ -9856,7 +9879,7 @@
         <p:spPr>
           <a:xfrm>
             <a:off x="360000" y="360000"/>
-            <a:ext cx="9357480" cy="897480"/>
+            <a:ext cx="9357120" cy="897120"/>
           </a:xfrm>
           <a:prstGeom prst="rect">
             <a:avLst/>
@@ -9907,7 +9930,7 @@
         <p:spPr>
           <a:xfrm>
             <a:off x="360000" y="1980000"/>
-            <a:ext cx="9177480" cy="4677480"/>
+            <a:ext cx="9177120" cy="4677120"/>
           </a:xfrm>
           <a:prstGeom prst="rect">
             <a:avLst/>
@@ -9938,7 +9961,7 @@
             </a:endParaRPr>
           </a:p>
           <a:p>
-            <a:pPr marL="216000" indent="-213480">
+            <a:pPr marL="216000" indent="-213120">
               <a:lnSpc>
                 <a:spcPct val="100000"/>
               </a:lnSpc>
@@ -9974,7 +9997,7 @@
             </a:endParaRPr>
           </a:p>
           <a:p>
-            <a:pPr marL="216000" indent="-213480">
+            <a:pPr marL="216000" indent="-213120">
               <a:lnSpc>
                 <a:spcPct val="100000"/>
               </a:lnSpc>
@@ -10010,7 +10033,7 @@
             </a:endParaRPr>
           </a:p>
           <a:p>
-            <a:pPr marL="216000" indent="-213480">
+            <a:pPr marL="216000" indent="-213120">
               <a:lnSpc>
                 <a:spcPct val="100000"/>
               </a:lnSpc>
@@ -10046,7 +10069,7 @@
             </a:endParaRPr>
           </a:p>
           <a:p>
-            <a:pPr marL="216000" indent="-213480">
+            <a:pPr marL="216000" indent="-213120">
               <a:lnSpc>
                 <a:spcPct val="100000"/>
               </a:lnSpc>
@@ -10105,14 +10128,14 @@
       </p:grpSpPr>
       <p:sp>
         <p:nvSpPr>
-          <p:cNvPr id="210" name="CustomShape 1"/>
+          <p:cNvPr id="211" name="CustomShape 1"/>
           <p:cNvSpPr/>
           <p:nvPr/>
         </p:nvSpPr>
         <p:spPr>
           <a:xfrm>
             <a:off x="360000" y="360000"/>
-            <a:ext cx="9357480" cy="897480"/>
+            <a:ext cx="9357120" cy="897120"/>
           </a:xfrm>
           <a:prstGeom prst="rect">
             <a:avLst/>
@@ -10156,14 +10179,14 @@
       </p:sp>
       <p:sp>
         <p:nvSpPr>
-          <p:cNvPr id="211" name="CustomShape 2"/>
+          <p:cNvPr id="212" name="CustomShape 2"/>
           <p:cNvSpPr/>
           <p:nvPr/>
         </p:nvSpPr>
         <p:spPr>
           <a:xfrm>
             <a:off x="360000" y="1730160"/>
-            <a:ext cx="9177480" cy="4677480"/>
+            <a:ext cx="9177120" cy="4677120"/>
           </a:xfrm>
           <a:prstGeom prst="rect">
             <a:avLst/>
@@ -10267,14 +10290,14 @@
       </p:sp>
       <p:sp>
         <p:nvSpPr>
-          <p:cNvPr id="212" name="CustomShape 3"/>
+          <p:cNvPr id="213" name="CustomShape 3"/>
           <p:cNvSpPr/>
           <p:nvPr/>
         </p:nvSpPr>
         <p:spPr>
           <a:xfrm>
             <a:off x="360000" y="1370160"/>
-            <a:ext cx="9177480" cy="4677480"/>
+            <a:ext cx="9177120" cy="4677120"/>
           </a:xfrm>
           <a:prstGeom prst="rect">
             <a:avLst/>
@@ -10315,7 +10338,7 @@
             </a:endParaRPr>
           </a:p>
           <a:p>
-            <a:pPr marL="216000" indent="-213480">
+            <a:pPr marL="216000" indent="-213120">
               <a:lnSpc>
                 <a:spcPct val="100000"/>
               </a:lnSpc>
@@ -10341,7 +10364,7 @@
             </a:endParaRPr>
           </a:p>
           <a:p>
-            <a:pPr lvl="1" marL="432000" indent="-215640">
+            <a:pPr lvl="1" marL="432000" indent="-215280">
               <a:lnSpc>
                 <a:spcPct val="100000"/>
               </a:lnSpc>
@@ -10367,7 +10390,7 @@
             </a:endParaRPr>
           </a:p>
           <a:p>
-            <a:pPr lvl="1" marL="432000" indent="-215640">
+            <a:pPr lvl="1" marL="432000" indent="-215280">
               <a:lnSpc>
                 <a:spcPct val="100000"/>
               </a:lnSpc>
@@ -10403,7 +10426,7 @@
             </a:endParaRPr>
           </a:p>
           <a:p>
-            <a:pPr marL="216000" indent="-213480">
+            <a:pPr marL="216000" indent="-213120">
               <a:lnSpc>
                 <a:spcPct val="100000"/>
               </a:lnSpc>
@@ -10439,7 +10462,7 @@
             </a:endParaRPr>
           </a:p>
           <a:p>
-            <a:pPr marL="216000" indent="-213480">
+            <a:pPr marL="216000" indent="-213120">
               <a:lnSpc>
                 <a:spcPct val="100000"/>
               </a:lnSpc>
@@ -10508,14 +10531,14 @@
       </p:grpSpPr>
       <p:sp>
         <p:nvSpPr>
-          <p:cNvPr id="213" name="CustomShape 1"/>
+          <p:cNvPr id="214" name="CustomShape 1"/>
           <p:cNvSpPr/>
           <p:nvPr/>
         </p:nvSpPr>
         <p:spPr>
           <a:xfrm>
             <a:off x="360000" y="360000"/>
-            <a:ext cx="9357480" cy="897480"/>
+            <a:ext cx="9357120" cy="897120"/>
           </a:xfrm>
           <a:prstGeom prst="rect">
             <a:avLst/>
@@ -10559,14 +10582,14 @@
       </p:sp>
       <p:sp>
         <p:nvSpPr>
-          <p:cNvPr id="214" name="CustomShape 2"/>
+          <p:cNvPr id="215" name="CustomShape 2"/>
           <p:cNvSpPr/>
           <p:nvPr/>
         </p:nvSpPr>
         <p:spPr>
           <a:xfrm>
             <a:off x="360000" y="1980000"/>
-            <a:ext cx="9177480" cy="4677480"/>
+            <a:ext cx="9177120" cy="4677120"/>
           </a:xfrm>
           <a:prstGeom prst="rect">
             <a:avLst/>
@@ -10610,14 +10633,14 @@
       </p:sp>
       <p:sp>
         <p:nvSpPr>
-          <p:cNvPr id="215" name="CustomShape 3"/>
+          <p:cNvPr id="216" name="CustomShape 3"/>
           <p:cNvSpPr/>
           <p:nvPr/>
         </p:nvSpPr>
         <p:spPr>
           <a:xfrm>
             <a:off x="360000" y="1800000"/>
-            <a:ext cx="9177480" cy="4677480"/>
+            <a:ext cx="9177120" cy="4677120"/>
           </a:xfrm>
           <a:prstGeom prst="rect">
             <a:avLst/>
@@ -10661,14 +10684,14 @@
       </p:sp>
       <p:sp>
         <p:nvSpPr>
-          <p:cNvPr id="216" name="CustomShape 4"/>
+          <p:cNvPr id="217" name="CustomShape 4"/>
           <p:cNvSpPr/>
           <p:nvPr/>
         </p:nvSpPr>
         <p:spPr>
           <a:xfrm>
             <a:off x="360000" y="1547280"/>
-            <a:ext cx="9177480" cy="4677480"/>
+            <a:ext cx="9177120" cy="4677120"/>
           </a:xfrm>
           <a:prstGeom prst="rect">
             <a:avLst/>
@@ -10709,7 +10732,7 @@
             </a:endParaRPr>
           </a:p>
           <a:p>
-            <a:pPr marL="216000" indent="-213480">
+            <a:pPr marL="216000" indent="-213120">
               <a:lnSpc>
                 <a:spcPct val="100000"/>
               </a:lnSpc>
@@ -10745,7 +10768,7 @@
             </a:endParaRPr>
           </a:p>
           <a:p>
-            <a:pPr lvl="1" marL="432000" indent="-215640">
+            <a:pPr lvl="1" marL="432000" indent="-215280">
               <a:lnSpc>
                 <a:spcPct val="100000"/>
               </a:lnSpc>
@@ -10771,7 +10794,7 @@
             </a:endParaRPr>
           </a:p>
           <a:p>
-            <a:pPr lvl="2" marL="648000" indent="-215640">
+            <a:pPr lvl="2" marL="648000" indent="-215280">
               <a:lnSpc>
                 <a:spcPct val="100000"/>
               </a:lnSpc>
@@ -10797,7 +10820,7 @@
             </a:endParaRPr>
           </a:p>
           <a:p>
-            <a:pPr lvl="2" marL="648000" indent="-215640">
+            <a:pPr lvl="2" marL="648000" indent="-215280">
               <a:lnSpc>
                 <a:spcPct val="100000"/>
               </a:lnSpc>
@@ -10823,7 +10846,7 @@
             </a:endParaRPr>
           </a:p>
           <a:p>
-            <a:pPr lvl="2" marL="648000" indent="-215640">
+            <a:pPr lvl="2" marL="648000" indent="-215280">
               <a:lnSpc>
                 <a:spcPct val="100000"/>
               </a:lnSpc>
@@ -10859,7 +10882,7 @@
             </a:endParaRPr>
           </a:p>
           <a:p>
-            <a:pPr lvl="1" marL="432000" indent="-215640">
+            <a:pPr lvl="1" marL="432000" indent="-215280">
               <a:lnSpc>
                 <a:spcPct val="100000"/>
               </a:lnSpc>
@@ -10885,7 +10908,7 @@
             </a:endParaRPr>
           </a:p>
           <a:p>
-            <a:pPr lvl="2" marL="648000" indent="-215640">
+            <a:pPr lvl="2" marL="648000" indent="-215280">
               <a:lnSpc>
                 <a:spcPct val="100000"/>
               </a:lnSpc>
@@ -10944,14 +10967,14 @@
       </p:grpSpPr>
       <p:sp>
         <p:nvSpPr>
-          <p:cNvPr id="217" name="CustomShape 1"/>
+          <p:cNvPr id="218" name="CustomShape 1"/>
           <p:cNvSpPr/>
           <p:nvPr/>
         </p:nvSpPr>
         <p:spPr>
           <a:xfrm>
             <a:off x="360000" y="360000"/>
-            <a:ext cx="9357480" cy="897480"/>
+            <a:ext cx="9357120" cy="897120"/>
           </a:xfrm>
           <a:prstGeom prst="rect">
             <a:avLst/>
@@ -10995,14 +11018,14 @@
       </p:sp>
       <p:sp>
         <p:nvSpPr>
-          <p:cNvPr id="218" name="CustomShape 2"/>
+          <p:cNvPr id="219" name="CustomShape 2"/>
           <p:cNvSpPr/>
           <p:nvPr/>
         </p:nvSpPr>
         <p:spPr>
           <a:xfrm>
             <a:off x="360000" y="1980000"/>
-            <a:ext cx="9177480" cy="4677480"/>
+            <a:ext cx="9177120" cy="4677120"/>
           </a:xfrm>
           <a:prstGeom prst="rect">
             <a:avLst/>
@@ -11046,14 +11069,14 @@
       </p:sp>
       <p:sp>
         <p:nvSpPr>
-          <p:cNvPr id="219" name="CustomShape 3"/>
+          <p:cNvPr id="220" name="CustomShape 3"/>
           <p:cNvSpPr/>
           <p:nvPr/>
         </p:nvSpPr>
         <p:spPr>
           <a:xfrm>
             <a:off x="360000" y="1800000"/>
-            <a:ext cx="9177480" cy="4677480"/>
+            <a:ext cx="9177120" cy="4677120"/>
           </a:xfrm>
           <a:prstGeom prst="rect">
             <a:avLst/>
@@ -11097,14 +11120,14 @@
       </p:sp>
       <p:sp>
         <p:nvSpPr>
-          <p:cNvPr id="220" name="CustomShape 4"/>
+          <p:cNvPr id="221" name="CustomShape 4"/>
           <p:cNvSpPr/>
           <p:nvPr/>
         </p:nvSpPr>
         <p:spPr>
           <a:xfrm>
             <a:off x="360000" y="1196280"/>
-            <a:ext cx="9177480" cy="4677480"/>
+            <a:ext cx="9177120" cy="4677120"/>
           </a:xfrm>
           <a:prstGeom prst="rect">
             <a:avLst/>
@@ -11145,7 +11168,7 @@
             </a:endParaRPr>
           </a:p>
           <a:p>
-            <a:pPr marL="216000" indent="-213480">
+            <a:pPr marL="216000" indent="-213120">
               <a:lnSpc>
                 <a:spcPct val="100000"/>
               </a:lnSpc>
@@ -11181,7 +11204,7 @@
             </a:endParaRPr>
           </a:p>
           <a:p>
-            <a:pPr lvl="1" marL="432000" indent="-215640">
+            <a:pPr lvl="1" marL="432000" indent="-215280">
               <a:lnSpc>
                 <a:spcPct val="100000"/>
               </a:lnSpc>
@@ -11207,7 +11230,7 @@
             </a:endParaRPr>
           </a:p>
           <a:p>
-            <a:pPr lvl="2" marL="648000" indent="-215640">
+            <a:pPr lvl="2" marL="648000" indent="-215280">
               <a:lnSpc>
                 <a:spcPct val="100000"/>
               </a:lnSpc>
@@ -11233,7 +11256,7 @@
             </a:endParaRPr>
           </a:p>
           <a:p>
-            <a:pPr lvl="2" marL="648000" indent="-215640">
+            <a:pPr lvl="2" marL="648000" indent="-215280">
               <a:lnSpc>
                 <a:spcPct val="100000"/>
               </a:lnSpc>
@@ -11259,7 +11282,7 @@
             </a:endParaRPr>
           </a:p>
           <a:p>
-            <a:pPr lvl="2" marL="648000" indent="-215640">
+            <a:pPr lvl="2" marL="648000" indent="-215280">
               <a:lnSpc>
                 <a:spcPct val="100000"/>
               </a:lnSpc>
@@ -11285,7 +11308,7 @@
             </a:endParaRPr>
           </a:p>
           <a:p>
-            <a:pPr lvl="2" marL="648000" indent="-215640">
+            <a:pPr lvl="2" marL="648000" indent="-215280">
               <a:lnSpc>
                 <a:spcPct val="100000"/>
               </a:lnSpc>
@@ -11344,14 +11367,14 @@
       </p:grpSpPr>
       <p:sp>
         <p:nvSpPr>
-          <p:cNvPr id="221" name="CustomShape 1"/>
+          <p:cNvPr id="222" name="CustomShape 1"/>
           <p:cNvSpPr/>
           <p:nvPr/>
         </p:nvSpPr>
         <p:spPr>
           <a:xfrm>
             <a:off x="360000" y="360000"/>
-            <a:ext cx="9357480" cy="897480"/>
+            <a:ext cx="9357120" cy="897120"/>
           </a:xfrm>
           <a:prstGeom prst="rect">
             <a:avLst/>
@@ -11395,14 +11418,14 @@
       </p:sp>
       <p:sp>
         <p:nvSpPr>
-          <p:cNvPr id="222" name="CustomShape 2"/>
+          <p:cNvPr id="223" name="CustomShape 2"/>
           <p:cNvSpPr/>
           <p:nvPr/>
         </p:nvSpPr>
         <p:spPr>
           <a:xfrm>
             <a:off x="360000" y="1800000"/>
-            <a:ext cx="9177480" cy="4677480"/>
+            <a:ext cx="9177120" cy="4677120"/>
           </a:xfrm>
           <a:prstGeom prst="rect">
             <a:avLst/>
@@ -11446,14 +11469,14 @@
       </p:sp>
       <p:sp>
         <p:nvSpPr>
-          <p:cNvPr id="223" name="CustomShape 3"/>
+          <p:cNvPr id="224" name="CustomShape 3"/>
           <p:cNvSpPr/>
           <p:nvPr/>
         </p:nvSpPr>
         <p:spPr>
           <a:xfrm>
             <a:off x="360000" y="1196280"/>
-            <a:ext cx="9177480" cy="4677480"/>
+            <a:ext cx="9177120" cy="4677120"/>
           </a:xfrm>
           <a:prstGeom prst="rect">
             <a:avLst/>
@@ -11494,7 +11517,7 @@
             </a:endParaRPr>
           </a:p>
           <a:p>
-            <a:pPr marL="216000" indent="-213480">
+            <a:pPr marL="216000" indent="-213120">
               <a:lnSpc>
                 <a:spcPct val="100000"/>
               </a:lnSpc>
@@ -11530,7 +11553,7 @@
             </a:endParaRPr>
           </a:p>
           <a:p>
-            <a:pPr lvl="1" marL="432000" indent="-215640">
+            <a:pPr lvl="1" marL="432000" indent="-215280">
               <a:lnSpc>
                 <a:spcPct val="100000"/>
               </a:lnSpc>
@@ -11566,7 +11589,7 @@
             </a:endParaRPr>
           </a:p>
           <a:p>
-            <a:pPr lvl="1" marL="432000" indent="-215640">
+            <a:pPr lvl="1" marL="432000" indent="-215280">
               <a:lnSpc>
                 <a:spcPct val="100000"/>
               </a:lnSpc>
@@ -11602,7 +11625,7 @@
             </a:endParaRPr>
           </a:p>
           <a:p>
-            <a:pPr lvl="1" marL="432000" indent="-215640">
+            <a:pPr lvl="1" marL="432000" indent="-215280">
               <a:lnSpc>
                 <a:spcPct val="100000"/>
               </a:lnSpc>
@@ -11638,7 +11661,7 @@
             </a:endParaRPr>
           </a:p>
           <a:p>
-            <a:pPr lvl="1" marL="432000" indent="-215640">
+            <a:pPr lvl="1" marL="432000" indent="-215280">
               <a:lnSpc>
                 <a:spcPct val="100000"/>
               </a:lnSpc>
@@ -11674,7 +11697,7 @@
             </a:endParaRPr>
           </a:p>
           <a:p>
-            <a:pPr lvl="1" marL="432000" indent="-215640">
+            <a:pPr lvl="1" marL="432000" indent="-215280">
               <a:lnSpc>
                 <a:spcPct val="100000"/>
               </a:lnSpc>
@@ -11733,14 +11756,14 @@
       </p:grpSpPr>
       <p:sp>
         <p:nvSpPr>
-          <p:cNvPr id="224" name="CustomShape 1"/>
+          <p:cNvPr id="225" name="CustomShape 1"/>
           <p:cNvSpPr/>
           <p:nvPr/>
         </p:nvSpPr>
         <p:spPr>
           <a:xfrm>
             <a:off x="360000" y="360000"/>
-            <a:ext cx="9357480" cy="897480"/>
+            <a:ext cx="9357120" cy="897120"/>
           </a:xfrm>
           <a:prstGeom prst="rect">
             <a:avLst/>
@@ -11784,14 +11807,14 @@
       </p:sp>
       <p:sp>
         <p:nvSpPr>
-          <p:cNvPr id="225" name="CustomShape 2"/>
+          <p:cNvPr id="226" name="CustomShape 2"/>
           <p:cNvSpPr/>
           <p:nvPr/>
         </p:nvSpPr>
         <p:spPr>
           <a:xfrm>
             <a:off x="360000" y="1980000"/>
-            <a:ext cx="9177480" cy="4677480"/>
+            <a:ext cx="9177120" cy="4677120"/>
           </a:xfrm>
           <a:prstGeom prst="rect">
             <a:avLst/>
@@ -11835,14 +11858,14 @@
       </p:sp>
       <p:sp>
         <p:nvSpPr>
-          <p:cNvPr id="226" name="CustomShape 3"/>
+          <p:cNvPr id="227" name="CustomShape 3"/>
           <p:cNvSpPr/>
           <p:nvPr/>
         </p:nvSpPr>
         <p:spPr>
           <a:xfrm>
             <a:off x="360000" y="1800000"/>
-            <a:ext cx="9177480" cy="4677480"/>
+            <a:ext cx="9177120" cy="4677120"/>
           </a:xfrm>
           <a:prstGeom prst="rect">
             <a:avLst/>
@@ -11886,14 +11909,14 @@
       </p:sp>
       <p:sp>
         <p:nvSpPr>
-          <p:cNvPr id="227" name="CustomShape 4"/>
+          <p:cNvPr id="228" name="CustomShape 4"/>
           <p:cNvSpPr/>
           <p:nvPr/>
         </p:nvSpPr>
         <p:spPr>
           <a:xfrm>
             <a:off x="360000" y="1196280"/>
-            <a:ext cx="9177480" cy="4677480"/>
+            <a:ext cx="9177120" cy="4677120"/>
           </a:xfrm>
           <a:prstGeom prst="rect">
             <a:avLst/>
@@ -11934,7 +11957,7 @@
             </a:endParaRPr>
           </a:p>
           <a:p>
-            <a:pPr marL="216000" indent="-213480">
+            <a:pPr marL="216000" indent="-213120">
               <a:lnSpc>
                 <a:spcPct val="100000"/>
               </a:lnSpc>
@@ -11960,7 +11983,17 @@
             </a:endParaRPr>
           </a:p>
           <a:p>
-            <a:pPr marL="216000" indent="-213480">
+            <a:pPr>
+              <a:lnSpc>
+                <a:spcPct val="100000"/>
+              </a:lnSpc>
+            </a:pPr>
+            <a:endParaRPr b="0" lang="en-GB" sz="2600" spc="-1" strike="noStrike">
+              <a:latin typeface="Arial"/>
+            </a:endParaRPr>
+          </a:p>
+          <a:p>
+            <a:pPr marL="216000" indent="-213120">
               <a:lnSpc>
                 <a:spcPct val="100000"/>
               </a:lnSpc>
@@ -11971,22 +12004,6 @@
               <a:buFont typeface="Wingdings" charset="2"/>
               <a:buChar char=""/>
             </a:pPr>
-            <a:endParaRPr b="0" lang="en-GB" sz="2600" spc="-1" strike="noStrike">
-              <a:latin typeface="Arial"/>
-            </a:endParaRPr>
-          </a:p>
-          <a:p>
-            <a:pPr marL="216000" indent="-213480">
-              <a:lnSpc>
-                <a:spcPct val="100000"/>
-              </a:lnSpc>
-              <a:buClr>
-                <a:srgbClr val="000000"/>
-              </a:buClr>
-              <a:buSzPct val="45000"/>
-              <a:buFont typeface="Wingdings" charset="2"/>
-              <a:buChar char=""/>
-            </a:pPr>
             <a:r>
               <a:rPr b="1" lang="en-GB" sz="2600" spc="-1" strike="noStrike">
                 <a:solidFill>
@@ -12005,7 +12022,7 @@
       </p:sp>
       <p:pic>
         <p:nvPicPr>
-          <p:cNvPr id="228" name="" descr=""/>
+          <p:cNvPr id="229" name="" descr=""/>
           <p:cNvPicPr/>
           <p:nvPr/>
         </p:nvPicPr>
@@ -12016,7 +12033,7 @@
         <p:spPr>
           <a:xfrm>
             <a:off x="2067840" y="3129840"/>
-            <a:ext cx="5348160" cy="3638160"/>
+            <a:ext cx="5347800" cy="3637800"/>
           </a:xfrm>
           <a:prstGeom prst="rect">
             <a:avLst/>
@@ -12058,14 +12075,14 @@
       </p:grpSpPr>
       <p:sp>
         <p:nvSpPr>
-          <p:cNvPr id="229" name="CustomShape 1"/>
+          <p:cNvPr id="230" name="CustomShape 1"/>
           <p:cNvSpPr/>
           <p:nvPr/>
         </p:nvSpPr>
         <p:spPr>
           <a:xfrm>
             <a:off x="360000" y="360000"/>
-            <a:ext cx="9357480" cy="897480"/>
+            <a:ext cx="9357120" cy="897120"/>
           </a:xfrm>
           <a:prstGeom prst="rect">
             <a:avLst/>
@@ -12109,14 +12126,14 @@
       </p:sp>
       <p:sp>
         <p:nvSpPr>
-          <p:cNvPr id="230" name="CustomShape 2"/>
+          <p:cNvPr id="231" name="CustomShape 2"/>
           <p:cNvSpPr/>
           <p:nvPr/>
         </p:nvSpPr>
         <p:spPr>
           <a:xfrm>
             <a:off x="360000" y="1980000"/>
-            <a:ext cx="9177480" cy="4677480"/>
+            <a:ext cx="9177120" cy="4677120"/>
           </a:xfrm>
           <a:prstGeom prst="rect">
             <a:avLst/>
@@ -12160,14 +12177,14 @@
       </p:sp>
       <p:sp>
         <p:nvSpPr>
-          <p:cNvPr id="231" name="CustomShape 3"/>
+          <p:cNvPr id="232" name="CustomShape 3"/>
           <p:cNvSpPr/>
           <p:nvPr/>
         </p:nvSpPr>
         <p:spPr>
           <a:xfrm>
             <a:off x="360000" y="1800000"/>
-            <a:ext cx="9177480" cy="4677480"/>
+            <a:ext cx="9177120" cy="4677120"/>
           </a:xfrm>
           <a:prstGeom prst="rect">
             <a:avLst/>
@@ -12211,14 +12228,14 @@
       </p:sp>
       <p:sp>
         <p:nvSpPr>
-          <p:cNvPr id="232" name="CustomShape 4"/>
+          <p:cNvPr id="233" name="CustomShape 4"/>
           <p:cNvSpPr/>
           <p:nvPr/>
         </p:nvSpPr>
         <p:spPr>
           <a:xfrm>
             <a:off x="360000" y="1196280"/>
-            <a:ext cx="9177480" cy="4677480"/>
+            <a:ext cx="9177120" cy="4677120"/>
           </a:xfrm>
           <a:prstGeom prst="rect">
             <a:avLst/>
@@ -12259,7 +12276,7 @@
             </a:endParaRPr>
           </a:p>
           <a:p>
-            <a:pPr marL="216000" indent="-213480">
+            <a:pPr marL="216000" indent="-213120">
               <a:lnSpc>
                 <a:spcPct val="100000"/>
               </a:lnSpc>
@@ -12285,7 +12302,17 @@
             </a:endParaRPr>
           </a:p>
           <a:p>
-            <a:pPr marL="216000" indent="-213480">
+            <a:pPr>
+              <a:lnSpc>
+                <a:spcPct val="100000"/>
+              </a:lnSpc>
+            </a:pPr>
+            <a:endParaRPr b="0" lang="en-GB" sz="2600" spc="-1" strike="noStrike">
+              <a:latin typeface="Arial"/>
+            </a:endParaRPr>
+          </a:p>
+          <a:p>
+            <a:pPr marL="216000" indent="-213120">
               <a:lnSpc>
                 <a:spcPct val="100000"/>
               </a:lnSpc>
@@ -12296,22 +12323,6 @@
               <a:buFont typeface="Wingdings" charset="2"/>
               <a:buChar char=""/>
             </a:pPr>
-            <a:endParaRPr b="0" lang="en-GB" sz="2600" spc="-1" strike="noStrike">
-              <a:latin typeface="Arial"/>
-            </a:endParaRPr>
-          </a:p>
-          <a:p>
-            <a:pPr marL="216000" indent="-213480">
-              <a:lnSpc>
-                <a:spcPct val="100000"/>
-              </a:lnSpc>
-              <a:buClr>
-                <a:srgbClr val="000000"/>
-              </a:buClr>
-              <a:buSzPct val="45000"/>
-              <a:buFont typeface="Wingdings" charset="2"/>
-              <a:buChar char=""/>
-            </a:pPr>
             <a:r>
               <a:rPr b="1" lang="en-GB" sz="2600" spc="-1" strike="noStrike">
                 <a:solidFill>
@@ -12327,23 +12338,17 @@
             </a:endParaRPr>
           </a:p>
           <a:p>
-            <a:pPr marL="216000" indent="-213480">
-              <a:lnSpc>
-                <a:spcPct val="100000"/>
-              </a:lnSpc>
-              <a:buClr>
-                <a:srgbClr val="000000"/>
-              </a:buClr>
-              <a:buSzPct val="45000"/>
-              <a:buFont typeface="Wingdings" charset="2"/>
-              <a:buChar char=""/>
-            </a:pPr>
-            <a:endParaRPr b="0" lang="en-GB" sz="2600" spc="-1" strike="noStrike">
-              <a:latin typeface="Arial"/>
-            </a:endParaRPr>
-          </a:p>
-          <a:p>
-            <a:pPr marL="216000" indent="-213480">
+            <a:pPr>
+              <a:lnSpc>
+                <a:spcPct val="100000"/>
+              </a:lnSpc>
+            </a:pPr>
+            <a:endParaRPr b="0" lang="en-GB" sz="2600" spc="-1" strike="noStrike">
+              <a:latin typeface="Arial"/>
+            </a:endParaRPr>
+          </a:p>
+          <a:p>
+            <a:pPr marL="216000" indent="-213120">
               <a:lnSpc>
                 <a:spcPct val="100000"/>
               </a:lnSpc>
@@ -12402,14 +12407,14 @@
       </p:grpSpPr>
       <p:sp>
         <p:nvSpPr>
-          <p:cNvPr id="233" name="CustomShape 1"/>
+          <p:cNvPr id="234" name="CustomShape 1"/>
           <p:cNvSpPr/>
           <p:nvPr/>
         </p:nvSpPr>
         <p:spPr>
           <a:xfrm>
             <a:off x="360000" y="360000"/>
-            <a:ext cx="9357480" cy="897480"/>
+            <a:ext cx="9357120" cy="897120"/>
           </a:xfrm>
           <a:prstGeom prst="rect">
             <a:avLst/>
@@ -12453,14 +12458,14 @@
       </p:sp>
       <p:sp>
         <p:nvSpPr>
-          <p:cNvPr id="234" name="CustomShape 2"/>
+          <p:cNvPr id="235" name="CustomShape 2"/>
           <p:cNvSpPr/>
           <p:nvPr/>
         </p:nvSpPr>
         <p:spPr>
           <a:xfrm>
             <a:off x="360000" y="1980000"/>
-            <a:ext cx="9177480" cy="4677480"/>
+            <a:ext cx="9177120" cy="4677120"/>
           </a:xfrm>
           <a:prstGeom prst="rect">
             <a:avLst/>
@@ -12504,14 +12509,14 @@
       </p:sp>
       <p:sp>
         <p:nvSpPr>
-          <p:cNvPr id="235" name="CustomShape 3"/>
+          <p:cNvPr id="236" name="CustomShape 3"/>
           <p:cNvSpPr/>
           <p:nvPr/>
         </p:nvSpPr>
         <p:spPr>
           <a:xfrm>
             <a:off x="360000" y="1800000"/>
-            <a:ext cx="9177480" cy="4677480"/>
+            <a:ext cx="9177120" cy="4677120"/>
           </a:xfrm>
           <a:prstGeom prst="rect">
             <a:avLst/>
@@ -12555,14 +12560,14 @@
       </p:sp>
       <p:sp>
         <p:nvSpPr>
-          <p:cNvPr id="236" name="CustomShape 4"/>
+          <p:cNvPr id="237" name="CustomShape 4"/>
           <p:cNvSpPr/>
           <p:nvPr/>
         </p:nvSpPr>
         <p:spPr>
           <a:xfrm>
             <a:off x="360000" y="1196280"/>
-            <a:ext cx="9177480" cy="4677480"/>
+            <a:ext cx="9177120" cy="4677120"/>
           </a:xfrm>
           <a:prstGeom prst="rect">
             <a:avLst/>
@@ -12603,7 +12608,7 @@
             </a:endParaRPr>
           </a:p>
           <a:p>
-            <a:pPr marL="216000" indent="-213480">
+            <a:pPr marL="216000" indent="-213120">
               <a:lnSpc>
                 <a:spcPct val="100000"/>
               </a:lnSpc>
@@ -12629,7 +12634,17 @@
             </a:endParaRPr>
           </a:p>
           <a:p>
-            <a:pPr marL="216000" indent="-213480">
+            <a:pPr>
+              <a:lnSpc>
+                <a:spcPct val="100000"/>
+              </a:lnSpc>
+            </a:pPr>
+            <a:endParaRPr b="0" lang="en-GB" sz="2600" spc="-1" strike="noStrike">
+              <a:latin typeface="Arial"/>
+            </a:endParaRPr>
+          </a:p>
+          <a:p>
+            <a:pPr marL="216000" indent="-213120">
               <a:lnSpc>
                 <a:spcPct val="100000"/>
               </a:lnSpc>
@@ -12640,22 +12655,6 @@
               <a:buFont typeface="Wingdings" charset="2"/>
               <a:buChar char=""/>
             </a:pPr>
-            <a:endParaRPr b="0" lang="en-GB" sz="2600" spc="-1" strike="noStrike">
-              <a:latin typeface="Arial"/>
-            </a:endParaRPr>
-          </a:p>
-          <a:p>
-            <a:pPr marL="216000" indent="-213480">
-              <a:lnSpc>
-                <a:spcPct val="100000"/>
-              </a:lnSpc>
-              <a:buClr>
-                <a:srgbClr val="000000"/>
-              </a:buClr>
-              <a:buSzPct val="45000"/>
-              <a:buFont typeface="Wingdings" charset="2"/>
-              <a:buChar char=""/>
-            </a:pPr>
             <a:r>
               <a:rPr b="1" lang="en-GB" sz="2600" spc="-1" strike="noStrike">
                 <a:solidFill>
@@ -12671,23 +12670,17 @@
             </a:endParaRPr>
           </a:p>
           <a:p>
-            <a:pPr marL="216000" indent="-213480">
-              <a:lnSpc>
-                <a:spcPct val="100000"/>
-              </a:lnSpc>
-              <a:buClr>
-                <a:srgbClr val="000000"/>
-              </a:buClr>
-              <a:buSzPct val="45000"/>
-              <a:buFont typeface="Wingdings" charset="2"/>
-              <a:buChar char=""/>
-            </a:pPr>
-            <a:endParaRPr b="0" lang="en-GB" sz="2600" spc="-1" strike="noStrike">
-              <a:latin typeface="Arial"/>
-            </a:endParaRPr>
-          </a:p>
-          <a:p>
-            <a:pPr marL="216000" indent="-213480">
+            <a:pPr>
+              <a:lnSpc>
+                <a:spcPct val="100000"/>
+              </a:lnSpc>
+            </a:pPr>
+            <a:endParaRPr b="0" lang="en-GB" sz="2600" spc="-1" strike="noStrike">
+              <a:latin typeface="Arial"/>
+            </a:endParaRPr>
+          </a:p>
+          <a:p>
+            <a:pPr marL="216000" indent="-213120">
               <a:lnSpc>
                 <a:spcPct val="100000"/>
               </a:lnSpc>
@@ -12746,14 +12739,14 @@
       </p:grpSpPr>
       <p:sp>
         <p:nvSpPr>
-          <p:cNvPr id="237" name="CustomShape 1"/>
+          <p:cNvPr id="238" name="CustomShape 1"/>
           <p:cNvSpPr/>
           <p:nvPr/>
         </p:nvSpPr>
         <p:spPr>
           <a:xfrm>
             <a:off x="360000" y="360000"/>
-            <a:ext cx="9357480" cy="897480"/>
+            <a:ext cx="9357120" cy="897120"/>
           </a:xfrm>
           <a:prstGeom prst="rect">
             <a:avLst/>
@@ -12797,14 +12790,14 @@
       </p:sp>
       <p:sp>
         <p:nvSpPr>
-          <p:cNvPr id="238" name="CustomShape 2"/>
+          <p:cNvPr id="239" name="CustomShape 2"/>
           <p:cNvSpPr/>
           <p:nvPr/>
         </p:nvSpPr>
         <p:spPr>
           <a:xfrm>
             <a:off x="360000" y="1980000"/>
-            <a:ext cx="9177480" cy="4677480"/>
+            <a:ext cx="9177120" cy="4677120"/>
           </a:xfrm>
           <a:prstGeom prst="rect">
             <a:avLst/>
@@ -12848,14 +12841,14 @@
       </p:sp>
       <p:sp>
         <p:nvSpPr>
-          <p:cNvPr id="239" name="CustomShape 3"/>
+          <p:cNvPr id="240" name="CustomShape 3"/>
           <p:cNvSpPr/>
           <p:nvPr/>
         </p:nvSpPr>
         <p:spPr>
           <a:xfrm>
             <a:off x="360000" y="1800000"/>
-            <a:ext cx="9177480" cy="4677480"/>
+            <a:ext cx="9177120" cy="4677120"/>
           </a:xfrm>
           <a:prstGeom prst="rect">
             <a:avLst/>
@@ -12899,14 +12892,14 @@
       </p:sp>
       <p:sp>
         <p:nvSpPr>
-          <p:cNvPr id="240" name="CustomShape 4"/>
+          <p:cNvPr id="241" name="CustomShape 4"/>
           <p:cNvSpPr/>
           <p:nvPr/>
         </p:nvSpPr>
         <p:spPr>
           <a:xfrm>
             <a:off x="360000" y="1196280"/>
-            <a:ext cx="9177480" cy="4677480"/>
+            <a:ext cx="9177120" cy="4677120"/>
           </a:xfrm>
           <a:prstGeom prst="rect">
             <a:avLst/>
@@ -12947,7 +12940,7 @@
             </a:endParaRPr>
           </a:p>
           <a:p>
-            <a:pPr marL="216000" indent="-213480">
+            <a:pPr marL="216000" indent="-213120">
               <a:lnSpc>
                 <a:spcPct val="100000"/>
               </a:lnSpc>
@@ -12973,23 +12966,17 @@
             </a:endParaRPr>
           </a:p>
           <a:p>
-            <a:pPr marL="216000" indent="-213480">
-              <a:lnSpc>
-                <a:spcPct val="100000"/>
-              </a:lnSpc>
-              <a:buClr>
-                <a:srgbClr val="000000"/>
-              </a:buClr>
-              <a:buSzPct val="45000"/>
-              <a:buFont typeface="Wingdings" charset="2"/>
-              <a:buChar char=""/>
-            </a:pPr>
-            <a:endParaRPr b="0" lang="en-GB" sz="2600" spc="-1" strike="noStrike">
-              <a:latin typeface="Arial"/>
-            </a:endParaRPr>
-          </a:p>
-          <a:p>
-            <a:pPr marL="216000" indent="-213480">
+            <a:pPr>
+              <a:lnSpc>
+                <a:spcPct val="100000"/>
+              </a:lnSpc>
+            </a:pPr>
+            <a:endParaRPr b="0" lang="en-GB" sz="2600" spc="-1" strike="noStrike">
+              <a:latin typeface="Arial"/>
+            </a:endParaRPr>
+          </a:p>
+          <a:p>
+            <a:pPr marL="216000" indent="-213120">
               <a:lnSpc>
                 <a:spcPct val="100000"/>
               </a:lnSpc>
@@ -13048,14 +13035,14 @@
       </p:grpSpPr>
       <p:sp>
         <p:nvSpPr>
-          <p:cNvPr id="241" name="CustomShape 1"/>
+          <p:cNvPr id="242" name="CustomShape 1"/>
           <p:cNvSpPr/>
           <p:nvPr/>
         </p:nvSpPr>
         <p:spPr>
           <a:xfrm>
             <a:off x="360000" y="360000"/>
-            <a:ext cx="9357480" cy="897480"/>
+            <a:ext cx="9357120" cy="897120"/>
           </a:xfrm>
           <a:prstGeom prst="rect">
             <a:avLst/>
@@ -13097,6 +13084,29 @@
           </a:p>
         </p:txBody>
       </p:sp>
+      <p:pic>
+        <p:nvPicPr>
+          <p:cNvPr id="243" name="" descr=""/>
+          <p:cNvPicPr/>
+          <p:nvPr/>
+        </p:nvPicPr>
+        <p:blipFill>
+          <a:blip r:embed="rId1"/>
+          <a:stretch/>
+        </p:blipFill>
+        <p:spPr>
+          <a:xfrm>
+            <a:off x="4223520" y="1473480"/>
+            <a:ext cx="4632480" cy="5294520"/>
+          </a:xfrm>
+          <a:prstGeom prst="rect">
+            <a:avLst/>
+          </a:prstGeom>
+          <a:ln>
+            <a:noFill/>
+          </a:ln>
+        </p:spPr>
+      </p:pic>
     </p:spTree>
   </p:cSld>
   <mc:AlternateContent>
@@ -13129,14 +13139,14 @@
       </p:grpSpPr>
       <p:sp>
         <p:nvSpPr>
-          <p:cNvPr id="242" name="CustomShape 1"/>
+          <p:cNvPr id="244" name="CustomShape 1"/>
           <p:cNvSpPr/>
           <p:nvPr/>
         </p:nvSpPr>
         <p:spPr>
           <a:xfrm>
             <a:off x="360000" y="360000"/>
-            <a:ext cx="9357480" cy="897480"/>
+            <a:ext cx="9357120" cy="897120"/>
           </a:xfrm>
           <a:prstGeom prst="rect">
             <a:avLst/>
@@ -13180,14 +13190,14 @@
       </p:sp>
       <p:sp>
         <p:nvSpPr>
-          <p:cNvPr id="243" name="CustomShape 2"/>
+          <p:cNvPr id="245" name="CustomShape 2"/>
           <p:cNvSpPr/>
           <p:nvPr/>
         </p:nvSpPr>
         <p:spPr>
           <a:xfrm>
             <a:off x="360000" y="1196280"/>
-            <a:ext cx="9177480" cy="4677480"/>
+            <a:ext cx="9177120" cy="4677120"/>
           </a:xfrm>
           <a:prstGeom prst="rect">
             <a:avLst/>
@@ -13228,7 +13238,7 @@
             </a:endParaRPr>
           </a:p>
           <a:p>
-            <a:pPr marL="216000" indent="-213480">
+            <a:pPr marL="216000" indent="-213120">
               <a:lnSpc>
                 <a:spcPct val="100000"/>
               </a:lnSpc>
@@ -13266,7 +13276,7 @@
             </a:endParaRPr>
           </a:p>
           <a:p>
-            <a:pPr marL="216000" indent="-213480">
+            <a:pPr marL="216000" indent="-213120">
               <a:lnSpc>
                 <a:spcPct val="100000"/>
               </a:lnSpc>
@@ -13292,7 +13302,7 @@
             </a:endParaRPr>
           </a:p>
           <a:p>
-            <a:pPr lvl="1" marL="432000" indent="-215640">
+            <a:pPr lvl="1" marL="432000" indent="-215280">
               <a:lnSpc>
                 <a:spcPct val="100000"/>
               </a:lnSpc>
@@ -13318,7 +13328,7 @@
             </a:endParaRPr>
           </a:p>
           <a:p>
-            <a:pPr lvl="1" marL="432000" indent="-215640">
+            <a:pPr lvl="1" marL="432000" indent="-215280">
               <a:lnSpc>
                 <a:spcPct val="100000"/>
               </a:lnSpc>
@@ -13344,7 +13354,7 @@
             </a:endParaRPr>
           </a:p>
           <a:p>
-            <a:pPr lvl="1" marL="432000" indent="-215640">
+            <a:pPr lvl="1" marL="432000" indent="-215280">
               <a:lnSpc>
                 <a:spcPct val="100000"/>
               </a:lnSpc>
@@ -13370,7 +13380,7 @@
             </a:endParaRPr>
           </a:p>
           <a:p>
-            <a:pPr lvl="1" marL="432000" indent="-215640">
+            <a:pPr lvl="1" marL="432000" indent="-215280">
               <a:lnSpc>
                 <a:spcPct val="100000"/>
               </a:lnSpc>
@@ -13396,7 +13406,7 @@
             </a:endParaRPr>
           </a:p>
           <a:p>
-            <a:pPr lvl="1" marL="432000" indent="-215640">
+            <a:pPr lvl="1" marL="432000" indent="-215280">
               <a:lnSpc>
                 <a:spcPct val="100000"/>
               </a:lnSpc>
@@ -13422,7 +13432,7 @@
             </a:endParaRPr>
           </a:p>
           <a:p>
-            <a:pPr lvl="1" marL="432000" indent="-215640">
+            <a:pPr lvl="1" marL="432000" indent="-215280">
               <a:lnSpc>
                 <a:spcPct val="100000"/>
               </a:lnSpc>
@@ -13448,7 +13458,7 @@
             </a:endParaRPr>
           </a:p>
           <a:p>
-            <a:pPr lvl="1" marL="432000" indent="-215640">
+            <a:pPr lvl="1" marL="432000" indent="-215280">
               <a:lnSpc>
                 <a:spcPct val="100000"/>
               </a:lnSpc>
@@ -13514,7 +13524,7 @@
         <p:spPr>
           <a:xfrm>
             <a:off x="360000" y="360000"/>
-            <a:ext cx="9357480" cy="897480"/>
+            <a:ext cx="9357120" cy="897120"/>
           </a:xfrm>
           <a:prstGeom prst="rect">
             <a:avLst/>
@@ -13565,7 +13575,7 @@
         <p:spPr>
           <a:xfrm>
             <a:off x="360000" y="1980000"/>
-            <a:ext cx="9177480" cy="4677480"/>
+            <a:ext cx="9177120" cy="4677120"/>
           </a:xfrm>
           <a:prstGeom prst="rect">
             <a:avLst/>
@@ -13596,7 +13606,7 @@
             </a:endParaRPr>
           </a:p>
           <a:p>
-            <a:pPr marL="216000" indent="-213480">
+            <a:pPr marL="216000" indent="-213120">
               <a:lnSpc>
                 <a:spcPct val="100000"/>
               </a:lnSpc>
@@ -13632,7 +13642,7 @@
         <p:spPr>
           <a:xfrm>
             <a:off x="360000" y="1980000"/>
-            <a:ext cx="9177480" cy="4677480"/>
+            <a:ext cx="9177120" cy="4677120"/>
           </a:xfrm>
           <a:prstGeom prst="rect">
             <a:avLst/>
@@ -13663,7 +13673,7 @@
             </a:endParaRPr>
           </a:p>
           <a:p>
-            <a:pPr marL="216000" indent="-213480">
+            <a:pPr marL="216000" indent="-213120">
               <a:lnSpc>
                 <a:spcPct val="100000"/>
               </a:lnSpc>
@@ -13699,7 +13709,7 @@
             </a:endParaRPr>
           </a:p>
           <a:p>
-            <a:pPr marL="216000" indent="-213480">
+            <a:pPr marL="216000" indent="-213120">
               <a:lnSpc>
                 <a:spcPct val="100000"/>
               </a:lnSpc>
@@ -13735,7 +13745,7 @@
             </a:endParaRPr>
           </a:p>
           <a:p>
-            <a:pPr marL="216000" indent="-213480">
+            <a:pPr marL="216000" indent="-213120">
               <a:lnSpc>
                 <a:spcPct val="100000"/>
               </a:lnSpc>
@@ -13771,7 +13781,7 @@
             </a:endParaRPr>
           </a:p>
           <a:p>
-            <a:pPr marL="216000" indent="-213480">
+            <a:pPr marL="216000" indent="-213120">
               <a:lnSpc>
                 <a:spcPct val="100000"/>
               </a:lnSpc>
@@ -13830,14 +13840,14 @@
       </p:grpSpPr>
       <p:sp>
         <p:nvSpPr>
-          <p:cNvPr id="244" name="CustomShape 1"/>
+          <p:cNvPr id="246" name="CustomShape 1"/>
           <p:cNvSpPr/>
           <p:nvPr/>
         </p:nvSpPr>
         <p:spPr>
           <a:xfrm>
             <a:off x="360000" y="360000"/>
-            <a:ext cx="9357480" cy="897480"/>
+            <a:ext cx="9357120" cy="897120"/>
           </a:xfrm>
           <a:prstGeom prst="rect">
             <a:avLst/>
@@ -13881,7 +13891,7 @@
       </p:sp>
       <p:pic>
         <p:nvPicPr>
-          <p:cNvPr id="245" name="" descr=""/>
+          <p:cNvPr id="247" name="" descr=""/>
           <p:cNvPicPr/>
           <p:nvPr/>
         </p:nvPicPr>
@@ -13892,7 +13902,7 @@
         <p:spPr>
           <a:xfrm>
             <a:off x="2088000" y="1512000"/>
-            <a:ext cx="5644800" cy="5371200"/>
+            <a:ext cx="5644440" cy="5370840"/>
           </a:xfrm>
           <a:prstGeom prst="rect">
             <a:avLst/>
@@ -13934,14 +13944,14 @@
       </p:grpSpPr>
       <p:sp>
         <p:nvSpPr>
-          <p:cNvPr id="246" name="CustomShape 1"/>
+          <p:cNvPr id="248" name="CustomShape 1"/>
           <p:cNvSpPr/>
           <p:nvPr/>
         </p:nvSpPr>
         <p:spPr>
           <a:xfrm>
             <a:off x="360000" y="360000"/>
-            <a:ext cx="9357480" cy="897480"/>
+            <a:ext cx="9357120" cy="897120"/>
           </a:xfrm>
           <a:prstGeom prst="rect">
             <a:avLst/>
@@ -13983,6 +13993,29 @@
           </a:p>
         </p:txBody>
       </p:sp>
+      <p:pic>
+        <p:nvPicPr>
+          <p:cNvPr id="249" name="" descr=""/>
+          <p:cNvPicPr/>
+          <p:nvPr/>
+        </p:nvPicPr>
+        <p:blipFill>
+          <a:blip r:embed="rId1"/>
+          <a:stretch/>
+        </p:blipFill>
+        <p:spPr>
+          <a:xfrm rot="21582600">
+            <a:off x="5055840" y="804240"/>
+            <a:ext cx="4644720" cy="6383880"/>
+          </a:xfrm>
+          <a:prstGeom prst="rect">
+            <a:avLst/>
+          </a:prstGeom>
+          <a:ln>
+            <a:noFill/>
+          </a:ln>
+        </p:spPr>
+      </p:pic>
     </p:spTree>
   </p:cSld>
   <mc:AlternateContent>
@@ -14015,14 +14048,14 @@
       </p:grpSpPr>
       <p:sp>
         <p:nvSpPr>
-          <p:cNvPr id="247" name="CustomShape 1"/>
+          <p:cNvPr id="250" name="CustomShape 1"/>
           <p:cNvSpPr/>
           <p:nvPr/>
         </p:nvSpPr>
         <p:spPr>
           <a:xfrm>
             <a:off x="360000" y="360000"/>
-            <a:ext cx="9357480" cy="897480"/>
+            <a:ext cx="9357120" cy="897120"/>
           </a:xfrm>
           <a:prstGeom prst="rect">
             <a:avLst/>
@@ -14066,14 +14099,14 @@
       </p:sp>
       <p:sp>
         <p:nvSpPr>
-          <p:cNvPr id="248" name="CustomShape 2"/>
+          <p:cNvPr id="251" name="CustomShape 2"/>
           <p:cNvSpPr/>
           <p:nvPr/>
         </p:nvSpPr>
         <p:spPr>
           <a:xfrm>
             <a:off x="360000" y="1980000"/>
-            <a:ext cx="9177480" cy="4677480"/>
+            <a:ext cx="9177120" cy="4677120"/>
           </a:xfrm>
           <a:prstGeom prst="rect">
             <a:avLst/>
@@ -14117,14 +14150,14 @@
       </p:sp>
       <p:sp>
         <p:nvSpPr>
-          <p:cNvPr id="249" name="CustomShape 3"/>
+          <p:cNvPr id="252" name="CustomShape 3"/>
           <p:cNvSpPr/>
           <p:nvPr/>
         </p:nvSpPr>
         <p:spPr>
           <a:xfrm>
             <a:off x="360000" y="1800000"/>
-            <a:ext cx="9177480" cy="4677480"/>
+            <a:ext cx="9177120" cy="4677120"/>
           </a:xfrm>
           <a:prstGeom prst="rect">
             <a:avLst/>
@@ -14168,14 +14201,14 @@
       </p:sp>
       <p:sp>
         <p:nvSpPr>
-          <p:cNvPr id="250" name="CustomShape 4"/>
+          <p:cNvPr id="253" name="CustomShape 4"/>
           <p:cNvSpPr/>
           <p:nvPr/>
         </p:nvSpPr>
         <p:spPr>
           <a:xfrm>
             <a:off x="360000" y="1196280"/>
-            <a:ext cx="9177480" cy="4677480"/>
+            <a:ext cx="9177120" cy="4677120"/>
           </a:xfrm>
           <a:prstGeom prst="rect">
             <a:avLst/>
@@ -14216,7 +14249,7 @@
             </a:endParaRPr>
           </a:p>
           <a:p>
-            <a:pPr marL="216000" indent="-213480">
+            <a:pPr marL="216000" indent="-213120">
               <a:lnSpc>
                 <a:spcPct val="100000"/>
               </a:lnSpc>
@@ -14242,7 +14275,17 @@
             </a:endParaRPr>
           </a:p>
           <a:p>
-            <a:pPr marL="216000" indent="-213480">
+            <a:pPr>
+              <a:lnSpc>
+                <a:spcPct val="100000"/>
+              </a:lnSpc>
+            </a:pPr>
+            <a:endParaRPr b="0" lang="en-GB" sz="2600" spc="-1" strike="noStrike">
+              <a:latin typeface="Arial"/>
+            </a:endParaRPr>
+          </a:p>
+          <a:p>
+            <a:pPr marL="216000" indent="-213120">
               <a:lnSpc>
                 <a:spcPct val="100000"/>
               </a:lnSpc>
@@ -14253,22 +14296,6 @@
               <a:buFont typeface="Wingdings" charset="2"/>
               <a:buChar char=""/>
             </a:pPr>
-            <a:endParaRPr b="0" lang="en-GB" sz="2600" spc="-1" strike="noStrike">
-              <a:latin typeface="Arial"/>
-            </a:endParaRPr>
-          </a:p>
-          <a:p>
-            <a:pPr marL="216000" indent="-213480">
-              <a:lnSpc>
-                <a:spcPct val="100000"/>
-              </a:lnSpc>
-              <a:buClr>
-                <a:srgbClr val="000000"/>
-              </a:buClr>
-              <a:buSzPct val="45000"/>
-              <a:buFont typeface="Wingdings" charset="2"/>
-              <a:buChar char=""/>
-            </a:pPr>
             <a:r>
               <a:rPr b="1" lang="en-GB" sz="2600" spc="-1" strike="noStrike">
                 <a:solidFill>
@@ -14284,23 +14311,17 @@
             </a:endParaRPr>
           </a:p>
           <a:p>
-            <a:pPr marL="216000" indent="-213480">
-              <a:lnSpc>
-                <a:spcPct val="100000"/>
-              </a:lnSpc>
-              <a:buClr>
-                <a:srgbClr val="000000"/>
-              </a:buClr>
-              <a:buSzPct val="45000"/>
-              <a:buFont typeface="Wingdings" charset="2"/>
-              <a:buChar char=""/>
-            </a:pPr>
-            <a:endParaRPr b="0" lang="en-GB" sz="2600" spc="-1" strike="noStrike">
-              <a:latin typeface="Arial"/>
-            </a:endParaRPr>
-          </a:p>
-          <a:p>
-            <a:pPr marL="216000" indent="-213480">
+            <a:pPr>
+              <a:lnSpc>
+                <a:spcPct val="100000"/>
+              </a:lnSpc>
+            </a:pPr>
+            <a:endParaRPr b="0" lang="en-GB" sz="2600" spc="-1" strike="noStrike">
+              <a:latin typeface="Arial"/>
+            </a:endParaRPr>
+          </a:p>
+          <a:p>
+            <a:pPr marL="216000" indent="-213120">
               <a:lnSpc>
                 <a:spcPct val="100000"/>
               </a:lnSpc>
@@ -14359,14 +14380,14 @@
       </p:grpSpPr>
       <p:sp>
         <p:nvSpPr>
-          <p:cNvPr id="251" name="CustomShape 1"/>
+          <p:cNvPr id="254" name="CustomShape 1"/>
           <p:cNvSpPr/>
           <p:nvPr/>
         </p:nvSpPr>
         <p:spPr>
           <a:xfrm>
             <a:off x="360000" y="360000"/>
-            <a:ext cx="9357480" cy="897480"/>
+            <a:ext cx="9357120" cy="897120"/>
           </a:xfrm>
           <a:prstGeom prst="rect">
             <a:avLst/>
@@ -14410,14 +14431,14 @@
       </p:sp>
       <p:sp>
         <p:nvSpPr>
-          <p:cNvPr id="252" name="CustomShape 2"/>
+          <p:cNvPr id="255" name="CustomShape 2"/>
           <p:cNvSpPr/>
           <p:nvPr/>
         </p:nvSpPr>
         <p:spPr>
           <a:xfrm>
             <a:off x="360000" y="1980000"/>
-            <a:ext cx="9177480" cy="4677480"/>
+            <a:ext cx="9177120" cy="4677120"/>
           </a:xfrm>
           <a:prstGeom prst="rect">
             <a:avLst/>
@@ -14461,14 +14482,14 @@
       </p:sp>
       <p:sp>
         <p:nvSpPr>
-          <p:cNvPr id="253" name="CustomShape 3"/>
+          <p:cNvPr id="256" name="CustomShape 3"/>
           <p:cNvSpPr/>
           <p:nvPr/>
         </p:nvSpPr>
         <p:spPr>
           <a:xfrm>
             <a:off x="360000" y="1800000"/>
-            <a:ext cx="9177480" cy="4677480"/>
+            <a:ext cx="9177120" cy="4677120"/>
           </a:xfrm>
           <a:prstGeom prst="rect">
             <a:avLst/>
@@ -14512,14 +14533,14 @@
       </p:sp>
       <p:sp>
         <p:nvSpPr>
-          <p:cNvPr id="254" name="CustomShape 4"/>
+          <p:cNvPr id="257" name="CustomShape 4"/>
           <p:cNvSpPr/>
           <p:nvPr/>
         </p:nvSpPr>
         <p:spPr>
           <a:xfrm>
             <a:off x="360000" y="1008000"/>
-            <a:ext cx="9177480" cy="4677480"/>
+            <a:ext cx="9177120" cy="4677120"/>
           </a:xfrm>
           <a:prstGeom prst="rect">
             <a:avLst/>
@@ -14560,7 +14581,7 @@
             </a:endParaRPr>
           </a:p>
           <a:p>
-            <a:pPr marL="216000" indent="-213480">
+            <a:pPr marL="216000" indent="-213120">
               <a:lnSpc>
                 <a:spcPct val="100000"/>
               </a:lnSpc>
@@ -14586,7 +14607,17 @@
             </a:endParaRPr>
           </a:p>
           <a:p>
-            <a:pPr marL="216000" indent="-213480">
+            <a:pPr>
+              <a:lnSpc>
+                <a:spcPct val="100000"/>
+              </a:lnSpc>
+            </a:pPr>
+            <a:endParaRPr b="0" lang="en-GB" sz="2600" spc="-1" strike="noStrike">
+              <a:latin typeface="Arial"/>
+            </a:endParaRPr>
+          </a:p>
+          <a:p>
+            <a:pPr marL="216000" indent="-213120">
               <a:lnSpc>
                 <a:spcPct val="100000"/>
               </a:lnSpc>
@@ -14597,12 +14628,42 @@
               <a:buFont typeface="Wingdings" charset="2"/>
               <a:buChar char=""/>
             </a:pPr>
-            <a:endParaRPr b="0" lang="en-GB" sz="2600" spc="-1" strike="noStrike">
-              <a:latin typeface="Arial"/>
-            </a:endParaRPr>
-          </a:p>
-          <a:p>
-            <a:pPr marL="216000" indent="-213480">
+            <a:r>
+              <a:rPr b="1" lang="en-GB" sz="2600" spc="-1" strike="noStrike">
+                <a:solidFill>
+                  <a:srgbClr val="1c1c1c"/>
+                </a:solidFill>
+                <a:latin typeface="Source Sans Pro Semibold"/>
+                <a:ea typeface="DejaVu Sans"/>
+              </a:rPr>
+              <a:t>‘</a:t>
+            </a:r>
+            <a:r>
+              <a:rPr b="1" lang="en-GB" sz="2600" spc="-1" strike="noStrike">
+                <a:solidFill>
+                  <a:srgbClr val="1c1c1c"/>
+                </a:solidFill>
+                <a:latin typeface="Source Sans Pro Semibold"/>
+                <a:ea typeface="DejaVu Sans"/>
+              </a:rPr>
+              <a:t>Hero’ culture of ‘logging in and fixing’ needs to be challenged </a:t>
+            </a:r>
+            <a:endParaRPr b="0" lang="en-GB" sz="2600" spc="-1" strike="noStrike">
+              <a:latin typeface="Arial"/>
+            </a:endParaRPr>
+          </a:p>
+          <a:p>
+            <a:pPr>
+              <a:lnSpc>
+                <a:spcPct val="100000"/>
+              </a:lnSpc>
+            </a:pPr>
+            <a:endParaRPr b="0" lang="en-GB" sz="2600" spc="-1" strike="noStrike">
+              <a:latin typeface="Arial"/>
+            </a:endParaRPr>
+          </a:p>
+          <a:p>
+            <a:pPr marL="216000" indent="-213120">
               <a:lnSpc>
                 <a:spcPct val="100000"/>
               </a:lnSpc>
@@ -14621,24 +14682,24 @@
                 <a:latin typeface="Source Sans Pro Semibold"/>
                 <a:ea typeface="DejaVu Sans"/>
               </a:rPr>
-              <a:t>‘</a:t>
-            </a:r>
-            <a:r>
-              <a:rPr b="1" lang="en-GB" sz="2600" spc="-1" strike="noStrike">
-                <a:solidFill>
-                  <a:srgbClr val="1c1c1c"/>
-                </a:solidFill>
-                <a:latin typeface="Source Sans Pro Semibold"/>
-                <a:ea typeface="DejaVu Sans"/>
-              </a:rPr>
-              <a:t>Hero’ culture of ‘logging in and fixing’ needs to be challenged </a:t>
-            </a:r>
-            <a:endParaRPr b="0" lang="en-GB" sz="2600" spc="-1" strike="noStrike">
-              <a:latin typeface="Arial"/>
-            </a:endParaRPr>
-          </a:p>
-          <a:p>
-            <a:pPr marL="216000" indent="-213480">
+              <a:t>The deployment process/code is king and discipline needs to be maintained</a:t>
+            </a:r>
+            <a:endParaRPr b="0" lang="en-GB" sz="2600" spc="-1" strike="noStrike">
+              <a:latin typeface="Arial"/>
+            </a:endParaRPr>
+          </a:p>
+          <a:p>
+            <a:pPr>
+              <a:lnSpc>
+                <a:spcPct val="100000"/>
+              </a:lnSpc>
+            </a:pPr>
+            <a:endParaRPr b="0" lang="en-GB" sz="2600" spc="-1" strike="noStrike">
+              <a:latin typeface="Arial"/>
+            </a:endParaRPr>
+          </a:p>
+          <a:p>
+            <a:pPr marL="216000" indent="-213120">
               <a:lnSpc>
                 <a:spcPct val="100000"/>
               </a:lnSpc>
@@ -14649,22 +14710,6 @@
               <a:buFont typeface="Wingdings" charset="2"/>
               <a:buChar char=""/>
             </a:pPr>
-            <a:endParaRPr b="0" lang="en-GB" sz="2600" spc="-1" strike="noStrike">
-              <a:latin typeface="Arial"/>
-            </a:endParaRPr>
-          </a:p>
-          <a:p>
-            <a:pPr marL="216000" indent="-213480">
-              <a:lnSpc>
-                <a:spcPct val="100000"/>
-              </a:lnSpc>
-              <a:buClr>
-                <a:srgbClr val="000000"/>
-              </a:buClr>
-              <a:buSzPct val="45000"/>
-              <a:buFont typeface="Wingdings" charset="2"/>
-              <a:buChar char=""/>
-            </a:pPr>
             <a:r>
               <a:rPr b="1" lang="en-GB" sz="2600" spc="-1" strike="noStrike">
                 <a:solidFill>
@@ -14673,48 +14718,6 @@
                 <a:latin typeface="Source Sans Pro Semibold"/>
                 <a:ea typeface="DejaVu Sans"/>
               </a:rPr>
-              <a:t>The deployment process/code is king and discipline needs to be maintained</a:t>
-            </a:r>
-            <a:endParaRPr b="0" lang="en-GB" sz="2600" spc="-1" strike="noStrike">
-              <a:latin typeface="Arial"/>
-            </a:endParaRPr>
-          </a:p>
-          <a:p>
-            <a:pPr marL="216000" indent="-213480">
-              <a:lnSpc>
-                <a:spcPct val="100000"/>
-              </a:lnSpc>
-              <a:buClr>
-                <a:srgbClr val="000000"/>
-              </a:buClr>
-              <a:buSzPct val="45000"/>
-              <a:buFont typeface="Wingdings" charset="2"/>
-              <a:buChar char=""/>
-            </a:pPr>
-            <a:endParaRPr b="0" lang="en-GB" sz="2600" spc="-1" strike="noStrike">
-              <a:latin typeface="Arial"/>
-            </a:endParaRPr>
-          </a:p>
-          <a:p>
-            <a:pPr marL="216000" indent="-213480">
-              <a:lnSpc>
-                <a:spcPct val="100000"/>
-              </a:lnSpc>
-              <a:buClr>
-                <a:srgbClr val="000000"/>
-              </a:buClr>
-              <a:buSzPct val="45000"/>
-              <a:buFont typeface="Wingdings" charset="2"/>
-              <a:buChar char=""/>
-            </a:pPr>
-            <a:r>
-              <a:rPr b="1" lang="en-GB" sz="2600" spc="-1" strike="noStrike">
-                <a:solidFill>
-                  <a:srgbClr val="1c1c1c"/>
-                </a:solidFill>
-                <a:latin typeface="Source Sans Pro Semibold"/>
-                <a:ea typeface="DejaVu Sans"/>
-              </a:rPr>
               <a:t>Onboarding new teams to this way of working can generate a lot of friction if they are not prepared</a:t>
             </a:r>
             <a:endParaRPr b="0" lang="en-GB" sz="2600" spc="-1" strike="noStrike">
@@ -14722,16 +14725,10 @@
             </a:endParaRPr>
           </a:p>
           <a:p>
-            <a:pPr marL="216000" indent="-213480">
-              <a:lnSpc>
-                <a:spcPct val="100000"/>
-              </a:lnSpc>
-              <a:buClr>
-                <a:srgbClr val="000000"/>
-              </a:buClr>
-              <a:buSzPct val="45000"/>
-              <a:buFont typeface="Wingdings" charset="2"/>
-              <a:buChar char=""/>
+            <a:pPr>
+              <a:lnSpc>
+                <a:spcPct val="100000"/>
+              </a:lnSpc>
             </a:pPr>
             <a:endParaRPr b="0" lang="en-GB" sz="2600" spc="-1" strike="noStrike">
               <a:latin typeface="Arial"/>
@@ -14771,14 +14768,14 @@
       </p:grpSpPr>
       <p:sp>
         <p:nvSpPr>
-          <p:cNvPr id="255" name="CustomShape 1"/>
+          <p:cNvPr id="258" name="CustomShape 1"/>
           <p:cNvSpPr/>
           <p:nvPr/>
         </p:nvSpPr>
         <p:spPr>
           <a:xfrm>
             <a:off x="360000" y="360000"/>
-            <a:ext cx="9357480" cy="897480"/>
+            <a:ext cx="9357120" cy="897120"/>
           </a:xfrm>
           <a:prstGeom prst="rect">
             <a:avLst/>
@@ -14822,14 +14819,14 @@
       </p:sp>
       <p:sp>
         <p:nvSpPr>
-          <p:cNvPr id="256" name="CustomShape 2"/>
+          <p:cNvPr id="259" name="CustomShape 2"/>
           <p:cNvSpPr/>
           <p:nvPr/>
         </p:nvSpPr>
         <p:spPr>
           <a:xfrm>
             <a:off x="360000" y="1980000"/>
-            <a:ext cx="9177480" cy="4677480"/>
+            <a:ext cx="9177120" cy="4677120"/>
           </a:xfrm>
           <a:prstGeom prst="rect">
             <a:avLst/>
@@ -14873,14 +14870,14 @@
       </p:sp>
       <p:sp>
         <p:nvSpPr>
-          <p:cNvPr id="257" name="CustomShape 3"/>
+          <p:cNvPr id="260" name="CustomShape 3"/>
           <p:cNvSpPr/>
           <p:nvPr/>
         </p:nvSpPr>
         <p:spPr>
           <a:xfrm>
             <a:off x="360000" y="1800000"/>
-            <a:ext cx="9177480" cy="4677480"/>
+            <a:ext cx="9177120" cy="4677120"/>
           </a:xfrm>
           <a:prstGeom prst="rect">
             <a:avLst/>
@@ -14924,14 +14921,14 @@
       </p:sp>
       <p:sp>
         <p:nvSpPr>
-          <p:cNvPr id="258" name="CustomShape 4"/>
+          <p:cNvPr id="261" name="CustomShape 4"/>
           <p:cNvSpPr/>
           <p:nvPr/>
         </p:nvSpPr>
         <p:spPr>
           <a:xfrm>
             <a:off x="360000" y="1196280"/>
-            <a:ext cx="9177480" cy="4677480"/>
+            <a:ext cx="9177120" cy="4677120"/>
           </a:xfrm>
           <a:prstGeom prst="rect">
             <a:avLst/>
@@ -14972,7 +14969,7 @@
             </a:endParaRPr>
           </a:p>
           <a:p>
-            <a:pPr marL="216000" indent="-213480">
+            <a:pPr marL="216000" indent="-213120">
               <a:lnSpc>
                 <a:spcPct val="100000"/>
               </a:lnSpc>
@@ -14998,7 +14995,17 @@
             </a:endParaRPr>
           </a:p>
           <a:p>
-            <a:pPr marL="216000" indent="-213480">
+            <a:pPr>
+              <a:lnSpc>
+                <a:spcPct val="100000"/>
+              </a:lnSpc>
+            </a:pPr>
+            <a:endParaRPr b="0" lang="en-GB" sz="2600" spc="-1" strike="noStrike">
+              <a:latin typeface="Arial"/>
+            </a:endParaRPr>
+          </a:p>
+          <a:p>
+            <a:pPr marL="216000" indent="-213120">
               <a:lnSpc>
                 <a:spcPct val="100000"/>
               </a:lnSpc>
@@ -15009,12 +15016,32 @@
               <a:buFont typeface="Wingdings" charset="2"/>
               <a:buChar char=""/>
             </a:pPr>
-            <a:endParaRPr b="0" lang="en-GB" sz="2600" spc="-1" strike="noStrike">
-              <a:latin typeface="Arial"/>
-            </a:endParaRPr>
-          </a:p>
-          <a:p>
-            <a:pPr marL="216000" indent="-213480">
+            <a:r>
+              <a:rPr b="1" lang="en-GB" sz="2600" spc="-1" strike="noStrike">
+                <a:solidFill>
+                  <a:srgbClr val="1c1c1c"/>
+                </a:solidFill>
+                <a:latin typeface="Source Sans Pro Semibold"/>
+                <a:ea typeface="DejaVu Sans"/>
+              </a:rPr>
+              <a:t>Can take a long time to ‘bed in’ good practices within an organization before seeing a return on investment</a:t>
+            </a:r>
+            <a:endParaRPr b="0" lang="en-GB" sz="2600" spc="-1" strike="noStrike">
+              <a:latin typeface="Arial"/>
+            </a:endParaRPr>
+          </a:p>
+          <a:p>
+            <a:pPr>
+              <a:lnSpc>
+                <a:spcPct val="100000"/>
+              </a:lnSpc>
+            </a:pPr>
+            <a:endParaRPr b="0" lang="en-GB" sz="2600" spc="-1" strike="noStrike">
+              <a:latin typeface="Arial"/>
+            </a:endParaRPr>
+          </a:p>
+          <a:p>
+            <a:pPr marL="216000" indent="-213120">
               <a:lnSpc>
                 <a:spcPct val="100000"/>
               </a:lnSpc>
@@ -15033,48 +15060,6 @@
                 <a:latin typeface="Source Sans Pro Semibold"/>
                 <a:ea typeface="DejaVu Sans"/>
               </a:rPr>
-              <a:t>Can take a long time to ‘bed in’ good practices within an organization before seeing a return on investment</a:t>
-            </a:r>
-            <a:endParaRPr b="0" lang="en-GB" sz="2600" spc="-1" strike="noStrike">
-              <a:latin typeface="Arial"/>
-            </a:endParaRPr>
-          </a:p>
-          <a:p>
-            <a:pPr marL="216000" indent="-213480">
-              <a:lnSpc>
-                <a:spcPct val="100000"/>
-              </a:lnSpc>
-              <a:buClr>
-                <a:srgbClr val="000000"/>
-              </a:buClr>
-              <a:buSzPct val="45000"/>
-              <a:buFont typeface="Wingdings" charset="2"/>
-              <a:buChar char=""/>
-            </a:pPr>
-            <a:endParaRPr b="0" lang="en-GB" sz="2600" spc="-1" strike="noStrike">
-              <a:latin typeface="Arial"/>
-            </a:endParaRPr>
-          </a:p>
-          <a:p>
-            <a:pPr marL="216000" indent="-213480">
-              <a:lnSpc>
-                <a:spcPct val="100000"/>
-              </a:lnSpc>
-              <a:buClr>
-                <a:srgbClr val="000000"/>
-              </a:buClr>
-              <a:buSzPct val="45000"/>
-              <a:buFont typeface="Wingdings" charset="2"/>
-              <a:buChar char=""/>
-            </a:pPr>
-            <a:r>
-              <a:rPr b="1" lang="en-GB" sz="2600" spc="-1" strike="noStrike">
-                <a:solidFill>
-                  <a:srgbClr val="1c1c1c"/>
-                </a:solidFill>
-                <a:latin typeface="Source Sans Pro Semibold"/>
-                <a:ea typeface="DejaVu Sans"/>
-              </a:rPr>
               <a:t>Benefits are not immediately obvious to non-technical people</a:t>
             </a:r>
             <a:endParaRPr b="0" lang="en-GB" sz="2600" spc="-1" strike="noStrike">
@@ -15082,23 +15067,17 @@
             </a:endParaRPr>
           </a:p>
           <a:p>
-            <a:pPr marL="216000" indent="-213480">
-              <a:lnSpc>
-                <a:spcPct val="100000"/>
-              </a:lnSpc>
-              <a:buClr>
-                <a:srgbClr val="000000"/>
-              </a:buClr>
-              <a:buSzPct val="45000"/>
-              <a:buFont typeface="Wingdings" charset="2"/>
-              <a:buChar char=""/>
-            </a:pPr>
-            <a:endParaRPr b="0" lang="en-GB" sz="2600" spc="-1" strike="noStrike">
-              <a:latin typeface="Arial"/>
-            </a:endParaRPr>
-          </a:p>
-          <a:p>
-            <a:pPr marL="216000" indent="-213480">
+            <a:pPr>
+              <a:lnSpc>
+                <a:spcPct val="100000"/>
+              </a:lnSpc>
+            </a:pPr>
+            <a:endParaRPr b="0" lang="en-GB" sz="2600" spc="-1" strike="noStrike">
+              <a:latin typeface="Arial"/>
+            </a:endParaRPr>
+          </a:p>
+          <a:p>
+            <a:pPr marL="216000" indent="-213120">
               <a:lnSpc>
                 <a:spcPct val="100000"/>
               </a:lnSpc>
@@ -15157,14 +15136,14 @@
       </p:grpSpPr>
       <p:sp>
         <p:nvSpPr>
-          <p:cNvPr id="259" name="CustomShape 1"/>
+          <p:cNvPr id="262" name="CustomShape 1"/>
           <p:cNvSpPr/>
           <p:nvPr/>
         </p:nvSpPr>
         <p:spPr>
           <a:xfrm>
             <a:off x="360000" y="360000"/>
-            <a:ext cx="9357480" cy="897480"/>
+            <a:ext cx="9357120" cy="897120"/>
           </a:xfrm>
           <a:prstGeom prst="rect">
             <a:avLst/>
@@ -15208,14 +15187,14 @@
       </p:sp>
       <p:sp>
         <p:nvSpPr>
-          <p:cNvPr id="260" name="CustomShape 2"/>
+          <p:cNvPr id="263" name="CustomShape 2"/>
           <p:cNvSpPr/>
           <p:nvPr/>
         </p:nvSpPr>
         <p:spPr>
           <a:xfrm>
             <a:off x="360000" y="1980000"/>
-            <a:ext cx="9177480" cy="4677480"/>
+            <a:ext cx="9177120" cy="4677120"/>
           </a:xfrm>
           <a:prstGeom prst="rect">
             <a:avLst/>
@@ -15259,14 +15238,14 @@
       </p:sp>
       <p:sp>
         <p:nvSpPr>
-          <p:cNvPr id="261" name="CustomShape 3"/>
+          <p:cNvPr id="264" name="CustomShape 3"/>
           <p:cNvSpPr/>
           <p:nvPr/>
         </p:nvSpPr>
         <p:spPr>
           <a:xfrm>
             <a:off x="360000" y="1800000"/>
-            <a:ext cx="9177480" cy="4677480"/>
+            <a:ext cx="9177120" cy="4677120"/>
           </a:xfrm>
           <a:prstGeom prst="rect">
             <a:avLst/>
@@ -15310,14 +15289,14 @@
       </p:sp>
       <p:sp>
         <p:nvSpPr>
-          <p:cNvPr id="262" name="CustomShape 4"/>
+          <p:cNvPr id="265" name="CustomShape 4"/>
           <p:cNvSpPr/>
           <p:nvPr/>
         </p:nvSpPr>
         <p:spPr>
           <a:xfrm>
             <a:off x="360000" y="1196280"/>
-            <a:ext cx="9177480" cy="4677480"/>
+            <a:ext cx="9177120" cy="4677120"/>
           </a:xfrm>
           <a:prstGeom prst="rect">
             <a:avLst/>
@@ -15358,7 +15337,7 @@
             </a:endParaRPr>
           </a:p>
           <a:p>
-            <a:pPr marL="216000" indent="-213480">
+            <a:pPr marL="216000" indent="-213120">
               <a:lnSpc>
                 <a:spcPct val="100000"/>
               </a:lnSpc>
@@ -15384,7 +15363,17 @@
             </a:endParaRPr>
           </a:p>
           <a:p>
-            <a:pPr marL="216000" indent="-213480">
+            <a:pPr>
+              <a:lnSpc>
+                <a:spcPct val="100000"/>
+              </a:lnSpc>
+            </a:pPr>
+            <a:endParaRPr b="0" lang="en-GB" sz="2600" spc="-1" strike="noStrike">
+              <a:latin typeface="Arial"/>
+            </a:endParaRPr>
+          </a:p>
+          <a:p>
+            <a:pPr marL="216000" indent="-213120">
               <a:lnSpc>
                 <a:spcPct val="100000"/>
               </a:lnSpc>
@@ -15395,22 +15384,6 @@
               <a:buFont typeface="Wingdings" charset="2"/>
               <a:buChar char=""/>
             </a:pPr>
-            <a:endParaRPr b="0" lang="en-GB" sz="2600" spc="-1" strike="noStrike">
-              <a:latin typeface="Arial"/>
-            </a:endParaRPr>
-          </a:p>
-          <a:p>
-            <a:pPr marL="216000" indent="-213480">
-              <a:lnSpc>
-                <a:spcPct val="100000"/>
-              </a:lnSpc>
-              <a:buClr>
-                <a:srgbClr val="000000"/>
-              </a:buClr>
-              <a:buSzPct val="45000"/>
-              <a:buFont typeface="Wingdings" charset="2"/>
-              <a:buChar char=""/>
-            </a:pPr>
             <a:r>
               <a:rPr b="1" lang="en-GB" sz="2600" spc="-1" strike="noStrike">
                 <a:solidFill>
@@ -15419,40 +15392,24 @@
                 <a:latin typeface="Source Sans Pro Semibold"/>
                 <a:ea typeface="DejaVu Sans"/>
               </a:rPr>
-              <a:t>Cultural: </a:t>
-            </a:r>
-            <a:r>
-              <a:rPr b="1" lang="en-GB" sz="2600" spc="-1" strike="noStrike">
-                <a:solidFill>
-                  <a:srgbClr val="1c1c1c"/>
-                </a:solidFill>
-                <a:latin typeface="Source Sans Pro Semibold"/>
-                <a:ea typeface="DejaVu Sans"/>
-              </a:rPr>
-              <a:t>Invest early in outreach, bring staff with you. Point out opportunities for growth and development.</a:t>
-            </a:r>
-            <a:endParaRPr b="0" lang="en-GB" sz="2600" spc="-1" strike="noStrike">
-              <a:latin typeface="Arial"/>
-            </a:endParaRPr>
-          </a:p>
-          <a:p>
-            <a:pPr marL="216000" indent="-213480">
-              <a:lnSpc>
-                <a:spcPct val="100000"/>
-              </a:lnSpc>
-              <a:buClr>
-                <a:srgbClr val="000000"/>
-              </a:buClr>
-              <a:buSzPct val="45000"/>
-              <a:buFont typeface="Wingdings" charset="2"/>
-              <a:buChar char=""/>
-            </a:pPr>
-            <a:endParaRPr b="0" lang="en-GB" sz="2600" spc="-1" strike="noStrike">
-              <a:latin typeface="Arial"/>
-            </a:endParaRPr>
-          </a:p>
-          <a:p>
-            <a:pPr marL="216000" indent="-213480">
+              <a:t>Cultural: Invest early in outreach, bring staff with you. Point out opportunities for growth and development.</a:t>
+            </a:r>
+            <a:endParaRPr b="0" lang="en-GB" sz="2600" spc="-1" strike="noStrike">
+              <a:latin typeface="Arial"/>
+            </a:endParaRPr>
+          </a:p>
+          <a:p>
+            <a:pPr>
+              <a:lnSpc>
+                <a:spcPct val="100000"/>
+              </a:lnSpc>
+            </a:pPr>
+            <a:endParaRPr b="0" lang="en-GB" sz="2600" spc="-1" strike="noStrike">
+              <a:latin typeface="Arial"/>
+            </a:endParaRPr>
+          </a:p>
+          <a:p>
+            <a:pPr marL="216000" indent="-213120">
               <a:lnSpc>
                 <a:spcPct val="100000"/>
               </a:lnSpc>
@@ -15511,14 +15468,14 @@
       </p:grpSpPr>
       <p:sp>
         <p:nvSpPr>
-          <p:cNvPr id="263" name="CustomShape 1"/>
+          <p:cNvPr id="266" name="CustomShape 1"/>
           <p:cNvSpPr/>
           <p:nvPr/>
         </p:nvSpPr>
         <p:spPr>
           <a:xfrm>
             <a:off x="360000" y="3330000"/>
-            <a:ext cx="9357480" cy="897480"/>
+            <a:ext cx="9357120" cy="897120"/>
           </a:xfrm>
           <a:prstGeom prst="rect">
             <a:avLst/>
@@ -15562,14 +15519,14 @@
       </p:sp>
       <p:sp>
         <p:nvSpPr>
-          <p:cNvPr id="264" name="CustomShape 2"/>
+          <p:cNvPr id="267" name="CustomShape 2"/>
           <p:cNvSpPr/>
           <p:nvPr/>
         </p:nvSpPr>
         <p:spPr>
           <a:xfrm>
             <a:off x="540000" y="4680000"/>
-            <a:ext cx="9177480" cy="2517480"/>
+            <a:ext cx="9177120" cy="2517120"/>
           </a:xfrm>
           <a:prstGeom prst="rect">
             <a:avLst/>
@@ -15665,7 +15622,7 @@
       </p:sp>
       <p:pic>
         <p:nvPicPr>
-          <p:cNvPr id="265" name="Picture 88_1" descr=""/>
+          <p:cNvPr id="268" name="Picture 88_1" descr=""/>
           <p:cNvPicPr/>
           <p:nvPr/>
         </p:nvPicPr>
@@ -15676,7 +15633,7 @@
         <p:spPr>
           <a:xfrm>
             <a:off x="7132320" y="4663440"/>
-            <a:ext cx="2466360" cy="2466360"/>
+            <a:ext cx="2466000" cy="2466000"/>
           </a:xfrm>
           <a:prstGeom prst="rect">
             <a:avLst/>
@@ -15725,7 +15682,7 @@
         <p:spPr>
           <a:xfrm>
             <a:off x="360000" y="360000"/>
-            <a:ext cx="9357480" cy="897480"/>
+            <a:ext cx="9357120" cy="897120"/>
           </a:xfrm>
           <a:prstGeom prst="rect">
             <a:avLst/>
@@ -15776,7 +15733,7 @@
         <p:spPr>
           <a:xfrm>
             <a:off x="360000" y="1980000"/>
-            <a:ext cx="9177480" cy="4677480"/>
+            <a:ext cx="9177120" cy="4677120"/>
           </a:xfrm>
           <a:prstGeom prst="rect">
             <a:avLst/>
@@ -15807,7 +15764,7 @@
             </a:endParaRPr>
           </a:p>
           <a:p>
-            <a:pPr marL="216000" indent="-213480">
+            <a:pPr marL="216000" indent="-213120">
               <a:lnSpc>
                 <a:spcPct val="100000"/>
               </a:lnSpc>
@@ -15833,7 +15790,7 @@
             </a:endParaRPr>
           </a:p>
           <a:p>
-            <a:pPr marL="216000" indent="-213480">
+            <a:pPr marL="216000" indent="-213120">
               <a:lnSpc>
                 <a:spcPct val="100000"/>
               </a:lnSpc>
@@ -15859,7 +15816,7 @@
             </a:endParaRPr>
           </a:p>
           <a:p>
-            <a:pPr marL="216000" indent="-213480">
+            <a:pPr marL="216000" indent="-213120">
               <a:lnSpc>
                 <a:spcPct val="100000"/>
               </a:lnSpc>
@@ -15885,7 +15842,7 @@
             </a:endParaRPr>
           </a:p>
           <a:p>
-            <a:pPr marL="216000" indent="-213480">
+            <a:pPr marL="216000" indent="-213120">
               <a:lnSpc>
                 <a:spcPct val="100000"/>
               </a:lnSpc>
@@ -15911,7 +15868,7 @@
             </a:endParaRPr>
           </a:p>
           <a:p>
-            <a:pPr marL="216000" indent="-213480">
+            <a:pPr marL="216000" indent="-213120">
               <a:lnSpc>
                 <a:spcPct val="100000"/>
               </a:lnSpc>
@@ -15937,7 +15894,7 @@
             </a:endParaRPr>
           </a:p>
           <a:p>
-            <a:pPr marL="216000" indent="-213480">
+            <a:pPr marL="216000" indent="-213120">
               <a:lnSpc>
                 <a:spcPct val="100000"/>
               </a:lnSpc>
@@ -15963,7 +15920,7 @@
             </a:endParaRPr>
           </a:p>
           <a:p>
-            <a:pPr marL="216000" indent="-213480">
+            <a:pPr marL="216000" indent="-213120">
               <a:lnSpc>
                 <a:spcPct val="100000"/>
               </a:lnSpc>
@@ -16029,7 +15986,7 @@
         <p:spPr>
           <a:xfrm>
             <a:off x="360000" y="360000"/>
-            <a:ext cx="9357480" cy="897480"/>
+            <a:ext cx="9357120" cy="897120"/>
           </a:xfrm>
           <a:prstGeom prst="rect">
             <a:avLst/>
@@ -16080,7 +16037,7 @@
         <p:spPr>
           <a:xfrm>
             <a:off x="360000" y="1980000"/>
-            <a:ext cx="9177480" cy="4677480"/>
+            <a:ext cx="9177120" cy="4677120"/>
           </a:xfrm>
           <a:prstGeom prst="rect">
             <a:avLst/>
@@ -16111,7 +16068,7 @@
             </a:endParaRPr>
           </a:p>
           <a:p>
-            <a:pPr marL="216000" indent="-213480">
+            <a:pPr marL="216000" indent="-213120">
               <a:lnSpc>
                 <a:spcPct val="100000"/>
               </a:lnSpc>
@@ -16147,7 +16104,7 @@
         <p:spPr>
           <a:xfrm>
             <a:off x="360000" y="1980000"/>
-            <a:ext cx="9177480" cy="4677480"/>
+            <a:ext cx="9177120" cy="4677120"/>
           </a:xfrm>
           <a:prstGeom prst="rect">
             <a:avLst/>
@@ -16178,7 +16135,7 @@
             </a:endParaRPr>
           </a:p>
           <a:p>
-            <a:pPr marL="216000" indent="-213480">
+            <a:pPr marL="216000" indent="-213120">
               <a:lnSpc>
                 <a:spcPct val="100000"/>
               </a:lnSpc>
@@ -16214,7 +16171,7 @@
             </a:endParaRPr>
           </a:p>
           <a:p>
-            <a:pPr marL="216000" indent="-213480">
+            <a:pPr marL="216000" indent="-213120">
               <a:lnSpc>
                 <a:spcPct val="100000"/>
               </a:lnSpc>
@@ -16250,7 +16207,7 @@
             </a:endParaRPr>
           </a:p>
           <a:p>
-            <a:pPr marL="216000" indent="-213480">
+            <a:pPr marL="216000" indent="-213120">
               <a:lnSpc>
                 <a:spcPct val="100000"/>
               </a:lnSpc>
@@ -16286,7 +16243,7 @@
             </a:endParaRPr>
           </a:p>
           <a:p>
-            <a:pPr marL="216000" indent="-213480">
+            <a:pPr marL="216000" indent="-213120">
               <a:lnSpc>
                 <a:spcPct val="100000"/>
               </a:lnSpc>
@@ -16352,7 +16309,7 @@
         <p:spPr>
           <a:xfrm>
             <a:off x="360000" y="360000"/>
-            <a:ext cx="9357480" cy="897480"/>
+            <a:ext cx="9357120" cy="897120"/>
           </a:xfrm>
           <a:prstGeom prst="rect">
             <a:avLst/>
@@ -16403,7 +16360,7 @@
         <p:spPr>
           <a:xfrm>
             <a:off x="360000" y="1980000"/>
-            <a:ext cx="9177480" cy="4677480"/>
+            <a:ext cx="9177120" cy="4677120"/>
           </a:xfrm>
           <a:prstGeom prst="rect">
             <a:avLst/>
@@ -16434,7 +16391,7 @@
             </a:endParaRPr>
           </a:p>
           <a:p>
-            <a:pPr marL="216000" indent="-213480">
+            <a:pPr marL="216000" indent="-213120">
               <a:lnSpc>
                 <a:spcPct val="100000"/>
               </a:lnSpc>
@@ -16470,7 +16427,7 @@
         <p:spPr>
           <a:xfrm>
             <a:off x="360000" y="1980000"/>
-            <a:ext cx="9177480" cy="4677480"/>
+            <a:ext cx="9177120" cy="4677120"/>
           </a:xfrm>
           <a:prstGeom prst="rect">
             <a:avLst/>
@@ -16501,7 +16458,7 @@
             </a:endParaRPr>
           </a:p>
           <a:p>
-            <a:pPr marL="216000" indent="-213480">
+            <a:pPr marL="216000" indent="-213120">
               <a:lnSpc>
                 <a:spcPct val="100000"/>
               </a:lnSpc>
@@ -16527,7 +16484,7 @@
             </a:endParaRPr>
           </a:p>
           <a:p>
-            <a:pPr lvl="1" marL="432000" indent="-215640">
+            <a:pPr lvl="1" marL="432000" indent="-215280">
               <a:lnSpc>
                 <a:spcPct val="100000"/>
               </a:lnSpc>
@@ -16553,7 +16510,7 @@
             </a:endParaRPr>
           </a:p>
           <a:p>
-            <a:pPr lvl="1" marL="432000" indent="-215640">
+            <a:pPr lvl="1" marL="432000" indent="-215280">
               <a:lnSpc>
                 <a:spcPct val="100000"/>
               </a:lnSpc>
@@ -16579,7 +16536,7 @@
             </a:endParaRPr>
           </a:p>
           <a:p>
-            <a:pPr lvl="1" marL="432000" indent="-215640">
+            <a:pPr lvl="1" marL="432000" indent="-215280">
               <a:lnSpc>
                 <a:spcPct val="100000"/>
               </a:lnSpc>
@@ -16615,7 +16572,7 @@
             </a:endParaRPr>
           </a:p>
           <a:p>
-            <a:pPr marL="216000" indent="-213480">
+            <a:pPr marL="216000" indent="-213120">
               <a:lnSpc>
                 <a:spcPct val="100000"/>
               </a:lnSpc>
@@ -16691,7 +16648,7 @@
         <p:spPr>
           <a:xfrm>
             <a:off x="360000" y="360000"/>
-            <a:ext cx="9357480" cy="897480"/>
+            <a:ext cx="9357120" cy="897120"/>
           </a:xfrm>
           <a:prstGeom prst="rect">
             <a:avLst/>
@@ -16746,7 +16703,7 @@
         <p:spPr>
           <a:xfrm>
             <a:off x="1566360" y="2049120"/>
-            <a:ext cx="7143120" cy="4142520"/>
+            <a:ext cx="7142760" cy="4142160"/>
           </a:xfrm>
           <a:prstGeom prst="rect">
             <a:avLst/>
@@ -16795,7 +16752,7 @@
         <p:spPr>
           <a:xfrm>
             <a:off x="360000" y="360000"/>
-            <a:ext cx="9357480" cy="897480"/>
+            <a:ext cx="9357120" cy="897120"/>
           </a:xfrm>
           <a:prstGeom prst="rect">
             <a:avLst/>
@@ -16846,7 +16803,7 @@
         <p:spPr>
           <a:xfrm>
             <a:off x="360000" y="1980000"/>
-            <a:ext cx="9177480" cy="4677480"/>
+            <a:ext cx="9177120" cy="4677120"/>
           </a:xfrm>
           <a:prstGeom prst="rect">
             <a:avLst/>
@@ -16877,7 +16834,7 @@
             </a:endParaRPr>
           </a:p>
           <a:p>
-            <a:pPr marL="216000" indent="-213480">
+            <a:pPr marL="216000" indent="-213120">
               <a:lnSpc>
                 <a:spcPct val="100000"/>
               </a:lnSpc>
@@ -16903,7 +16860,7 @@
             </a:endParaRPr>
           </a:p>
           <a:p>
-            <a:pPr lvl="1" marL="432000" indent="-215640">
+            <a:pPr lvl="1" marL="432000" indent="-215280">
               <a:lnSpc>
                 <a:spcPct val="100000"/>
               </a:lnSpc>
@@ -16929,7 +16886,7 @@
             </a:endParaRPr>
           </a:p>
           <a:p>
-            <a:pPr lvl="1" marL="432000" indent="-215640">
+            <a:pPr lvl="1" marL="432000" indent="-215280">
               <a:lnSpc>
                 <a:spcPct val="100000"/>
               </a:lnSpc>
@@ -16955,7 +16912,7 @@
             </a:endParaRPr>
           </a:p>
           <a:p>
-            <a:pPr lvl="1" marL="432000" indent="-215640">
+            <a:pPr lvl="1" marL="432000" indent="-215280">
               <a:lnSpc>
                 <a:spcPct val="100000"/>
               </a:lnSpc>
@@ -16981,7 +16938,7 @@
             </a:endParaRPr>
           </a:p>
           <a:p>
-            <a:pPr lvl="1" marL="432000" indent="-215640">
+            <a:pPr lvl="1" marL="432000" indent="-215280">
               <a:lnSpc>
                 <a:spcPct val="100000"/>
               </a:lnSpc>
@@ -17027,7 +16984,7 @@
             </a:endParaRPr>
           </a:p>
           <a:p>
-            <a:pPr marL="216000" indent="-213480">
+            <a:pPr marL="216000" indent="-213120">
               <a:lnSpc>
                 <a:spcPct val="100000"/>
               </a:lnSpc>
@@ -17063,7 +17020,7 @@
             </a:endParaRPr>
           </a:p>
           <a:p>
-            <a:pPr marL="216000" indent="-213480">
+            <a:pPr marL="216000" indent="-213120">
               <a:lnSpc>
                 <a:spcPct val="100000"/>
               </a:lnSpc>
@@ -17129,7 +17086,7 @@
         <p:spPr>
           <a:xfrm>
             <a:off x="360000" y="360000"/>
-            <a:ext cx="9357480" cy="897480"/>
+            <a:ext cx="9357120" cy="897120"/>
           </a:xfrm>
           <a:prstGeom prst="rect">
             <a:avLst/>
@@ -17190,7 +17147,7 @@
         <p:spPr>
           <a:xfrm>
             <a:off x="360000" y="1980000"/>
-            <a:ext cx="9177480" cy="4677480"/>
+            <a:ext cx="9177120" cy="4677120"/>
           </a:xfrm>
           <a:prstGeom prst="rect">
             <a:avLst/>
@@ -17221,7 +17178,7 @@
             </a:endParaRPr>
           </a:p>
           <a:p>
-            <a:pPr marL="216000" indent="-213480">
+            <a:pPr marL="216000" indent="-213120">
               <a:lnSpc>
                 <a:spcPct val="100000"/>
               </a:lnSpc>
@@ -17267,7 +17224,7 @@
             </a:endParaRPr>
           </a:p>
           <a:p>
-            <a:pPr marL="216000" indent="-213480">
+            <a:pPr marL="216000" indent="-213120">
               <a:lnSpc>
                 <a:spcPct val="100000"/>
               </a:lnSpc>
@@ -17303,7 +17260,7 @@
             </a:endParaRPr>
           </a:p>
           <a:p>
-            <a:pPr marL="216000" indent="-213480">
+            <a:pPr marL="216000" indent="-213120">
               <a:lnSpc>
                 <a:spcPct val="100000"/>
               </a:lnSpc>

--- a/slides/gitops_first_steps.pptx
+++ b/slides/gitops_first_steps.pptx
@@ -5507,7 +5507,7 @@
         <p:spPr>
           <a:xfrm>
             <a:off x="0" y="3150000"/>
-            <a:ext cx="9717120" cy="1257120"/>
+            <a:ext cx="9716760" cy="1256760"/>
           </a:xfrm>
           <a:prstGeom prst="rect">
             <a:avLst/>
@@ -5795,7 +5795,7 @@
         <p:spPr>
           <a:xfrm>
             <a:off x="0" y="180000"/>
-            <a:ext cx="9717120" cy="1257120"/>
+            <a:ext cx="9716760" cy="1256760"/>
           </a:xfrm>
           <a:prstGeom prst="rect">
             <a:avLst/>
@@ -5823,7 +5823,7 @@
         <p:spPr>
           <a:xfrm>
             <a:off x="7560000" y="6840000"/>
-            <a:ext cx="2517120" cy="537120"/>
+            <a:ext cx="2516760" cy="536760"/>
           </a:xfrm>
           <a:prstGeom prst="rect">
             <a:avLst/>
@@ -5851,7 +5851,7 @@
         <p:spPr>
           <a:xfrm>
             <a:off x="900000" y="6840000"/>
-            <a:ext cx="6477120" cy="537120"/>
+            <a:ext cx="6476760" cy="536760"/>
           </a:xfrm>
           <a:prstGeom prst="rect">
             <a:avLst/>
@@ -5879,7 +5879,7 @@
         <p:spPr>
           <a:xfrm>
             <a:off x="180000" y="6840000"/>
-            <a:ext cx="537120" cy="537120"/>
+            <a:ext cx="536760" cy="536760"/>
           </a:xfrm>
           <a:prstGeom prst="rect">
             <a:avLst/>
@@ -6165,7 +6165,7 @@
         <p:spPr>
           <a:xfrm>
             <a:off x="0" y="180000"/>
-            <a:ext cx="9717120" cy="1257120"/>
+            <a:ext cx="9716760" cy="1256760"/>
           </a:xfrm>
           <a:prstGeom prst="rect">
             <a:avLst/>
@@ -6193,7 +6193,7 @@
         <p:spPr>
           <a:xfrm>
             <a:off x="7560000" y="6840000"/>
-            <a:ext cx="2517120" cy="537120"/>
+            <a:ext cx="2516760" cy="536760"/>
           </a:xfrm>
           <a:prstGeom prst="rect">
             <a:avLst/>
@@ -6221,7 +6221,7 @@
         <p:spPr>
           <a:xfrm>
             <a:off x="900000" y="6840000"/>
-            <a:ext cx="6477120" cy="537120"/>
+            <a:ext cx="6476760" cy="536760"/>
           </a:xfrm>
           <a:prstGeom prst="rect">
             <a:avLst/>
@@ -6249,7 +6249,7 @@
         <p:spPr>
           <a:xfrm>
             <a:off x="180000" y="6840000"/>
-            <a:ext cx="537120" cy="537120"/>
+            <a:ext cx="536760" cy="536760"/>
           </a:xfrm>
           <a:prstGeom prst="rect">
             <a:avLst/>
@@ -6535,7 +6535,7 @@
         <p:spPr>
           <a:xfrm>
             <a:off x="0" y="3150000"/>
-            <a:ext cx="9717120" cy="1257120"/>
+            <a:ext cx="9716760" cy="1256760"/>
           </a:xfrm>
           <a:prstGeom prst="rect">
             <a:avLst/>
@@ -6816,7 +6816,7 @@
         <p:spPr>
           <a:xfrm>
             <a:off x="360000" y="3330000"/>
-            <a:ext cx="9357120" cy="897120"/>
+            <a:ext cx="9356760" cy="896760"/>
           </a:xfrm>
           <a:prstGeom prst="rect">
             <a:avLst/>
@@ -6867,7 +6867,7 @@
         <p:spPr>
           <a:xfrm>
             <a:off x="540000" y="4680000"/>
-            <a:ext cx="9177120" cy="2517120"/>
+            <a:ext cx="9176760" cy="2516760"/>
           </a:xfrm>
           <a:prstGeom prst="rect">
             <a:avLst/>
@@ -6974,7 +6974,7 @@
         <p:spPr>
           <a:xfrm>
             <a:off x="7132320" y="4663440"/>
-            <a:ext cx="2466000" cy="2466000"/>
+            <a:ext cx="2465640" cy="2465640"/>
           </a:xfrm>
           <a:prstGeom prst="rect">
             <a:avLst/>
@@ -7023,7 +7023,7 @@
         <p:spPr>
           <a:xfrm>
             <a:off x="360000" y="360000"/>
-            <a:ext cx="9357120" cy="897120"/>
+            <a:ext cx="9356760" cy="896760"/>
           </a:xfrm>
           <a:prstGeom prst="rect">
             <a:avLst/>
@@ -7084,7 +7084,7 @@
         <p:spPr>
           <a:xfrm>
             <a:off x="360000" y="1980000"/>
-            <a:ext cx="9177120" cy="4677120"/>
+            <a:ext cx="9176760" cy="4676760"/>
           </a:xfrm>
           <a:prstGeom prst="rect">
             <a:avLst/>
@@ -7115,7 +7115,7 @@
             </a:endParaRPr>
           </a:p>
           <a:p>
-            <a:pPr marL="216000" indent="-213120">
+            <a:pPr marL="216000" indent="-212760">
               <a:lnSpc>
                 <a:spcPct val="100000"/>
               </a:lnSpc>
@@ -7161,7 +7161,7 @@
             </a:endParaRPr>
           </a:p>
           <a:p>
-            <a:pPr marL="216000" indent="-213120">
+            <a:pPr marL="216000" indent="-212760">
               <a:lnSpc>
                 <a:spcPct val="100000"/>
               </a:lnSpc>
@@ -7197,7 +7197,7 @@
             </a:endParaRPr>
           </a:p>
           <a:p>
-            <a:pPr marL="216000" indent="-213120">
+            <a:pPr marL="216000" indent="-212760">
               <a:lnSpc>
                 <a:spcPct val="100000"/>
               </a:lnSpc>
@@ -7263,7 +7263,7 @@
         <p:spPr>
           <a:xfrm>
             <a:off x="360000" y="360000"/>
-            <a:ext cx="9357120" cy="897120"/>
+            <a:ext cx="9356760" cy="896760"/>
           </a:xfrm>
           <a:prstGeom prst="rect">
             <a:avLst/>
@@ -7324,7 +7324,7 @@
         <p:spPr>
           <a:xfrm>
             <a:off x="360000" y="1980000"/>
-            <a:ext cx="9177120" cy="4677120"/>
+            <a:ext cx="9176760" cy="4676760"/>
           </a:xfrm>
           <a:prstGeom prst="rect">
             <a:avLst/>
@@ -7350,7 +7350,7 @@
         <p:spPr>
           <a:xfrm>
             <a:off x="360000" y="1980000"/>
-            <a:ext cx="9177120" cy="4677120"/>
+            <a:ext cx="9176760" cy="4676760"/>
           </a:xfrm>
           <a:prstGeom prst="rect">
             <a:avLst/>
@@ -7381,7 +7381,7 @@
             </a:endParaRPr>
           </a:p>
           <a:p>
-            <a:pPr marL="216000" indent="-213120">
+            <a:pPr marL="216000" indent="-212760">
               <a:lnSpc>
                 <a:spcPct val="100000"/>
               </a:lnSpc>
@@ -7427,7 +7427,7 @@
             </a:endParaRPr>
           </a:p>
           <a:p>
-            <a:pPr marL="216000" indent="-213120">
+            <a:pPr marL="216000" indent="-212760">
               <a:lnSpc>
                 <a:spcPct val="100000"/>
               </a:lnSpc>
@@ -7493,7 +7493,7 @@
         <p:spPr>
           <a:xfrm>
             <a:off x="360000" y="360000"/>
-            <a:ext cx="9357120" cy="897120"/>
+            <a:ext cx="9356760" cy="896760"/>
           </a:xfrm>
           <a:prstGeom prst="rect">
             <a:avLst/>
@@ -7544,7 +7544,7 @@
         <p:spPr>
           <a:xfrm>
             <a:off x="360000" y="1980000"/>
-            <a:ext cx="9177120" cy="4677120"/>
+            <a:ext cx="9176760" cy="4676760"/>
           </a:xfrm>
           <a:prstGeom prst="rect">
             <a:avLst/>
@@ -7575,7 +7575,7 @@
             </a:endParaRPr>
           </a:p>
           <a:p>
-            <a:pPr marL="216000" indent="-213120">
+            <a:pPr marL="216000" indent="-212760">
               <a:lnSpc>
                 <a:spcPct val="100000"/>
               </a:lnSpc>
@@ -7611,7 +7611,7 @@
             </a:endParaRPr>
           </a:p>
           <a:p>
-            <a:pPr marL="216000" indent="-213120">
+            <a:pPr marL="216000" indent="-212760">
               <a:lnSpc>
                 <a:spcPct val="100000"/>
               </a:lnSpc>
@@ -7647,7 +7647,7 @@
             </a:endParaRPr>
           </a:p>
           <a:p>
-            <a:pPr marL="216000" indent="-213120">
+            <a:pPr marL="216000" indent="-212760">
               <a:lnSpc>
                 <a:spcPct val="100000"/>
               </a:lnSpc>
@@ -7683,7 +7683,7 @@
             </a:endParaRPr>
           </a:p>
           <a:p>
-            <a:pPr marL="216000" indent="-213120">
+            <a:pPr marL="216000" indent="-212760">
               <a:lnSpc>
                 <a:spcPct val="100000"/>
               </a:lnSpc>
@@ -7749,7 +7749,7 @@
         <p:spPr>
           <a:xfrm>
             <a:off x="362880" y="-72000"/>
-            <a:ext cx="9357120" cy="897120"/>
+            <a:ext cx="9356760" cy="896760"/>
           </a:xfrm>
           <a:prstGeom prst="rect">
             <a:avLst/>
@@ -7804,7 +7804,7 @@
         <p:spPr>
           <a:xfrm>
             <a:off x="2304000" y="848880"/>
-            <a:ext cx="5760000" cy="6996960"/>
+            <a:ext cx="5759640" cy="6996600"/>
           </a:xfrm>
           <a:prstGeom prst="rect">
             <a:avLst/>
@@ -7853,7 +7853,7 @@
         <p:spPr>
           <a:xfrm>
             <a:off x="360000" y="360000"/>
-            <a:ext cx="9357120" cy="897120"/>
+            <a:ext cx="9356760" cy="896760"/>
           </a:xfrm>
           <a:prstGeom prst="rect">
             <a:avLst/>
@@ -7904,7 +7904,7 @@
         <p:spPr>
           <a:xfrm>
             <a:off x="360000" y="1980000"/>
-            <a:ext cx="9177120" cy="4677120"/>
+            <a:ext cx="9176760" cy="4676760"/>
           </a:xfrm>
           <a:prstGeom prst="rect">
             <a:avLst/>
@@ -7955,7 +7955,7 @@
         <p:spPr>
           <a:xfrm>
             <a:off x="360000" y="1980000"/>
-            <a:ext cx="9177120" cy="4677120"/>
+            <a:ext cx="9176760" cy="4676760"/>
           </a:xfrm>
           <a:prstGeom prst="rect">
             <a:avLst/>
@@ -7986,7 +7986,7 @@
             </a:endParaRPr>
           </a:p>
           <a:p>
-            <a:pPr marL="216000" indent="-213120">
+            <a:pPr marL="216000" indent="-212760">
               <a:lnSpc>
                 <a:spcPct val="100000"/>
               </a:lnSpc>
@@ -8012,7 +8012,7 @@
             </a:endParaRPr>
           </a:p>
           <a:p>
-            <a:pPr lvl="1" marL="432000" indent="-215280">
+            <a:pPr lvl="1" marL="432000" indent="-214920">
               <a:lnSpc>
                 <a:spcPct val="100000"/>
               </a:lnSpc>
@@ -8048,7 +8048,7 @@
             </a:endParaRPr>
           </a:p>
           <a:p>
-            <a:pPr lvl="1" marL="432000" indent="-215280">
+            <a:pPr lvl="1" marL="432000" indent="-214920">
               <a:lnSpc>
                 <a:spcPct val="100000"/>
               </a:lnSpc>
@@ -8124,7 +8124,7 @@
         <p:spPr>
           <a:xfrm>
             <a:off x="360000" y="360000"/>
-            <a:ext cx="9357120" cy="897120"/>
+            <a:ext cx="9356760" cy="896760"/>
           </a:xfrm>
           <a:prstGeom prst="rect">
             <a:avLst/>
@@ -8175,7 +8175,7 @@
         <p:spPr>
           <a:xfrm>
             <a:off x="360000" y="1980000"/>
-            <a:ext cx="9177120" cy="4677120"/>
+            <a:ext cx="9176760" cy="4676760"/>
           </a:xfrm>
           <a:prstGeom prst="rect">
             <a:avLst/>
@@ -8226,7 +8226,7 @@
         <p:spPr>
           <a:xfrm>
             <a:off x="360000" y="1980000"/>
-            <a:ext cx="9177120" cy="4677120"/>
+            <a:ext cx="9176760" cy="4676760"/>
           </a:xfrm>
           <a:prstGeom prst="rect">
             <a:avLst/>
@@ -8257,7 +8257,7 @@
             </a:endParaRPr>
           </a:p>
           <a:p>
-            <a:pPr marL="216000" indent="-213120">
+            <a:pPr marL="216000" indent="-212760">
               <a:lnSpc>
                 <a:spcPct val="100000"/>
               </a:lnSpc>
@@ -8293,7 +8293,7 @@
             </a:endParaRPr>
           </a:p>
           <a:p>
-            <a:pPr marL="216000" indent="-213120">
+            <a:pPr marL="216000" indent="-212760">
               <a:lnSpc>
                 <a:spcPct val="100000"/>
               </a:lnSpc>
@@ -8329,7 +8329,7 @@
             </a:endParaRPr>
           </a:p>
           <a:p>
-            <a:pPr marL="216000" indent="-213120">
+            <a:pPr marL="216000" indent="-212760">
               <a:lnSpc>
                 <a:spcPct val="100000"/>
               </a:lnSpc>
@@ -8395,7 +8395,7 @@
         <p:spPr>
           <a:xfrm>
             <a:off x="360000" y="360000"/>
-            <a:ext cx="9357120" cy="897120"/>
+            <a:ext cx="9356760" cy="896760"/>
           </a:xfrm>
           <a:prstGeom prst="rect">
             <a:avLst/>
@@ -8446,7 +8446,7 @@
         <p:spPr>
           <a:xfrm>
             <a:off x="360000" y="1980000"/>
-            <a:ext cx="9177120" cy="4677120"/>
+            <a:ext cx="9176760" cy="4676760"/>
           </a:xfrm>
           <a:prstGeom prst="rect">
             <a:avLst/>
@@ -8477,7 +8477,7 @@
             </a:endParaRPr>
           </a:p>
           <a:p>
-            <a:pPr marL="216000" indent="-213120">
+            <a:pPr marL="216000" indent="-212760">
               <a:lnSpc>
                 <a:spcPct val="100000"/>
               </a:lnSpc>
@@ -8513,7 +8513,7 @@
             </a:endParaRPr>
           </a:p>
           <a:p>
-            <a:pPr lvl="1" marL="432000" indent="-215280">
+            <a:pPr lvl="1" marL="432000" indent="-214920">
               <a:lnSpc>
                 <a:spcPct val="100000"/>
               </a:lnSpc>
@@ -8549,7 +8549,7 @@
             </a:endParaRPr>
           </a:p>
           <a:p>
-            <a:pPr marL="216000" indent="-213120">
+            <a:pPr marL="216000" indent="-212760">
               <a:lnSpc>
                 <a:spcPct val="100000"/>
               </a:lnSpc>
@@ -8585,7 +8585,7 @@
             </a:endParaRPr>
           </a:p>
           <a:p>
-            <a:pPr lvl="1" marL="432000" indent="-215280">
+            <a:pPr lvl="1" marL="432000" indent="-214920">
               <a:lnSpc>
                 <a:spcPct val="100000"/>
               </a:lnSpc>
@@ -8611,7 +8611,7 @@
             </a:endParaRPr>
           </a:p>
           <a:p>
-            <a:pPr lvl="1" marL="432000" indent="-215280">
+            <a:pPr lvl="1" marL="432000" indent="-214920">
               <a:lnSpc>
                 <a:spcPct val="100000"/>
               </a:lnSpc>
@@ -8637,7 +8637,7 @@
             </a:endParaRPr>
           </a:p>
           <a:p>
-            <a:pPr lvl="1" marL="432000" indent="-215280">
+            <a:pPr lvl="1" marL="432000" indent="-214920">
               <a:lnSpc>
                 <a:spcPct val="100000"/>
               </a:lnSpc>
@@ -8663,7 +8663,7 @@
             </a:endParaRPr>
           </a:p>
           <a:p>
-            <a:pPr lvl="1" marL="432000" indent="-215280">
+            <a:pPr lvl="1" marL="432000" indent="-214920">
               <a:lnSpc>
                 <a:spcPct val="100000"/>
               </a:lnSpc>
@@ -8729,7 +8729,7 @@
         <p:spPr>
           <a:xfrm>
             <a:off x="360000" y="360000"/>
-            <a:ext cx="9357120" cy="897120"/>
+            <a:ext cx="9356760" cy="896760"/>
           </a:xfrm>
           <a:prstGeom prst="rect">
             <a:avLst/>
@@ -8780,7 +8780,7 @@
         <p:spPr>
           <a:xfrm>
             <a:off x="360000" y="1980000"/>
-            <a:ext cx="9177120" cy="4677120"/>
+            <a:ext cx="9176760" cy="4676760"/>
           </a:xfrm>
           <a:prstGeom prst="rect">
             <a:avLst/>
@@ -8811,7 +8811,7 @@
             </a:endParaRPr>
           </a:p>
           <a:p>
-            <a:pPr marL="216000" indent="-213120">
+            <a:pPr marL="216000" indent="-212760">
               <a:lnSpc>
                 <a:spcPct val="100000"/>
               </a:lnSpc>
@@ -8847,7 +8847,7 @@
         <p:spPr>
           <a:xfrm>
             <a:off x="360000" y="1982160"/>
-            <a:ext cx="9177120" cy="4677120"/>
+            <a:ext cx="9176760" cy="4676760"/>
           </a:xfrm>
           <a:prstGeom prst="rect">
             <a:avLst/>
@@ -8878,7 +8878,7 @@
             </a:endParaRPr>
           </a:p>
           <a:p>
-            <a:pPr marL="216000" indent="-213120">
+            <a:pPr marL="216000" indent="-212760">
               <a:lnSpc>
                 <a:spcPct val="100000"/>
               </a:lnSpc>
@@ -8914,7 +8914,7 @@
             </a:endParaRPr>
           </a:p>
           <a:p>
-            <a:pPr lvl="1" marL="432000" indent="-215280">
+            <a:pPr lvl="1" marL="432000" indent="-214920">
               <a:lnSpc>
                 <a:spcPct val="100000"/>
               </a:lnSpc>
@@ -8950,7 +8950,7 @@
             </a:endParaRPr>
           </a:p>
           <a:p>
-            <a:pPr lvl="1" marL="432000" indent="-215280">
+            <a:pPr lvl="1" marL="432000" indent="-214920">
               <a:lnSpc>
                 <a:spcPct val="100000"/>
               </a:lnSpc>
@@ -8986,7 +8986,7 @@
             </a:endParaRPr>
           </a:p>
           <a:p>
-            <a:pPr lvl="1" marL="432000" indent="-215280">
+            <a:pPr lvl="1" marL="432000" indent="-214920">
               <a:lnSpc>
                 <a:spcPct val="100000"/>
               </a:lnSpc>
@@ -9022,7 +9022,7 @@
             </a:endParaRPr>
           </a:p>
           <a:p>
-            <a:pPr lvl="1" marL="432000" indent="-215280">
+            <a:pPr lvl="1" marL="432000" indent="-214920">
               <a:lnSpc>
                 <a:spcPct val="100000"/>
               </a:lnSpc>
@@ -9088,7 +9088,7 @@
         <p:spPr>
           <a:xfrm>
             <a:off x="360000" y="360000"/>
-            <a:ext cx="9357120" cy="897120"/>
+            <a:ext cx="9356760" cy="896760"/>
           </a:xfrm>
           <a:prstGeom prst="rect">
             <a:avLst/>
@@ -9139,7 +9139,7 @@
         <p:spPr>
           <a:xfrm>
             <a:off x="360000" y="1980000"/>
-            <a:ext cx="9177120" cy="4677120"/>
+            <a:ext cx="9176760" cy="4676760"/>
           </a:xfrm>
           <a:prstGeom prst="rect">
             <a:avLst/>
@@ -9170,7 +9170,7 @@
             </a:endParaRPr>
           </a:p>
           <a:p>
-            <a:pPr marL="216000" indent="-213120">
+            <a:pPr marL="216000" indent="-212760">
               <a:lnSpc>
                 <a:spcPct val="100000"/>
               </a:lnSpc>
@@ -9206,7 +9206,7 @@
         <p:spPr>
           <a:xfrm>
             <a:off x="360000" y="1982160"/>
-            <a:ext cx="9177120" cy="4677120"/>
+            <a:ext cx="9176760" cy="4676760"/>
           </a:xfrm>
           <a:prstGeom prst="rect">
             <a:avLst/>
@@ -9237,7 +9237,7 @@
             </a:endParaRPr>
           </a:p>
           <a:p>
-            <a:pPr marL="216000" indent="-213120">
+            <a:pPr marL="216000" indent="-212760">
               <a:lnSpc>
                 <a:spcPct val="100000"/>
               </a:lnSpc>
@@ -9283,7 +9283,7 @@
             </a:endParaRPr>
           </a:p>
           <a:p>
-            <a:pPr lvl="1" marL="432000" indent="-215280">
+            <a:pPr lvl="1" marL="432000" indent="-214920">
               <a:lnSpc>
                 <a:spcPct val="100000"/>
               </a:lnSpc>
@@ -9309,7 +9309,7 @@
             </a:endParaRPr>
           </a:p>
           <a:p>
-            <a:pPr lvl="1" marL="432000" indent="-215280">
+            <a:pPr lvl="1" marL="432000" indent="-214920">
               <a:lnSpc>
                 <a:spcPct val="100000"/>
               </a:lnSpc>
@@ -9345,7 +9345,7 @@
             </a:endParaRPr>
           </a:p>
           <a:p>
-            <a:pPr marL="216000" indent="-213120">
+            <a:pPr marL="216000" indent="-212760">
               <a:lnSpc>
                 <a:spcPct val="100000"/>
               </a:lnSpc>
@@ -9381,7 +9381,7 @@
             </a:endParaRPr>
           </a:p>
           <a:p>
-            <a:pPr marL="216000" indent="-213120">
+            <a:pPr marL="216000" indent="-212760">
               <a:lnSpc>
                 <a:spcPct val="100000"/>
               </a:lnSpc>
@@ -9407,7 +9407,7 @@
             </a:endParaRPr>
           </a:p>
           <a:p>
-            <a:pPr lvl="1" marL="432000" indent="-215280">
+            <a:pPr lvl="1" marL="432000" indent="-214920">
               <a:lnSpc>
                 <a:spcPct val="100000"/>
               </a:lnSpc>
@@ -9495,7 +9495,7 @@
         <p:spPr>
           <a:xfrm>
             <a:off x="360000" y="360000"/>
-            <a:ext cx="9357120" cy="897120"/>
+            <a:ext cx="9356760" cy="896760"/>
           </a:xfrm>
           <a:prstGeom prst="rect">
             <a:avLst/>
@@ -9546,7 +9546,7 @@
         <p:spPr>
           <a:xfrm>
             <a:off x="360000" y="1980000"/>
-            <a:ext cx="9177120" cy="4677120"/>
+            <a:ext cx="9176760" cy="4676760"/>
           </a:xfrm>
           <a:prstGeom prst="rect">
             <a:avLst/>
@@ -9597,7 +9597,7 @@
         <p:spPr>
           <a:xfrm>
             <a:off x="360000" y="1979280"/>
-            <a:ext cx="9177120" cy="4677120"/>
+            <a:ext cx="9176760" cy="4676760"/>
           </a:xfrm>
           <a:prstGeom prst="rect">
             <a:avLst/>
@@ -9728,7 +9728,7 @@
             </a:endParaRPr>
           </a:p>
           <a:p>
-            <a:pPr marL="216000" indent="-213120">
+            <a:pPr marL="216000" indent="-212760">
               <a:lnSpc>
                 <a:spcPct val="100000"/>
               </a:lnSpc>
@@ -9830,7 +9830,7 @@
         <p:spPr>
           <a:xfrm>
             <a:off x="504000" y="1512000"/>
-            <a:ext cx="8836920" cy="4370400"/>
+            <a:ext cx="8836560" cy="4370040"/>
           </a:xfrm>
           <a:prstGeom prst="rect">
             <a:avLst/>
@@ -9879,7 +9879,7 @@
         <p:spPr>
           <a:xfrm>
             <a:off x="360000" y="360000"/>
-            <a:ext cx="9357120" cy="897120"/>
+            <a:ext cx="9356760" cy="896760"/>
           </a:xfrm>
           <a:prstGeom prst="rect">
             <a:avLst/>
@@ -9930,7 +9930,7 @@
         <p:spPr>
           <a:xfrm>
             <a:off x="360000" y="1980000"/>
-            <a:ext cx="9177120" cy="4677120"/>
+            <a:ext cx="9176760" cy="4676760"/>
           </a:xfrm>
           <a:prstGeom prst="rect">
             <a:avLst/>
@@ -9961,7 +9961,7 @@
             </a:endParaRPr>
           </a:p>
           <a:p>
-            <a:pPr marL="216000" indent="-213120">
+            <a:pPr marL="216000" indent="-212760">
               <a:lnSpc>
                 <a:spcPct val="100000"/>
               </a:lnSpc>
@@ -9997,7 +9997,7 @@
             </a:endParaRPr>
           </a:p>
           <a:p>
-            <a:pPr marL="216000" indent="-213120">
+            <a:pPr marL="216000" indent="-212760">
               <a:lnSpc>
                 <a:spcPct val="100000"/>
               </a:lnSpc>
@@ -10033,7 +10033,7 @@
             </a:endParaRPr>
           </a:p>
           <a:p>
-            <a:pPr marL="216000" indent="-213120">
+            <a:pPr marL="216000" indent="-212760">
               <a:lnSpc>
                 <a:spcPct val="100000"/>
               </a:lnSpc>
@@ -10069,7 +10069,7 @@
             </a:endParaRPr>
           </a:p>
           <a:p>
-            <a:pPr marL="216000" indent="-213120">
+            <a:pPr marL="216000" indent="-212760">
               <a:lnSpc>
                 <a:spcPct val="100000"/>
               </a:lnSpc>
@@ -10135,7 +10135,7 @@
         <p:spPr>
           <a:xfrm>
             <a:off x="360000" y="360000"/>
-            <a:ext cx="9357120" cy="897120"/>
+            <a:ext cx="9356760" cy="896760"/>
           </a:xfrm>
           <a:prstGeom prst="rect">
             <a:avLst/>
@@ -10186,7 +10186,7 @@
         <p:spPr>
           <a:xfrm>
             <a:off x="360000" y="1730160"/>
-            <a:ext cx="9177120" cy="4677120"/>
+            <a:ext cx="9176760" cy="4676760"/>
           </a:xfrm>
           <a:prstGeom prst="rect">
             <a:avLst/>
@@ -10297,7 +10297,7 @@
         <p:spPr>
           <a:xfrm>
             <a:off x="360000" y="1370160"/>
-            <a:ext cx="9177120" cy="4677120"/>
+            <a:ext cx="9176760" cy="4676760"/>
           </a:xfrm>
           <a:prstGeom prst="rect">
             <a:avLst/>
@@ -10338,7 +10338,7 @@
             </a:endParaRPr>
           </a:p>
           <a:p>
-            <a:pPr marL="216000" indent="-213120">
+            <a:pPr marL="216000" indent="-212760">
               <a:lnSpc>
                 <a:spcPct val="100000"/>
               </a:lnSpc>
@@ -10364,7 +10364,7 @@
             </a:endParaRPr>
           </a:p>
           <a:p>
-            <a:pPr lvl="1" marL="432000" indent="-215280">
+            <a:pPr lvl="1" marL="432000" indent="-214920">
               <a:lnSpc>
                 <a:spcPct val="100000"/>
               </a:lnSpc>
@@ -10390,7 +10390,7 @@
             </a:endParaRPr>
           </a:p>
           <a:p>
-            <a:pPr lvl="1" marL="432000" indent="-215280">
+            <a:pPr lvl="1" marL="432000" indent="-214920">
               <a:lnSpc>
                 <a:spcPct val="100000"/>
               </a:lnSpc>
@@ -10426,7 +10426,7 @@
             </a:endParaRPr>
           </a:p>
           <a:p>
-            <a:pPr marL="216000" indent="-213120">
+            <a:pPr marL="216000" indent="-212760">
               <a:lnSpc>
                 <a:spcPct val="100000"/>
               </a:lnSpc>
@@ -10462,7 +10462,7 @@
             </a:endParaRPr>
           </a:p>
           <a:p>
-            <a:pPr marL="216000" indent="-213120">
+            <a:pPr marL="216000" indent="-212760">
               <a:lnSpc>
                 <a:spcPct val="100000"/>
               </a:lnSpc>
@@ -10538,7 +10538,7 @@
         <p:spPr>
           <a:xfrm>
             <a:off x="360000" y="360000"/>
-            <a:ext cx="9357120" cy="897120"/>
+            <a:ext cx="9356760" cy="896760"/>
           </a:xfrm>
           <a:prstGeom prst="rect">
             <a:avLst/>
@@ -10589,7 +10589,7 @@
         <p:spPr>
           <a:xfrm>
             <a:off x="360000" y="1980000"/>
-            <a:ext cx="9177120" cy="4677120"/>
+            <a:ext cx="9176760" cy="4676760"/>
           </a:xfrm>
           <a:prstGeom prst="rect">
             <a:avLst/>
@@ -10640,7 +10640,7 @@
         <p:spPr>
           <a:xfrm>
             <a:off x="360000" y="1800000"/>
-            <a:ext cx="9177120" cy="4677120"/>
+            <a:ext cx="9176760" cy="4676760"/>
           </a:xfrm>
           <a:prstGeom prst="rect">
             <a:avLst/>
@@ -10691,7 +10691,7 @@
         <p:spPr>
           <a:xfrm>
             <a:off x="360000" y="1547280"/>
-            <a:ext cx="9177120" cy="4677120"/>
+            <a:ext cx="9176760" cy="4676760"/>
           </a:xfrm>
           <a:prstGeom prst="rect">
             <a:avLst/>
@@ -10732,7 +10732,7 @@
             </a:endParaRPr>
           </a:p>
           <a:p>
-            <a:pPr marL="216000" indent="-213120">
+            <a:pPr marL="216000" indent="-212760">
               <a:lnSpc>
                 <a:spcPct val="100000"/>
               </a:lnSpc>
@@ -10768,7 +10768,7 @@
             </a:endParaRPr>
           </a:p>
           <a:p>
-            <a:pPr lvl="1" marL="432000" indent="-215280">
+            <a:pPr lvl="1" marL="432000" indent="-214920">
               <a:lnSpc>
                 <a:spcPct val="100000"/>
               </a:lnSpc>
@@ -10794,7 +10794,7 @@
             </a:endParaRPr>
           </a:p>
           <a:p>
-            <a:pPr lvl="2" marL="648000" indent="-215280">
+            <a:pPr lvl="2" marL="648000" indent="-214920">
               <a:lnSpc>
                 <a:spcPct val="100000"/>
               </a:lnSpc>
@@ -10820,7 +10820,7 @@
             </a:endParaRPr>
           </a:p>
           <a:p>
-            <a:pPr lvl="2" marL="648000" indent="-215280">
+            <a:pPr lvl="2" marL="648000" indent="-214920">
               <a:lnSpc>
                 <a:spcPct val="100000"/>
               </a:lnSpc>
@@ -10846,7 +10846,7 @@
             </a:endParaRPr>
           </a:p>
           <a:p>
-            <a:pPr lvl="2" marL="648000" indent="-215280">
+            <a:pPr lvl="2" marL="648000" indent="-214920">
               <a:lnSpc>
                 <a:spcPct val="100000"/>
               </a:lnSpc>
@@ -10882,7 +10882,7 @@
             </a:endParaRPr>
           </a:p>
           <a:p>
-            <a:pPr lvl="1" marL="432000" indent="-215280">
+            <a:pPr lvl="1" marL="432000" indent="-214920">
               <a:lnSpc>
                 <a:spcPct val="100000"/>
               </a:lnSpc>
@@ -10908,7 +10908,7 @@
             </a:endParaRPr>
           </a:p>
           <a:p>
-            <a:pPr lvl="2" marL="648000" indent="-215280">
+            <a:pPr lvl="2" marL="648000" indent="-214920">
               <a:lnSpc>
                 <a:spcPct val="100000"/>
               </a:lnSpc>
@@ -10974,7 +10974,7 @@
         <p:spPr>
           <a:xfrm>
             <a:off x="360000" y="360000"/>
-            <a:ext cx="9357120" cy="897120"/>
+            <a:ext cx="9356760" cy="896760"/>
           </a:xfrm>
           <a:prstGeom prst="rect">
             <a:avLst/>
@@ -11025,7 +11025,7 @@
         <p:spPr>
           <a:xfrm>
             <a:off x="360000" y="1980000"/>
-            <a:ext cx="9177120" cy="4677120"/>
+            <a:ext cx="9176760" cy="4676760"/>
           </a:xfrm>
           <a:prstGeom prst="rect">
             <a:avLst/>
@@ -11076,7 +11076,7 @@
         <p:spPr>
           <a:xfrm>
             <a:off x="360000" y="1800000"/>
-            <a:ext cx="9177120" cy="4677120"/>
+            <a:ext cx="9176760" cy="4676760"/>
           </a:xfrm>
           <a:prstGeom prst="rect">
             <a:avLst/>
@@ -11127,7 +11127,7 @@
         <p:spPr>
           <a:xfrm>
             <a:off x="360000" y="1196280"/>
-            <a:ext cx="9177120" cy="4677120"/>
+            <a:ext cx="9176760" cy="4676760"/>
           </a:xfrm>
           <a:prstGeom prst="rect">
             <a:avLst/>
@@ -11168,7 +11168,7 @@
             </a:endParaRPr>
           </a:p>
           <a:p>
-            <a:pPr marL="216000" indent="-213120">
+            <a:pPr marL="216000" indent="-212760">
               <a:lnSpc>
                 <a:spcPct val="100000"/>
               </a:lnSpc>
@@ -11204,7 +11204,7 @@
             </a:endParaRPr>
           </a:p>
           <a:p>
-            <a:pPr lvl="1" marL="432000" indent="-215280">
+            <a:pPr lvl="1" marL="432000" indent="-214920">
               <a:lnSpc>
                 <a:spcPct val="100000"/>
               </a:lnSpc>
@@ -11230,7 +11230,7 @@
             </a:endParaRPr>
           </a:p>
           <a:p>
-            <a:pPr lvl="2" marL="648000" indent="-215280">
+            <a:pPr lvl="2" marL="648000" indent="-214920">
               <a:lnSpc>
                 <a:spcPct val="100000"/>
               </a:lnSpc>
@@ -11256,7 +11256,7 @@
             </a:endParaRPr>
           </a:p>
           <a:p>
-            <a:pPr lvl="2" marL="648000" indent="-215280">
+            <a:pPr lvl="2" marL="648000" indent="-214920">
               <a:lnSpc>
                 <a:spcPct val="100000"/>
               </a:lnSpc>
@@ -11282,7 +11282,7 @@
             </a:endParaRPr>
           </a:p>
           <a:p>
-            <a:pPr lvl="2" marL="648000" indent="-215280">
+            <a:pPr lvl="2" marL="648000" indent="-214920">
               <a:lnSpc>
                 <a:spcPct val="100000"/>
               </a:lnSpc>
@@ -11308,7 +11308,7 @@
             </a:endParaRPr>
           </a:p>
           <a:p>
-            <a:pPr lvl="2" marL="648000" indent="-215280">
+            <a:pPr lvl="2" marL="648000" indent="-214920">
               <a:lnSpc>
                 <a:spcPct val="100000"/>
               </a:lnSpc>
@@ -11374,7 +11374,7 @@
         <p:spPr>
           <a:xfrm>
             <a:off x="360000" y="360000"/>
-            <a:ext cx="9357120" cy="897120"/>
+            <a:ext cx="9356760" cy="896760"/>
           </a:xfrm>
           <a:prstGeom prst="rect">
             <a:avLst/>
@@ -11425,7 +11425,7 @@
         <p:spPr>
           <a:xfrm>
             <a:off x="360000" y="1800000"/>
-            <a:ext cx="9177120" cy="4677120"/>
+            <a:ext cx="9176760" cy="4676760"/>
           </a:xfrm>
           <a:prstGeom prst="rect">
             <a:avLst/>
@@ -11476,7 +11476,7 @@
         <p:spPr>
           <a:xfrm>
             <a:off x="360000" y="1196280"/>
-            <a:ext cx="9177120" cy="4677120"/>
+            <a:ext cx="9176760" cy="4676760"/>
           </a:xfrm>
           <a:prstGeom prst="rect">
             <a:avLst/>
@@ -11517,7 +11517,7 @@
             </a:endParaRPr>
           </a:p>
           <a:p>
-            <a:pPr marL="216000" indent="-213120">
+            <a:pPr marL="216000" indent="-212760">
               <a:lnSpc>
                 <a:spcPct val="100000"/>
               </a:lnSpc>
@@ -11553,7 +11553,7 @@
             </a:endParaRPr>
           </a:p>
           <a:p>
-            <a:pPr lvl="1" marL="432000" indent="-215280">
+            <a:pPr lvl="1" marL="432000" indent="-214920">
               <a:lnSpc>
                 <a:spcPct val="100000"/>
               </a:lnSpc>
@@ -11589,7 +11589,7 @@
             </a:endParaRPr>
           </a:p>
           <a:p>
-            <a:pPr lvl="1" marL="432000" indent="-215280">
+            <a:pPr lvl="1" marL="432000" indent="-214920">
               <a:lnSpc>
                 <a:spcPct val="100000"/>
               </a:lnSpc>
@@ -11625,7 +11625,7 @@
             </a:endParaRPr>
           </a:p>
           <a:p>
-            <a:pPr lvl="1" marL="432000" indent="-215280">
+            <a:pPr lvl="1" marL="432000" indent="-214920">
               <a:lnSpc>
                 <a:spcPct val="100000"/>
               </a:lnSpc>
@@ -11661,7 +11661,7 @@
             </a:endParaRPr>
           </a:p>
           <a:p>
-            <a:pPr lvl="1" marL="432000" indent="-215280">
+            <a:pPr lvl="1" marL="432000" indent="-214920">
               <a:lnSpc>
                 <a:spcPct val="100000"/>
               </a:lnSpc>
@@ -11697,7 +11697,7 @@
             </a:endParaRPr>
           </a:p>
           <a:p>
-            <a:pPr lvl="1" marL="432000" indent="-215280">
+            <a:pPr lvl="1" marL="432000" indent="-214920">
               <a:lnSpc>
                 <a:spcPct val="100000"/>
               </a:lnSpc>
@@ -11763,7 +11763,7 @@
         <p:spPr>
           <a:xfrm>
             <a:off x="360000" y="360000"/>
-            <a:ext cx="9357120" cy="897120"/>
+            <a:ext cx="9356760" cy="896760"/>
           </a:xfrm>
           <a:prstGeom prst="rect">
             <a:avLst/>
@@ -11814,7 +11814,7 @@
         <p:spPr>
           <a:xfrm>
             <a:off x="360000" y="1980000"/>
-            <a:ext cx="9177120" cy="4677120"/>
+            <a:ext cx="9176760" cy="4676760"/>
           </a:xfrm>
           <a:prstGeom prst="rect">
             <a:avLst/>
@@ -11865,7 +11865,7 @@
         <p:spPr>
           <a:xfrm>
             <a:off x="360000" y="1800000"/>
-            <a:ext cx="9177120" cy="4677120"/>
+            <a:ext cx="9176760" cy="4676760"/>
           </a:xfrm>
           <a:prstGeom prst="rect">
             <a:avLst/>
@@ -11916,7 +11916,7 @@
         <p:spPr>
           <a:xfrm>
             <a:off x="360000" y="1196280"/>
-            <a:ext cx="9177120" cy="4677120"/>
+            <a:ext cx="9176760" cy="4676760"/>
           </a:xfrm>
           <a:prstGeom prst="rect">
             <a:avLst/>
@@ -11957,7 +11957,7 @@
             </a:endParaRPr>
           </a:p>
           <a:p>
-            <a:pPr marL="216000" indent="-213120">
+            <a:pPr marL="216000" indent="-212760">
               <a:lnSpc>
                 <a:spcPct val="100000"/>
               </a:lnSpc>
@@ -11993,7 +11993,7 @@
             </a:endParaRPr>
           </a:p>
           <a:p>
-            <a:pPr marL="216000" indent="-213120">
+            <a:pPr marL="216000" indent="-212760">
               <a:lnSpc>
                 <a:spcPct val="100000"/>
               </a:lnSpc>
@@ -12033,7 +12033,7 @@
         <p:spPr>
           <a:xfrm>
             <a:off x="2067840" y="3129840"/>
-            <a:ext cx="5347800" cy="3637800"/>
+            <a:ext cx="5347440" cy="3637440"/>
           </a:xfrm>
           <a:prstGeom prst="rect">
             <a:avLst/>
@@ -12082,7 +12082,7 @@
         <p:spPr>
           <a:xfrm>
             <a:off x="360000" y="360000"/>
-            <a:ext cx="9357120" cy="897120"/>
+            <a:ext cx="9356760" cy="896760"/>
           </a:xfrm>
           <a:prstGeom prst="rect">
             <a:avLst/>
@@ -12133,7 +12133,7 @@
         <p:spPr>
           <a:xfrm>
             <a:off x="360000" y="1980000"/>
-            <a:ext cx="9177120" cy="4677120"/>
+            <a:ext cx="9176760" cy="4676760"/>
           </a:xfrm>
           <a:prstGeom prst="rect">
             <a:avLst/>
@@ -12184,7 +12184,7 @@
         <p:spPr>
           <a:xfrm>
             <a:off x="360000" y="1800000"/>
-            <a:ext cx="9177120" cy="4677120"/>
+            <a:ext cx="9176760" cy="4676760"/>
           </a:xfrm>
           <a:prstGeom prst="rect">
             <a:avLst/>
@@ -12235,7 +12235,7 @@
         <p:spPr>
           <a:xfrm>
             <a:off x="360000" y="1196280"/>
-            <a:ext cx="9177120" cy="4677120"/>
+            <a:ext cx="9176760" cy="4676760"/>
           </a:xfrm>
           <a:prstGeom prst="rect">
             <a:avLst/>
@@ -12276,7 +12276,7 @@
             </a:endParaRPr>
           </a:p>
           <a:p>
-            <a:pPr marL="216000" indent="-213120">
+            <a:pPr marL="216000" indent="-212760">
               <a:lnSpc>
                 <a:spcPct val="100000"/>
               </a:lnSpc>
@@ -12312,7 +12312,7 @@
             </a:endParaRPr>
           </a:p>
           <a:p>
-            <a:pPr marL="216000" indent="-213120">
+            <a:pPr marL="216000" indent="-212760">
               <a:lnSpc>
                 <a:spcPct val="100000"/>
               </a:lnSpc>
@@ -12348,7 +12348,7 @@
             </a:endParaRPr>
           </a:p>
           <a:p>
-            <a:pPr marL="216000" indent="-213120">
+            <a:pPr marL="216000" indent="-212760">
               <a:lnSpc>
                 <a:spcPct val="100000"/>
               </a:lnSpc>
@@ -12414,7 +12414,7 @@
         <p:spPr>
           <a:xfrm>
             <a:off x="360000" y="360000"/>
-            <a:ext cx="9357120" cy="897120"/>
+            <a:ext cx="9356760" cy="896760"/>
           </a:xfrm>
           <a:prstGeom prst="rect">
             <a:avLst/>
@@ -12465,7 +12465,7 @@
         <p:spPr>
           <a:xfrm>
             <a:off x="360000" y="1980000"/>
-            <a:ext cx="9177120" cy="4677120"/>
+            <a:ext cx="9176760" cy="4676760"/>
           </a:xfrm>
           <a:prstGeom prst="rect">
             <a:avLst/>
@@ -12516,7 +12516,7 @@
         <p:spPr>
           <a:xfrm>
             <a:off x="360000" y="1800000"/>
-            <a:ext cx="9177120" cy="4677120"/>
+            <a:ext cx="9176760" cy="4676760"/>
           </a:xfrm>
           <a:prstGeom prst="rect">
             <a:avLst/>
@@ -12567,7 +12567,7 @@
         <p:spPr>
           <a:xfrm>
             <a:off x="360000" y="1196280"/>
-            <a:ext cx="9177120" cy="4677120"/>
+            <a:ext cx="9176760" cy="4676760"/>
           </a:xfrm>
           <a:prstGeom prst="rect">
             <a:avLst/>
@@ -12608,7 +12608,7 @@
             </a:endParaRPr>
           </a:p>
           <a:p>
-            <a:pPr marL="216000" indent="-213120">
+            <a:pPr marL="216000" indent="-212760">
               <a:lnSpc>
                 <a:spcPct val="100000"/>
               </a:lnSpc>
@@ -12644,7 +12644,7 @@
             </a:endParaRPr>
           </a:p>
           <a:p>
-            <a:pPr marL="216000" indent="-213120">
+            <a:pPr marL="216000" indent="-212760">
               <a:lnSpc>
                 <a:spcPct val="100000"/>
               </a:lnSpc>
@@ -12680,7 +12680,7 @@
             </a:endParaRPr>
           </a:p>
           <a:p>
-            <a:pPr marL="216000" indent="-213120">
+            <a:pPr marL="216000" indent="-212760">
               <a:lnSpc>
                 <a:spcPct val="100000"/>
               </a:lnSpc>
@@ -12746,7 +12746,7 @@
         <p:spPr>
           <a:xfrm>
             <a:off x="360000" y="360000"/>
-            <a:ext cx="9357120" cy="897120"/>
+            <a:ext cx="9356760" cy="896760"/>
           </a:xfrm>
           <a:prstGeom prst="rect">
             <a:avLst/>
@@ -12797,7 +12797,7 @@
         <p:spPr>
           <a:xfrm>
             <a:off x="360000" y="1980000"/>
-            <a:ext cx="9177120" cy="4677120"/>
+            <a:ext cx="9176760" cy="4676760"/>
           </a:xfrm>
           <a:prstGeom prst="rect">
             <a:avLst/>
@@ -12848,7 +12848,7 @@
         <p:spPr>
           <a:xfrm>
             <a:off x="360000" y="1800000"/>
-            <a:ext cx="9177120" cy="4677120"/>
+            <a:ext cx="9176760" cy="4676760"/>
           </a:xfrm>
           <a:prstGeom prst="rect">
             <a:avLst/>
@@ -12899,7 +12899,7 @@
         <p:spPr>
           <a:xfrm>
             <a:off x="360000" y="1196280"/>
-            <a:ext cx="9177120" cy="4677120"/>
+            <a:ext cx="9176760" cy="4676760"/>
           </a:xfrm>
           <a:prstGeom prst="rect">
             <a:avLst/>
@@ -12940,7 +12940,7 @@
             </a:endParaRPr>
           </a:p>
           <a:p>
-            <a:pPr marL="216000" indent="-213120">
+            <a:pPr marL="216000" indent="-212760">
               <a:lnSpc>
                 <a:spcPct val="100000"/>
               </a:lnSpc>
@@ -12976,7 +12976,7 @@
             </a:endParaRPr>
           </a:p>
           <a:p>
-            <a:pPr marL="216000" indent="-213120">
+            <a:pPr marL="216000" indent="-212760">
               <a:lnSpc>
                 <a:spcPct val="100000"/>
               </a:lnSpc>
@@ -13042,7 +13042,7 @@
         <p:spPr>
           <a:xfrm>
             <a:off x="360000" y="360000"/>
-            <a:ext cx="9357120" cy="897120"/>
+            <a:ext cx="9356760" cy="896760"/>
           </a:xfrm>
           <a:prstGeom prst="rect">
             <a:avLst/>
@@ -13097,7 +13097,7 @@
         <p:spPr>
           <a:xfrm>
             <a:off x="4223520" y="1473480"/>
-            <a:ext cx="4632480" cy="5294520"/>
+            <a:ext cx="4632120" cy="5294160"/>
           </a:xfrm>
           <a:prstGeom prst="rect">
             <a:avLst/>
@@ -13146,7 +13146,7 @@
         <p:spPr>
           <a:xfrm>
             <a:off x="360000" y="360000"/>
-            <a:ext cx="9357120" cy="897120"/>
+            <a:ext cx="9356760" cy="896760"/>
           </a:xfrm>
           <a:prstGeom prst="rect">
             <a:avLst/>
@@ -13197,7 +13197,7 @@
         <p:spPr>
           <a:xfrm>
             <a:off x="360000" y="1196280"/>
-            <a:ext cx="9177120" cy="4677120"/>
+            <a:ext cx="9176760" cy="4676760"/>
           </a:xfrm>
           <a:prstGeom prst="rect">
             <a:avLst/>
@@ -13238,7 +13238,7 @@
             </a:endParaRPr>
           </a:p>
           <a:p>
-            <a:pPr marL="216000" indent="-213120">
+            <a:pPr marL="216000" indent="-212760">
               <a:lnSpc>
                 <a:spcPct val="100000"/>
               </a:lnSpc>
@@ -13276,7 +13276,7 @@
             </a:endParaRPr>
           </a:p>
           <a:p>
-            <a:pPr marL="216000" indent="-213120">
+            <a:pPr marL="216000" indent="-212760">
               <a:lnSpc>
                 <a:spcPct val="100000"/>
               </a:lnSpc>
@@ -13302,7 +13302,7 @@
             </a:endParaRPr>
           </a:p>
           <a:p>
-            <a:pPr lvl="1" marL="432000" indent="-215280">
+            <a:pPr lvl="1" marL="432000" indent="-214920">
               <a:lnSpc>
                 <a:spcPct val="100000"/>
               </a:lnSpc>
@@ -13328,7 +13328,7 @@
             </a:endParaRPr>
           </a:p>
           <a:p>
-            <a:pPr lvl="1" marL="432000" indent="-215280">
+            <a:pPr lvl="1" marL="432000" indent="-214920">
               <a:lnSpc>
                 <a:spcPct val="100000"/>
               </a:lnSpc>
@@ -13354,7 +13354,7 @@
             </a:endParaRPr>
           </a:p>
           <a:p>
-            <a:pPr lvl="1" marL="432000" indent="-215280">
+            <a:pPr lvl="1" marL="432000" indent="-214920">
               <a:lnSpc>
                 <a:spcPct val="100000"/>
               </a:lnSpc>
@@ -13380,7 +13380,7 @@
             </a:endParaRPr>
           </a:p>
           <a:p>
-            <a:pPr lvl="1" marL="432000" indent="-215280">
+            <a:pPr lvl="1" marL="432000" indent="-214920">
               <a:lnSpc>
                 <a:spcPct val="100000"/>
               </a:lnSpc>
@@ -13406,7 +13406,7 @@
             </a:endParaRPr>
           </a:p>
           <a:p>
-            <a:pPr lvl="1" marL="432000" indent="-215280">
+            <a:pPr lvl="1" marL="432000" indent="-214920">
               <a:lnSpc>
                 <a:spcPct val="100000"/>
               </a:lnSpc>
@@ -13432,7 +13432,7 @@
             </a:endParaRPr>
           </a:p>
           <a:p>
-            <a:pPr lvl="1" marL="432000" indent="-215280">
+            <a:pPr lvl="1" marL="432000" indent="-214920">
               <a:lnSpc>
                 <a:spcPct val="100000"/>
               </a:lnSpc>
@@ -13458,7 +13458,7 @@
             </a:endParaRPr>
           </a:p>
           <a:p>
-            <a:pPr lvl="1" marL="432000" indent="-215280">
+            <a:pPr lvl="1" marL="432000" indent="-214920">
               <a:lnSpc>
                 <a:spcPct val="100000"/>
               </a:lnSpc>
@@ -13524,7 +13524,7 @@
         <p:spPr>
           <a:xfrm>
             <a:off x="360000" y="360000"/>
-            <a:ext cx="9357120" cy="897120"/>
+            <a:ext cx="9356760" cy="896760"/>
           </a:xfrm>
           <a:prstGeom prst="rect">
             <a:avLst/>
@@ -13575,7 +13575,7 @@
         <p:spPr>
           <a:xfrm>
             <a:off x="360000" y="1980000"/>
-            <a:ext cx="9177120" cy="4677120"/>
+            <a:ext cx="9176760" cy="4676760"/>
           </a:xfrm>
           <a:prstGeom prst="rect">
             <a:avLst/>
@@ -13606,7 +13606,7 @@
             </a:endParaRPr>
           </a:p>
           <a:p>
-            <a:pPr marL="216000" indent="-213120">
+            <a:pPr marL="216000" indent="-212760">
               <a:lnSpc>
                 <a:spcPct val="100000"/>
               </a:lnSpc>
@@ -13642,7 +13642,7 @@
         <p:spPr>
           <a:xfrm>
             <a:off x="360000" y="1980000"/>
-            <a:ext cx="9177120" cy="4677120"/>
+            <a:ext cx="9176760" cy="4676760"/>
           </a:xfrm>
           <a:prstGeom prst="rect">
             <a:avLst/>
@@ -13673,7 +13673,7 @@
             </a:endParaRPr>
           </a:p>
           <a:p>
-            <a:pPr marL="216000" indent="-213120">
+            <a:pPr marL="216000" indent="-212760">
               <a:lnSpc>
                 <a:spcPct val="100000"/>
               </a:lnSpc>
@@ -13709,7 +13709,7 @@
             </a:endParaRPr>
           </a:p>
           <a:p>
-            <a:pPr marL="216000" indent="-213120">
+            <a:pPr marL="216000" indent="-212760">
               <a:lnSpc>
                 <a:spcPct val="100000"/>
               </a:lnSpc>
@@ -13745,7 +13745,7 @@
             </a:endParaRPr>
           </a:p>
           <a:p>
-            <a:pPr marL="216000" indent="-213120">
+            <a:pPr marL="216000" indent="-212760">
               <a:lnSpc>
                 <a:spcPct val="100000"/>
               </a:lnSpc>
@@ -13764,24 +13764,35 @@
                 <a:latin typeface="Source Sans Pro Semibold"/>
                 <a:ea typeface="DejaVu Sans"/>
               </a:rPr>
-              <a:t>Blog on GitOps and related subjects at zwishchenzugs.com</a:t>
-            </a:r>
-            <a:endParaRPr b="0" lang="en-GB" sz="2600" spc="-1" strike="noStrike">
-              <a:latin typeface="Arial"/>
-            </a:endParaRPr>
-          </a:p>
-          <a:p>
-            <a:pPr>
-              <a:lnSpc>
-                <a:spcPct val="100000"/>
-              </a:lnSpc>
-            </a:pPr>
-            <a:endParaRPr b="0" lang="en-GB" sz="2600" spc="-1" strike="noStrike">
-              <a:latin typeface="Arial"/>
-            </a:endParaRPr>
-          </a:p>
-          <a:p>
-            <a:pPr marL="216000" indent="-213120">
+              <a:t>Blog on GitOps and related subjects at </a:t>
+            </a:r>
+            <a:r>
+              <a:rPr b="1" lang="en-GB" sz="2600" spc="-1" strike="noStrike">
+                <a:solidFill>
+                  <a:srgbClr val="1c1c1c"/>
+                </a:solidFill>
+                <a:latin typeface="Source Sans Pro Semibold"/>
+                <a:ea typeface="DejaVu Sans"/>
+                <a:hlinkClick r:id="rId1"/>
+              </a:rPr>
+              <a:t>https://zwischenzugs.com</a:t>
+            </a:r>
+            <a:endParaRPr b="0" lang="en-GB" sz="2600" spc="-1" strike="noStrike">
+              <a:latin typeface="Arial"/>
+            </a:endParaRPr>
+          </a:p>
+          <a:p>
+            <a:pPr>
+              <a:lnSpc>
+                <a:spcPct val="100000"/>
+              </a:lnSpc>
+            </a:pPr>
+            <a:endParaRPr b="0" lang="en-GB" sz="2600" spc="-1" strike="noStrike">
+              <a:latin typeface="Arial"/>
+            </a:endParaRPr>
+          </a:p>
+          <a:p>
+            <a:pPr marL="216000" indent="-212760">
               <a:lnSpc>
                 <a:spcPct val="100000"/>
               </a:lnSpc>
@@ -13847,7 +13858,7 @@
         <p:spPr>
           <a:xfrm>
             <a:off x="360000" y="360000"/>
-            <a:ext cx="9357120" cy="897120"/>
+            <a:ext cx="9356760" cy="896760"/>
           </a:xfrm>
           <a:prstGeom prst="rect">
             <a:avLst/>
@@ -13902,7 +13913,7 @@
         <p:spPr>
           <a:xfrm>
             <a:off x="2088000" y="1512000"/>
-            <a:ext cx="5644440" cy="5370840"/>
+            <a:ext cx="5644080" cy="5370480"/>
           </a:xfrm>
           <a:prstGeom prst="rect">
             <a:avLst/>
@@ -13951,7 +13962,7 @@
         <p:spPr>
           <a:xfrm>
             <a:off x="360000" y="360000"/>
-            <a:ext cx="9357120" cy="897120"/>
+            <a:ext cx="9356760" cy="896760"/>
           </a:xfrm>
           <a:prstGeom prst="rect">
             <a:avLst/>
@@ -14005,8 +14016,8 @@
         </p:blipFill>
         <p:spPr>
           <a:xfrm rot="21582600">
-            <a:off x="5055840" y="804240"/>
-            <a:ext cx="4644720" cy="6383880"/>
+            <a:off x="5055480" y="804240"/>
+            <a:ext cx="4644360" cy="6383520"/>
           </a:xfrm>
           <a:prstGeom prst="rect">
             <a:avLst/>
@@ -14055,7 +14066,7 @@
         <p:spPr>
           <a:xfrm>
             <a:off x="360000" y="360000"/>
-            <a:ext cx="9357120" cy="897120"/>
+            <a:ext cx="9356760" cy="896760"/>
           </a:xfrm>
           <a:prstGeom prst="rect">
             <a:avLst/>
@@ -14106,7 +14117,7 @@
         <p:spPr>
           <a:xfrm>
             <a:off x="360000" y="1980000"/>
-            <a:ext cx="9177120" cy="4677120"/>
+            <a:ext cx="9176760" cy="4676760"/>
           </a:xfrm>
           <a:prstGeom prst="rect">
             <a:avLst/>
@@ -14157,7 +14168,7 @@
         <p:spPr>
           <a:xfrm>
             <a:off x="360000" y="1800000"/>
-            <a:ext cx="9177120" cy="4677120"/>
+            <a:ext cx="9176760" cy="4676760"/>
           </a:xfrm>
           <a:prstGeom prst="rect">
             <a:avLst/>
@@ -14208,7 +14219,7 @@
         <p:spPr>
           <a:xfrm>
             <a:off x="360000" y="1196280"/>
-            <a:ext cx="9177120" cy="4677120"/>
+            <a:ext cx="9176760" cy="4676760"/>
           </a:xfrm>
           <a:prstGeom prst="rect">
             <a:avLst/>
@@ -14249,7 +14260,7 @@
             </a:endParaRPr>
           </a:p>
           <a:p>
-            <a:pPr marL="216000" indent="-213120">
+            <a:pPr marL="216000" indent="-212760">
               <a:lnSpc>
                 <a:spcPct val="100000"/>
               </a:lnSpc>
@@ -14285,7 +14296,7 @@
             </a:endParaRPr>
           </a:p>
           <a:p>
-            <a:pPr marL="216000" indent="-213120">
+            <a:pPr marL="216000" indent="-212760">
               <a:lnSpc>
                 <a:spcPct val="100000"/>
               </a:lnSpc>
@@ -14321,7 +14332,7 @@
             </a:endParaRPr>
           </a:p>
           <a:p>
-            <a:pPr marL="216000" indent="-213120">
+            <a:pPr marL="216000" indent="-212760">
               <a:lnSpc>
                 <a:spcPct val="100000"/>
               </a:lnSpc>
@@ -14387,7 +14398,7 @@
         <p:spPr>
           <a:xfrm>
             <a:off x="360000" y="360000"/>
-            <a:ext cx="9357120" cy="897120"/>
+            <a:ext cx="9356760" cy="896760"/>
           </a:xfrm>
           <a:prstGeom prst="rect">
             <a:avLst/>
@@ -14438,7 +14449,7 @@
         <p:spPr>
           <a:xfrm>
             <a:off x="360000" y="1980000"/>
-            <a:ext cx="9177120" cy="4677120"/>
+            <a:ext cx="9176760" cy="4676760"/>
           </a:xfrm>
           <a:prstGeom prst="rect">
             <a:avLst/>
@@ -14489,7 +14500,7 @@
         <p:spPr>
           <a:xfrm>
             <a:off x="360000" y="1800000"/>
-            <a:ext cx="9177120" cy="4677120"/>
+            <a:ext cx="9176760" cy="4676760"/>
           </a:xfrm>
           <a:prstGeom prst="rect">
             <a:avLst/>
@@ -14540,7 +14551,7 @@
         <p:spPr>
           <a:xfrm>
             <a:off x="360000" y="1008000"/>
-            <a:ext cx="9177120" cy="4677120"/>
+            <a:ext cx="9176760" cy="4676760"/>
           </a:xfrm>
           <a:prstGeom prst="rect">
             <a:avLst/>
@@ -14581,7 +14592,7 @@
             </a:endParaRPr>
           </a:p>
           <a:p>
-            <a:pPr marL="216000" indent="-213120">
+            <a:pPr marL="216000" indent="-212760">
               <a:lnSpc>
                 <a:spcPct val="100000"/>
               </a:lnSpc>
@@ -14617,7 +14628,7 @@
             </a:endParaRPr>
           </a:p>
           <a:p>
-            <a:pPr marL="216000" indent="-213120">
+            <a:pPr marL="216000" indent="-212760">
               <a:lnSpc>
                 <a:spcPct val="100000"/>
               </a:lnSpc>
@@ -14663,7 +14674,7 @@
             </a:endParaRPr>
           </a:p>
           <a:p>
-            <a:pPr marL="216000" indent="-213120">
+            <a:pPr marL="216000" indent="-212760">
               <a:lnSpc>
                 <a:spcPct val="100000"/>
               </a:lnSpc>
@@ -14699,7 +14710,7 @@
             </a:endParaRPr>
           </a:p>
           <a:p>
-            <a:pPr marL="216000" indent="-213120">
+            <a:pPr marL="216000" indent="-212760">
               <a:lnSpc>
                 <a:spcPct val="100000"/>
               </a:lnSpc>
@@ -14775,7 +14786,7 @@
         <p:spPr>
           <a:xfrm>
             <a:off x="360000" y="360000"/>
-            <a:ext cx="9357120" cy="897120"/>
+            <a:ext cx="9356760" cy="896760"/>
           </a:xfrm>
           <a:prstGeom prst="rect">
             <a:avLst/>
@@ -14826,7 +14837,7 @@
         <p:spPr>
           <a:xfrm>
             <a:off x="360000" y="1980000"/>
-            <a:ext cx="9177120" cy="4677120"/>
+            <a:ext cx="9176760" cy="4676760"/>
           </a:xfrm>
           <a:prstGeom prst="rect">
             <a:avLst/>
@@ -14877,7 +14888,7 @@
         <p:spPr>
           <a:xfrm>
             <a:off x="360000" y="1800000"/>
-            <a:ext cx="9177120" cy="4677120"/>
+            <a:ext cx="9176760" cy="4676760"/>
           </a:xfrm>
           <a:prstGeom prst="rect">
             <a:avLst/>
@@ -14928,7 +14939,7 @@
         <p:spPr>
           <a:xfrm>
             <a:off x="360000" y="1196280"/>
-            <a:ext cx="9177120" cy="4677120"/>
+            <a:ext cx="9176760" cy="4676760"/>
           </a:xfrm>
           <a:prstGeom prst="rect">
             <a:avLst/>
@@ -14969,7 +14980,7 @@
             </a:endParaRPr>
           </a:p>
           <a:p>
-            <a:pPr marL="216000" indent="-213120">
+            <a:pPr marL="216000" indent="-212760">
               <a:lnSpc>
                 <a:spcPct val="100000"/>
               </a:lnSpc>
@@ -15005,7 +15016,7 @@
             </a:endParaRPr>
           </a:p>
           <a:p>
-            <a:pPr marL="216000" indent="-213120">
+            <a:pPr marL="216000" indent="-212760">
               <a:lnSpc>
                 <a:spcPct val="100000"/>
               </a:lnSpc>
@@ -15041,7 +15052,7 @@
             </a:endParaRPr>
           </a:p>
           <a:p>
-            <a:pPr marL="216000" indent="-213120">
+            <a:pPr marL="216000" indent="-212760">
               <a:lnSpc>
                 <a:spcPct val="100000"/>
               </a:lnSpc>
@@ -15077,7 +15088,7 @@
             </a:endParaRPr>
           </a:p>
           <a:p>
-            <a:pPr marL="216000" indent="-213120">
+            <a:pPr marL="216000" indent="-212760">
               <a:lnSpc>
                 <a:spcPct val="100000"/>
               </a:lnSpc>
@@ -15143,7 +15154,7 @@
         <p:spPr>
           <a:xfrm>
             <a:off x="360000" y="360000"/>
-            <a:ext cx="9357120" cy="897120"/>
+            <a:ext cx="9356760" cy="896760"/>
           </a:xfrm>
           <a:prstGeom prst="rect">
             <a:avLst/>
@@ -15194,7 +15205,7 @@
         <p:spPr>
           <a:xfrm>
             <a:off x="360000" y="1980000"/>
-            <a:ext cx="9177120" cy="4677120"/>
+            <a:ext cx="9176760" cy="4676760"/>
           </a:xfrm>
           <a:prstGeom prst="rect">
             <a:avLst/>
@@ -15245,7 +15256,7 @@
         <p:spPr>
           <a:xfrm>
             <a:off x="360000" y="1800000"/>
-            <a:ext cx="9177120" cy="4677120"/>
+            <a:ext cx="9176760" cy="4676760"/>
           </a:xfrm>
           <a:prstGeom prst="rect">
             <a:avLst/>
@@ -15296,7 +15307,7 @@
         <p:spPr>
           <a:xfrm>
             <a:off x="360000" y="1196280"/>
-            <a:ext cx="9177120" cy="4677120"/>
+            <a:ext cx="9176760" cy="4676760"/>
           </a:xfrm>
           <a:prstGeom prst="rect">
             <a:avLst/>
@@ -15337,7 +15348,7 @@
             </a:endParaRPr>
           </a:p>
           <a:p>
-            <a:pPr marL="216000" indent="-213120">
+            <a:pPr marL="216000" indent="-212760">
               <a:lnSpc>
                 <a:spcPct val="100000"/>
               </a:lnSpc>
@@ -15373,7 +15384,7 @@
             </a:endParaRPr>
           </a:p>
           <a:p>
-            <a:pPr marL="216000" indent="-213120">
+            <a:pPr marL="216000" indent="-212760">
               <a:lnSpc>
                 <a:spcPct val="100000"/>
               </a:lnSpc>
@@ -15409,7 +15420,7 @@
             </a:endParaRPr>
           </a:p>
           <a:p>
-            <a:pPr marL="216000" indent="-213120">
+            <a:pPr marL="216000" indent="-212760">
               <a:lnSpc>
                 <a:spcPct val="100000"/>
               </a:lnSpc>
@@ -15475,7 +15486,7 @@
         <p:spPr>
           <a:xfrm>
             <a:off x="360000" y="3330000"/>
-            <a:ext cx="9357120" cy="897120"/>
+            <a:ext cx="9356760" cy="896760"/>
           </a:xfrm>
           <a:prstGeom prst="rect">
             <a:avLst/>
@@ -15526,7 +15537,7 @@
         <p:spPr>
           <a:xfrm>
             <a:off x="540000" y="4680000"/>
-            <a:ext cx="9177120" cy="2517120"/>
+            <a:ext cx="9176760" cy="2516760"/>
           </a:xfrm>
           <a:prstGeom prst="rect">
             <a:avLst/>
@@ -15633,7 +15644,7 @@
         <p:spPr>
           <a:xfrm>
             <a:off x="7132320" y="4663440"/>
-            <a:ext cx="2466000" cy="2466000"/>
+            <a:ext cx="2465640" cy="2465640"/>
           </a:xfrm>
           <a:prstGeom prst="rect">
             <a:avLst/>
@@ -15682,7 +15693,7 @@
         <p:spPr>
           <a:xfrm>
             <a:off x="360000" y="360000"/>
-            <a:ext cx="9357120" cy="897120"/>
+            <a:ext cx="9356760" cy="896760"/>
           </a:xfrm>
           <a:prstGeom prst="rect">
             <a:avLst/>
@@ -15733,7 +15744,7 @@
         <p:spPr>
           <a:xfrm>
             <a:off x="360000" y="1980000"/>
-            <a:ext cx="9177120" cy="4677120"/>
+            <a:ext cx="9176760" cy="4676760"/>
           </a:xfrm>
           <a:prstGeom prst="rect">
             <a:avLst/>
@@ -15764,7 +15775,7 @@
             </a:endParaRPr>
           </a:p>
           <a:p>
-            <a:pPr marL="216000" indent="-213120">
+            <a:pPr marL="216000" indent="-212760">
               <a:lnSpc>
                 <a:spcPct val="100000"/>
               </a:lnSpc>
@@ -15790,7 +15801,7 @@
             </a:endParaRPr>
           </a:p>
           <a:p>
-            <a:pPr marL="216000" indent="-213120">
+            <a:pPr marL="216000" indent="-212760">
               <a:lnSpc>
                 <a:spcPct val="100000"/>
               </a:lnSpc>
@@ -15816,7 +15827,7 @@
             </a:endParaRPr>
           </a:p>
           <a:p>
-            <a:pPr marL="216000" indent="-213120">
+            <a:pPr marL="216000" indent="-212760">
               <a:lnSpc>
                 <a:spcPct val="100000"/>
               </a:lnSpc>
@@ -15842,7 +15853,7 @@
             </a:endParaRPr>
           </a:p>
           <a:p>
-            <a:pPr marL="216000" indent="-213120">
+            <a:pPr marL="216000" indent="-212760">
               <a:lnSpc>
                 <a:spcPct val="100000"/>
               </a:lnSpc>
@@ -15868,7 +15879,7 @@
             </a:endParaRPr>
           </a:p>
           <a:p>
-            <a:pPr marL="216000" indent="-213120">
+            <a:pPr marL="216000" indent="-212760">
               <a:lnSpc>
                 <a:spcPct val="100000"/>
               </a:lnSpc>
@@ -15894,7 +15905,7 @@
             </a:endParaRPr>
           </a:p>
           <a:p>
-            <a:pPr marL="216000" indent="-213120">
+            <a:pPr marL="216000" indent="-212760">
               <a:lnSpc>
                 <a:spcPct val="100000"/>
               </a:lnSpc>
@@ -15920,7 +15931,7 @@
             </a:endParaRPr>
           </a:p>
           <a:p>
-            <a:pPr marL="216000" indent="-213120">
+            <a:pPr marL="216000" indent="-212760">
               <a:lnSpc>
                 <a:spcPct val="100000"/>
               </a:lnSpc>
@@ -15986,7 +15997,7 @@
         <p:spPr>
           <a:xfrm>
             <a:off x="360000" y="360000"/>
-            <a:ext cx="9357120" cy="897120"/>
+            <a:ext cx="9356760" cy="896760"/>
           </a:xfrm>
           <a:prstGeom prst="rect">
             <a:avLst/>
@@ -16037,7 +16048,7 @@
         <p:spPr>
           <a:xfrm>
             <a:off x="360000" y="1980000"/>
-            <a:ext cx="9177120" cy="4677120"/>
+            <a:ext cx="9176760" cy="4676760"/>
           </a:xfrm>
           <a:prstGeom prst="rect">
             <a:avLst/>
@@ -16068,7 +16079,7 @@
             </a:endParaRPr>
           </a:p>
           <a:p>
-            <a:pPr marL="216000" indent="-213120">
+            <a:pPr marL="216000" indent="-212760">
               <a:lnSpc>
                 <a:spcPct val="100000"/>
               </a:lnSpc>
@@ -16104,7 +16115,7 @@
         <p:spPr>
           <a:xfrm>
             <a:off x="360000" y="1980000"/>
-            <a:ext cx="9177120" cy="4677120"/>
+            <a:ext cx="9176760" cy="4676760"/>
           </a:xfrm>
           <a:prstGeom prst="rect">
             <a:avLst/>
@@ -16135,7 +16146,7 @@
             </a:endParaRPr>
           </a:p>
           <a:p>
-            <a:pPr marL="216000" indent="-213120">
+            <a:pPr marL="216000" indent="-212760">
               <a:lnSpc>
                 <a:spcPct val="100000"/>
               </a:lnSpc>
@@ -16171,7 +16182,7 @@
             </a:endParaRPr>
           </a:p>
           <a:p>
-            <a:pPr marL="216000" indent="-213120">
+            <a:pPr marL="216000" indent="-212760">
               <a:lnSpc>
                 <a:spcPct val="100000"/>
               </a:lnSpc>
@@ -16207,7 +16218,7 @@
             </a:endParaRPr>
           </a:p>
           <a:p>
-            <a:pPr marL="216000" indent="-213120">
+            <a:pPr marL="216000" indent="-212760">
               <a:lnSpc>
                 <a:spcPct val="100000"/>
               </a:lnSpc>
@@ -16243,7 +16254,7 @@
             </a:endParaRPr>
           </a:p>
           <a:p>
-            <a:pPr marL="216000" indent="-213120">
+            <a:pPr marL="216000" indent="-212760">
               <a:lnSpc>
                 <a:spcPct val="100000"/>
               </a:lnSpc>
@@ -16309,7 +16320,7 @@
         <p:spPr>
           <a:xfrm>
             <a:off x="360000" y="360000"/>
-            <a:ext cx="9357120" cy="897120"/>
+            <a:ext cx="9356760" cy="896760"/>
           </a:xfrm>
           <a:prstGeom prst="rect">
             <a:avLst/>
@@ -16360,7 +16371,7 @@
         <p:spPr>
           <a:xfrm>
             <a:off x="360000" y="1980000"/>
-            <a:ext cx="9177120" cy="4677120"/>
+            <a:ext cx="9176760" cy="4676760"/>
           </a:xfrm>
           <a:prstGeom prst="rect">
             <a:avLst/>
@@ -16391,7 +16402,7 @@
             </a:endParaRPr>
           </a:p>
           <a:p>
-            <a:pPr marL="216000" indent="-213120">
+            <a:pPr marL="216000" indent="-212760">
               <a:lnSpc>
                 <a:spcPct val="100000"/>
               </a:lnSpc>
@@ -16427,7 +16438,7 @@
         <p:spPr>
           <a:xfrm>
             <a:off x="360000" y="1980000"/>
-            <a:ext cx="9177120" cy="4677120"/>
+            <a:ext cx="9176760" cy="4676760"/>
           </a:xfrm>
           <a:prstGeom prst="rect">
             <a:avLst/>
@@ -16458,7 +16469,7 @@
             </a:endParaRPr>
           </a:p>
           <a:p>
-            <a:pPr marL="216000" indent="-213120">
+            <a:pPr marL="216000" indent="-212760">
               <a:lnSpc>
                 <a:spcPct val="100000"/>
               </a:lnSpc>
@@ -16484,7 +16495,7 @@
             </a:endParaRPr>
           </a:p>
           <a:p>
-            <a:pPr lvl="1" marL="432000" indent="-215280">
+            <a:pPr lvl="1" marL="432000" indent="-214920">
               <a:lnSpc>
                 <a:spcPct val="100000"/>
               </a:lnSpc>
@@ -16510,7 +16521,7 @@
             </a:endParaRPr>
           </a:p>
           <a:p>
-            <a:pPr lvl="1" marL="432000" indent="-215280">
+            <a:pPr lvl="1" marL="432000" indent="-214920">
               <a:lnSpc>
                 <a:spcPct val="100000"/>
               </a:lnSpc>
@@ -16536,7 +16547,7 @@
             </a:endParaRPr>
           </a:p>
           <a:p>
-            <a:pPr lvl="1" marL="432000" indent="-215280">
+            <a:pPr lvl="1" marL="432000" indent="-214920">
               <a:lnSpc>
                 <a:spcPct val="100000"/>
               </a:lnSpc>
@@ -16572,7 +16583,7 @@
             </a:endParaRPr>
           </a:p>
           <a:p>
-            <a:pPr marL="216000" indent="-213120">
+            <a:pPr marL="216000" indent="-212760">
               <a:lnSpc>
                 <a:spcPct val="100000"/>
               </a:lnSpc>
@@ -16648,7 +16659,7 @@
         <p:spPr>
           <a:xfrm>
             <a:off x="360000" y="360000"/>
-            <a:ext cx="9357120" cy="897120"/>
+            <a:ext cx="9356760" cy="896760"/>
           </a:xfrm>
           <a:prstGeom prst="rect">
             <a:avLst/>
@@ -16703,7 +16714,7 @@
         <p:spPr>
           <a:xfrm>
             <a:off x="1566360" y="2049120"/>
-            <a:ext cx="7142760" cy="4142160"/>
+            <a:ext cx="7142400" cy="4141800"/>
           </a:xfrm>
           <a:prstGeom prst="rect">
             <a:avLst/>
@@ -16752,7 +16763,7 @@
         <p:spPr>
           <a:xfrm>
             <a:off x="360000" y="360000"/>
-            <a:ext cx="9357120" cy="897120"/>
+            <a:ext cx="9356760" cy="896760"/>
           </a:xfrm>
           <a:prstGeom prst="rect">
             <a:avLst/>
@@ -16803,7 +16814,7 @@
         <p:spPr>
           <a:xfrm>
             <a:off x="360000" y="1980000"/>
-            <a:ext cx="9177120" cy="4677120"/>
+            <a:ext cx="9176760" cy="4676760"/>
           </a:xfrm>
           <a:prstGeom prst="rect">
             <a:avLst/>
@@ -16834,7 +16845,7 @@
             </a:endParaRPr>
           </a:p>
           <a:p>
-            <a:pPr marL="216000" indent="-213120">
+            <a:pPr marL="216000" indent="-212760">
               <a:lnSpc>
                 <a:spcPct val="100000"/>
               </a:lnSpc>
@@ -16860,7 +16871,7 @@
             </a:endParaRPr>
           </a:p>
           <a:p>
-            <a:pPr lvl="1" marL="432000" indent="-215280">
+            <a:pPr lvl="1" marL="432000" indent="-214920">
               <a:lnSpc>
                 <a:spcPct val="100000"/>
               </a:lnSpc>
@@ -16886,7 +16897,7 @@
             </a:endParaRPr>
           </a:p>
           <a:p>
-            <a:pPr lvl="1" marL="432000" indent="-215280">
+            <a:pPr lvl="1" marL="432000" indent="-214920">
               <a:lnSpc>
                 <a:spcPct val="100000"/>
               </a:lnSpc>
@@ -16912,7 +16923,7 @@
             </a:endParaRPr>
           </a:p>
           <a:p>
-            <a:pPr lvl="1" marL="432000" indent="-215280">
+            <a:pPr lvl="1" marL="432000" indent="-214920">
               <a:lnSpc>
                 <a:spcPct val="100000"/>
               </a:lnSpc>
@@ -16938,7 +16949,7 @@
             </a:endParaRPr>
           </a:p>
           <a:p>
-            <a:pPr lvl="1" marL="432000" indent="-215280">
+            <a:pPr lvl="1" marL="432000" indent="-214920">
               <a:lnSpc>
                 <a:spcPct val="100000"/>
               </a:lnSpc>
@@ -16984,7 +16995,7 @@
             </a:endParaRPr>
           </a:p>
           <a:p>
-            <a:pPr marL="216000" indent="-213120">
+            <a:pPr marL="216000" indent="-212760">
               <a:lnSpc>
                 <a:spcPct val="100000"/>
               </a:lnSpc>
@@ -17020,7 +17031,7 @@
             </a:endParaRPr>
           </a:p>
           <a:p>
-            <a:pPr marL="216000" indent="-213120">
+            <a:pPr marL="216000" indent="-212760">
               <a:lnSpc>
                 <a:spcPct val="100000"/>
               </a:lnSpc>
@@ -17086,7 +17097,7 @@
         <p:spPr>
           <a:xfrm>
             <a:off x="360000" y="360000"/>
-            <a:ext cx="9357120" cy="897120"/>
+            <a:ext cx="9356760" cy="896760"/>
           </a:xfrm>
           <a:prstGeom prst="rect">
             <a:avLst/>
@@ -17147,7 +17158,7 @@
         <p:spPr>
           <a:xfrm>
             <a:off x="360000" y="1980000"/>
-            <a:ext cx="9177120" cy="4677120"/>
+            <a:ext cx="9176760" cy="4676760"/>
           </a:xfrm>
           <a:prstGeom prst="rect">
             <a:avLst/>
@@ -17178,7 +17189,7 @@
             </a:endParaRPr>
           </a:p>
           <a:p>
-            <a:pPr marL="216000" indent="-213120">
+            <a:pPr marL="216000" indent="-212760">
               <a:lnSpc>
                 <a:spcPct val="100000"/>
               </a:lnSpc>
@@ -17224,7 +17235,7 @@
             </a:endParaRPr>
           </a:p>
           <a:p>
-            <a:pPr marL="216000" indent="-213120">
+            <a:pPr marL="216000" indent="-212760">
               <a:lnSpc>
                 <a:spcPct val="100000"/>
               </a:lnSpc>
@@ -17260,7 +17271,7 @@
             </a:endParaRPr>
           </a:p>
           <a:p>
-            <a:pPr marL="216000" indent="-213120">
+            <a:pPr marL="216000" indent="-212760">
               <a:lnSpc>
                 <a:spcPct val="100000"/>
               </a:lnSpc>
